--- a/Talks/INSEC/INSEC.pptx
+++ b/Talks/INSEC/INSEC.pptx
@@ -4289,7 +4289,7 @@
           <p:cNvPr id="7" name="Footer Placeholder 4">
             <a:extLst>
               <a:ext uri="{FF2B5EF4-FFF2-40B4-BE49-F238E27FC236}">
-                <a16:creationId xmlns:lc="http://schemas.openxmlformats.org/drawingml/2006/lockedCanvas" xmlns:a16="http://schemas.microsoft.com/office/drawing/2014/main" xmlns="" id="{59271489-1EC6-0D4E-BF28-047FF1DDB132}"/>
+                <a16:creationId xmlns="" xmlns:a16="http://schemas.microsoft.com/office/drawing/2014/main" xmlns:lc="http://schemas.openxmlformats.org/drawingml/2006/lockedCanvas" id="{59271489-1EC6-0D4E-BF28-047FF1DDB132}"/>
               </a:ext>
             </a:extLst>
           </p:cNvPr>
@@ -4446,15 +4446,7 @@
                   <a:srgbClr val="00567E"/>
                 </a:solidFill>
               </a:rPr>
-              <a:t>Digital </a:t>
-            </a:r>
-            <a:r>
-              <a:rPr lang="en-US" sz="4400" b="1" dirty="0" smtClean="0">
-                <a:solidFill>
-                  <a:srgbClr val="00567E"/>
-                </a:solidFill>
-              </a:rPr>
-              <a:t>Forensics</a:t>
+              <a:t>Digital Forensics</a:t>
             </a:r>
             <a:endParaRPr lang="en-US" sz="4400" b="1" dirty="0">
               <a:solidFill>
@@ -4490,15 +4482,7 @@
                   <a:srgbClr val="00567E"/>
                 </a:solidFill>
               </a:rPr>
-              <a:t>Intro </a:t>
-            </a:r>
-            <a:r>
-              <a:rPr lang="en-US" dirty="0" smtClean="0">
-                <a:solidFill>
-                  <a:srgbClr val="00567E"/>
-                </a:solidFill>
-              </a:rPr>
-              <a:t>&amp; Essentials</a:t>
+              <a:t>Intro &amp; Essentials</a:t>
             </a:r>
             <a:endParaRPr lang="en-US" dirty="0">
               <a:solidFill>
@@ -4686,7 +4670,7 @@
           <p:cNvPr id="7" name="Footer Placeholder 4">
             <a:extLst>
               <a:ext uri="{FF2B5EF4-FFF2-40B4-BE49-F238E27FC236}">
-                <a16:creationId xmlns:lc="http://schemas.openxmlformats.org/drawingml/2006/lockedCanvas" xmlns:a16="http://schemas.microsoft.com/office/drawing/2014/main" xmlns="" id="{59271489-1EC6-0D4E-BF28-047FF1DDB132}"/>
+                <a16:creationId xmlns="" xmlns:a16="http://schemas.microsoft.com/office/drawing/2014/main" xmlns:lc="http://schemas.openxmlformats.org/drawingml/2006/lockedCanvas" id="{59271489-1EC6-0D4E-BF28-047FF1DDB132}"/>
               </a:ext>
             </a:extLst>
           </p:cNvPr>
@@ -5043,12 +5027,6 @@
               </a:rPr>
               <a:t>&amp; A</a:t>
             </a:r>
-            <a:endParaRPr lang="en-US" sz="3600" dirty="0">
-              <a:solidFill>
-                <a:srgbClr val="004868"/>
-              </a:solidFill>
-              <a:cs typeface="(A) Arslan Wessam A" panose="03020402040406030203" pitchFamily="66" charset="-78"/>
-            </a:endParaRPr>
           </a:p>
         </p:txBody>
       </p:sp>
@@ -5587,11 +5565,6 @@
               </a:rPr>
               <a:t>?</a:t>
             </a:r>
-            <a:endParaRPr lang="en-US" b="1" dirty="0">
-              <a:solidFill>
-                <a:srgbClr val="00567E"/>
-              </a:solidFill>
-            </a:endParaRPr>
           </a:p>
         </p:txBody>
       </p:sp>
@@ -5630,7 +5603,7 @@
           <p:cNvPr id="7" name="Footer Placeholder 4">
             <a:extLst>
               <a:ext uri="{FF2B5EF4-FFF2-40B4-BE49-F238E27FC236}">
-                <a16:creationId xmlns:lc="http://schemas.openxmlformats.org/drawingml/2006/lockedCanvas" xmlns:a16="http://schemas.microsoft.com/office/drawing/2014/main" xmlns="" id="{59271489-1EC6-0D4E-BF28-047FF1DDB132}"/>
+                <a16:creationId xmlns="" xmlns:a16="http://schemas.microsoft.com/office/drawing/2014/main" xmlns:lc="http://schemas.openxmlformats.org/drawingml/2006/lockedCanvas" id="{59271489-1EC6-0D4E-BF28-047FF1DDB132}"/>
               </a:ext>
             </a:extLst>
           </p:cNvPr>
@@ -6454,7 +6427,7 @@
           <p:cNvPr id="7" name="Footer Placeholder 4">
             <a:extLst>
               <a:ext uri="{FF2B5EF4-FFF2-40B4-BE49-F238E27FC236}">
-                <a16:creationId xmlns:lc="http://schemas.openxmlformats.org/drawingml/2006/lockedCanvas" xmlns:a16="http://schemas.microsoft.com/office/drawing/2014/main" xmlns="" id="{59271489-1EC6-0D4E-BF28-047FF1DDB132}"/>
+                <a16:creationId xmlns="" xmlns:a16="http://schemas.microsoft.com/office/drawing/2014/main" xmlns:lc="http://schemas.openxmlformats.org/drawingml/2006/lockedCanvas" id="{59271489-1EC6-0D4E-BF28-047FF1DDB132}"/>
               </a:ext>
             </a:extLst>
           </p:cNvPr>
@@ -6625,16 +6598,7 @@
                 </a:solidFill>
                 <a:cs typeface="(A) Arslan Wessam A" panose="03020402040406030203" pitchFamily="66" charset="-78"/>
               </a:rPr>
-              <a:t> </a:t>
-            </a:r>
-            <a:r>
-              <a:rPr lang="en-US" sz="3600" dirty="0" smtClean="0">
-                <a:solidFill>
-                  <a:srgbClr val="004868"/>
-                </a:solidFill>
-                <a:cs typeface="(A) Arslan Wessam A" panose="03020402040406030203" pitchFamily="66" charset="-78"/>
-              </a:rPr>
-              <a:t>Soft Skills</a:t>
+              <a:t> Soft Skills</a:t>
             </a:r>
           </a:p>
           <a:p>
@@ -7388,7 +7352,7 @@
           <p:cNvPr id="7" name="Footer Placeholder 4">
             <a:extLst>
               <a:ext uri="{FF2B5EF4-FFF2-40B4-BE49-F238E27FC236}">
-                <a16:creationId xmlns:lc="http://schemas.openxmlformats.org/drawingml/2006/lockedCanvas" xmlns:a16="http://schemas.microsoft.com/office/drawing/2014/main" xmlns="" id="{59271489-1EC6-0D4E-BF28-047FF1DDB132}"/>
+                <a16:creationId xmlns="" xmlns:a16="http://schemas.microsoft.com/office/drawing/2014/main" xmlns:lc="http://schemas.openxmlformats.org/drawingml/2006/lockedCanvas" id="{59271489-1EC6-0D4E-BF28-047FF1DDB132}"/>
               </a:ext>
             </a:extLst>
           </p:cNvPr>
@@ -7559,16 +7523,7 @@
                 </a:solidFill>
                 <a:cs typeface="(A) Arslan Wessam A" panose="03020402040406030203" pitchFamily="66" charset="-78"/>
               </a:rPr>
-              <a:t> </a:t>
-            </a:r>
-            <a:r>
-              <a:rPr lang="en-US" sz="3600" dirty="0" smtClean="0">
-                <a:solidFill>
-                  <a:srgbClr val="004868"/>
-                </a:solidFill>
-                <a:cs typeface="(A) Arslan Wessam A" panose="03020402040406030203" pitchFamily="66" charset="-78"/>
-              </a:rPr>
-              <a:t>Network -&gt; </a:t>
+              <a:t> Network -&gt; </a:t>
             </a:r>
             <a:r>
               <a:rPr lang="en-US" sz="3600" dirty="0" err="1" smtClean="0">
@@ -8202,7 +8157,7 @@
           <p:cNvPr id="7" name="Footer Placeholder 4">
             <a:extLst>
               <a:ext uri="{FF2B5EF4-FFF2-40B4-BE49-F238E27FC236}">
-                <a16:creationId xmlns:lc="http://schemas.openxmlformats.org/drawingml/2006/lockedCanvas" xmlns:a16="http://schemas.microsoft.com/office/drawing/2014/main" xmlns="" id="{59271489-1EC6-0D4E-BF28-047FF1DDB132}"/>
+                <a16:creationId xmlns="" xmlns:a16="http://schemas.microsoft.com/office/drawing/2014/main" xmlns:lc="http://schemas.openxmlformats.org/drawingml/2006/lockedCanvas" id="{59271489-1EC6-0D4E-BF28-047FF1DDB132}"/>
               </a:ext>
             </a:extLst>
           </p:cNvPr>
@@ -8432,13 +8387,6 @@
               </a:rPr>
               <a:t>% of CTFs != What DFIR analyst really do.</a:t>
             </a:r>
-            <a:endParaRPr lang="en-US" sz="3600" dirty="0" smtClean="0">
-              <a:solidFill>
-                <a:srgbClr val="004868"/>
-              </a:solidFill>
-              <a:latin typeface="(A) Arslan Wessam A" panose="03020402040406030203" pitchFamily="66" charset="-78"/>
-              <a:cs typeface="(A) Arslan Wessam A" panose="03020402040406030203" pitchFamily="66" charset="-78"/>
-            </a:endParaRPr>
           </a:p>
           <a:p>
             <a:pPr lvl="0">
@@ -8540,13 +8488,8 @@
                 <a:latin typeface="(A) Arslan Wessam A" panose="03020402040406030203" pitchFamily="66" charset="-78"/>
                 <a:cs typeface="(A) Arslan Wessam A" panose="03020402040406030203" pitchFamily="66" charset="-78"/>
               </a:rPr>
-              <a:t> Applied incident response book</a:t>
-            </a:r>
-          </a:p>
-          <a:p>
-            <a:pPr lvl="1">
-              <a:buChar char="•"/>
-            </a:pPr>
+              <a:t> Introductory </a:t>
+            </a:r>
             <a:r>
               <a:rPr lang="en-US" sz="3600" dirty="0" smtClean="0">
                 <a:solidFill>
@@ -8555,7 +8498,7 @@
                 <a:latin typeface="(A) Arslan Wessam A" panose="03020402040406030203" pitchFamily="66" charset="-78"/>
                 <a:cs typeface="(A) Arslan Wessam A" panose="03020402040406030203" pitchFamily="66" charset="-78"/>
               </a:rPr>
-              <a:t> Introductory computer forensics: a hands on practical approach book</a:t>
+              <a:t>computer forensics: a hands on practical approach book</a:t>
             </a:r>
             <a:endParaRPr lang="en-US" sz="4400" dirty="0" smtClean="0">
               <a:solidFill>
@@ -8606,17 +8549,7 @@
                 <a:latin typeface="(A) Arslan Wessam A" panose="03020402040406030203" pitchFamily="66" charset="-78"/>
                 <a:cs typeface="(A) Arslan Wessam A" panose="03020402040406030203" pitchFamily="66" charset="-78"/>
               </a:rPr>
-              <a:t> </a:t>
-            </a:r>
-            <a:r>
-              <a:rPr lang="en-US" sz="3600" dirty="0">
-                <a:solidFill>
-                  <a:srgbClr val="004868"/>
-                </a:solidFill>
-                <a:latin typeface="(A) Arslan Wessam A" panose="03020402040406030203" pitchFamily="66" charset="-78"/>
-                <a:cs typeface="(A) Arslan Wessam A" panose="03020402040406030203" pitchFamily="66" charset="-78"/>
-              </a:rPr>
-              <a:t>@</a:t>
+              <a:t> @</a:t>
             </a:r>
             <a:r>
               <a:rPr lang="en-US" sz="3600" dirty="0" smtClean="0">
@@ -9187,15 +9120,33 @@
                                   </p:subTnLst>
                                 </p:cTn>
                               </p:par>
+                            </p:childTnLst>
+                          </p:cTn>
+                        </p:par>
+                      </p:childTnLst>
+                    </p:cTn>
+                  </p:par>
+                  <p:par>
+                    <p:cTn id="19" fill="hold">
+                      <p:stCondLst>
+                        <p:cond delay="indefinite"/>
+                      </p:stCondLst>
+                      <p:childTnLst>
+                        <p:par>
+                          <p:cTn id="20" fill="hold">
+                            <p:stCondLst>
+                              <p:cond delay="0"/>
+                            </p:stCondLst>
+                            <p:childTnLst>
                               <p:par>
-                                <p:cTn id="19" presetID="1" presetClass="entr" presetSubtype="0" fill="hold" grpId="0" nodeType="withEffect">
+                                <p:cTn id="21" presetID="1" presetClass="entr" presetSubtype="0" fill="hold" grpId="0" nodeType="clickEffect">
                                   <p:stCondLst>
                                     <p:cond delay="0"/>
                                   </p:stCondLst>
                                   <p:childTnLst>
                                     <p:set>
                                       <p:cBhvr>
-                                        <p:cTn id="20" dur="1" fill="hold">
+                                        <p:cTn id="22" dur="1" fill="hold">
                                           <p:stCondLst>
                                             <p:cond delay="0"/>
                                           </p:stCondLst>
@@ -9238,26 +9189,8 @@
                                   </p:subTnLst>
                                 </p:cTn>
                               </p:par>
-                            </p:childTnLst>
-                          </p:cTn>
-                        </p:par>
-                      </p:childTnLst>
-                    </p:cTn>
-                  </p:par>
-                  <p:par>
-                    <p:cTn id="21" fill="hold">
-                      <p:stCondLst>
-                        <p:cond delay="indefinite"/>
-                      </p:stCondLst>
-                      <p:childTnLst>
-                        <p:par>
-                          <p:cTn id="22" fill="hold">
-                            <p:stCondLst>
-                              <p:cond delay="0"/>
-                            </p:stCondLst>
-                            <p:childTnLst>
                               <p:par>
-                                <p:cTn id="23" presetID="1" presetClass="entr" presetSubtype="0" fill="hold" grpId="0" nodeType="clickEffect">
+                                <p:cTn id="23" presetID="1" presetClass="entr" presetSubtype="0" fill="hold" grpId="0" nodeType="withEffect">
                                   <p:stCondLst>
                                     <p:cond delay="0"/>
                                   </p:stCondLst>
@@ -9293,57 +9226,6 @@
                                           <p:spTgt spid="6">
                                             <p:txEl>
                                               <p:pRg st="7" end="7"/>
-                                            </p:txEl>
-                                          </p:spTgt>
-                                        </p:tgtEl>
-                                        <p:attrNameLst>
-                                          <p:attrName>ppt_c</p:attrName>
-                                        </p:attrNameLst>
-                                      </p:cBhvr>
-                                      <p:to>
-                                        <a:srgbClr val="828282"/>
-                                      </p:to>
-                                    </p:animClr>
-                                  </p:subTnLst>
-                                </p:cTn>
-                              </p:par>
-                              <p:par>
-                                <p:cTn id="25" presetID="1" presetClass="entr" presetSubtype="0" fill="hold" grpId="0" nodeType="withEffect">
-                                  <p:stCondLst>
-                                    <p:cond delay="0"/>
-                                  </p:stCondLst>
-                                  <p:childTnLst>
-                                    <p:set>
-                                      <p:cBhvr>
-                                        <p:cTn id="26" dur="1" fill="hold">
-                                          <p:stCondLst>
-                                            <p:cond delay="0"/>
-                                          </p:stCondLst>
-                                        </p:cTn>
-                                        <p:tgtEl>
-                                          <p:spTgt spid="6">
-                                            <p:txEl>
-                                              <p:pRg st="8" end="8"/>
-                                            </p:txEl>
-                                          </p:spTgt>
-                                        </p:tgtEl>
-                                        <p:attrNameLst>
-                                          <p:attrName>style.visibility</p:attrName>
-                                        </p:attrNameLst>
-                                      </p:cBhvr>
-                                      <p:to>
-                                        <p:strVal val="visible"/>
-                                      </p:to>
-                                    </p:set>
-                                  </p:childTnLst>
-                                  <p:subTnLst>
-                                    <p:animClr clrSpc="rgb" dir="cw">
-                                      <p:cBhvr override="childStyle">
-                                        <p:cTn dur="1" fill="hold" display="0" masterRel="nextClick" afterEffect="1"/>
-                                        <p:tgtEl>
-                                          <p:spTgt spid="6">
-                                            <p:txEl>
-                                              <p:pRg st="8" end="8"/>
                                             </p:txEl>
                                           </p:spTgt>
                                         </p:tgtEl>
@@ -9444,7 +9326,7 @@
           <p:cNvPr id="7" name="Footer Placeholder 4">
             <a:extLst>
               <a:ext uri="{FF2B5EF4-FFF2-40B4-BE49-F238E27FC236}">
-                <a16:creationId xmlns:lc="http://schemas.openxmlformats.org/drawingml/2006/lockedCanvas" xmlns:a16="http://schemas.microsoft.com/office/drawing/2014/main" xmlns="" id="{59271489-1EC6-0D4E-BF28-047FF1DDB132}"/>
+                <a16:creationId xmlns="" xmlns:a16="http://schemas.microsoft.com/office/drawing/2014/main" xmlns:lc="http://schemas.openxmlformats.org/drawingml/2006/lockedCanvas" id="{59271489-1EC6-0D4E-BF28-047FF1DDB132}"/>
               </a:ext>
             </a:extLst>
           </p:cNvPr>
@@ -9904,15 +9786,7 @@
                   <a:srgbClr val="00567E"/>
                 </a:solidFill>
               </a:rPr>
-              <a:t>Contact: </a:t>
-            </a:r>
-            <a:r>
-              <a:rPr lang="en-US" dirty="0" smtClean="0">
-                <a:solidFill>
-                  <a:srgbClr val="00567E"/>
-                </a:solidFill>
-              </a:rPr>
-              <a:t>0xMohamedHasan </a:t>
+              <a:t>Contact: 0xMohamedHasan </a:t>
             </a:r>
             <a:endParaRPr lang="en-US" dirty="0">
               <a:solidFill>
@@ -9957,7 +9831,7 @@
           <p:cNvPr id="10" name="Footer Placeholder 4">
             <a:extLst>
               <a:ext uri="{FF2B5EF4-FFF2-40B4-BE49-F238E27FC236}">
-                <a16:creationId xmlns:lc="http://schemas.openxmlformats.org/drawingml/2006/lockedCanvas" xmlns:a16="http://schemas.microsoft.com/office/drawing/2014/main" xmlns="" id="{59271489-1EC6-0D4E-BF28-047FF1DDB132}"/>
+                <a16:creationId xmlns="" xmlns:a16="http://schemas.microsoft.com/office/drawing/2014/main" xmlns:lc="http://schemas.openxmlformats.org/drawingml/2006/lockedCanvas" id="{59271489-1EC6-0D4E-BF28-047FF1DDB132}"/>
               </a:ext>
             </a:extLst>
           </p:cNvPr>

--- a/Talks/INSEC/INSEC.pptx
+++ b/Talks/INSEC/INSEC.pptx
@@ -5,20 +5,23 @@
     <p:sldMasterId id="2147483648" r:id="rId1"/>
   </p:sldMasterIdLst>
   <p:notesMasterIdLst>
-    <p:notesMasterId r:id="rId10"/>
+    <p:notesMasterId r:id="rId13"/>
   </p:notesMasterIdLst>
   <p:handoutMasterIdLst>
-    <p:handoutMasterId r:id="rId11"/>
+    <p:handoutMasterId r:id="rId14"/>
   </p:handoutMasterIdLst>
   <p:sldIdLst>
     <p:sldId id="256" r:id="rId2"/>
     <p:sldId id="257" r:id="rId3"/>
     <p:sldId id="262" r:id="rId4"/>
-    <p:sldId id="263" r:id="rId5"/>
-    <p:sldId id="264" r:id="rId6"/>
-    <p:sldId id="265" r:id="rId7"/>
-    <p:sldId id="266" r:id="rId8"/>
-    <p:sldId id="261" r:id="rId9"/>
+    <p:sldId id="269" r:id="rId5"/>
+    <p:sldId id="267" r:id="rId6"/>
+    <p:sldId id="263" r:id="rId7"/>
+    <p:sldId id="264" r:id="rId8"/>
+    <p:sldId id="268" r:id="rId9"/>
+    <p:sldId id="265" r:id="rId10"/>
+    <p:sldId id="266" r:id="rId11"/>
+    <p:sldId id="261" r:id="rId12"/>
   </p:sldIdLst>
   <p:sldSz cx="12192000" cy="6858000"/>
   <p:notesSz cx="6858000" cy="9144000"/>
@@ -207,7 +210,7 @@
           <a:p>
             <a:fld id="{E2550AA1-0A13-494E-BD57-EF27E9A45890}" type="datetimeFigureOut">
               <a:rPr lang="en-US" smtClean="0"/>
-              <a:t>12/11/2021</a:t>
+              <a:t>12/13/2021</a:t>
             </a:fld>
             <a:endParaRPr lang="en-US"/>
           </a:p>
@@ -372,7 +375,7 @@
           <a:p>
             <a:fld id="{09221A00-58B4-4D77-9CE7-FBE288287E2D}" type="datetimeFigureOut">
               <a:rPr lang="en-US" smtClean="0"/>
-              <a:t>12/11/2021</a:t>
+              <a:t>12/13/2021</a:t>
             </a:fld>
             <a:endParaRPr lang="en-US"/>
           </a:p>
@@ -724,6 +727,174 @@
 </p:notes>
 </file>
 
+<file path=ppt/notesSlides/notesSlide10.xml><?xml version="1.0" encoding="utf-8"?>
+<p:notes xmlns:a="http://schemas.openxmlformats.org/drawingml/2006/main" xmlns:r="http://schemas.openxmlformats.org/officeDocument/2006/relationships" xmlns:p="http://schemas.openxmlformats.org/presentationml/2006/main">
+  <p:cSld>
+    <p:spTree>
+      <p:nvGrpSpPr>
+        <p:cNvPr id="1" name=""/>
+        <p:cNvGrpSpPr/>
+        <p:nvPr/>
+      </p:nvGrpSpPr>
+      <p:grpSpPr>
+        <a:xfrm>
+          <a:off x="0" y="0"/>
+          <a:ext cx="0" cy="0"/>
+          <a:chOff x="0" y="0"/>
+          <a:chExt cx="0" cy="0"/>
+        </a:xfrm>
+      </p:grpSpPr>
+      <p:sp>
+        <p:nvSpPr>
+          <p:cNvPr id="2" name="Slide Image Placeholder 1"/>
+          <p:cNvSpPr>
+            <a:spLocks noGrp="1" noRot="1" noChangeAspect="1"/>
+          </p:cNvSpPr>
+          <p:nvPr>
+            <p:ph type="sldImg"/>
+          </p:nvPr>
+        </p:nvSpPr>
+        <p:spPr/>
+      </p:sp>
+      <p:sp>
+        <p:nvSpPr>
+          <p:cNvPr id="3" name="Notes Placeholder 2"/>
+          <p:cNvSpPr>
+            <a:spLocks noGrp="1"/>
+          </p:cNvSpPr>
+          <p:nvPr>
+            <p:ph type="body" idx="1"/>
+          </p:nvPr>
+        </p:nvSpPr>
+        <p:spPr/>
+        <p:txBody>
+          <a:bodyPr/>
+          <a:lstStyle/>
+          <a:p>
+            <a:endParaRPr lang="en-US"/>
+          </a:p>
+        </p:txBody>
+      </p:sp>
+      <p:sp>
+        <p:nvSpPr>
+          <p:cNvPr id="4" name="Slide Number Placeholder 3"/>
+          <p:cNvSpPr>
+            <a:spLocks noGrp="1"/>
+          </p:cNvSpPr>
+          <p:nvPr>
+            <p:ph type="sldNum" sz="quarter" idx="10"/>
+          </p:nvPr>
+        </p:nvSpPr>
+        <p:spPr/>
+        <p:txBody>
+          <a:bodyPr/>
+          <a:lstStyle/>
+          <a:p>
+            <a:fld id="{3F493868-2E1D-468C-B1A9-AF89E5C129FE}" type="slidenum">
+              <a:rPr lang="en-US" smtClean="0"/>
+              <a:t>10</a:t>
+            </a:fld>
+            <a:endParaRPr lang="en-US"/>
+          </a:p>
+        </p:txBody>
+      </p:sp>
+    </p:spTree>
+    <p:extLst>
+      <p:ext uri="{BB962C8B-B14F-4D97-AF65-F5344CB8AC3E}">
+        <p14:creationId xmlns:p14="http://schemas.microsoft.com/office/powerpoint/2010/main" val="733501479"/>
+      </p:ext>
+    </p:extLst>
+  </p:cSld>
+  <p:clrMapOvr>
+    <a:masterClrMapping/>
+  </p:clrMapOvr>
+</p:notes>
+</file>
+
+<file path=ppt/notesSlides/notesSlide11.xml><?xml version="1.0" encoding="utf-8"?>
+<p:notes xmlns:a="http://schemas.openxmlformats.org/drawingml/2006/main" xmlns:r="http://schemas.openxmlformats.org/officeDocument/2006/relationships" xmlns:p="http://schemas.openxmlformats.org/presentationml/2006/main">
+  <p:cSld>
+    <p:spTree>
+      <p:nvGrpSpPr>
+        <p:cNvPr id="1" name=""/>
+        <p:cNvGrpSpPr/>
+        <p:nvPr/>
+      </p:nvGrpSpPr>
+      <p:grpSpPr>
+        <a:xfrm>
+          <a:off x="0" y="0"/>
+          <a:ext cx="0" cy="0"/>
+          <a:chOff x="0" y="0"/>
+          <a:chExt cx="0" cy="0"/>
+        </a:xfrm>
+      </p:grpSpPr>
+      <p:sp>
+        <p:nvSpPr>
+          <p:cNvPr id="2" name="Slide Image Placeholder 1"/>
+          <p:cNvSpPr>
+            <a:spLocks noGrp="1" noRot="1" noChangeAspect="1"/>
+          </p:cNvSpPr>
+          <p:nvPr>
+            <p:ph type="sldImg"/>
+          </p:nvPr>
+        </p:nvSpPr>
+        <p:spPr/>
+      </p:sp>
+      <p:sp>
+        <p:nvSpPr>
+          <p:cNvPr id="3" name="Notes Placeholder 2"/>
+          <p:cNvSpPr>
+            <a:spLocks noGrp="1"/>
+          </p:cNvSpPr>
+          <p:nvPr>
+            <p:ph type="body" idx="1"/>
+          </p:nvPr>
+        </p:nvSpPr>
+        <p:spPr/>
+        <p:txBody>
+          <a:bodyPr/>
+          <a:lstStyle/>
+          <a:p>
+            <a:endParaRPr lang="en-US"/>
+          </a:p>
+        </p:txBody>
+      </p:sp>
+      <p:sp>
+        <p:nvSpPr>
+          <p:cNvPr id="4" name="Slide Number Placeholder 3"/>
+          <p:cNvSpPr>
+            <a:spLocks noGrp="1"/>
+          </p:cNvSpPr>
+          <p:nvPr>
+            <p:ph type="sldNum" sz="quarter" idx="10"/>
+          </p:nvPr>
+        </p:nvSpPr>
+        <p:spPr/>
+        <p:txBody>
+          <a:bodyPr/>
+          <a:lstStyle/>
+          <a:p>
+            <a:fld id="{3F493868-2E1D-468C-B1A9-AF89E5C129FE}" type="slidenum">
+              <a:rPr lang="en-US" smtClean="0"/>
+              <a:t>11</a:t>
+            </a:fld>
+            <a:endParaRPr lang="en-US"/>
+          </a:p>
+        </p:txBody>
+      </p:sp>
+    </p:spTree>
+    <p:extLst>
+      <p:ext uri="{BB962C8B-B14F-4D97-AF65-F5344CB8AC3E}">
+        <p14:creationId xmlns:p14="http://schemas.microsoft.com/office/powerpoint/2010/main" val="3691647033"/>
+      </p:ext>
+    </p:extLst>
+  </p:cSld>
+  <p:clrMapOvr>
+    <a:masterClrMapping/>
+  </p:clrMapOvr>
+</p:notes>
+</file>
+
 <file path=ppt/notesSlides/notesSlide2.xml><?xml version="1.0" encoding="utf-8"?>
 <p:notes xmlns:a="http://schemas.openxmlformats.org/drawingml/2006/main" xmlns:r="http://schemas.openxmlformats.org/officeDocument/2006/relationships" xmlns:p="http://schemas.openxmlformats.org/presentationml/2006/main">
   <p:cSld>
@@ -966,7 +1137,7 @@
     </p:spTree>
     <p:extLst>
       <p:ext uri="{BB962C8B-B14F-4D97-AF65-F5344CB8AC3E}">
-        <p14:creationId xmlns:p14="http://schemas.microsoft.com/office/powerpoint/2010/main" val="3403096011"/>
+        <p14:creationId xmlns:p14="http://schemas.microsoft.com/office/powerpoint/2010/main" val="2901765007"/>
       </p:ext>
     </p:extLst>
   </p:cSld>
@@ -1050,7 +1221,7 @@
     </p:spTree>
     <p:extLst>
       <p:ext uri="{BB962C8B-B14F-4D97-AF65-F5344CB8AC3E}">
-        <p14:creationId xmlns:p14="http://schemas.microsoft.com/office/powerpoint/2010/main" val="1536967903"/>
+        <p14:creationId xmlns:p14="http://schemas.microsoft.com/office/powerpoint/2010/main" val="1462258823"/>
       </p:ext>
     </p:extLst>
   </p:cSld>
@@ -1134,7 +1305,7 @@
     </p:spTree>
     <p:extLst>
       <p:ext uri="{BB962C8B-B14F-4D97-AF65-F5344CB8AC3E}">
-        <p14:creationId xmlns:p14="http://schemas.microsoft.com/office/powerpoint/2010/main" val="1094182109"/>
+        <p14:creationId xmlns:p14="http://schemas.microsoft.com/office/powerpoint/2010/main" val="3403096011"/>
       </p:ext>
     </p:extLst>
   </p:cSld>
@@ -1218,7 +1389,7 @@
     </p:spTree>
     <p:extLst>
       <p:ext uri="{BB962C8B-B14F-4D97-AF65-F5344CB8AC3E}">
-        <p14:creationId xmlns:p14="http://schemas.microsoft.com/office/powerpoint/2010/main" val="733501479"/>
+        <p14:creationId xmlns:p14="http://schemas.microsoft.com/office/powerpoint/2010/main" val="1536967903"/>
       </p:ext>
     </p:extLst>
   </p:cSld>
@@ -1302,7 +1473,91 @@
     </p:spTree>
     <p:extLst>
       <p:ext uri="{BB962C8B-B14F-4D97-AF65-F5344CB8AC3E}">
-        <p14:creationId xmlns:p14="http://schemas.microsoft.com/office/powerpoint/2010/main" val="3691647033"/>
+        <p14:creationId xmlns:p14="http://schemas.microsoft.com/office/powerpoint/2010/main" val="1027840677"/>
+      </p:ext>
+    </p:extLst>
+  </p:cSld>
+  <p:clrMapOvr>
+    <a:masterClrMapping/>
+  </p:clrMapOvr>
+</p:notes>
+</file>
+
+<file path=ppt/notesSlides/notesSlide9.xml><?xml version="1.0" encoding="utf-8"?>
+<p:notes xmlns:a="http://schemas.openxmlformats.org/drawingml/2006/main" xmlns:r="http://schemas.openxmlformats.org/officeDocument/2006/relationships" xmlns:p="http://schemas.openxmlformats.org/presentationml/2006/main">
+  <p:cSld>
+    <p:spTree>
+      <p:nvGrpSpPr>
+        <p:cNvPr id="1" name=""/>
+        <p:cNvGrpSpPr/>
+        <p:nvPr/>
+      </p:nvGrpSpPr>
+      <p:grpSpPr>
+        <a:xfrm>
+          <a:off x="0" y="0"/>
+          <a:ext cx="0" cy="0"/>
+          <a:chOff x="0" y="0"/>
+          <a:chExt cx="0" cy="0"/>
+        </a:xfrm>
+      </p:grpSpPr>
+      <p:sp>
+        <p:nvSpPr>
+          <p:cNvPr id="2" name="Slide Image Placeholder 1"/>
+          <p:cNvSpPr>
+            <a:spLocks noGrp="1" noRot="1" noChangeAspect="1"/>
+          </p:cNvSpPr>
+          <p:nvPr>
+            <p:ph type="sldImg"/>
+          </p:nvPr>
+        </p:nvSpPr>
+        <p:spPr/>
+      </p:sp>
+      <p:sp>
+        <p:nvSpPr>
+          <p:cNvPr id="3" name="Notes Placeholder 2"/>
+          <p:cNvSpPr>
+            <a:spLocks noGrp="1"/>
+          </p:cNvSpPr>
+          <p:nvPr>
+            <p:ph type="body" idx="1"/>
+          </p:nvPr>
+        </p:nvSpPr>
+        <p:spPr/>
+        <p:txBody>
+          <a:bodyPr/>
+          <a:lstStyle/>
+          <a:p>
+            <a:endParaRPr lang="en-US"/>
+          </a:p>
+        </p:txBody>
+      </p:sp>
+      <p:sp>
+        <p:nvSpPr>
+          <p:cNvPr id="4" name="Slide Number Placeholder 3"/>
+          <p:cNvSpPr>
+            <a:spLocks noGrp="1"/>
+          </p:cNvSpPr>
+          <p:nvPr>
+            <p:ph type="sldNum" sz="quarter" idx="10"/>
+          </p:nvPr>
+        </p:nvSpPr>
+        <p:spPr/>
+        <p:txBody>
+          <a:bodyPr/>
+          <a:lstStyle/>
+          <a:p>
+            <a:fld id="{3F493868-2E1D-468C-B1A9-AF89E5C129FE}" type="slidenum">
+              <a:rPr lang="en-US" smtClean="0"/>
+              <a:t>9</a:t>
+            </a:fld>
+            <a:endParaRPr lang="en-US"/>
+          </a:p>
+        </p:txBody>
+      </p:sp>
+    </p:spTree>
+    <p:extLst>
+      <p:ext uri="{BB962C8B-B14F-4D97-AF65-F5344CB8AC3E}">
+        <p14:creationId xmlns:p14="http://schemas.microsoft.com/office/powerpoint/2010/main" val="1094182109"/>
       </p:ext>
     </p:extLst>
   </p:cSld>
@@ -1443,7 +1698,7 @@
           <a:p>
             <a:fld id="{961BB56B-31A6-4DFF-B40F-0B094C4A4983}" type="datetime1">
               <a:rPr lang="en-US" smtClean="0"/>
-              <a:t>12/11/2021</a:t>
+              <a:t>12/13/2021</a:t>
             </a:fld>
             <a:endParaRPr lang="en-US"/>
           </a:p>
@@ -1620,7 +1875,7 @@
           <a:p>
             <a:fld id="{57C9D9D2-BE1D-45AE-830E-B45658CFEF1D}" type="datetime1">
               <a:rPr lang="en-US" smtClean="0"/>
-              <a:t>12/11/2021</a:t>
+              <a:t>12/13/2021</a:t>
             </a:fld>
             <a:endParaRPr lang="en-US"/>
           </a:p>
@@ -1807,7 +2062,7 @@
           <a:p>
             <a:fld id="{E6342C1A-AE6D-4794-82DD-82DD22A68FB5}" type="datetime1">
               <a:rPr lang="en-US" smtClean="0"/>
-              <a:t>12/11/2021</a:t>
+              <a:t>12/13/2021</a:t>
             </a:fld>
             <a:endParaRPr lang="en-US"/>
           </a:p>
@@ -1984,7 +2239,7 @@
           <a:p>
             <a:fld id="{49FE7BDC-25A4-4F79-AC93-5BA763C6F6FA}" type="datetime1">
               <a:rPr lang="en-US" smtClean="0"/>
-              <a:t>12/11/2021</a:t>
+              <a:t>12/13/2021</a:t>
             </a:fld>
             <a:endParaRPr lang="en-US"/>
           </a:p>
@@ -2237,7 +2492,7 @@
           <a:p>
             <a:fld id="{0F9E253E-4B06-42F3-AF62-81984EE0FDC5}" type="datetime1">
               <a:rPr lang="en-US" smtClean="0"/>
-              <a:t>12/11/2021</a:t>
+              <a:t>12/13/2021</a:t>
             </a:fld>
             <a:endParaRPr lang="en-US"/>
           </a:p>
@@ -2476,7 +2731,7 @@
           <a:p>
             <a:fld id="{B7062DC4-8C2E-40A5-9A5C-58188655EBB5}" type="datetime1">
               <a:rPr lang="en-US" smtClean="0"/>
-              <a:t>12/11/2021</a:t>
+              <a:t>12/13/2021</a:t>
             </a:fld>
             <a:endParaRPr lang="en-US"/>
           </a:p>
@@ -2850,7 +3105,7 @@
           <a:p>
             <a:fld id="{FFF2E6B8-8FD0-4565-923E-EFF2AE4E6BD5}" type="datetime1">
               <a:rPr lang="en-US" smtClean="0"/>
-              <a:t>12/11/2021</a:t>
+              <a:t>12/13/2021</a:t>
             </a:fld>
             <a:endParaRPr lang="en-US"/>
           </a:p>
@@ -2975,7 +3230,7 @@
           <a:p>
             <a:fld id="{8D16FC96-B582-437B-B398-24084CF34CDD}" type="datetime1">
               <a:rPr lang="en-US" smtClean="0"/>
-              <a:t>12/11/2021</a:t>
+              <a:t>12/13/2021</a:t>
             </a:fld>
             <a:endParaRPr lang="en-US"/>
           </a:p>
@@ -3077,7 +3332,7 @@
           <a:p>
             <a:fld id="{95EB9673-CC01-4A93-ACFD-0E28265BE9BA}" type="datetime1">
               <a:rPr lang="en-US" smtClean="0"/>
-              <a:t>12/11/2021</a:t>
+              <a:t>12/13/2021</a:t>
             </a:fld>
             <a:endParaRPr lang="en-US"/>
           </a:p>
@@ -3361,7 +3616,7 @@
           <a:p>
             <a:fld id="{D0D777A3-6219-4C0B-8783-7C7ACD51E2D4}" type="datetime1">
               <a:rPr lang="en-US" smtClean="0"/>
-              <a:t>12/11/2021</a:t>
+              <a:t>12/13/2021</a:t>
             </a:fld>
             <a:endParaRPr lang="en-US"/>
           </a:p>
@@ -3621,7 +3876,7 @@
           <a:p>
             <a:fld id="{27E75847-0761-468E-910C-ACA93E4783D2}" type="datetime1">
               <a:rPr lang="en-US" smtClean="0"/>
-              <a:t>12/11/2021</a:t>
+              <a:t>12/13/2021</a:t>
             </a:fld>
             <a:endParaRPr lang="en-US"/>
           </a:p>
@@ -3841,7 +4096,7 @@
           <a:p>
             <a:fld id="{B7ACB0B2-EB66-4350-827A-37AB2734360B}" type="datetime1">
               <a:rPr lang="en-US" smtClean="0"/>
-              <a:t>12/11/2021</a:t>
+              <a:t>12/13/2021</a:t>
             </a:fld>
             <a:endParaRPr lang="en-US"/>
           </a:p>
@@ -4289,7 +4544,7 @@
           <p:cNvPr id="7" name="Footer Placeholder 4">
             <a:extLst>
               <a:ext uri="{FF2B5EF4-FFF2-40B4-BE49-F238E27FC236}">
-                <a16:creationId xmlns="" xmlns:a16="http://schemas.microsoft.com/office/drawing/2014/main" xmlns:lc="http://schemas.openxmlformats.org/drawingml/2006/lockedCanvas" id="{59271489-1EC6-0D4E-BF28-047FF1DDB132}"/>
+                <a16:creationId xmlns:lc="http://schemas.openxmlformats.org/drawingml/2006/lockedCanvas" xmlns:a16="http://schemas.microsoft.com/office/drawing/2014/main" xmlns="" id="{59271489-1EC6-0D4E-BF28-047FF1DDB132}"/>
               </a:ext>
             </a:extLst>
           </p:cNvPr>
@@ -4513,7 +4768,7 @@
                   <a:schemeClr val="bg1"/>
                 </a:solidFill>
               </a:rPr>
-              <a:t>12/11/2021</a:t>
+              <a:t>12/13/2021</a:t>
             </a:fld>
             <a:endParaRPr lang="en-US" sz="2400" dirty="0">
               <a:solidFill>
@@ -4563,6 +4818,860 @@
     <p:extLst>
       <p:ext uri="{BB962C8B-B14F-4D97-AF65-F5344CB8AC3E}">
         <p14:creationId xmlns:p14="http://schemas.microsoft.com/office/powerpoint/2010/main" val="3604059815"/>
+      </p:ext>
+    </p:extLst>
+  </p:cSld>
+  <p:clrMapOvr>
+    <a:masterClrMapping/>
+  </p:clrMapOvr>
+  <p:transition spd="slow">
+    <p:cover/>
+  </p:transition>
+  <p:timing>
+    <p:tnLst>
+      <p:par>
+        <p:cTn id="1" dur="indefinite" restart="never" nodeType="tmRoot"/>
+      </p:par>
+    </p:tnLst>
+  </p:timing>
+</p:sld>
+</file>
+
+<file path=ppt/slides/slide10.xml><?xml version="1.0" encoding="utf-8"?>
+<p:sld xmlns:a="http://schemas.openxmlformats.org/drawingml/2006/main" xmlns:r="http://schemas.openxmlformats.org/officeDocument/2006/relationships" xmlns:p="http://schemas.openxmlformats.org/presentationml/2006/main">
+  <p:cSld>
+    <p:spTree>
+      <p:nvGrpSpPr>
+        <p:cNvPr id="1" name=""/>
+        <p:cNvGrpSpPr/>
+        <p:nvPr/>
+      </p:nvGrpSpPr>
+      <p:grpSpPr>
+        <a:xfrm>
+          <a:off x="0" y="0"/>
+          <a:ext cx="0" cy="0"/>
+          <a:chOff x="0" y="0"/>
+          <a:chExt cx="0" cy="0"/>
+        </a:xfrm>
+      </p:grpSpPr>
+      <p:pic>
+        <p:nvPicPr>
+          <p:cNvPr id="5" name="Picture 4"/>
+          <p:cNvPicPr>
+            <a:picLocks noChangeAspect="1"/>
+          </p:cNvPicPr>
+          <p:nvPr/>
+        </p:nvPicPr>
+        <p:blipFill>
+          <a:blip r:embed="rId3">
+            <a:extLst>
+              <a:ext uri="{28A0092B-C50C-407E-A947-70E740481C1C}">
+                <a14:useLocalDpi xmlns:a14="http://schemas.microsoft.com/office/drawing/2010/main" val="0"/>
+              </a:ext>
+            </a:extLst>
+          </a:blip>
+          <a:stretch>
+            <a:fillRect/>
+          </a:stretch>
+        </p:blipFill>
+        <p:spPr>
+          <a:xfrm>
+            <a:off x="0" y="6228460"/>
+            <a:ext cx="12192000" cy="671785"/>
+          </a:xfrm>
+          <a:prstGeom prst="rect">
+            <a:avLst/>
+          </a:prstGeom>
+        </p:spPr>
+      </p:pic>
+      <p:sp>
+        <p:nvSpPr>
+          <p:cNvPr id="7" name="Footer Placeholder 4">
+            <a:extLst>
+              <a:ext uri="{FF2B5EF4-FFF2-40B4-BE49-F238E27FC236}">
+                <a16:creationId xmlns:lc="http://schemas.openxmlformats.org/drawingml/2006/lockedCanvas" xmlns:a16="http://schemas.microsoft.com/office/drawing/2014/main" xmlns="" id="{59271489-1EC6-0D4E-BF28-047FF1DDB132}"/>
+              </a:ext>
+            </a:extLst>
+          </p:cNvPr>
+          <p:cNvSpPr>
+            <a:spLocks noGrp="1"/>
+          </p:cNvSpPr>
+          <p:nvPr/>
+        </p:nvSpPr>
+        <p:spPr>
+          <a:xfrm>
+            <a:off x="4507604" y="6381789"/>
+            <a:ext cx="3193961" cy="365125"/>
+          </a:xfrm>
+          <a:prstGeom prst="rect">
+            <a:avLst/>
+          </a:prstGeom>
+        </p:spPr>
+        <p:txBody>
+          <a:bodyPr vert="horz" lIns="91440" tIns="45720" rIns="91440" bIns="45720" rtlCol="0" anchor="ctr"/>
+          <a:lstStyle>
+            <a:defPPr>
+              <a:defRPr lang="en-US"/>
+            </a:defPPr>
+            <a:lvl1pPr marL="0" algn="ctr" defTabSz="914400" rtl="0" eaLnBrk="1" latinLnBrk="0" hangingPunct="1">
+              <a:defRPr sz="1200" kern="1200">
+                <a:solidFill>
+                  <a:schemeClr val="tx1">
+                    <a:tint val="75000"/>
+                  </a:schemeClr>
+                </a:solidFill>
+                <a:latin typeface="+mn-lt"/>
+                <a:ea typeface="+mn-ea"/>
+                <a:cs typeface="+mn-cs"/>
+              </a:defRPr>
+            </a:lvl1pPr>
+            <a:lvl2pPr marL="457200" algn="l" defTabSz="914400" rtl="0" eaLnBrk="1" latinLnBrk="0" hangingPunct="1">
+              <a:defRPr sz="1800" kern="1200">
+                <a:solidFill>
+                  <a:schemeClr val="tx1"/>
+                </a:solidFill>
+                <a:latin typeface="+mn-lt"/>
+                <a:ea typeface="+mn-ea"/>
+                <a:cs typeface="+mn-cs"/>
+              </a:defRPr>
+            </a:lvl2pPr>
+            <a:lvl3pPr marL="914400" algn="l" defTabSz="914400" rtl="0" eaLnBrk="1" latinLnBrk="0" hangingPunct="1">
+              <a:defRPr sz="1800" kern="1200">
+                <a:solidFill>
+                  <a:schemeClr val="tx1"/>
+                </a:solidFill>
+                <a:latin typeface="+mn-lt"/>
+                <a:ea typeface="+mn-ea"/>
+                <a:cs typeface="+mn-cs"/>
+              </a:defRPr>
+            </a:lvl3pPr>
+            <a:lvl4pPr marL="1371600" algn="l" defTabSz="914400" rtl="0" eaLnBrk="1" latinLnBrk="0" hangingPunct="1">
+              <a:defRPr sz="1800" kern="1200">
+                <a:solidFill>
+                  <a:schemeClr val="tx1"/>
+                </a:solidFill>
+                <a:latin typeface="+mn-lt"/>
+                <a:ea typeface="+mn-ea"/>
+                <a:cs typeface="+mn-cs"/>
+              </a:defRPr>
+            </a:lvl4pPr>
+            <a:lvl5pPr marL="1828800" algn="l" defTabSz="914400" rtl="0" eaLnBrk="1" latinLnBrk="0" hangingPunct="1">
+              <a:defRPr sz="1800" kern="1200">
+                <a:solidFill>
+                  <a:schemeClr val="tx1"/>
+                </a:solidFill>
+                <a:latin typeface="+mn-lt"/>
+                <a:ea typeface="+mn-ea"/>
+                <a:cs typeface="+mn-cs"/>
+              </a:defRPr>
+            </a:lvl5pPr>
+            <a:lvl6pPr marL="2286000" algn="l" defTabSz="914400" rtl="0" eaLnBrk="1" latinLnBrk="0" hangingPunct="1">
+              <a:defRPr sz="1800" kern="1200">
+                <a:solidFill>
+                  <a:schemeClr val="tx1"/>
+                </a:solidFill>
+                <a:latin typeface="+mn-lt"/>
+                <a:ea typeface="+mn-ea"/>
+                <a:cs typeface="+mn-cs"/>
+              </a:defRPr>
+            </a:lvl6pPr>
+            <a:lvl7pPr marL="2743200" algn="l" defTabSz="914400" rtl="0" eaLnBrk="1" latinLnBrk="0" hangingPunct="1">
+              <a:defRPr sz="1800" kern="1200">
+                <a:solidFill>
+                  <a:schemeClr val="tx1"/>
+                </a:solidFill>
+                <a:latin typeface="+mn-lt"/>
+                <a:ea typeface="+mn-ea"/>
+                <a:cs typeface="+mn-cs"/>
+              </a:defRPr>
+            </a:lvl7pPr>
+            <a:lvl8pPr marL="3200400" algn="l" defTabSz="914400" rtl="0" eaLnBrk="1" latinLnBrk="0" hangingPunct="1">
+              <a:defRPr sz="1800" kern="1200">
+                <a:solidFill>
+                  <a:schemeClr val="tx1"/>
+                </a:solidFill>
+                <a:latin typeface="+mn-lt"/>
+                <a:ea typeface="+mn-ea"/>
+                <a:cs typeface="+mn-cs"/>
+              </a:defRPr>
+            </a:lvl8pPr>
+            <a:lvl9pPr marL="3657600" algn="l" defTabSz="914400" rtl="0" eaLnBrk="1" latinLnBrk="0" hangingPunct="1">
+              <a:defRPr sz="1800" kern="1200">
+                <a:solidFill>
+                  <a:schemeClr val="tx1"/>
+                </a:solidFill>
+                <a:latin typeface="+mn-lt"/>
+                <a:ea typeface="+mn-ea"/>
+                <a:cs typeface="+mn-cs"/>
+              </a:defRPr>
+            </a:lvl9pPr>
+          </a:lstStyle>
+          <a:p>
+            <a:r>
+              <a:rPr lang="en-US" sz="2400" dirty="0" smtClean="0">
+                <a:solidFill>
+                  <a:schemeClr val="bg1"/>
+                </a:solidFill>
+              </a:rPr>
+              <a:t>Mohammed </a:t>
+            </a:r>
+            <a:r>
+              <a:rPr lang="en-US" sz="2400" dirty="0" err="1" smtClean="0">
+                <a:solidFill>
+                  <a:schemeClr val="bg1"/>
+                </a:solidFill>
+              </a:rPr>
+              <a:t>Hasan</a:t>
+            </a:r>
+            <a:endParaRPr lang="en-US" sz="2400" dirty="0">
+              <a:solidFill>
+                <a:schemeClr val="bg1"/>
+              </a:solidFill>
+            </a:endParaRPr>
+          </a:p>
+        </p:txBody>
+      </p:sp>
+      <p:sp>
+        <p:nvSpPr>
+          <p:cNvPr id="6" name="Rectangle 5"/>
+          <p:cNvSpPr/>
+          <p:nvPr/>
+        </p:nvSpPr>
+        <p:spPr>
+          <a:xfrm>
+            <a:off x="4427569" y="2160271"/>
+            <a:ext cx="3771201" cy="1234440"/>
+          </a:xfrm>
+          <a:prstGeom prst="rect">
+            <a:avLst/>
+          </a:prstGeom>
+        </p:spPr>
+        <p:txBody>
+          <a:bodyPr/>
+          <a:lstStyle/>
+          <a:p>
+            <a:pPr lvl="0"/>
+            <a:r>
+              <a:rPr lang="en-US" sz="9600" dirty="0">
+                <a:solidFill>
+                  <a:srgbClr val="004868"/>
+                </a:solidFill>
+                <a:cs typeface="(A) Arslan Wessam A" panose="03020402040406030203" pitchFamily="66" charset="-78"/>
+              </a:rPr>
+              <a:t> </a:t>
+            </a:r>
+            <a:r>
+              <a:rPr lang="en-US" sz="9600" dirty="0" smtClean="0">
+                <a:solidFill>
+                  <a:srgbClr val="004868"/>
+                </a:solidFill>
+                <a:cs typeface="(A) Arslan Wessam A" panose="03020402040406030203" pitchFamily="66" charset="-78"/>
+              </a:rPr>
+              <a:t>Q &amp; A</a:t>
+            </a:r>
+            <a:endParaRPr lang="en-US" sz="9600" dirty="0">
+              <a:solidFill>
+                <a:srgbClr val="004868"/>
+              </a:solidFill>
+              <a:cs typeface="(A) Arslan Wessam A" panose="03020402040406030203" pitchFamily="66" charset="-78"/>
+            </a:endParaRPr>
+          </a:p>
+        </p:txBody>
+      </p:sp>
+      <p:sp>
+        <p:nvSpPr>
+          <p:cNvPr id="10" name="Date Placeholder 10"/>
+          <p:cNvSpPr>
+            <a:spLocks noGrp="1"/>
+          </p:cNvSpPr>
+          <p:nvPr>
+            <p:ph type="dt" sz="half" idx="10"/>
+          </p:nvPr>
+        </p:nvSpPr>
+        <p:spPr>
+          <a:xfrm>
+            <a:off x="838200" y="6356350"/>
+            <a:ext cx="2743200" cy="365125"/>
+          </a:xfrm>
+        </p:spPr>
+        <p:txBody>
+          <a:bodyPr/>
+          <a:lstStyle/>
+          <a:p>
+            <a:fld id="{937D9445-FE1F-4C31-8DAB-30713F6C4372}" type="datetime1">
+              <a:rPr lang="en-US" sz="2400" smtClean="0">
+                <a:solidFill>
+                  <a:schemeClr val="bg1"/>
+                </a:solidFill>
+              </a:rPr>
+              <a:t>12/13/2021</a:t>
+            </a:fld>
+            <a:endParaRPr lang="en-US" sz="2400" dirty="0">
+              <a:solidFill>
+                <a:schemeClr val="bg1"/>
+              </a:solidFill>
+            </a:endParaRPr>
+          </a:p>
+        </p:txBody>
+      </p:sp>
+      <p:sp>
+        <p:nvSpPr>
+          <p:cNvPr id="12" name="Slide Number Placeholder 7"/>
+          <p:cNvSpPr>
+            <a:spLocks noGrp="1"/>
+          </p:cNvSpPr>
+          <p:nvPr>
+            <p:ph type="sldNum" sz="quarter" idx="12"/>
+          </p:nvPr>
+        </p:nvSpPr>
+        <p:spPr>
+          <a:xfrm>
+            <a:off x="8627767" y="6356350"/>
+            <a:ext cx="2743200" cy="365125"/>
+          </a:xfrm>
+        </p:spPr>
+        <p:txBody>
+          <a:bodyPr/>
+          <a:lstStyle/>
+          <a:p>
+            <a:r>
+              <a:rPr lang="en-US" sz="2400" dirty="0" smtClean="0">
+                <a:solidFill>
+                  <a:schemeClr val="bg1"/>
+                </a:solidFill>
+              </a:rPr>
+              <a:t>10</a:t>
+            </a:r>
+            <a:endParaRPr lang="en-US" sz="2400" dirty="0">
+              <a:solidFill>
+                <a:schemeClr val="bg1"/>
+              </a:solidFill>
+            </a:endParaRPr>
+          </a:p>
+        </p:txBody>
+      </p:sp>
+    </p:spTree>
+    <p:extLst>
+      <p:ext uri="{BB962C8B-B14F-4D97-AF65-F5344CB8AC3E}">
+        <p14:creationId xmlns:p14="http://schemas.microsoft.com/office/powerpoint/2010/main" val="2798838356"/>
+      </p:ext>
+    </p:extLst>
+  </p:cSld>
+  <p:clrMapOvr>
+    <a:masterClrMapping/>
+  </p:clrMapOvr>
+  <p:transition spd="slow">
+    <p:cover/>
+  </p:transition>
+  <p:timing>
+    <p:tnLst>
+      <p:par>
+        <p:cTn id="1" dur="indefinite" restart="never" nodeType="tmRoot">
+          <p:childTnLst>
+            <p:seq concurrent="1" nextAc="seek">
+              <p:cTn id="2" dur="indefinite" nodeType="mainSeq">
+                <p:childTnLst>
+                  <p:par>
+                    <p:cTn id="3" fill="hold">
+                      <p:stCondLst>
+                        <p:cond delay="indefinite"/>
+                      </p:stCondLst>
+                      <p:childTnLst>
+                        <p:par>
+                          <p:cTn id="4" fill="hold">
+                            <p:stCondLst>
+                              <p:cond delay="0"/>
+                            </p:stCondLst>
+                            <p:childTnLst>
+                              <p:par>
+                                <p:cTn id="5" presetID="1" presetClass="entr" presetSubtype="0" fill="hold" grpId="0" nodeType="clickEffect">
+                                  <p:stCondLst>
+                                    <p:cond delay="0"/>
+                                  </p:stCondLst>
+                                  <p:childTnLst>
+                                    <p:set>
+                                      <p:cBhvr>
+                                        <p:cTn id="6" dur="1" fill="hold">
+                                          <p:stCondLst>
+                                            <p:cond delay="0"/>
+                                          </p:stCondLst>
+                                        </p:cTn>
+                                        <p:tgtEl>
+                                          <p:spTgt spid="6">
+                                            <p:txEl>
+                                              <p:pRg st="0" end="0"/>
+                                            </p:txEl>
+                                          </p:spTgt>
+                                        </p:tgtEl>
+                                        <p:attrNameLst>
+                                          <p:attrName>style.visibility</p:attrName>
+                                        </p:attrNameLst>
+                                      </p:cBhvr>
+                                      <p:to>
+                                        <p:strVal val="visible"/>
+                                      </p:to>
+                                    </p:set>
+                                  </p:childTnLst>
+                                  <p:subTnLst>
+                                    <p:animClr clrSpc="rgb" dir="cw">
+                                      <p:cBhvr override="childStyle">
+                                        <p:cTn dur="1" fill="hold" display="0" masterRel="nextClick" afterEffect="1"/>
+                                        <p:tgtEl>
+                                          <p:spTgt spid="6">
+                                            <p:txEl>
+                                              <p:pRg st="0" end="0"/>
+                                            </p:txEl>
+                                          </p:spTgt>
+                                        </p:tgtEl>
+                                        <p:attrNameLst>
+                                          <p:attrName>ppt_c</p:attrName>
+                                        </p:attrNameLst>
+                                      </p:cBhvr>
+                                      <p:to>
+                                        <a:srgbClr val="828282"/>
+                                      </p:to>
+                                    </p:animClr>
+                                  </p:subTnLst>
+                                </p:cTn>
+                              </p:par>
+                            </p:childTnLst>
+                          </p:cTn>
+                        </p:par>
+                      </p:childTnLst>
+                    </p:cTn>
+                  </p:par>
+                </p:childTnLst>
+              </p:cTn>
+              <p:prevCondLst>
+                <p:cond evt="onPrev" delay="0">
+                  <p:tgtEl>
+                    <p:sldTgt/>
+                  </p:tgtEl>
+                </p:cond>
+              </p:prevCondLst>
+              <p:nextCondLst>
+                <p:cond evt="onNext" delay="0">
+                  <p:tgtEl>
+                    <p:sldTgt/>
+                  </p:tgtEl>
+                </p:cond>
+              </p:nextCondLst>
+            </p:seq>
+          </p:childTnLst>
+        </p:cTn>
+      </p:par>
+    </p:tnLst>
+    <p:bldLst>
+      <p:bldP spid="6" grpId="0" build="p"/>
+    </p:bldLst>
+  </p:timing>
+</p:sld>
+</file>
+
+<file path=ppt/slides/slide11.xml><?xml version="1.0" encoding="utf-8"?>
+<p:sld xmlns:a="http://schemas.openxmlformats.org/drawingml/2006/main" xmlns:r="http://schemas.openxmlformats.org/officeDocument/2006/relationships" xmlns:p="http://schemas.openxmlformats.org/presentationml/2006/main">
+  <p:cSld>
+    <p:spTree>
+      <p:nvGrpSpPr>
+        <p:cNvPr id="1" name=""/>
+        <p:cNvGrpSpPr/>
+        <p:nvPr/>
+      </p:nvGrpSpPr>
+      <p:grpSpPr>
+        <a:xfrm>
+          <a:off x="0" y="0"/>
+          <a:ext cx="0" cy="0"/>
+          <a:chOff x="0" y="0"/>
+          <a:chExt cx="0" cy="0"/>
+        </a:xfrm>
+      </p:grpSpPr>
+      <p:sp>
+        <p:nvSpPr>
+          <p:cNvPr id="4" name="Title 3"/>
+          <p:cNvSpPr>
+            <a:spLocks noGrp="1"/>
+          </p:cNvSpPr>
+          <p:nvPr>
+            <p:ph type="ctrTitle"/>
+          </p:nvPr>
+        </p:nvSpPr>
+        <p:spPr>
+          <a:xfrm>
+            <a:off x="1532583" y="2325532"/>
+            <a:ext cx="9144000" cy="676147"/>
+          </a:xfrm>
+        </p:spPr>
+        <p:txBody>
+          <a:bodyPr>
+            <a:normAutofit fontScale="90000"/>
+          </a:bodyPr>
+          <a:lstStyle/>
+          <a:p>
+            <a:r>
+              <a:rPr lang="en-US" sz="4400" b="1" dirty="0" smtClean="0">
+                <a:solidFill>
+                  <a:srgbClr val="00567E"/>
+                </a:solidFill>
+              </a:rPr>
+              <a:t>Thanks for Watching</a:t>
+            </a:r>
+            <a:endParaRPr lang="en-US" sz="4400" b="1" dirty="0">
+              <a:solidFill>
+                <a:srgbClr val="00567E"/>
+              </a:solidFill>
+            </a:endParaRPr>
+          </a:p>
+        </p:txBody>
+      </p:sp>
+      <p:sp>
+        <p:nvSpPr>
+          <p:cNvPr id="6" name="Subtitle 5"/>
+          <p:cNvSpPr>
+            <a:spLocks noGrp="1"/>
+          </p:cNvSpPr>
+          <p:nvPr>
+            <p:ph type="subTitle" idx="1"/>
+          </p:nvPr>
+        </p:nvSpPr>
+        <p:spPr>
+          <a:xfrm>
+            <a:off x="1252152" y="3001679"/>
+            <a:ext cx="9144000" cy="1655762"/>
+          </a:xfrm>
+        </p:spPr>
+        <p:txBody>
+          <a:bodyPr/>
+          <a:lstStyle/>
+          <a:p>
+            <a:r>
+              <a:rPr lang="en-US" dirty="0" smtClean="0">
+                <a:solidFill>
+                  <a:srgbClr val="00567E"/>
+                </a:solidFill>
+              </a:rPr>
+              <a:t>Contact: 0xMohamedHasan </a:t>
+            </a:r>
+            <a:endParaRPr lang="en-US" dirty="0">
+              <a:solidFill>
+                <a:srgbClr val="00567E"/>
+              </a:solidFill>
+            </a:endParaRPr>
+          </a:p>
+        </p:txBody>
+      </p:sp>
+      <p:pic>
+        <p:nvPicPr>
+          <p:cNvPr id="9" name="Picture 8"/>
+          <p:cNvPicPr>
+            <a:picLocks noChangeAspect="1"/>
+          </p:cNvPicPr>
+          <p:nvPr/>
+        </p:nvPicPr>
+        <p:blipFill>
+          <a:blip r:embed="rId3">
+            <a:extLst>
+              <a:ext uri="{28A0092B-C50C-407E-A947-70E740481C1C}">
+                <a14:useLocalDpi xmlns:a14="http://schemas.microsoft.com/office/drawing/2010/main" val="0"/>
+              </a:ext>
+            </a:extLst>
+          </a:blip>
+          <a:stretch>
+            <a:fillRect/>
+          </a:stretch>
+        </p:blipFill>
+        <p:spPr>
+          <a:xfrm>
+            <a:off x="0" y="6228460"/>
+            <a:ext cx="12192000" cy="671785"/>
+          </a:xfrm>
+          <a:prstGeom prst="rect">
+            <a:avLst/>
+          </a:prstGeom>
+        </p:spPr>
+      </p:pic>
+      <p:sp>
+        <p:nvSpPr>
+          <p:cNvPr id="10" name="Footer Placeholder 4">
+            <a:extLst>
+              <a:ext uri="{FF2B5EF4-FFF2-40B4-BE49-F238E27FC236}">
+                <a16:creationId xmlns:lc="http://schemas.openxmlformats.org/drawingml/2006/lockedCanvas" xmlns:a16="http://schemas.microsoft.com/office/drawing/2014/main" xmlns="" id="{59271489-1EC6-0D4E-BF28-047FF1DDB132}"/>
+              </a:ext>
+            </a:extLst>
+          </p:cNvPr>
+          <p:cNvSpPr>
+            <a:spLocks noGrp="1"/>
+          </p:cNvSpPr>
+          <p:nvPr/>
+        </p:nvSpPr>
+        <p:spPr>
+          <a:xfrm>
+            <a:off x="4507604" y="6381789"/>
+            <a:ext cx="3193961" cy="365125"/>
+          </a:xfrm>
+          <a:prstGeom prst="rect">
+            <a:avLst/>
+          </a:prstGeom>
+        </p:spPr>
+        <p:txBody>
+          <a:bodyPr vert="horz" lIns="91440" tIns="45720" rIns="91440" bIns="45720" rtlCol="0" anchor="ctr"/>
+          <a:lstStyle>
+            <a:defPPr>
+              <a:defRPr lang="en-US"/>
+            </a:defPPr>
+            <a:lvl1pPr marL="0" algn="ctr" defTabSz="914400" rtl="0" eaLnBrk="1" latinLnBrk="0" hangingPunct="1">
+              <a:defRPr sz="1200" kern="1200">
+                <a:solidFill>
+                  <a:schemeClr val="tx1">
+                    <a:tint val="75000"/>
+                  </a:schemeClr>
+                </a:solidFill>
+                <a:latin typeface="+mn-lt"/>
+                <a:ea typeface="+mn-ea"/>
+                <a:cs typeface="+mn-cs"/>
+              </a:defRPr>
+            </a:lvl1pPr>
+            <a:lvl2pPr marL="457200" algn="l" defTabSz="914400" rtl="0" eaLnBrk="1" latinLnBrk="0" hangingPunct="1">
+              <a:defRPr sz="1800" kern="1200">
+                <a:solidFill>
+                  <a:schemeClr val="tx1"/>
+                </a:solidFill>
+                <a:latin typeface="+mn-lt"/>
+                <a:ea typeface="+mn-ea"/>
+                <a:cs typeface="+mn-cs"/>
+              </a:defRPr>
+            </a:lvl2pPr>
+            <a:lvl3pPr marL="914400" algn="l" defTabSz="914400" rtl="0" eaLnBrk="1" latinLnBrk="0" hangingPunct="1">
+              <a:defRPr sz="1800" kern="1200">
+                <a:solidFill>
+                  <a:schemeClr val="tx1"/>
+                </a:solidFill>
+                <a:latin typeface="+mn-lt"/>
+                <a:ea typeface="+mn-ea"/>
+                <a:cs typeface="+mn-cs"/>
+              </a:defRPr>
+            </a:lvl3pPr>
+            <a:lvl4pPr marL="1371600" algn="l" defTabSz="914400" rtl="0" eaLnBrk="1" latinLnBrk="0" hangingPunct="1">
+              <a:defRPr sz="1800" kern="1200">
+                <a:solidFill>
+                  <a:schemeClr val="tx1"/>
+                </a:solidFill>
+                <a:latin typeface="+mn-lt"/>
+                <a:ea typeface="+mn-ea"/>
+                <a:cs typeface="+mn-cs"/>
+              </a:defRPr>
+            </a:lvl4pPr>
+            <a:lvl5pPr marL="1828800" algn="l" defTabSz="914400" rtl="0" eaLnBrk="1" latinLnBrk="0" hangingPunct="1">
+              <a:defRPr sz="1800" kern="1200">
+                <a:solidFill>
+                  <a:schemeClr val="tx1"/>
+                </a:solidFill>
+                <a:latin typeface="+mn-lt"/>
+                <a:ea typeface="+mn-ea"/>
+                <a:cs typeface="+mn-cs"/>
+              </a:defRPr>
+            </a:lvl5pPr>
+            <a:lvl6pPr marL="2286000" algn="l" defTabSz="914400" rtl="0" eaLnBrk="1" latinLnBrk="0" hangingPunct="1">
+              <a:defRPr sz="1800" kern="1200">
+                <a:solidFill>
+                  <a:schemeClr val="tx1"/>
+                </a:solidFill>
+                <a:latin typeface="+mn-lt"/>
+                <a:ea typeface="+mn-ea"/>
+                <a:cs typeface="+mn-cs"/>
+              </a:defRPr>
+            </a:lvl6pPr>
+            <a:lvl7pPr marL="2743200" algn="l" defTabSz="914400" rtl="0" eaLnBrk="1" latinLnBrk="0" hangingPunct="1">
+              <a:defRPr sz="1800" kern="1200">
+                <a:solidFill>
+                  <a:schemeClr val="tx1"/>
+                </a:solidFill>
+                <a:latin typeface="+mn-lt"/>
+                <a:ea typeface="+mn-ea"/>
+                <a:cs typeface="+mn-cs"/>
+              </a:defRPr>
+            </a:lvl7pPr>
+            <a:lvl8pPr marL="3200400" algn="l" defTabSz="914400" rtl="0" eaLnBrk="1" latinLnBrk="0" hangingPunct="1">
+              <a:defRPr sz="1800" kern="1200">
+                <a:solidFill>
+                  <a:schemeClr val="tx1"/>
+                </a:solidFill>
+                <a:latin typeface="+mn-lt"/>
+                <a:ea typeface="+mn-ea"/>
+                <a:cs typeface="+mn-cs"/>
+              </a:defRPr>
+            </a:lvl8pPr>
+            <a:lvl9pPr marL="3657600" algn="l" defTabSz="914400" rtl="0" eaLnBrk="1" latinLnBrk="0" hangingPunct="1">
+              <a:defRPr sz="1800" kern="1200">
+                <a:solidFill>
+                  <a:schemeClr val="tx1"/>
+                </a:solidFill>
+                <a:latin typeface="+mn-lt"/>
+                <a:ea typeface="+mn-ea"/>
+                <a:cs typeface="+mn-cs"/>
+              </a:defRPr>
+            </a:lvl9pPr>
+          </a:lstStyle>
+          <a:p>
+            <a:r>
+              <a:rPr lang="en-US" sz="2400" dirty="0" smtClean="0">
+                <a:solidFill>
+                  <a:schemeClr val="bg1"/>
+                </a:solidFill>
+              </a:rPr>
+              <a:t>Mohammed </a:t>
+            </a:r>
+            <a:r>
+              <a:rPr lang="en-US" sz="2400" dirty="0" err="1" smtClean="0">
+                <a:solidFill>
+                  <a:schemeClr val="bg1"/>
+                </a:solidFill>
+              </a:rPr>
+              <a:t>Hasan</a:t>
+            </a:r>
+            <a:endParaRPr lang="en-US" sz="2400" dirty="0">
+              <a:solidFill>
+                <a:schemeClr val="bg1"/>
+              </a:solidFill>
+            </a:endParaRPr>
+          </a:p>
+        </p:txBody>
+      </p:sp>
+      <p:sp>
+        <p:nvSpPr>
+          <p:cNvPr id="12" name="Date Placeholder 10"/>
+          <p:cNvSpPr>
+            <a:spLocks noGrp="1"/>
+          </p:cNvSpPr>
+          <p:nvPr>
+            <p:ph type="dt" sz="half" idx="10"/>
+          </p:nvPr>
+        </p:nvSpPr>
+        <p:spPr>
+          <a:xfrm>
+            <a:off x="838200" y="6356350"/>
+            <a:ext cx="2743200" cy="365125"/>
+          </a:xfrm>
+        </p:spPr>
+        <p:txBody>
+          <a:bodyPr/>
+          <a:lstStyle/>
+          <a:p>
+            <a:fld id="{67470675-7A47-4B71-8483-630FB94916F1}" type="datetime1">
+              <a:rPr lang="en-US" sz="2400" smtClean="0">
+                <a:solidFill>
+                  <a:schemeClr val="bg1"/>
+                </a:solidFill>
+              </a:rPr>
+              <a:t>12/13/2021</a:t>
+            </a:fld>
+            <a:endParaRPr lang="en-US" sz="2400" dirty="0">
+              <a:solidFill>
+                <a:schemeClr val="bg1"/>
+              </a:solidFill>
+            </a:endParaRPr>
+          </a:p>
+        </p:txBody>
+      </p:sp>
+      <p:sp>
+        <p:nvSpPr>
+          <p:cNvPr id="13" name="Slide Number Placeholder 7"/>
+          <p:cNvSpPr>
+            <a:spLocks noGrp="1"/>
+          </p:cNvSpPr>
+          <p:nvPr>
+            <p:ph type="sldNum" sz="quarter" idx="12"/>
+          </p:nvPr>
+        </p:nvSpPr>
+        <p:spPr>
+          <a:xfrm>
+            <a:off x="8627767" y="6356350"/>
+            <a:ext cx="2743200" cy="365125"/>
+          </a:xfrm>
+        </p:spPr>
+        <p:txBody>
+          <a:bodyPr/>
+          <a:lstStyle/>
+          <a:p>
+            <a:r>
+              <a:rPr lang="en-US" sz="2400" dirty="0" smtClean="0">
+                <a:solidFill>
+                  <a:schemeClr val="bg1"/>
+                </a:solidFill>
+              </a:rPr>
+              <a:t>11</a:t>
+            </a:r>
+            <a:endParaRPr lang="en-US" sz="2400" dirty="0">
+              <a:solidFill>
+                <a:schemeClr val="bg1"/>
+              </a:solidFill>
+            </a:endParaRPr>
+          </a:p>
+        </p:txBody>
+      </p:sp>
+      <p:pic>
+        <p:nvPicPr>
+          <p:cNvPr id="3" name="Picture 2"/>
+          <p:cNvPicPr>
+            <a:picLocks noChangeAspect="1"/>
+          </p:cNvPicPr>
+          <p:nvPr/>
+        </p:nvPicPr>
+        <p:blipFill>
+          <a:blip r:embed="rId4">
+            <a:extLst>
+              <a:ext uri="{28A0092B-C50C-407E-A947-70E740481C1C}">
+                <a14:useLocalDpi xmlns:a14="http://schemas.microsoft.com/office/drawing/2010/main" val="0"/>
+              </a:ext>
+            </a:extLst>
+          </a:blip>
+          <a:stretch>
+            <a:fillRect/>
+          </a:stretch>
+        </p:blipFill>
+        <p:spPr>
+          <a:xfrm>
+            <a:off x="7707883" y="3113227"/>
+            <a:ext cx="203175" cy="203175"/>
+          </a:xfrm>
+          <a:prstGeom prst="rect">
+            <a:avLst/>
+          </a:prstGeom>
+        </p:spPr>
+      </p:pic>
+      <p:pic>
+        <p:nvPicPr>
+          <p:cNvPr id="14" name="Picture 13"/>
+          <p:cNvPicPr>
+            <a:picLocks noChangeAspect="1"/>
+          </p:cNvPicPr>
+          <p:nvPr/>
+        </p:nvPicPr>
+        <p:blipFill>
+          <a:blip r:embed="rId5" cstate="print">
+            <a:extLst>
+              <a:ext uri="{28A0092B-C50C-407E-A947-70E740481C1C}">
+                <a14:useLocalDpi xmlns:a14="http://schemas.microsoft.com/office/drawing/2010/main" val="0"/>
+              </a:ext>
+            </a:extLst>
+          </a:blip>
+          <a:stretch>
+            <a:fillRect/>
+          </a:stretch>
+        </p:blipFill>
+        <p:spPr>
+          <a:xfrm>
+            <a:off x="8004443" y="3113227"/>
+            <a:ext cx="203175" cy="203175"/>
+          </a:xfrm>
+          <a:prstGeom prst="rect">
+            <a:avLst/>
+          </a:prstGeom>
+        </p:spPr>
+      </p:pic>
+    </p:spTree>
+    <p:extLst>
+      <p:ext uri="{BB962C8B-B14F-4D97-AF65-F5344CB8AC3E}">
+        <p14:creationId xmlns:p14="http://schemas.microsoft.com/office/powerpoint/2010/main" val="866324715"/>
       </p:ext>
     </p:extLst>
   </p:cSld>
@@ -4612,25 +5721,29 @@
         <p:spPr>
           <a:xfrm>
             <a:off x="463638" y="193183"/>
-            <a:ext cx="11281893" cy="1011462"/>
+            <a:ext cx="11281893" cy="709787"/>
           </a:xfrm>
         </p:spPr>
         <p:txBody>
-          <a:bodyPr/>
+          <a:bodyPr>
+            <a:normAutofit/>
+          </a:bodyPr>
           <a:lstStyle/>
           <a:p>
             <a:r>
-              <a:rPr lang="en-US" b="1" dirty="0" smtClean="0">
-                <a:solidFill>
-                  <a:srgbClr val="00567E"/>
-                </a:solidFill>
+              <a:rPr lang="en-US" sz="4300" b="1" dirty="0">
+                <a:solidFill>
+                  <a:srgbClr val="004868"/>
+                </a:solidFill>
+                <a:cs typeface="(A) Arslan Wessam A" panose="03020402040406030203" pitchFamily="66" charset="-78"/>
               </a:rPr>
               <a:t>Table of Content</a:t>
             </a:r>
-            <a:endParaRPr lang="en-US" b="1" dirty="0">
+            <a:endParaRPr lang="en-US" sz="4300" b="1" dirty="0">
               <a:solidFill>
-                <a:srgbClr val="00567E"/>
+                <a:srgbClr val="004868"/>
               </a:solidFill>
+              <a:cs typeface="(A) Arslan Wessam A" panose="03020402040406030203" pitchFamily="66" charset="-78"/>
             </a:endParaRPr>
           </a:p>
         </p:txBody>
@@ -4670,7 +5783,7 @@
           <p:cNvPr id="7" name="Footer Placeholder 4">
             <a:extLst>
               <a:ext uri="{FF2B5EF4-FFF2-40B4-BE49-F238E27FC236}">
-                <a16:creationId xmlns="" xmlns:a16="http://schemas.microsoft.com/office/drawing/2014/main" xmlns:lc="http://schemas.openxmlformats.org/drawingml/2006/lockedCanvas" id="{59271489-1EC6-0D4E-BF28-047FF1DDB132}"/>
+                <a16:creationId xmlns:lc="http://schemas.openxmlformats.org/drawingml/2006/lockedCanvas" xmlns:a16="http://schemas.microsoft.com/office/drawing/2014/main" xmlns="" id="{59271489-1EC6-0D4E-BF28-047FF1DDB132}"/>
               </a:ext>
             </a:extLst>
           </p:cNvPr>
@@ -4862,7 +5975,7 @@
               <a:t>forensics</a:t>
             </a:r>
             <a:r>
-              <a:rPr lang="en-US" sz="3600" dirty="0">
+              <a:rPr lang="en-US" sz="3600" dirty="0" smtClean="0">
                 <a:solidFill>
                   <a:srgbClr val="004868"/>
                 </a:solidFill>
@@ -4870,17 +5983,29 @@
               </a:rPr>
               <a:t>?</a:t>
             </a:r>
-            <a:endParaRPr lang="en-US" sz="3600" dirty="0" smtClean="0">
-              <a:solidFill>
-                <a:srgbClr val="004868"/>
-              </a:solidFill>
-              <a:cs typeface="(A) Arslan Wessam A" panose="03020402040406030203" pitchFamily="66" charset="-78"/>
-            </a:endParaRPr>
           </a:p>
           <a:p>
             <a:pPr lvl="0">
               <a:buChar char="•"/>
             </a:pPr>
+            <a:r>
+              <a:rPr lang="en-US" sz="3600" dirty="0">
+                <a:solidFill>
+                  <a:srgbClr val="004868"/>
+                </a:solidFill>
+                <a:cs typeface="(A) Arslan Wessam A" panose="03020402040406030203" pitchFamily="66" charset="-78"/>
+              </a:rPr>
+              <a:t> Why do we need it</a:t>
+            </a:r>
+            <a:r>
+              <a:rPr lang="en-US" sz="3600" dirty="0" smtClean="0">
+                <a:solidFill>
+                  <a:srgbClr val="004868"/>
+                </a:solidFill>
+                <a:cs typeface="(A) Arslan Wessam A" panose="03020402040406030203" pitchFamily="66" charset="-78"/>
+              </a:rPr>
+              <a:t>?</a:t>
+            </a:r>
             <a:endParaRPr lang="en-US" sz="3600" dirty="0">
               <a:solidFill>
                 <a:srgbClr val="004868"/>
@@ -4899,86 +6024,122 @@
                 </a:solidFill>
                 <a:cs typeface="(A) Arslan Wessam A" panose="03020402040406030203" pitchFamily="66" charset="-78"/>
               </a:rPr>
-              <a:t> Prerequisites</a:t>
+              <a:t> </a:t>
+            </a:r>
+            <a:r>
+              <a:rPr lang="en-US" sz="3600" dirty="0">
+                <a:solidFill>
+                  <a:srgbClr val="004868"/>
+                </a:solidFill>
+                <a:cs typeface="(A) Arslan Wessam A" panose="03020402040406030203" pitchFamily="66" charset="-78"/>
+              </a:rPr>
+              <a:t>When can someone start learning </a:t>
+            </a:r>
+            <a:r>
+              <a:rPr lang="en-US" sz="3600" dirty="0" smtClean="0">
+                <a:solidFill>
+                  <a:srgbClr val="004868"/>
+                </a:solidFill>
+                <a:cs typeface="(A) Arslan Wessam A" panose="03020402040406030203" pitchFamily="66" charset="-78"/>
+              </a:rPr>
+              <a:t>it?</a:t>
             </a:r>
           </a:p>
           <a:p>
             <a:pPr lvl="0">
               <a:buChar char="•"/>
             </a:pPr>
-            <a:endParaRPr lang="en-US" sz="3600" dirty="0">
-              <a:solidFill>
-                <a:srgbClr val="004868"/>
-              </a:solidFill>
-              <a:cs typeface="(A) Arslan Wessam A" panose="03020402040406030203" pitchFamily="66" charset="-78"/>
-            </a:endParaRPr>
+            <a:r>
+              <a:rPr lang="en-US" sz="3600" dirty="0">
+                <a:solidFill>
+                  <a:srgbClr val="004868"/>
+                </a:solidFill>
+                <a:cs typeface="(A) Arslan Wessam A" panose="03020402040406030203" pitchFamily="66" charset="-78"/>
+              </a:rPr>
+              <a:t> </a:t>
+            </a:r>
+            <a:r>
+              <a:rPr lang="en-US" sz="3600" dirty="0">
+                <a:solidFill>
+                  <a:srgbClr val="004868"/>
+                </a:solidFill>
+                <a:cs typeface="(A) Arslan Wessam A" panose="03020402040406030203" pitchFamily="66" charset="-78"/>
+              </a:rPr>
+              <a:t>Where DFIR analysts </a:t>
+            </a:r>
+            <a:r>
+              <a:rPr lang="en-US" sz="3600" dirty="0" smtClean="0">
+                <a:solidFill>
+                  <a:srgbClr val="004868"/>
+                </a:solidFill>
+                <a:cs typeface="(A) Arslan Wessam A" panose="03020402040406030203" pitchFamily="66" charset="-78"/>
+              </a:rPr>
+              <a:t>work?</a:t>
+            </a:r>
           </a:p>
           <a:p>
             <a:pPr lvl="0">
               <a:buChar char="•"/>
             </a:pPr>
             <a:r>
+              <a:rPr lang="en-US" sz="3600" dirty="0">
+                <a:solidFill>
+                  <a:srgbClr val="004868"/>
+                </a:solidFill>
+                <a:cs typeface="(A) Arslan Wessam A" panose="03020402040406030203" pitchFamily="66" charset="-78"/>
+              </a:rPr>
+              <a:t> </a:t>
+            </a:r>
+            <a:r>
               <a:rPr lang="en-US" sz="3600" dirty="0" smtClean="0">
                 <a:solidFill>
                   <a:srgbClr val="004868"/>
                 </a:solidFill>
                 <a:cs typeface="(A) Arslan Wessam A" panose="03020402040406030203" pitchFamily="66" charset="-78"/>
               </a:rPr>
-              <a:t> What </a:t>
-            </a:r>
-            <a:r>
-              <a:rPr lang="en-US" sz="3600" dirty="0">
-                <a:solidFill>
-                  <a:srgbClr val="004868"/>
-                </a:solidFill>
-                <a:cs typeface="(A) Arslan Wessam A" panose="03020402040406030203" pitchFamily="66" charset="-78"/>
-              </a:rPr>
-              <a:t>does Digital </a:t>
-            </a:r>
-            <a:r>
-              <a:rPr lang="en-US" sz="3600" dirty="0" smtClean="0">
-                <a:solidFill>
-                  <a:srgbClr val="004868"/>
-                </a:solidFill>
-                <a:cs typeface="(A) Arslan Wessam A" panose="03020402040406030203" pitchFamily="66" charset="-78"/>
-              </a:rPr>
-              <a:t>forensics analyst </a:t>
-            </a:r>
-            <a:r>
-              <a:rPr lang="en-US" sz="3600" dirty="0">
-                <a:solidFill>
-                  <a:srgbClr val="004868"/>
-                </a:solidFill>
-                <a:cs typeface="(A) Arslan Wessam A" panose="03020402040406030203" pitchFamily="66" charset="-78"/>
-              </a:rPr>
-              <a:t>Do</a:t>
-            </a:r>
-            <a:r>
-              <a:rPr lang="en-US" sz="3600" dirty="0" smtClean="0">
-                <a:solidFill>
-                  <a:srgbClr val="004868"/>
-                </a:solidFill>
-                <a:cs typeface="(A) Arslan Wessam A" panose="03020402040406030203" pitchFamily="66" charset="-78"/>
-              </a:rPr>
-              <a:t>? Demo</a:t>
-            </a:r>
-            <a:endParaRPr lang="en-US" sz="3600" dirty="0">
-              <a:solidFill>
-                <a:srgbClr val="004868"/>
-              </a:solidFill>
-              <a:cs typeface="(A) Arslan Wessam A" panose="03020402040406030203" pitchFamily="66" charset="-78"/>
-            </a:endParaRPr>
+              <a:t>Demo</a:t>
+            </a:r>
           </a:p>
           <a:p>
             <a:pPr lvl="0">
               <a:buChar char="•"/>
             </a:pPr>
-            <a:endParaRPr lang="en-US" sz="3600" dirty="0">
-              <a:solidFill>
-                <a:srgbClr val="004868"/>
-              </a:solidFill>
-              <a:cs typeface="(A) Arslan Wessam A" panose="03020402040406030203" pitchFamily="66" charset="-78"/>
-            </a:endParaRPr>
+            <a:r>
+              <a:rPr lang="en-US" sz="3600" dirty="0">
+                <a:solidFill>
+                  <a:srgbClr val="004868"/>
+                </a:solidFill>
+                <a:cs typeface="(A) Arslan Wessam A" panose="03020402040406030203" pitchFamily="66" charset="-78"/>
+              </a:rPr>
+              <a:t> </a:t>
+            </a:r>
+            <a:r>
+              <a:rPr lang="en-US" sz="3600" dirty="0" smtClean="0">
+                <a:solidFill>
+                  <a:srgbClr val="004868"/>
+                </a:solidFill>
+                <a:cs typeface="(A) Arslan Wessam A" panose="03020402040406030203" pitchFamily="66" charset="-78"/>
+              </a:rPr>
+              <a:t>How </a:t>
+            </a:r>
+            <a:r>
+              <a:rPr lang="en-US" sz="3600" dirty="0">
+                <a:solidFill>
+                  <a:srgbClr val="004868"/>
+                </a:solidFill>
+                <a:cs typeface="(A) Arslan Wessam A" panose="03020402040406030203" pitchFamily="66" charset="-78"/>
+              </a:rPr>
+              <a:t>to learn it (resources</a:t>
+            </a:r>
+            <a:r>
+              <a:rPr lang="en-US" sz="3600" dirty="0" smtClean="0">
+                <a:solidFill>
+                  <a:srgbClr val="004868"/>
+                </a:solidFill>
+                <a:cs typeface="(A) Arslan Wessam A" panose="03020402040406030203" pitchFamily="66" charset="-78"/>
+              </a:rPr>
+              <a:t>)?</a:t>
+            </a:r>
           </a:p>
           <a:p>
             <a:pPr lvl="0">
@@ -4991,24 +6152,8 @@
                 </a:solidFill>
                 <a:cs typeface="(A) Arslan Wessam A" panose="03020402040406030203" pitchFamily="66" charset="-78"/>
               </a:rPr>
-              <a:t> Roadmap</a:t>
-            </a:r>
-          </a:p>
-          <a:p>
-            <a:pPr lvl="0">
-              <a:buChar char="•"/>
-            </a:pPr>
-            <a:endParaRPr lang="en-US" sz="3600" dirty="0">
-              <a:solidFill>
-                <a:srgbClr val="004868"/>
-              </a:solidFill>
-              <a:cs typeface="(A) Arslan Wessam A" panose="03020402040406030203" pitchFamily="66" charset="-78"/>
-            </a:endParaRPr>
-          </a:p>
-          <a:p>
-            <a:pPr lvl="0">
-              <a:buChar char="•"/>
-            </a:pPr>
+              <a:t> </a:t>
+            </a:r>
             <a:r>
               <a:rPr lang="en-US" sz="3600" dirty="0" smtClean="0">
                 <a:solidFill>
@@ -5016,7 +6161,7 @@
                 </a:solidFill>
                 <a:cs typeface="(A) Arslan Wessam A" panose="03020402040406030203" pitchFamily="66" charset="-78"/>
               </a:rPr>
-              <a:t> Q </a:t>
+              <a:t>Q </a:t>
             </a:r>
             <a:r>
               <a:rPr lang="en-US" sz="3600" dirty="0">
@@ -5056,7 +6201,7 @@
                   <a:schemeClr val="bg1"/>
                 </a:solidFill>
               </a:rPr>
-              <a:t>12/11/2021</a:t>
+              <a:t>12/13/2021</a:t>
             </a:fld>
             <a:endParaRPr lang="en-US" sz="2400" dirty="0">
               <a:solidFill>
@@ -5220,6 +6365,75 @@
                                         <p:tgtEl>
                                           <p:spTgt spid="6">
                                             <p:txEl>
+                                              <p:pRg st="1" end="1"/>
+                                            </p:txEl>
+                                          </p:spTgt>
+                                        </p:tgtEl>
+                                        <p:attrNameLst>
+                                          <p:attrName>style.visibility</p:attrName>
+                                        </p:attrNameLst>
+                                      </p:cBhvr>
+                                      <p:to>
+                                        <p:strVal val="visible"/>
+                                      </p:to>
+                                    </p:set>
+                                  </p:childTnLst>
+                                  <p:subTnLst>
+                                    <p:animClr clrSpc="rgb" dir="cw">
+                                      <p:cBhvr override="childStyle">
+                                        <p:cTn dur="1" fill="hold" display="0" masterRel="nextClick" afterEffect="1"/>
+                                        <p:tgtEl>
+                                          <p:spTgt spid="6">
+                                            <p:txEl>
+                                              <p:pRg st="1" end="1"/>
+                                            </p:txEl>
+                                          </p:spTgt>
+                                        </p:tgtEl>
+                                        <p:attrNameLst>
+                                          <p:attrName>ppt_c</p:attrName>
+                                        </p:attrNameLst>
+                                      </p:cBhvr>
+                                      <p:to>
+                                        <a:srgbClr val="828282"/>
+                                      </p:to>
+                                    </p:animClr>
+                                  </p:subTnLst>
+                                </p:cTn>
+                              </p:par>
+                            </p:childTnLst>
+                          </p:cTn>
+                        </p:par>
+                      </p:childTnLst>
+                    </p:cTn>
+                  </p:par>
+                  <p:par>
+                    <p:cTn id="11" fill="hold">
+                      <p:stCondLst>
+                        <p:cond delay="indefinite"/>
+                      </p:stCondLst>
+                      <p:childTnLst>
+                        <p:par>
+                          <p:cTn id="12" fill="hold">
+                            <p:stCondLst>
+                              <p:cond delay="0"/>
+                            </p:stCondLst>
+                            <p:childTnLst>
+                              <p:par>
+                                <p:cTn id="13" presetID="1" presetClass="entr" presetSubtype="0" fill="hold" grpId="0" nodeType="clickEffect">
+                                  <p:stCondLst>
+                                    <p:cond delay="0"/>
+                                  </p:stCondLst>
+                                  <p:childTnLst>
+                                    <p:set>
+                                      <p:cBhvr>
+                                        <p:cTn id="14" dur="1" fill="hold">
+                                          <p:stCondLst>
+                                            <p:cond delay="0"/>
+                                          </p:stCondLst>
+                                        </p:cTn>
+                                        <p:tgtEl>
+                                          <p:spTgt spid="6">
+                                            <p:txEl>
                                               <p:pRg st="2" end="2"/>
                                             </p:txEl>
                                           </p:spTgt>
@@ -5262,26 +6476,95 @@
                     </p:cTn>
                   </p:par>
                   <p:par>
-                    <p:cTn id="11" fill="hold">
+                    <p:cTn id="15" fill="hold">
                       <p:stCondLst>
                         <p:cond delay="indefinite"/>
                       </p:stCondLst>
                       <p:childTnLst>
                         <p:par>
-                          <p:cTn id="12" fill="hold">
+                          <p:cTn id="16" fill="hold">
                             <p:stCondLst>
                               <p:cond delay="0"/>
                             </p:stCondLst>
                             <p:childTnLst>
                               <p:par>
-                                <p:cTn id="13" presetID="1" presetClass="entr" presetSubtype="0" fill="hold" grpId="0" nodeType="clickEffect">
+                                <p:cTn id="17" presetID="1" presetClass="entr" presetSubtype="0" fill="hold" grpId="0" nodeType="clickEffect">
                                   <p:stCondLst>
                                     <p:cond delay="0"/>
                                   </p:stCondLst>
                                   <p:childTnLst>
                                     <p:set>
                                       <p:cBhvr>
-                                        <p:cTn id="14" dur="1" fill="hold">
+                                        <p:cTn id="18" dur="1" fill="hold">
+                                          <p:stCondLst>
+                                            <p:cond delay="0"/>
+                                          </p:stCondLst>
+                                        </p:cTn>
+                                        <p:tgtEl>
+                                          <p:spTgt spid="6">
+                                            <p:txEl>
+                                              <p:pRg st="3" end="3"/>
+                                            </p:txEl>
+                                          </p:spTgt>
+                                        </p:tgtEl>
+                                        <p:attrNameLst>
+                                          <p:attrName>style.visibility</p:attrName>
+                                        </p:attrNameLst>
+                                      </p:cBhvr>
+                                      <p:to>
+                                        <p:strVal val="visible"/>
+                                      </p:to>
+                                    </p:set>
+                                  </p:childTnLst>
+                                  <p:subTnLst>
+                                    <p:animClr clrSpc="rgb" dir="cw">
+                                      <p:cBhvr override="childStyle">
+                                        <p:cTn dur="1" fill="hold" display="0" masterRel="nextClick" afterEffect="1"/>
+                                        <p:tgtEl>
+                                          <p:spTgt spid="6">
+                                            <p:txEl>
+                                              <p:pRg st="3" end="3"/>
+                                            </p:txEl>
+                                          </p:spTgt>
+                                        </p:tgtEl>
+                                        <p:attrNameLst>
+                                          <p:attrName>ppt_c</p:attrName>
+                                        </p:attrNameLst>
+                                      </p:cBhvr>
+                                      <p:to>
+                                        <a:srgbClr val="828282"/>
+                                      </p:to>
+                                    </p:animClr>
+                                  </p:subTnLst>
+                                </p:cTn>
+                              </p:par>
+                            </p:childTnLst>
+                          </p:cTn>
+                        </p:par>
+                      </p:childTnLst>
+                    </p:cTn>
+                  </p:par>
+                  <p:par>
+                    <p:cTn id="19" fill="hold">
+                      <p:stCondLst>
+                        <p:cond delay="indefinite"/>
+                      </p:stCondLst>
+                      <p:childTnLst>
+                        <p:par>
+                          <p:cTn id="20" fill="hold">
+                            <p:stCondLst>
+                              <p:cond delay="0"/>
+                            </p:stCondLst>
+                            <p:childTnLst>
+                              <p:par>
+                                <p:cTn id="21" presetID="1" presetClass="entr" presetSubtype="0" fill="hold" grpId="0" nodeType="clickEffect">
+                                  <p:stCondLst>
+                                    <p:cond delay="0"/>
+                                  </p:stCondLst>
+                                  <p:childTnLst>
+                                    <p:set>
+                                      <p:cBhvr>
+                                        <p:cTn id="22" dur="1" fill="hold">
                                           <p:stCondLst>
                                             <p:cond delay="0"/>
                                           </p:stCondLst>
@@ -5331,26 +6614,95 @@
                     </p:cTn>
                   </p:par>
                   <p:par>
-                    <p:cTn id="15" fill="hold">
+                    <p:cTn id="23" fill="hold">
                       <p:stCondLst>
                         <p:cond delay="indefinite"/>
                       </p:stCondLst>
                       <p:childTnLst>
                         <p:par>
-                          <p:cTn id="16" fill="hold">
+                          <p:cTn id="24" fill="hold">
                             <p:stCondLst>
                               <p:cond delay="0"/>
                             </p:stCondLst>
                             <p:childTnLst>
                               <p:par>
-                                <p:cTn id="17" presetID="1" presetClass="entr" presetSubtype="0" fill="hold" grpId="0" nodeType="clickEffect">
+                                <p:cTn id="25" presetID="1" presetClass="entr" presetSubtype="0" fill="hold" grpId="0" nodeType="clickEffect">
                                   <p:stCondLst>
                                     <p:cond delay="0"/>
                                   </p:stCondLst>
                                   <p:childTnLst>
                                     <p:set>
                                       <p:cBhvr>
-                                        <p:cTn id="18" dur="1" fill="hold">
+                                        <p:cTn id="26" dur="1" fill="hold">
+                                          <p:stCondLst>
+                                            <p:cond delay="0"/>
+                                          </p:stCondLst>
+                                        </p:cTn>
+                                        <p:tgtEl>
+                                          <p:spTgt spid="6">
+                                            <p:txEl>
+                                              <p:pRg st="5" end="5"/>
+                                            </p:txEl>
+                                          </p:spTgt>
+                                        </p:tgtEl>
+                                        <p:attrNameLst>
+                                          <p:attrName>style.visibility</p:attrName>
+                                        </p:attrNameLst>
+                                      </p:cBhvr>
+                                      <p:to>
+                                        <p:strVal val="visible"/>
+                                      </p:to>
+                                    </p:set>
+                                  </p:childTnLst>
+                                  <p:subTnLst>
+                                    <p:animClr clrSpc="rgb" dir="cw">
+                                      <p:cBhvr override="childStyle">
+                                        <p:cTn dur="1" fill="hold" display="0" masterRel="nextClick" afterEffect="1"/>
+                                        <p:tgtEl>
+                                          <p:spTgt spid="6">
+                                            <p:txEl>
+                                              <p:pRg st="5" end="5"/>
+                                            </p:txEl>
+                                          </p:spTgt>
+                                        </p:tgtEl>
+                                        <p:attrNameLst>
+                                          <p:attrName>ppt_c</p:attrName>
+                                        </p:attrNameLst>
+                                      </p:cBhvr>
+                                      <p:to>
+                                        <a:srgbClr val="828282"/>
+                                      </p:to>
+                                    </p:animClr>
+                                  </p:subTnLst>
+                                </p:cTn>
+                              </p:par>
+                            </p:childTnLst>
+                          </p:cTn>
+                        </p:par>
+                      </p:childTnLst>
+                    </p:cTn>
+                  </p:par>
+                  <p:par>
+                    <p:cTn id="27" fill="hold">
+                      <p:stCondLst>
+                        <p:cond delay="indefinite"/>
+                      </p:stCondLst>
+                      <p:childTnLst>
+                        <p:par>
+                          <p:cTn id="28" fill="hold">
+                            <p:stCondLst>
+                              <p:cond delay="0"/>
+                            </p:stCondLst>
+                            <p:childTnLst>
+                              <p:par>
+                                <p:cTn id="29" presetID="1" presetClass="entr" presetSubtype="0" fill="hold" grpId="0" nodeType="clickEffect">
+                                  <p:stCondLst>
+                                    <p:cond delay="0"/>
+                                  </p:stCondLst>
+                                  <p:childTnLst>
+                                    <p:set>
+                                      <p:cBhvr>
+                                        <p:cTn id="30" dur="1" fill="hold">
                                           <p:stCondLst>
                                             <p:cond delay="0"/>
                                           </p:stCondLst>
@@ -5379,75 +6731,6 @@
                                           <p:spTgt spid="6">
                                             <p:txEl>
                                               <p:pRg st="6" end="6"/>
-                                            </p:txEl>
-                                          </p:spTgt>
-                                        </p:tgtEl>
-                                        <p:attrNameLst>
-                                          <p:attrName>ppt_c</p:attrName>
-                                        </p:attrNameLst>
-                                      </p:cBhvr>
-                                      <p:to>
-                                        <a:srgbClr val="828282"/>
-                                      </p:to>
-                                    </p:animClr>
-                                  </p:subTnLst>
-                                </p:cTn>
-                              </p:par>
-                            </p:childTnLst>
-                          </p:cTn>
-                        </p:par>
-                      </p:childTnLst>
-                    </p:cTn>
-                  </p:par>
-                  <p:par>
-                    <p:cTn id="19" fill="hold">
-                      <p:stCondLst>
-                        <p:cond delay="indefinite"/>
-                      </p:stCondLst>
-                      <p:childTnLst>
-                        <p:par>
-                          <p:cTn id="20" fill="hold">
-                            <p:stCondLst>
-                              <p:cond delay="0"/>
-                            </p:stCondLst>
-                            <p:childTnLst>
-                              <p:par>
-                                <p:cTn id="21" presetID="1" presetClass="entr" presetSubtype="0" fill="hold" grpId="0" nodeType="clickEffect">
-                                  <p:stCondLst>
-                                    <p:cond delay="0"/>
-                                  </p:stCondLst>
-                                  <p:childTnLst>
-                                    <p:set>
-                                      <p:cBhvr>
-                                        <p:cTn id="22" dur="1" fill="hold">
-                                          <p:stCondLst>
-                                            <p:cond delay="0"/>
-                                          </p:stCondLst>
-                                        </p:cTn>
-                                        <p:tgtEl>
-                                          <p:spTgt spid="6">
-                                            <p:txEl>
-                                              <p:pRg st="8" end="8"/>
-                                            </p:txEl>
-                                          </p:spTgt>
-                                        </p:tgtEl>
-                                        <p:attrNameLst>
-                                          <p:attrName>style.visibility</p:attrName>
-                                        </p:attrNameLst>
-                                      </p:cBhvr>
-                                      <p:to>
-                                        <p:strVal val="visible"/>
-                                      </p:to>
-                                    </p:set>
-                                  </p:childTnLst>
-                                  <p:subTnLst>
-                                    <p:animClr clrSpc="rgb" dir="cw">
-                                      <p:cBhvr override="childStyle">
-                                        <p:cTn dur="1" fill="hold" display="0" masterRel="nextClick" afterEffect="1"/>
-                                        <p:tgtEl>
-                                          <p:spTgt spid="6">
-                                            <p:txEl>
-                                              <p:pRg st="8" end="8"/>
                                             </p:txEl>
                                           </p:spTgt>
                                         </p:tgtEl>
@@ -5499,6 +6782,11 @@
 <file path=ppt/slides/slide3.xml><?xml version="1.0" encoding="utf-8"?>
 <p:sld xmlns:a="http://schemas.openxmlformats.org/drawingml/2006/main" xmlns:r="http://schemas.openxmlformats.org/officeDocument/2006/relationships" xmlns:p="http://schemas.openxmlformats.org/presentationml/2006/main">
   <p:cSld>
+    <p:bg>
+      <p:bgRef idx="1001">
+        <a:schemeClr val="bg1"/>
+      </p:bgRef>
+    </p:bg>
     <p:spTree>
       <p:nvGrpSpPr>
         <p:cNvPr id="1" name=""/>
@@ -5526,58 +6814,202 @@
         <p:spPr>
           <a:xfrm>
             <a:off x="463638" y="193183"/>
-            <a:ext cx="11281893" cy="1011462"/>
+            <a:ext cx="11281893" cy="709787"/>
           </a:xfrm>
         </p:spPr>
         <p:txBody>
+          <a:bodyPr>
+            <a:normAutofit/>
+          </a:bodyPr>
+          <a:lstStyle/>
+          <a:p>
+            <a:r>
+              <a:rPr lang="en-US" sz="4300" b="1" dirty="0">
+                <a:solidFill>
+                  <a:srgbClr val="004868"/>
+                </a:solidFill>
+                <a:cs typeface="(A) Arslan Wessam A" panose="03020402040406030203" pitchFamily="66" charset="-78"/>
+              </a:rPr>
+              <a:t>What </a:t>
+            </a:r>
+            <a:r>
+              <a:rPr lang="en-US" sz="4300" b="1" dirty="0">
+                <a:solidFill>
+                  <a:srgbClr val="004868"/>
+                </a:solidFill>
+                <a:cs typeface="(A) Arslan Wessam A" panose="03020402040406030203" pitchFamily="66" charset="-78"/>
+              </a:rPr>
+              <a:t>is Digital </a:t>
+            </a:r>
+            <a:r>
+              <a:rPr lang="en-US" sz="4300" b="1" dirty="0">
+                <a:solidFill>
+                  <a:srgbClr val="004868"/>
+                </a:solidFill>
+                <a:cs typeface="(A) Arslan Wessam A" panose="03020402040406030203" pitchFamily="66" charset="-78"/>
+              </a:rPr>
+              <a:t>forensics</a:t>
+            </a:r>
+            <a:r>
+              <a:rPr lang="en-US" sz="4300" b="1" dirty="0">
+                <a:solidFill>
+                  <a:srgbClr val="004868"/>
+                </a:solidFill>
+                <a:cs typeface="(A) Arslan Wessam A" panose="03020402040406030203" pitchFamily="66" charset="-78"/>
+              </a:rPr>
+              <a:t>?</a:t>
+            </a:r>
+          </a:p>
+        </p:txBody>
+      </p:sp>
+      <p:sp>
+        <p:nvSpPr>
+          <p:cNvPr id="6" name="Rectangle 5"/>
+          <p:cNvSpPr/>
+          <p:nvPr/>
+        </p:nvSpPr>
+        <p:spPr>
+          <a:xfrm>
+            <a:off x="463638" y="1204645"/>
+            <a:ext cx="11281893" cy="4998374"/>
+          </a:xfrm>
+          <a:prstGeom prst="rect">
+            <a:avLst/>
+          </a:prstGeom>
+        </p:spPr>
+        <p:txBody>
           <a:bodyPr/>
           <a:lstStyle/>
           <a:p>
-            <a:r>
-              <a:rPr lang="en-US" b="1" dirty="0" smtClean="0">
-                <a:solidFill>
-                  <a:srgbClr val="00567E"/>
-                </a:solidFill>
-              </a:rPr>
-              <a:t>What </a:t>
-            </a:r>
-            <a:r>
-              <a:rPr lang="en-US" b="1" dirty="0">
-                <a:solidFill>
-                  <a:srgbClr val="00567E"/>
-                </a:solidFill>
-              </a:rPr>
-              <a:t>is Digital </a:t>
-            </a:r>
-            <a:r>
-              <a:rPr lang="en-US" b="1" dirty="0" smtClean="0">
-                <a:solidFill>
-                  <a:srgbClr val="00567E"/>
-                </a:solidFill>
-              </a:rPr>
-              <a:t>forensics</a:t>
-            </a:r>
-            <a:r>
-              <a:rPr lang="en-US" b="1" dirty="0">
-                <a:solidFill>
-                  <a:srgbClr val="00567E"/>
-                </a:solidFill>
-              </a:rPr>
-              <a:t>?</a:t>
-            </a:r>
+            <a:pPr lvl="0">
+              <a:buChar char="•"/>
+            </a:pPr>
+            <a:r>
+              <a:rPr lang="en-US" sz="3600" dirty="0" smtClean="0">
+                <a:solidFill>
+                  <a:srgbClr val="004868"/>
+                </a:solidFill>
+                <a:cs typeface="(A) Arslan Wessam A" panose="03020402040406030203" pitchFamily="66" charset="-78"/>
+              </a:rPr>
+              <a:t> Phases</a:t>
+            </a:r>
+          </a:p>
+        </p:txBody>
+      </p:sp>
+      <p:sp>
+        <p:nvSpPr>
+          <p:cNvPr id="9" name="Rectangle 8"/>
+          <p:cNvSpPr/>
+          <p:nvPr/>
+        </p:nvSpPr>
+        <p:spPr>
+          <a:xfrm>
+            <a:off x="910107" y="1281311"/>
+            <a:ext cx="11281893" cy="4998374"/>
+          </a:xfrm>
+          <a:prstGeom prst="rect">
+            <a:avLst/>
+          </a:prstGeom>
+        </p:spPr>
+        <p:txBody>
+          <a:bodyPr/>
+          <a:lstStyle/>
+          <a:p>
+            <a:pPr lvl="0">
+              <a:buChar char="•"/>
+            </a:pPr>
+            <a:endParaRPr lang="en-US" sz="3600" dirty="0">
+              <a:solidFill>
+                <a:srgbClr val="004868"/>
+              </a:solidFill>
+              <a:latin typeface="(A) Arslan Wessam A" panose="03020402040406030203" pitchFamily="66" charset="-78"/>
+              <a:cs typeface="(A) Arslan Wessam A" panose="03020402040406030203" pitchFamily="66" charset="-78"/>
+            </a:endParaRPr>
+          </a:p>
+          <a:p>
+            <a:pPr lvl="0">
+              <a:buChar char="•"/>
+            </a:pPr>
+            <a:r>
+              <a:rPr lang="en-US" sz="3600" dirty="0">
+                <a:solidFill>
+                  <a:srgbClr val="004868"/>
+                </a:solidFill>
+                <a:latin typeface="(A) Arslan Wessam A" panose="03020402040406030203" pitchFamily="66" charset="-78"/>
+                <a:cs typeface="(A) Arslan Wessam A" panose="03020402040406030203" pitchFamily="66" charset="-78"/>
+              </a:rPr>
+              <a:t> Identifying: finding and collecting suspected sources or assets believed to contain evidence</a:t>
+            </a:r>
+          </a:p>
+          <a:p>
+            <a:pPr lvl="0">
+              <a:buChar char="•"/>
+            </a:pPr>
+            <a:r>
+              <a:rPr lang="en-US" sz="3600" dirty="0">
+                <a:solidFill>
+                  <a:srgbClr val="004868"/>
+                </a:solidFill>
+                <a:latin typeface="(A) Arslan Wessam A" panose="03020402040406030203" pitchFamily="66" charset="-78"/>
+                <a:cs typeface="(A) Arslan Wessam A" panose="03020402040406030203" pitchFamily="66" charset="-78"/>
+              </a:rPr>
+              <a:t> Preserving: Ensuring the integrity of the collected evidence</a:t>
+            </a:r>
+          </a:p>
+          <a:p>
+            <a:pPr lvl="0">
+              <a:buChar char="•"/>
+            </a:pPr>
+            <a:r>
+              <a:rPr lang="en-US" sz="3600" dirty="0">
+                <a:solidFill>
+                  <a:srgbClr val="004868"/>
+                </a:solidFill>
+                <a:latin typeface="(A) Arslan Wessam A" panose="03020402040406030203" pitchFamily="66" charset="-78"/>
+                <a:cs typeface="(A) Arslan Wessam A" panose="03020402040406030203" pitchFamily="66" charset="-78"/>
+              </a:rPr>
+              <a:t> Analyzing: The process where a Digital forensics analyst begins looking into the Identified asset to find a piece of evidence connected to the Incident</a:t>
+            </a:r>
+          </a:p>
+          <a:p>
+            <a:pPr lvl="0">
+              <a:buChar char="•"/>
+            </a:pPr>
+            <a:r>
+              <a:rPr lang="en-US" sz="3600" dirty="0">
+                <a:solidFill>
+                  <a:srgbClr val="004868"/>
+                </a:solidFill>
+                <a:latin typeface="(A) Arslan Wessam A" panose="03020402040406030203" pitchFamily="66" charset="-78"/>
+                <a:cs typeface="(A) Arslan Wessam A" panose="03020402040406030203" pitchFamily="66" charset="-78"/>
+              </a:rPr>
+              <a:t> Reporting: Process of documenting the findings from the investigation to present it to the stakeholders or to a court</a:t>
+            </a:r>
+          </a:p>
+          <a:p>
+            <a:pPr lvl="0">
+              <a:buChar char="•"/>
+            </a:pPr>
+            <a:endParaRPr lang="en-US" sz="3600" dirty="0">
+              <a:solidFill>
+                <a:srgbClr val="004868"/>
+              </a:solidFill>
+              <a:latin typeface="(A) Arslan Wessam A" panose="03020402040406030203" pitchFamily="66" charset="-78"/>
+              <a:cs typeface="(A) Arslan Wessam A" panose="03020402040406030203" pitchFamily="66" charset="-78"/>
+            </a:endParaRPr>
           </a:p>
         </p:txBody>
       </p:sp>
       <p:pic>
         <p:nvPicPr>
-          <p:cNvPr id="5" name="Picture 4"/>
+          <p:cNvPr id="11" name="Picture 10"/>
           <p:cNvPicPr>
             <a:picLocks noChangeAspect="1"/>
           </p:cNvPicPr>
           <p:nvPr/>
         </p:nvPicPr>
         <p:blipFill>
-          <a:blip r:embed="rId3">
+          <a:blip r:embed="rId4">
             <a:extLst>
               <a:ext uri="{28A0092B-C50C-407E-A947-70E740481C1C}">
                 <a14:useLocalDpi xmlns:a14="http://schemas.microsoft.com/office/drawing/2010/main" val="0"/>
@@ -5600,10 +7032,10 @@
       </p:pic>
       <p:sp>
         <p:nvSpPr>
-          <p:cNvPr id="7" name="Footer Placeholder 4">
+          <p:cNvPr id="13" name="Footer Placeholder 4">
             <a:extLst>
               <a:ext uri="{FF2B5EF4-FFF2-40B4-BE49-F238E27FC236}">
-                <a16:creationId xmlns="" xmlns:a16="http://schemas.microsoft.com/office/drawing/2014/main" xmlns:lc="http://schemas.openxmlformats.org/drawingml/2006/lockedCanvas" id="{59271489-1EC6-0D4E-BF28-047FF1DDB132}"/>
+                <a16:creationId xmlns:lc="http://schemas.openxmlformats.org/drawingml/2006/lockedCanvas" xmlns:a16="http://schemas.microsoft.com/office/drawing/2014/main" xmlns="" id="{59271489-1EC6-0D4E-BF28-047FF1DDB132}"/>
               </a:ext>
             </a:extLst>
           </p:cNvPr>
@@ -5747,41 +7179,7 @@
       </p:sp>
       <p:sp>
         <p:nvSpPr>
-          <p:cNvPr id="6" name="Rectangle 5"/>
-          <p:cNvSpPr/>
-          <p:nvPr/>
-        </p:nvSpPr>
-        <p:spPr>
-          <a:xfrm>
-            <a:off x="463638" y="1204645"/>
-            <a:ext cx="11281893" cy="4998374"/>
-          </a:xfrm>
-          <a:prstGeom prst="rect">
-            <a:avLst/>
-          </a:prstGeom>
-        </p:spPr>
-        <p:txBody>
-          <a:bodyPr/>
-          <a:lstStyle/>
-          <a:p>
-            <a:pPr lvl="0">
-              <a:buChar char="•"/>
-            </a:pPr>
-            <a:r>
-              <a:rPr lang="en-US" sz="3600" dirty="0" smtClean="0">
-                <a:solidFill>
-                  <a:srgbClr val="004868"/>
-                </a:solidFill>
-                <a:cs typeface="(A) Arslan Wessam A" panose="03020402040406030203" pitchFamily="66" charset="-78"/>
-              </a:rPr>
-              <a:t> Phases</a:t>
-            </a:r>
-          </a:p>
-        </p:txBody>
-      </p:sp>
-      <p:sp>
-        <p:nvSpPr>
-          <p:cNvPr id="10" name="Date Placeholder 10"/>
+          <p:cNvPr id="14" name="Date Placeholder 10"/>
           <p:cNvSpPr>
             <a:spLocks noGrp="1"/>
           </p:cNvSpPr>
@@ -5805,7 +7203,7 @@
                   <a:schemeClr val="bg1"/>
                 </a:solidFill>
               </a:rPr>
-              <a:t>12/11/2021</a:t>
+              <a:t>12/13/2021</a:t>
             </a:fld>
             <a:endParaRPr lang="en-US" sz="2400" dirty="0">
               <a:solidFill>
@@ -5817,7 +7215,7 @@
       </p:sp>
       <p:sp>
         <p:nvSpPr>
-          <p:cNvPr id="12" name="Slide Number Placeholder 7"/>
+          <p:cNvPr id="15" name="Slide Number Placeholder 7"/>
           <p:cNvSpPr>
             <a:spLocks noGrp="1"/>
           </p:cNvSpPr>
@@ -5847,110 +7245,6 @@
               <a:solidFill>
                 <a:schemeClr val="bg1"/>
               </a:solidFill>
-            </a:endParaRPr>
-          </a:p>
-        </p:txBody>
-      </p:sp>
-      <p:sp>
-        <p:nvSpPr>
-          <p:cNvPr id="9" name="Rectangle 8"/>
-          <p:cNvSpPr/>
-          <p:nvPr/>
-        </p:nvSpPr>
-        <p:spPr>
-          <a:xfrm>
-            <a:off x="910107" y="1281311"/>
-            <a:ext cx="11281893" cy="4998374"/>
-          </a:xfrm>
-          <a:prstGeom prst="rect">
-            <a:avLst/>
-          </a:prstGeom>
-        </p:spPr>
-        <p:txBody>
-          <a:bodyPr/>
-          <a:lstStyle/>
-          <a:p>
-            <a:pPr lvl="0">
-              <a:buChar char="•"/>
-            </a:pPr>
-            <a:endParaRPr lang="en-US" sz="3600" dirty="0">
-              <a:solidFill>
-                <a:srgbClr val="004868"/>
-              </a:solidFill>
-              <a:latin typeface="(A) Arslan Wessam A" panose="03020402040406030203" pitchFamily="66" charset="-78"/>
-              <a:cs typeface="(A) Arslan Wessam A" panose="03020402040406030203" pitchFamily="66" charset="-78"/>
-            </a:endParaRPr>
-          </a:p>
-          <a:p>
-            <a:pPr lvl="0">
-              <a:buChar char="•"/>
-            </a:pPr>
-            <a:r>
-              <a:rPr lang="en-US" sz="3600" dirty="0">
-                <a:solidFill>
-                  <a:srgbClr val="004868"/>
-                </a:solidFill>
-                <a:latin typeface="(A) Arslan Wessam A" panose="03020402040406030203" pitchFamily="66" charset="-78"/>
-                <a:cs typeface="(A) Arslan Wessam A" panose="03020402040406030203" pitchFamily="66" charset="-78"/>
-              </a:rPr>
-              <a:t> Identifying: finding and collecting suspected sources or assets believed to contain evidence</a:t>
-            </a:r>
-          </a:p>
-          <a:p>
-            <a:pPr lvl="0">
-              <a:buChar char="•"/>
-            </a:pPr>
-            <a:r>
-              <a:rPr lang="en-US" sz="3600" dirty="0">
-                <a:solidFill>
-                  <a:srgbClr val="004868"/>
-                </a:solidFill>
-                <a:latin typeface="(A) Arslan Wessam A" panose="03020402040406030203" pitchFamily="66" charset="-78"/>
-                <a:cs typeface="(A) Arslan Wessam A" panose="03020402040406030203" pitchFamily="66" charset="-78"/>
-              </a:rPr>
-              <a:t> Preserving: Ensuring the integrity of the collected evidence</a:t>
-            </a:r>
-          </a:p>
-          <a:p>
-            <a:pPr lvl="0">
-              <a:buChar char="•"/>
-            </a:pPr>
-            <a:r>
-              <a:rPr lang="en-US" sz="3600" dirty="0">
-                <a:solidFill>
-                  <a:srgbClr val="004868"/>
-                </a:solidFill>
-                <a:latin typeface="(A) Arslan Wessam A" panose="03020402040406030203" pitchFamily="66" charset="-78"/>
-                <a:cs typeface="(A) Arslan Wessam A" panose="03020402040406030203" pitchFamily="66" charset="-78"/>
-              </a:rPr>
-              <a:t> Analyzing: The process where a Digital forensics analyst begins looking into the Identified asset to find a piece of evidence connected to the Incident</a:t>
-            </a:r>
-          </a:p>
-          <a:p>
-            <a:pPr lvl="0">
-              <a:buChar char="•"/>
-            </a:pPr>
-            <a:r>
-              <a:rPr lang="en-US" sz="3600" dirty="0">
-                <a:solidFill>
-                  <a:srgbClr val="004868"/>
-                </a:solidFill>
-                <a:latin typeface="(A) Arslan Wessam A" panose="03020402040406030203" pitchFamily="66" charset="-78"/>
-                <a:cs typeface="(A) Arslan Wessam A" panose="03020402040406030203" pitchFamily="66" charset="-78"/>
-              </a:rPr>
-              <a:t> Reporting: Process of documenting the findings from the investigation to present it to the stakeholders or to a court</a:t>
-            </a:r>
-          </a:p>
-          <a:p>
-            <a:pPr lvl="0">
-              <a:buChar char="•"/>
-            </a:pPr>
-            <a:endParaRPr lang="en-US" sz="3600" dirty="0">
-              <a:solidFill>
-                <a:srgbClr val="004868"/>
-              </a:solidFill>
-              <a:latin typeface="(A) Arslan Wessam A" panose="03020402040406030203" pitchFamily="66" charset="-78"/>
-              <a:cs typeface="(A) Arslan Wessam A" panose="03020402040406030203" pitchFamily="66" charset="-78"/>
             </a:endParaRPr>
           </a:p>
         </p:txBody>
@@ -5963,7 +7257,7 @@
     </p:extLst>
   </p:cSld>
   <p:clrMapOvr>
-    <a:masterClrMapping/>
+    <a:overrideClrMapping bg1="lt1" tx1="dk1" bg2="lt2" tx2="dk2" accent1="accent1" accent2="accent2" accent3="accent3" accent4="accent4" accent5="accent5" accent6="accent6" hlink="hlink" folHlink="folHlink"/>
   </p:clrMapOvr>
   <p:transition spd="slow">
     <p:cover/>
@@ -6372,23 +7666,31 @@
         <p:spPr>
           <a:xfrm>
             <a:off x="463638" y="193183"/>
-            <a:ext cx="11281893" cy="1011462"/>
+            <a:ext cx="11281893" cy="721217"/>
           </a:xfrm>
         </p:spPr>
         <p:txBody>
-          <a:bodyPr/>
+          <a:bodyPr>
+            <a:normAutofit fontScale="90000"/>
+          </a:bodyPr>
           <a:lstStyle/>
           <a:p>
             <a:pPr lvl="0"/>
             <a:r>
-              <a:rPr lang="en-US" dirty="0">
+              <a:rPr lang="en-US" sz="4800" b="1" dirty="0">
                 <a:solidFill>
                   <a:srgbClr val="004868"/>
                 </a:solidFill>
                 <a:cs typeface="(A) Arslan Wessam A" panose="03020402040406030203" pitchFamily="66" charset="-78"/>
               </a:rPr>
-              <a:t>Prerequisites</a:t>
-            </a:r>
+              <a:t>Why do we need it?</a:t>
+            </a:r>
+            <a:endParaRPr lang="en-US" sz="4800" b="1" dirty="0">
+              <a:solidFill>
+                <a:srgbClr val="004868"/>
+              </a:solidFill>
+              <a:cs typeface="(A) Arslan Wessam A" panose="03020402040406030203" pitchFamily="66" charset="-78"/>
+            </a:endParaRPr>
           </a:p>
         </p:txBody>
       </p:sp>
@@ -6427,7 +7729,7 @@
           <p:cNvPr id="7" name="Footer Placeholder 4">
             <a:extLst>
               <a:ext uri="{FF2B5EF4-FFF2-40B4-BE49-F238E27FC236}">
-                <a16:creationId xmlns="" xmlns:a16="http://schemas.microsoft.com/office/drawing/2014/main" xmlns:lc="http://schemas.openxmlformats.org/drawingml/2006/lockedCanvas" id="{59271489-1EC6-0D4E-BF28-047FF1DDB132}"/>
+                <a16:creationId xmlns:lc="http://schemas.openxmlformats.org/drawingml/2006/lockedCanvas" xmlns:a16="http://schemas.microsoft.com/office/drawing/2014/main" xmlns="" id="{59271489-1EC6-0D4E-BF28-047FF1DDB132}"/>
               </a:ext>
             </a:extLst>
           </p:cNvPr>
@@ -6577,6 +7879,525 @@
         </p:nvSpPr>
         <p:spPr>
           <a:xfrm>
+            <a:off x="463638" y="991065"/>
+            <a:ext cx="11281893" cy="4998374"/>
+          </a:xfrm>
+          <a:prstGeom prst="rect">
+            <a:avLst/>
+          </a:prstGeom>
+        </p:spPr>
+        <p:txBody>
+          <a:bodyPr/>
+          <a:lstStyle/>
+          <a:p>
+            <a:pPr lvl="0">
+              <a:buChar char="•"/>
+            </a:pPr>
+            <a:r>
+              <a:rPr lang="en-US" sz="3600" dirty="0" smtClean="0">
+                <a:solidFill>
+                  <a:srgbClr val="004868"/>
+                </a:solidFill>
+                <a:cs typeface="(A) Arslan Wessam A" panose="03020402040406030203" pitchFamily="66" charset="-78"/>
+              </a:rPr>
+              <a:t> </a:t>
+            </a:r>
+            <a:r>
+              <a:rPr lang="en-US" sz="3600" dirty="0">
+                <a:solidFill>
+                  <a:srgbClr val="004868"/>
+                </a:solidFill>
+                <a:cs typeface="(A) Arslan Wessam A" panose="03020402040406030203" pitchFamily="66" charset="-78"/>
+              </a:rPr>
+              <a:t>Identifying </a:t>
+            </a:r>
+            <a:r>
+              <a:rPr lang="en-US" sz="3600" dirty="0" smtClean="0">
+                <a:solidFill>
+                  <a:srgbClr val="004868"/>
+                </a:solidFill>
+                <a:cs typeface="(A) Arslan Wessam A" panose="03020402040406030203" pitchFamily="66" charset="-78"/>
+              </a:rPr>
+              <a:t>the cause and possible intent of a </a:t>
+            </a:r>
+            <a:r>
+              <a:rPr lang="en-US" sz="3600" dirty="0" err="1" smtClean="0">
+                <a:solidFill>
+                  <a:srgbClr val="004868"/>
+                </a:solidFill>
+                <a:cs typeface="(A) Arslan Wessam A" panose="03020402040406030203" pitchFamily="66" charset="-78"/>
+              </a:rPr>
+              <a:t>cyberattack</a:t>
+            </a:r>
+            <a:r>
+              <a:rPr lang="en-US" sz="3600" dirty="0" smtClean="0">
+                <a:solidFill>
+                  <a:srgbClr val="004868"/>
+                </a:solidFill>
+                <a:cs typeface="(A) Arslan Wessam A" panose="03020402040406030203" pitchFamily="66" charset="-78"/>
+              </a:rPr>
+              <a:t/>
+            </a:r>
+            <a:br>
+              <a:rPr lang="en-US" sz="3600" dirty="0" smtClean="0">
+                <a:solidFill>
+                  <a:srgbClr val="004868"/>
+                </a:solidFill>
+                <a:cs typeface="(A) Arslan Wessam A" panose="03020402040406030203" pitchFamily="66" charset="-78"/>
+              </a:rPr>
+            </a:br>
+            <a:endParaRPr lang="en-US" sz="3600" dirty="0" smtClean="0">
+              <a:solidFill>
+                <a:srgbClr val="004868"/>
+              </a:solidFill>
+              <a:cs typeface="(A) Arslan Wessam A" panose="03020402040406030203" pitchFamily="66" charset="-78"/>
+            </a:endParaRPr>
+          </a:p>
+        </p:txBody>
+      </p:sp>
+      <p:sp>
+        <p:nvSpPr>
+          <p:cNvPr id="10" name="Date Placeholder 10"/>
+          <p:cNvSpPr>
+            <a:spLocks noGrp="1"/>
+          </p:cNvSpPr>
+          <p:nvPr>
+            <p:ph type="dt" sz="half" idx="10"/>
+          </p:nvPr>
+        </p:nvSpPr>
+        <p:spPr>
+          <a:xfrm>
+            <a:off x="838200" y="6356350"/>
+            <a:ext cx="2743200" cy="365125"/>
+          </a:xfrm>
+        </p:spPr>
+        <p:txBody>
+          <a:bodyPr/>
+          <a:lstStyle/>
+          <a:p>
+            <a:fld id="{937D9445-FE1F-4C31-8DAB-30713F6C4372}" type="datetime1">
+              <a:rPr lang="en-US" sz="2400" smtClean="0">
+                <a:solidFill>
+                  <a:schemeClr val="bg1"/>
+                </a:solidFill>
+              </a:rPr>
+              <a:t>12/13/2021</a:t>
+            </a:fld>
+            <a:endParaRPr lang="en-US" sz="2400" dirty="0">
+              <a:solidFill>
+                <a:schemeClr val="bg1"/>
+              </a:solidFill>
+            </a:endParaRPr>
+          </a:p>
+        </p:txBody>
+      </p:sp>
+      <p:sp>
+        <p:nvSpPr>
+          <p:cNvPr id="12" name="Slide Number Placeholder 7"/>
+          <p:cNvSpPr>
+            <a:spLocks noGrp="1"/>
+          </p:cNvSpPr>
+          <p:nvPr>
+            <p:ph type="sldNum" sz="quarter" idx="12"/>
+          </p:nvPr>
+        </p:nvSpPr>
+        <p:spPr>
+          <a:xfrm>
+            <a:off x="8627767" y="6356350"/>
+            <a:ext cx="2743200" cy="365125"/>
+          </a:xfrm>
+        </p:spPr>
+        <p:txBody>
+          <a:bodyPr/>
+          <a:lstStyle/>
+          <a:p>
+            <a:r>
+              <a:rPr lang="en-US" sz="2400" dirty="0" smtClean="0">
+                <a:solidFill>
+                  <a:schemeClr val="bg1"/>
+                </a:solidFill>
+              </a:rPr>
+              <a:t>4</a:t>
+            </a:r>
+            <a:endParaRPr lang="en-US" sz="2400" dirty="0">
+              <a:solidFill>
+                <a:schemeClr val="bg1"/>
+              </a:solidFill>
+            </a:endParaRPr>
+          </a:p>
+        </p:txBody>
+      </p:sp>
+      <p:sp>
+        <p:nvSpPr>
+          <p:cNvPr id="9" name="Rectangle 8"/>
+          <p:cNvSpPr/>
+          <p:nvPr/>
+        </p:nvSpPr>
+        <p:spPr>
+          <a:xfrm>
+            <a:off x="910107" y="1281311"/>
+            <a:ext cx="11281893" cy="4998374"/>
+          </a:xfrm>
+          <a:prstGeom prst="rect">
+            <a:avLst/>
+          </a:prstGeom>
+        </p:spPr>
+        <p:txBody>
+          <a:bodyPr/>
+          <a:lstStyle/>
+          <a:p>
+            <a:pPr lvl="0"/>
+            <a:endParaRPr lang="en-US" sz="3600" dirty="0">
+              <a:solidFill>
+                <a:srgbClr val="004868"/>
+              </a:solidFill>
+              <a:latin typeface="(A) Arslan Wessam A" panose="03020402040406030203" pitchFamily="66" charset="-78"/>
+              <a:cs typeface="(A) Arslan Wessam A" panose="03020402040406030203" pitchFamily="66" charset="-78"/>
+            </a:endParaRPr>
+          </a:p>
+        </p:txBody>
+      </p:sp>
+      <p:pic>
+        <p:nvPicPr>
+          <p:cNvPr id="8" name="Picture 7"/>
+          <p:cNvPicPr>
+            <a:picLocks noChangeAspect="1"/>
+          </p:cNvPicPr>
+          <p:nvPr/>
+        </p:nvPicPr>
+        <p:blipFill rotWithShape="1">
+          <a:blip r:embed="rId4" cstate="print">
+            <a:extLst>
+              <a:ext uri="{28A0092B-C50C-407E-A947-70E740481C1C}">
+                <a14:useLocalDpi xmlns:a14="http://schemas.microsoft.com/office/drawing/2010/main" val="0"/>
+              </a:ext>
+            </a:extLst>
+          </a:blip>
+          <a:srcRect t="8096" b="8375"/>
+          <a:stretch/>
+        </p:blipFill>
+        <p:spPr>
+          <a:xfrm>
+            <a:off x="3253138" y="1681914"/>
+            <a:ext cx="5702892" cy="4183380"/>
+          </a:xfrm>
+          <a:prstGeom prst="rect">
+            <a:avLst/>
+          </a:prstGeom>
+        </p:spPr>
+      </p:pic>
+    </p:spTree>
+    <p:extLst>
+      <p:ext uri="{BB962C8B-B14F-4D97-AF65-F5344CB8AC3E}">
+        <p14:creationId xmlns:p14="http://schemas.microsoft.com/office/powerpoint/2010/main" val="2862146946"/>
+      </p:ext>
+    </p:extLst>
+  </p:cSld>
+  <p:clrMapOvr>
+    <a:masterClrMapping/>
+  </p:clrMapOvr>
+  <p:transition spd="slow">
+    <p:cover/>
+  </p:transition>
+  <p:timing>
+    <p:tnLst>
+      <p:par>
+        <p:cTn id="1" dur="indefinite" restart="never" nodeType="tmRoot">
+          <p:childTnLst>
+            <p:seq concurrent="1" nextAc="seek">
+              <p:cTn id="2" dur="indefinite" nodeType="mainSeq">
+                <p:childTnLst>
+                  <p:par>
+                    <p:cTn id="3" fill="hold">
+                      <p:stCondLst>
+                        <p:cond delay="indefinite"/>
+                      </p:stCondLst>
+                      <p:childTnLst>
+                        <p:par>
+                          <p:cTn id="4" fill="hold">
+                            <p:stCondLst>
+                              <p:cond delay="0"/>
+                            </p:stCondLst>
+                            <p:childTnLst>
+                              <p:par>
+                                <p:cTn id="5" presetID="1" presetClass="entr" presetSubtype="0" fill="hold" grpId="0" nodeType="clickEffect">
+                                  <p:stCondLst>
+                                    <p:cond delay="0"/>
+                                  </p:stCondLst>
+                                  <p:childTnLst>
+                                    <p:set>
+                                      <p:cBhvr>
+                                        <p:cTn id="6" dur="1" fill="hold">
+                                          <p:stCondLst>
+                                            <p:cond delay="0"/>
+                                          </p:stCondLst>
+                                        </p:cTn>
+                                        <p:tgtEl>
+                                          <p:spTgt spid="6"/>
+                                        </p:tgtEl>
+                                        <p:attrNameLst>
+                                          <p:attrName>style.visibility</p:attrName>
+                                        </p:attrNameLst>
+                                      </p:cBhvr>
+                                      <p:to>
+                                        <p:strVal val="visible"/>
+                                      </p:to>
+                                    </p:set>
+                                  </p:childTnLst>
+                                  <p:subTnLst>
+                                    <p:animClr clrSpc="rgb" dir="cw">
+                                      <p:cBhvr override="childStyle">
+                                        <p:cTn dur="1" fill="hold" display="0" masterRel="nextClick" afterEffect="1"/>
+                                        <p:tgtEl>
+                                          <p:spTgt spid="6"/>
+                                        </p:tgtEl>
+                                        <p:attrNameLst>
+                                          <p:attrName>ppt_c</p:attrName>
+                                        </p:attrNameLst>
+                                      </p:cBhvr>
+                                      <p:to>
+                                        <a:srgbClr val="828282"/>
+                                      </p:to>
+                                    </p:animClr>
+                                  </p:subTnLst>
+                                </p:cTn>
+                              </p:par>
+                            </p:childTnLst>
+                          </p:cTn>
+                        </p:par>
+                      </p:childTnLst>
+                    </p:cTn>
+                  </p:par>
+                </p:childTnLst>
+              </p:cTn>
+              <p:prevCondLst>
+                <p:cond evt="onPrev" delay="0">
+                  <p:tgtEl>
+                    <p:sldTgt/>
+                  </p:tgtEl>
+                </p:cond>
+              </p:prevCondLst>
+              <p:nextCondLst>
+                <p:cond evt="onNext" delay="0">
+                  <p:tgtEl>
+                    <p:sldTgt/>
+                  </p:tgtEl>
+                </p:cond>
+              </p:nextCondLst>
+            </p:seq>
+          </p:childTnLst>
+        </p:cTn>
+      </p:par>
+    </p:tnLst>
+    <p:bldLst>
+      <p:bldP spid="6" grpId="0"/>
+    </p:bldLst>
+  </p:timing>
+</p:sld>
+</file>
+
+<file path=ppt/slides/slide5.xml><?xml version="1.0" encoding="utf-8"?>
+<p:sld xmlns:a="http://schemas.openxmlformats.org/drawingml/2006/main" xmlns:r="http://schemas.openxmlformats.org/officeDocument/2006/relationships" xmlns:p="http://schemas.openxmlformats.org/presentationml/2006/main">
+  <p:cSld>
+    <p:spTree>
+      <p:nvGrpSpPr>
+        <p:cNvPr id="1" name=""/>
+        <p:cNvGrpSpPr/>
+        <p:nvPr/>
+      </p:nvGrpSpPr>
+      <p:grpSpPr>
+        <a:xfrm>
+          <a:off x="0" y="0"/>
+          <a:ext cx="0" cy="0"/>
+          <a:chOff x="0" y="0"/>
+          <a:chExt cx="0" cy="0"/>
+        </a:xfrm>
+      </p:grpSpPr>
+      <p:pic>
+        <p:nvPicPr>
+          <p:cNvPr id="5" name="Picture 4"/>
+          <p:cNvPicPr>
+            <a:picLocks noChangeAspect="1"/>
+          </p:cNvPicPr>
+          <p:nvPr/>
+        </p:nvPicPr>
+        <p:blipFill>
+          <a:blip r:embed="rId3">
+            <a:extLst>
+              <a:ext uri="{28A0092B-C50C-407E-A947-70E740481C1C}">
+                <a14:useLocalDpi xmlns:a14="http://schemas.microsoft.com/office/drawing/2010/main" val="0"/>
+              </a:ext>
+            </a:extLst>
+          </a:blip>
+          <a:stretch>
+            <a:fillRect/>
+          </a:stretch>
+        </p:blipFill>
+        <p:spPr>
+          <a:xfrm>
+            <a:off x="0" y="6228460"/>
+            <a:ext cx="12192000" cy="671785"/>
+          </a:xfrm>
+          <a:prstGeom prst="rect">
+            <a:avLst/>
+          </a:prstGeom>
+        </p:spPr>
+      </p:pic>
+      <p:sp>
+        <p:nvSpPr>
+          <p:cNvPr id="7" name="Footer Placeholder 4">
+            <a:extLst>
+              <a:ext uri="{FF2B5EF4-FFF2-40B4-BE49-F238E27FC236}">
+                <a16:creationId xmlns:lc="http://schemas.openxmlformats.org/drawingml/2006/lockedCanvas" xmlns:a16="http://schemas.microsoft.com/office/drawing/2014/main" xmlns="" id="{59271489-1EC6-0D4E-BF28-047FF1DDB132}"/>
+              </a:ext>
+            </a:extLst>
+          </p:cNvPr>
+          <p:cNvSpPr>
+            <a:spLocks noGrp="1"/>
+          </p:cNvSpPr>
+          <p:nvPr/>
+        </p:nvSpPr>
+        <p:spPr>
+          <a:xfrm>
+            <a:off x="4507604" y="6381789"/>
+            <a:ext cx="3193961" cy="365125"/>
+          </a:xfrm>
+          <a:prstGeom prst="rect">
+            <a:avLst/>
+          </a:prstGeom>
+        </p:spPr>
+        <p:txBody>
+          <a:bodyPr vert="horz" lIns="91440" tIns="45720" rIns="91440" bIns="45720" rtlCol="0" anchor="ctr"/>
+          <a:lstStyle>
+            <a:defPPr>
+              <a:defRPr lang="en-US"/>
+            </a:defPPr>
+            <a:lvl1pPr marL="0" algn="ctr" defTabSz="914400" rtl="0" eaLnBrk="1" latinLnBrk="0" hangingPunct="1">
+              <a:defRPr sz="1200" kern="1200">
+                <a:solidFill>
+                  <a:schemeClr val="tx1">
+                    <a:tint val="75000"/>
+                  </a:schemeClr>
+                </a:solidFill>
+                <a:latin typeface="+mn-lt"/>
+                <a:ea typeface="+mn-ea"/>
+                <a:cs typeface="+mn-cs"/>
+              </a:defRPr>
+            </a:lvl1pPr>
+            <a:lvl2pPr marL="457200" algn="l" defTabSz="914400" rtl="0" eaLnBrk="1" latinLnBrk="0" hangingPunct="1">
+              <a:defRPr sz="1800" kern="1200">
+                <a:solidFill>
+                  <a:schemeClr val="tx1"/>
+                </a:solidFill>
+                <a:latin typeface="+mn-lt"/>
+                <a:ea typeface="+mn-ea"/>
+                <a:cs typeface="+mn-cs"/>
+              </a:defRPr>
+            </a:lvl2pPr>
+            <a:lvl3pPr marL="914400" algn="l" defTabSz="914400" rtl="0" eaLnBrk="1" latinLnBrk="0" hangingPunct="1">
+              <a:defRPr sz="1800" kern="1200">
+                <a:solidFill>
+                  <a:schemeClr val="tx1"/>
+                </a:solidFill>
+                <a:latin typeface="+mn-lt"/>
+                <a:ea typeface="+mn-ea"/>
+                <a:cs typeface="+mn-cs"/>
+              </a:defRPr>
+            </a:lvl3pPr>
+            <a:lvl4pPr marL="1371600" algn="l" defTabSz="914400" rtl="0" eaLnBrk="1" latinLnBrk="0" hangingPunct="1">
+              <a:defRPr sz="1800" kern="1200">
+                <a:solidFill>
+                  <a:schemeClr val="tx1"/>
+                </a:solidFill>
+                <a:latin typeface="+mn-lt"/>
+                <a:ea typeface="+mn-ea"/>
+                <a:cs typeface="+mn-cs"/>
+              </a:defRPr>
+            </a:lvl4pPr>
+            <a:lvl5pPr marL="1828800" algn="l" defTabSz="914400" rtl="0" eaLnBrk="1" latinLnBrk="0" hangingPunct="1">
+              <a:defRPr sz="1800" kern="1200">
+                <a:solidFill>
+                  <a:schemeClr val="tx1"/>
+                </a:solidFill>
+                <a:latin typeface="+mn-lt"/>
+                <a:ea typeface="+mn-ea"/>
+                <a:cs typeface="+mn-cs"/>
+              </a:defRPr>
+            </a:lvl5pPr>
+            <a:lvl6pPr marL="2286000" algn="l" defTabSz="914400" rtl="0" eaLnBrk="1" latinLnBrk="0" hangingPunct="1">
+              <a:defRPr sz="1800" kern="1200">
+                <a:solidFill>
+                  <a:schemeClr val="tx1"/>
+                </a:solidFill>
+                <a:latin typeface="+mn-lt"/>
+                <a:ea typeface="+mn-ea"/>
+                <a:cs typeface="+mn-cs"/>
+              </a:defRPr>
+            </a:lvl6pPr>
+            <a:lvl7pPr marL="2743200" algn="l" defTabSz="914400" rtl="0" eaLnBrk="1" latinLnBrk="0" hangingPunct="1">
+              <a:defRPr sz="1800" kern="1200">
+                <a:solidFill>
+                  <a:schemeClr val="tx1"/>
+                </a:solidFill>
+                <a:latin typeface="+mn-lt"/>
+                <a:ea typeface="+mn-ea"/>
+                <a:cs typeface="+mn-cs"/>
+              </a:defRPr>
+            </a:lvl7pPr>
+            <a:lvl8pPr marL="3200400" algn="l" defTabSz="914400" rtl="0" eaLnBrk="1" latinLnBrk="0" hangingPunct="1">
+              <a:defRPr sz="1800" kern="1200">
+                <a:solidFill>
+                  <a:schemeClr val="tx1"/>
+                </a:solidFill>
+                <a:latin typeface="+mn-lt"/>
+                <a:ea typeface="+mn-ea"/>
+                <a:cs typeface="+mn-cs"/>
+              </a:defRPr>
+            </a:lvl8pPr>
+            <a:lvl9pPr marL="3657600" algn="l" defTabSz="914400" rtl="0" eaLnBrk="1" latinLnBrk="0" hangingPunct="1">
+              <a:defRPr sz="1800" kern="1200">
+                <a:solidFill>
+                  <a:schemeClr val="tx1"/>
+                </a:solidFill>
+                <a:latin typeface="+mn-lt"/>
+                <a:ea typeface="+mn-ea"/>
+                <a:cs typeface="+mn-cs"/>
+              </a:defRPr>
+            </a:lvl9pPr>
+          </a:lstStyle>
+          <a:p>
+            <a:r>
+              <a:rPr lang="en-US" sz="2400" dirty="0" smtClean="0">
+                <a:solidFill>
+                  <a:schemeClr val="bg1"/>
+                </a:solidFill>
+              </a:rPr>
+              <a:t>Mohammed </a:t>
+            </a:r>
+            <a:r>
+              <a:rPr lang="en-US" sz="2400" dirty="0" err="1" smtClean="0">
+                <a:solidFill>
+                  <a:schemeClr val="bg1"/>
+                </a:solidFill>
+              </a:rPr>
+              <a:t>Hasan</a:t>
+            </a:r>
+            <a:endParaRPr lang="en-US" sz="2400" dirty="0">
+              <a:solidFill>
+                <a:schemeClr val="bg1"/>
+              </a:solidFill>
+            </a:endParaRPr>
+          </a:p>
+        </p:txBody>
+      </p:sp>
+      <p:sp>
+        <p:nvSpPr>
+          <p:cNvPr id="6" name="Rectangle 5"/>
+          <p:cNvSpPr/>
+          <p:nvPr/>
+        </p:nvSpPr>
+        <p:spPr>
+          <a:xfrm>
             <a:off x="463638" y="1204645"/>
             <a:ext cx="11281893" cy="4998374"/>
           </a:xfrm>
@@ -6598,13 +8419,8 @@
                 </a:solidFill>
                 <a:cs typeface="(A) Arslan Wessam A" panose="03020402040406030203" pitchFamily="66" charset="-78"/>
               </a:rPr>
-              <a:t> Soft Skills</a:t>
-            </a:r>
-          </a:p>
-          <a:p>
-            <a:pPr lvl="1">
-              <a:buChar char="•"/>
-            </a:pPr>
+              <a:t> Increasing </a:t>
+            </a:r>
             <a:r>
               <a:rPr lang="en-US" sz="3600" dirty="0">
                 <a:solidFill>
@@ -6612,132 +8428,11 @@
                 </a:solidFill>
                 <a:cs typeface="(A) Arslan Wessam A" panose="03020402040406030203" pitchFamily="66" charset="-78"/>
               </a:rPr>
-              <a:t> </a:t>
-            </a:r>
-            <a:r>
-              <a:rPr lang="en-US" sz="3600" dirty="0" smtClean="0">
-                <a:solidFill>
-                  <a:srgbClr val="004868"/>
-                </a:solidFill>
-                <a:cs typeface="(A) Arslan Wessam A" panose="03020402040406030203" pitchFamily="66" charset="-78"/>
-              </a:rPr>
-              <a:t>Cognitive mindset</a:t>
-            </a:r>
-          </a:p>
-          <a:p>
-            <a:pPr>
-              <a:buChar char="•"/>
-            </a:pPr>
-            <a:r>
-              <a:rPr lang="en-US" sz="3600" dirty="0" smtClean="0">
-                <a:solidFill>
-                  <a:srgbClr val="004868"/>
-                </a:solidFill>
-                <a:cs typeface="(A) Arslan Wessam A" panose="03020402040406030203" pitchFamily="66" charset="-78"/>
-              </a:rPr>
-              <a:t> Technical Skills</a:t>
-            </a:r>
-          </a:p>
-          <a:p>
-            <a:pPr lvl="1">
-              <a:buChar char="•"/>
-            </a:pPr>
-            <a:r>
-              <a:rPr lang="en-US" sz="3600" dirty="0">
-                <a:solidFill>
-                  <a:srgbClr val="004868"/>
-                </a:solidFill>
-                <a:cs typeface="(A) Arslan Wessam A" panose="03020402040406030203" pitchFamily="66" charset="-78"/>
-              </a:rPr>
-              <a:t> </a:t>
-            </a:r>
-            <a:r>
-              <a:rPr lang="en-US" sz="3600" dirty="0" smtClean="0">
-                <a:solidFill>
-                  <a:srgbClr val="004868"/>
-                </a:solidFill>
-                <a:cs typeface="(A) Arslan Wessam A" panose="03020402040406030203" pitchFamily="66" charset="-78"/>
-              </a:rPr>
-              <a:t>Network</a:t>
-            </a:r>
-          </a:p>
-          <a:p>
-            <a:pPr lvl="1">
-              <a:buChar char="•"/>
-            </a:pPr>
-            <a:r>
-              <a:rPr lang="en-US" sz="3600" dirty="0">
-                <a:solidFill>
-                  <a:srgbClr val="004868"/>
-                </a:solidFill>
-                <a:cs typeface="(A) Arslan Wessam A" panose="03020402040406030203" pitchFamily="66" charset="-78"/>
-              </a:rPr>
-              <a:t> </a:t>
-            </a:r>
-            <a:r>
-              <a:rPr lang="en-US" sz="3600" dirty="0" err="1" smtClean="0">
-                <a:solidFill>
-                  <a:srgbClr val="004868"/>
-                </a:solidFill>
-                <a:cs typeface="(A) Arslan Wessam A" panose="03020402040406030203" pitchFamily="66" charset="-78"/>
-              </a:rPr>
-              <a:t>Oses</a:t>
-            </a:r>
-            <a:r>
-              <a:rPr lang="en-US" sz="3600" dirty="0" smtClean="0">
-                <a:solidFill>
-                  <a:srgbClr val="004868"/>
-                </a:solidFill>
-                <a:cs typeface="(A) Arslan Wessam A" panose="03020402040406030203" pitchFamily="66" charset="-78"/>
-              </a:rPr>
-              <a:t> internals and structure</a:t>
-            </a:r>
-          </a:p>
-          <a:p>
-            <a:pPr lvl="1">
-              <a:buChar char="•"/>
-            </a:pPr>
-            <a:r>
-              <a:rPr lang="en-US" sz="3600" dirty="0">
-                <a:solidFill>
-                  <a:srgbClr val="004868"/>
-                </a:solidFill>
-                <a:cs typeface="(A) Arslan Wessam A" panose="03020402040406030203" pitchFamily="66" charset="-78"/>
-              </a:rPr>
-              <a:t> </a:t>
-            </a:r>
-            <a:r>
-              <a:rPr lang="en-US" sz="3600" dirty="0" smtClean="0">
-                <a:solidFill>
-                  <a:srgbClr val="004868"/>
-                </a:solidFill>
-                <a:cs typeface="(A) Arslan Wessam A" panose="03020402040406030203" pitchFamily="66" charset="-78"/>
-              </a:rPr>
-              <a:t>Documents (PDF, DOC, XLS) structure</a:t>
-            </a:r>
-          </a:p>
-          <a:p>
-            <a:pPr lvl="1">
-              <a:buChar char="•"/>
-            </a:pPr>
-            <a:r>
-              <a:rPr lang="en-US" sz="3600" dirty="0">
-                <a:solidFill>
-                  <a:srgbClr val="004868"/>
-                </a:solidFill>
-                <a:cs typeface="(A) Arslan Wessam A" panose="03020402040406030203" pitchFamily="66" charset="-78"/>
-              </a:rPr>
-              <a:t> </a:t>
-            </a:r>
-            <a:r>
-              <a:rPr lang="en-US" sz="3600" dirty="0" smtClean="0">
-                <a:solidFill>
-                  <a:srgbClr val="004868"/>
-                </a:solidFill>
-                <a:cs typeface="(A) Arslan Wessam A" panose="03020402040406030203" pitchFamily="66" charset="-78"/>
-              </a:rPr>
-              <a:t>Scripting</a:t>
-            </a:r>
+              <a:t>security hygiene, retracing hacker steps, and finding hacker tools</a:t>
+            </a:r>
+          </a:p>
+          <a:p>
+            <a:pPr lvl="0"/>
             <a:endParaRPr lang="en-US" sz="3600" dirty="0">
               <a:solidFill>
                 <a:srgbClr val="004868"/>
@@ -6745,6 +8440,49 @@
               <a:cs typeface="(A) Arslan Wessam A" panose="03020402040406030203" pitchFamily="66" charset="-78"/>
             </a:endParaRPr>
           </a:p>
+          <a:p>
+            <a:pPr lvl="0">
+              <a:buChar char="•"/>
+            </a:pPr>
+            <a:r>
+              <a:rPr lang="en-US" sz="3600" dirty="0">
+                <a:solidFill>
+                  <a:srgbClr val="004868"/>
+                </a:solidFill>
+                <a:cs typeface="(A) Arslan Wessam A" panose="03020402040406030203" pitchFamily="66" charset="-78"/>
+              </a:rPr>
+              <a:t> Searching for data access/exfiltration</a:t>
+            </a:r>
+          </a:p>
+          <a:p>
+            <a:pPr lvl="0"/>
+            <a:endParaRPr lang="en-US" sz="3600" dirty="0">
+              <a:solidFill>
+                <a:srgbClr val="004868"/>
+              </a:solidFill>
+              <a:cs typeface="(A) Arslan Wessam A" panose="03020402040406030203" pitchFamily="66" charset="-78"/>
+            </a:endParaRPr>
+          </a:p>
+          <a:p>
+            <a:pPr lvl="0">
+              <a:buChar char="•"/>
+            </a:pPr>
+            <a:r>
+              <a:rPr lang="en-US" sz="3600" dirty="0">
+                <a:solidFill>
+                  <a:srgbClr val="004868"/>
+                </a:solidFill>
+                <a:cs typeface="(A) Arslan Wessam A" panose="03020402040406030203" pitchFamily="66" charset="-78"/>
+              </a:rPr>
+              <a:t> Identifying Areas of Weakness and Vulnerabilities</a:t>
+            </a:r>
+            <a:endParaRPr lang="en-US" sz="3600" dirty="0" smtClean="0">
+              <a:solidFill>
+                <a:srgbClr val="004868"/>
+              </a:solidFill>
+              <a:cs typeface="(A) Arslan Wessam A" panose="03020402040406030203" pitchFamily="66" charset="-78"/>
+            </a:endParaRPr>
+          </a:p>
         </p:txBody>
       </p:sp>
       <p:sp>
@@ -6773,7 +8511,7 @@
                   <a:schemeClr val="bg1"/>
                 </a:solidFill>
               </a:rPr>
-              <a:t>12/11/2021</a:t>
+              <a:t>12/13/2021</a:t>
             </a:fld>
             <a:endParaRPr lang="en-US" sz="2400" dirty="0">
               <a:solidFill>
@@ -6809,7 +8547,666 @@
                   <a:schemeClr val="bg1"/>
                 </a:solidFill>
               </a:rPr>
-              <a:t>4</a:t>
+              <a:t>5</a:t>
+            </a:r>
+            <a:endParaRPr lang="en-US" sz="2400" dirty="0">
+              <a:solidFill>
+                <a:schemeClr val="bg1"/>
+              </a:solidFill>
+            </a:endParaRPr>
+          </a:p>
+        </p:txBody>
+      </p:sp>
+      <p:sp>
+        <p:nvSpPr>
+          <p:cNvPr id="9" name="Rectangle 8"/>
+          <p:cNvSpPr/>
+          <p:nvPr/>
+        </p:nvSpPr>
+        <p:spPr>
+          <a:xfrm>
+            <a:off x="910107" y="1281311"/>
+            <a:ext cx="11281893" cy="4998374"/>
+          </a:xfrm>
+          <a:prstGeom prst="rect">
+            <a:avLst/>
+          </a:prstGeom>
+        </p:spPr>
+        <p:txBody>
+          <a:bodyPr/>
+          <a:lstStyle/>
+          <a:p>
+            <a:pPr lvl="0"/>
+            <a:endParaRPr lang="en-US" sz="3600" dirty="0">
+              <a:solidFill>
+                <a:srgbClr val="004868"/>
+              </a:solidFill>
+              <a:latin typeface="(A) Arslan Wessam A" panose="03020402040406030203" pitchFamily="66" charset="-78"/>
+              <a:cs typeface="(A) Arslan Wessam A" panose="03020402040406030203" pitchFamily="66" charset="-78"/>
+            </a:endParaRPr>
+          </a:p>
+        </p:txBody>
+      </p:sp>
+      <p:sp>
+        <p:nvSpPr>
+          <p:cNvPr id="14" name="Title 1"/>
+          <p:cNvSpPr>
+            <a:spLocks noGrp="1"/>
+          </p:cNvSpPr>
+          <p:nvPr>
+            <p:ph type="ctrTitle"/>
+          </p:nvPr>
+        </p:nvSpPr>
+        <p:spPr>
+          <a:xfrm>
+            <a:off x="463638" y="186765"/>
+            <a:ext cx="11281893" cy="721217"/>
+          </a:xfrm>
+        </p:spPr>
+        <p:txBody>
+          <a:bodyPr>
+            <a:normAutofit fontScale="90000"/>
+          </a:bodyPr>
+          <a:lstStyle/>
+          <a:p>
+            <a:pPr lvl="0"/>
+            <a:r>
+              <a:rPr lang="en-US" sz="4800" b="1" dirty="0">
+                <a:solidFill>
+                  <a:srgbClr val="004868"/>
+                </a:solidFill>
+                <a:cs typeface="(A) Arslan Wessam A" panose="03020402040406030203" pitchFamily="66" charset="-78"/>
+              </a:rPr>
+              <a:t>Why do we need it?</a:t>
+            </a:r>
+            <a:endParaRPr lang="en-US" sz="4800" b="1" dirty="0">
+              <a:solidFill>
+                <a:srgbClr val="004868"/>
+              </a:solidFill>
+              <a:cs typeface="(A) Arslan Wessam A" panose="03020402040406030203" pitchFamily="66" charset="-78"/>
+            </a:endParaRPr>
+          </a:p>
+        </p:txBody>
+      </p:sp>
+    </p:spTree>
+    <p:extLst>
+      <p:ext uri="{BB962C8B-B14F-4D97-AF65-F5344CB8AC3E}">
+        <p14:creationId xmlns:p14="http://schemas.microsoft.com/office/powerpoint/2010/main" val="4036561763"/>
+      </p:ext>
+    </p:extLst>
+  </p:cSld>
+  <p:clrMapOvr>
+    <a:masterClrMapping/>
+  </p:clrMapOvr>
+  <p:transition spd="slow">
+    <p:cover/>
+  </p:transition>
+  <p:timing>
+    <p:tnLst>
+      <p:par>
+        <p:cTn id="1" dur="indefinite" restart="never" nodeType="tmRoot">
+          <p:childTnLst>
+            <p:seq concurrent="1" nextAc="seek">
+              <p:cTn id="2" dur="indefinite" nodeType="mainSeq">
+                <p:childTnLst>
+                  <p:par>
+                    <p:cTn id="3" fill="hold">
+                      <p:stCondLst>
+                        <p:cond delay="indefinite"/>
+                      </p:stCondLst>
+                      <p:childTnLst>
+                        <p:par>
+                          <p:cTn id="4" fill="hold">
+                            <p:stCondLst>
+                              <p:cond delay="0"/>
+                            </p:stCondLst>
+                            <p:childTnLst>
+                              <p:par>
+                                <p:cTn id="5" presetID="1" presetClass="entr" presetSubtype="0" fill="hold" grpId="0" nodeType="clickEffect">
+                                  <p:stCondLst>
+                                    <p:cond delay="0"/>
+                                  </p:stCondLst>
+                                  <p:childTnLst>
+                                    <p:set>
+                                      <p:cBhvr>
+                                        <p:cTn id="6" dur="1" fill="hold">
+                                          <p:stCondLst>
+                                            <p:cond delay="0"/>
+                                          </p:stCondLst>
+                                        </p:cTn>
+                                        <p:tgtEl>
+                                          <p:spTgt spid="6"/>
+                                        </p:tgtEl>
+                                        <p:attrNameLst>
+                                          <p:attrName>style.visibility</p:attrName>
+                                        </p:attrNameLst>
+                                      </p:cBhvr>
+                                      <p:to>
+                                        <p:strVal val="visible"/>
+                                      </p:to>
+                                    </p:set>
+                                  </p:childTnLst>
+                                  <p:subTnLst>
+                                    <p:animClr clrSpc="rgb" dir="cw">
+                                      <p:cBhvr override="childStyle">
+                                        <p:cTn dur="1" fill="hold" display="0" masterRel="nextClick" afterEffect="1"/>
+                                        <p:tgtEl>
+                                          <p:spTgt spid="6"/>
+                                        </p:tgtEl>
+                                        <p:attrNameLst>
+                                          <p:attrName>ppt_c</p:attrName>
+                                        </p:attrNameLst>
+                                      </p:cBhvr>
+                                      <p:to>
+                                        <a:srgbClr val="828282"/>
+                                      </p:to>
+                                    </p:animClr>
+                                  </p:subTnLst>
+                                </p:cTn>
+                              </p:par>
+                            </p:childTnLst>
+                          </p:cTn>
+                        </p:par>
+                      </p:childTnLst>
+                    </p:cTn>
+                  </p:par>
+                </p:childTnLst>
+              </p:cTn>
+              <p:prevCondLst>
+                <p:cond evt="onPrev" delay="0">
+                  <p:tgtEl>
+                    <p:sldTgt/>
+                  </p:tgtEl>
+                </p:cond>
+              </p:prevCondLst>
+              <p:nextCondLst>
+                <p:cond evt="onNext" delay="0">
+                  <p:tgtEl>
+                    <p:sldTgt/>
+                  </p:tgtEl>
+                </p:cond>
+              </p:nextCondLst>
+            </p:seq>
+          </p:childTnLst>
+        </p:cTn>
+      </p:par>
+    </p:tnLst>
+    <p:bldLst>
+      <p:bldP spid="6" grpId="0"/>
+    </p:bldLst>
+  </p:timing>
+</p:sld>
+</file>
+
+<file path=ppt/slides/slide6.xml><?xml version="1.0" encoding="utf-8"?>
+<p:sld xmlns:a="http://schemas.openxmlformats.org/drawingml/2006/main" xmlns:r="http://schemas.openxmlformats.org/officeDocument/2006/relationships" xmlns:p="http://schemas.openxmlformats.org/presentationml/2006/main">
+  <p:cSld>
+    <p:spTree>
+      <p:nvGrpSpPr>
+        <p:cNvPr id="1" name=""/>
+        <p:cNvGrpSpPr/>
+        <p:nvPr/>
+      </p:nvGrpSpPr>
+      <p:grpSpPr>
+        <a:xfrm>
+          <a:off x="0" y="0"/>
+          <a:ext cx="0" cy="0"/>
+          <a:chOff x="0" y="0"/>
+          <a:chExt cx="0" cy="0"/>
+        </a:xfrm>
+      </p:grpSpPr>
+      <p:sp>
+        <p:nvSpPr>
+          <p:cNvPr id="2" name="Title 1"/>
+          <p:cNvSpPr>
+            <a:spLocks noGrp="1"/>
+          </p:cNvSpPr>
+          <p:nvPr>
+            <p:ph type="ctrTitle"/>
+          </p:nvPr>
+        </p:nvSpPr>
+        <p:spPr>
+          <a:xfrm>
+            <a:off x="463638" y="193183"/>
+            <a:ext cx="11281893" cy="652637"/>
+          </a:xfrm>
+        </p:spPr>
+        <p:txBody>
+          <a:bodyPr>
+            <a:normAutofit fontScale="90000"/>
+          </a:bodyPr>
+          <a:lstStyle/>
+          <a:p>
+            <a:r>
+              <a:rPr lang="en-US" sz="4300" b="1" dirty="0">
+                <a:solidFill>
+                  <a:srgbClr val="004868"/>
+                </a:solidFill>
+                <a:cs typeface="(A) Arslan Wessam A" panose="03020402040406030203" pitchFamily="66" charset="-78"/>
+              </a:rPr>
+              <a:t>When can someone start learning it?</a:t>
+            </a:r>
+          </a:p>
+        </p:txBody>
+      </p:sp>
+      <p:pic>
+        <p:nvPicPr>
+          <p:cNvPr id="5" name="Picture 4"/>
+          <p:cNvPicPr>
+            <a:picLocks noChangeAspect="1"/>
+          </p:cNvPicPr>
+          <p:nvPr/>
+        </p:nvPicPr>
+        <p:blipFill>
+          <a:blip r:embed="rId3">
+            <a:extLst>
+              <a:ext uri="{28A0092B-C50C-407E-A947-70E740481C1C}">
+                <a14:useLocalDpi xmlns:a14="http://schemas.microsoft.com/office/drawing/2010/main" val="0"/>
+              </a:ext>
+            </a:extLst>
+          </a:blip>
+          <a:stretch>
+            <a:fillRect/>
+          </a:stretch>
+        </p:blipFill>
+        <p:spPr>
+          <a:xfrm>
+            <a:off x="0" y="6228460"/>
+            <a:ext cx="12192000" cy="671785"/>
+          </a:xfrm>
+          <a:prstGeom prst="rect">
+            <a:avLst/>
+          </a:prstGeom>
+        </p:spPr>
+      </p:pic>
+      <p:sp>
+        <p:nvSpPr>
+          <p:cNvPr id="7" name="Footer Placeholder 4">
+            <a:extLst>
+              <a:ext uri="{FF2B5EF4-FFF2-40B4-BE49-F238E27FC236}">
+                <a16:creationId xmlns:lc="http://schemas.openxmlformats.org/drawingml/2006/lockedCanvas" xmlns:a16="http://schemas.microsoft.com/office/drawing/2014/main" xmlns="" id="{59271489-1EC6-0D4E-BF28-047FF1DDB132}"/>
+              </a:ext>
+            </a:extLst>
+          </p:cNvPr>
+          <p:cNvSpPr>
+            <a:spLocks noGrp="1"/>
+          </p:cNvSpPr>
+          <p:nvPr/>
+        </p:nvSpPr>
+        <p:spPr>
+          <a:xfrm>
+            <a:off x="4507604" y="6381789"/>
+            <a:ext cx="3193961" cy="365125"/>
+          </a:xfrm>
+          <a:prstGeom prst="rect">
+            <a:avLst/>
+          </a:prstGeom>
+        </p:spPr>
+        <p:txBody>
+          <a:bodyPr vert="horz" lIns="91440" tIns="45720" rIns="91440" bIns="45720" rtlCol="0" anchor="ctr"/>
+          <a:lstStyle>
+            <a:defPPr>
+              <a:defRPr lang="en-US"/>
+            </a:defPPr>
+            <a:lvl1pPr marL="0" algn="ctr" defTabSz="914400" rtl="0" eaLnBrk="1" latinLnBrk="0" hangingPunct="1">
+              <a:defRPr sz="1200" kern="1200">
+                <a:solidFill>
+                  <a:schemeClr val="tx1">
+                    <a:tint val="75000"/>
+                  </a:schemeClr>
+                </a:solidFill>
+                <a:latin typeface="+mn-lt"/>
+                <a:ea typeface="+mn-ea"/>
+                <a:cs typeface="+mn-cs"/>
+              </a:defRPr>
+            </a:lvl1pPr>
+            <a:lvl2pPr marL="457200" algn="l" defTabSz="914400" rtl="0" eaLnBrk="1" latinLnBrk="0" hangingPunct="1">
+              <a:defRPr sz="1800" kern="1200">
+                <a:solidFill>
+                  <a:schemeClr val="tx1"/>
+                </a:solidFill>
+                <a:latin typeface="+mn-lt"/>
+                <a:ea typeface="+mn-ea"/>
+                <a:cs typeface="+mn-cs"/>
+              </a:defRPr>
+            </a:lvl2pPr>
+            <a:lvl3pPr marL="914400" algn="l" defTabSz="914400" rtl="0" eaLnBrk="1" latinLnBrk="0" hangingPunct="1">
+              <a:defRPr sz="1800" kern="1200">
+                <a:solidFill>
+                  <a:schemeClr val="tx1"/>
+                </a:solidFill>
+                <a:latin typeface="+mn-lt"/>
+                <a:ea typeface="+mn-ea"/>
+                <a:cs typeface="+mn-cs"/>
+              </a:defRPr>
+            </a:lvl3pPr>
+            <a:lvl4pPr marL="1371600" algn="l" defTabSz="914400" rtl="0" eaLnBrk="1" latinLnBrk="0" hangingPunct="1">
+              <a:defRPr sz="1800" kern="1200">
+                <a:solidFill>
+                  <a:schemeClr val="tx1"/>
+                </a:solidFill>
+                <a:latin typeface="+mn-lt"/>
+                <a:ea typeface="+mn-ea"/>
+                <a:cs typeface="+mn-cs"/>
+              </a:defRPr>
+            </a:lvl4pPr>
+            <a:lvl5pPr marL="1828800" algn="l" defTabSz="914400" rtl="0" eaLnBrk="1" latinLnBrk="0" hangingPunct="1">
+              <a:defRPr sz="1800" kern="1200">
+                <a:solidFill>
+                  <a:schemeClr val="tx1"/>
+                </a:solidFill>
+                <a:latin typeface="+mn-lt"/>
+                <a:ea typeface="+mn-ea"/>
+                <a:cs typeface="+mn-cs"/>
+              </a:defRPr>
+            </a:lvl5pPr>
+            <a:lvl6pPr marL="2286000" algn="l" defTabSz="914400" rtl="0" eaLnBrk="1" latinLnBrk="0" hangingPunct="1">
+              <a:defRPr sz="1800" kern="1200">
+                <a:solidFill>
+                  <a:schemeClr val="tx1"/>
+                </a:solidFill>
+                <a:latin typeface="+mn-lt"/>
+                <a:ea typeface="+mn-ea"/>
+                <a:cs typeface="+mn-cs"/>
+              </a:defRPr>
+            </a:lvl6pPr>
+            <a:lvl7pPr marL="2743200" algn="l" defTabSz="914400" rtl="0" eaLnBrk="1" latinLnBrk="0" hangingPunct="1">
+              <a:defRPr sz="1800" kern="1200">
+                <a:solidFill>
+                  <a:schemeClr val="tx1"/>
+                </a:solidFill>
+                <a:latin typeface="+mn-lt"/>
+                <a:ea typeface="+mn-ea"/>
+                <a:cs typeface="+mn-cs"/>
+              </a:defRPr>
+            </a:lvl7pPr>
+            <a:lvl8pPr marL="3200400" algn="l" defTabSz="914400" rtl="0" eaLnBrk="1" latinLnBrk="0" hangingPunct="1">
+              <a:defRPr sz="1800" kern="1200">
+                <a:solidFill>
+                  <a:schemeClr val="tx1"/>
+                </a:solidFill>
+                <a:latin typeface="+mn-lt"/>
+                <a:ea typeface="+mn-ea"/>
+                <a:cs typeface="+mn-cs"/>
+              </a:defRPr>
+            </a:lvl8pPr>
+            <a:lvl9pPr marL="3657600" algn="l" defTabSz="914400" rtl="0" eaLnBrk="1" latinLnBrk="0" hangingPunct="1">
+              <a:defRPr sz="1800" kern="1200">
+                <a:solidFill>
+                  <a:schemeClr val="tx1"/>
+                </a:solidFill>
+                <a:latin typeface="+mn-lt"/>
+                <a:ea typeface="+mn-ea"/>
+                <a:cs typeface="+mn-cs"/>
+              </a:defRPr>
+            </a:lvl9pPr>
+          </a:lstStyle>
+          <a:p>
+            <a:r>
+              <a:rPr lang="en-US" sz="2400" dirty="0" smtClean="0">
+                <a:solidFill>
+                  <a:schemeClr val="bg1"/>
+                </a:solidFill>
+              </a:rPr>
+              <a:t>Mohammed </a:t>
+            </a:r>
+            <a:r>
+              <a:rPr lang="en-US" sz="2400" dirty="0" err="1" smtClean="0">
+                <a:solidFill>
+                  <a:schemeClr val="bg1"/>
+                </a:solidFill>
+              </a:rPr>
+              <a:t>Hasan</a:t>
+            </a:r>
+            <a:endParaRPr lang="en-US" sz="2400" dirty="0">
+              <a:solidFill>
+                <a:schemeClr val="bg1"/>
+              </a:solidFill>
+            </a:endParaRPr>
+          </a:p>
+        </p:txBody>
+      </p:sp>
+      <p:sp>
+        <p:nvSpPr>
+          <p:cNvPr id="6" name="Rectangle 5"/>
+          <p:cNvSpPr/>
+          <p:nvPr/>
+        </p:nvSpPr>
+        <p:spPr>
+          <a:xfrm>
+            <a:off x="463638" y="1204645"/>
+            <a:ext cx="11281893" cy="4998374"/>
+          </a:xfrm>
+          <a:prstGeom prst="rect">
+            <a:avLst/>
+          </a:prstGeom>
+        </p:spPr>
+        <p:txBody>
+          <a:bodyPr/>
+          <a:lstStyle/>
+          <a:p>
+            <a:pPr lvl="0">
+              <a:buChar char="•"/>
+            </a:pPr>
+            <a:r>
+              <a:rPr lang="en-US" sz="3600" dirty="0" smtClean="0">
+                <a:solidFill>
+                  <a:srgbClr val="004868"/>
+                </a:solidFill>
+                <a:cs typeface="(A) Arslan Wessam A" panose="03020402040406030203" pitchFamily="66" charset="-78"/>
+              </a:rPr>
+              <a:t> Soft Skills</a:t>
+            </a:r>
+          </a:p>
+          <a:p>
+            <a:pPr lvl="1">
+              <a:buChar char="•"/>
+            </a:pPr>
+            <a:r>
+              <a:rPr lang="en-US" sz="3600" dirty="0">
+                <a:solidFill>
+                  <a:srgbClr val="004868"/>
+                </a:solidFill>
+                <a:cs typeface="(A) Arslan Wessam A" panose="03020402040406030203" pitchFamily="66" charset="-78"/>
+              </a:rPr>
+              <a:t> </a:t>
+            </a:r>
+            <a:r>
+              <a:rPr lang="en-US" sz="3600" dirty="0" smtClean="0">
+                <a:solidFill>
+                  <a:srgbClr val="004868"/>
+                </a:solidFill>
+                <a:cs typeface="(A) Arslan Wessam A" panose="03020402040406030203" pitchFamily="66" charset="-78"/>
+              </a:rPr>
+              <a:t>Cognitive mindset</a:t>
+            </a:r>
+          </a:p>
+          <a:p>
+            <a:pPr>
+              <a:buChar char="•"/>
+            </a:pPr>
+            <a:r>
+              <a:rPr lang="en-US" sz="3600" dirty="0" smtClean="0">
+                <a:solidFill>
+                  <a:srgbClr val="004868"/>
+                </a:solidFill>
+                <a:cs typeface="(A) Arslan Wessam A" panose="03020402040406030203" pitchFamily="66" charset="-78"/>
+              </a:rPr>
+              <a:t> Technical Skills</a:t>
+            </a:r>
+          </a:p>
+          <a:p>
+            <a:pPr lvl="1">
+              <a:buChar char="•"/>
+            </a:pPr>
+            <a:r>
+              <a:rPr lang="en-US" sz="3600" dirty="0">
+                <a:solidFill>
+                  <a:srgbClr val="004868"/>
+                </a:solidFill>
+                <a:cs typeface="(A) Arslan Wessam A" panose="03020402040406030203" pitchFamily="66" charset="-78"/>
+              </a:rPr>
+              <a:t> </a:t>
+            </a:r>
+            <a:r>
+              <a:rPr lang="en-US" sz="3600" dirty="0" smtClean="0">
+                <a:solidFill>
+                  <a:srgbClr val="004868"/>
+                </a:solidFill>
+                <a:cs typeface="(A) Arslan Wessam A" panose="03020402040406030203" pitchFamily="66" charset="-78"/>
+              </a:rPr>
+              <a:t>Network</a:t>
+            </a:r>
+          </a:p>
+          <a:p>
+            <a:pPr lvl="1">
+              <a:buChar char="•"/>
+            </a:pPr>
+            <a:r>
+              <a:rPr lang="en-US" sz="3600" dirty="0">
+                <a:solidFill>
+                  <a:srgbClr val="004868"/>
+                </a:solidFill>
+                <a:cs typeface="(A) Arslan Wessam A" panose="03020402040406030203" pitchFamily="66" charset="-78"/>
+              </a:rPr>
+              <a:t> </a:t>
+            </a:r>
+            <a:r>
+              <a:rPr lang="en-US" sz="3600" dirty="0" err="1" smtClean="0">
+                <a:solidFill>
+                  <a:srgbClr val="004868"/>
+                </a:solidFill>
+                <a:cs typeface="(A) Arslan Wessam A" panose="03020402040406030203" pitchFamily="66" charset="-78"/>
+              </a:rPr>
+              <a:t>Oses</a:t>
+            </a:r>
+            <a:r>
+              <a:rPr lang="en-US" sz="3600" dirty="0" smtClean="0">
+                <a:solidFill>
+                  <a:srgbClr val="004868"/>
+                </a:solidFill>
+                <a:cs typeface="(A) Arslan Wessam A" panose="03020402040406030203" pitchFamily="66" charset="-78"/>
+              </a:rPr>
+              <a:t> internals and structure</a:t>
+            </a:r>
+          </a:p>
+          <a:p>
+            <a:pPr lvl="1">
+              <a:buChar char="•"/>
+            </a:pPr>
+            <a:r>
+              <a:rPr lang="en-US" sz="3600" dirty="0">
+                <a:solidFill>
+                  <a:srgbClr val="004868"/>
+                </a:solidFill>
+                <a:cs typeface="(A) Arslan Wessam A" panose="03020402040406030203" pitchFamily="66" charset="-78"/>
+              </a:rPr>
+              <a:t> </a:t>
+            </a:r>
+            <a:r>
+              <a:rPr lang="en-US" sz="3600" dirty="0" smtClean="0">
+                <a:solidFill>
+                  <a:srgbClr val="004868"/>
+                </a:solidFill>
+                <a:cs typeface="(A) Arslan Wessam A" panose="03020402040406030203" pitchFamily="66" charset="-78"/>
+              </a:rPr>
+              <a:t>Documents (PDF, DOC, XLS) structure</a:t>
+            </a:r>
+          </a:p>
+          <a:p>
+            <a:pPr lvl="1">
+              <a:buChar char="•"/>
+            </a:pPr>
+            <a:r>
+              <a:rPr lang="en-US" sz="3600" dirty="0">
+                <a:solidFill>
+                  <a:srgbClr val="004868"/>
+                </a:solidFill>
+                <a:cs typeface="(A) Arslan Wessam A" panose="03020402040406030203" pitchFamily="66" charset="-78"/>
+              </a:rPr>
+              <a:t> </a:t>
+            </a:r>
+            <a:r>
+              <a:rPr lang="en-US" sz="3600" dirty="0" smtClean="0">
+                <a:solidFill>
+                  <a:srgbClr val="004868"/>
+                </a:solidFill>
+                <a:cs typeface="(A) Arslan Wessam A" panose="03020402040406030203" pitchFamily="66" charset="-78"/>
+              </a:rPr>
+              <a:t>Scripting</a:t>
+            </a:r>
+            <a:endParaRPr lang="en-US" sz="3600" dirty="0">
+              <a:solidFill>
+                <a:srgbClr val="004868"/>
+              </a:solidFill>
+              <a:cs typeface="(A) Arslan Wessam A" panose="03020402040406030203" pitchFamily="66" charset="-78"/>
+            </a:endParaRPr>
+          </a:p>
+        </p:txBody>
+      </p:sp>
+      <p:sp>
+        <p:nvSpPr>
+          <p:cNvPr id="10" name="Date Placeholder 10"/>
+          <p:cNvSpPr>
+            <a:spLocks noGrp="1"/>
+          </p:cNvSpPr>
+          <p:nvPr>
+            <p:ph type="dt" sz="half" idx="10"/>
+          </p:nvPr>
+        </p:nvSpPr>
+        <p:spPr>
+          <a:xfrm>
+            <a:off x="838200" y="6356350"/>
+            <a:ext cx="2743200" cy="365125"/>
+          </a:xfrm>
+        </p:spPr>
+        <p:txBody>
+          <a:bodyPr/>
+          <a:lstStyle/>
+          <a:p>
+            <a:fld id="{937D9445-FE1F-4C31-8DAB-30713F6C4372}" type="datetime1">
+              <a:rPr lang="en-US" sz="2400" smtClean="0">
+                <a:solidFill>
+                  <a:schemeClr val="bg1"/>
+                </a:solidFill>
+              </a:rPr>
+              <a:t>12/13/2021</a:t>
+            </a:fld>
+            <a:endParaRPr lang="en-US" sz="2400" dirty="0">
+              <a:solidFill>
+                <a:schemeClr val="bg1"/>
+              </a:solidFill>
+            </a:endParaRPr>
+          </a:p>
+        </p:txBody>
+      </p:sp>
+      <p:sp>
+        <p:nvSpPr>
+          <p:cNvPr id="12" name="Slide Number Placeholder 7"/>
+          <p:cNvSpPr>
+            <a:spLocks noGrp="1"/>
+          </p:cNvSpPr>
+          <p:nvPr>
+            <p:ph type="sldNum" sz="quarter" idx="12"/>
+          </p:nvPr>
+        </p:nvSpPr>
+        <p:spPr>
+          <a:xfrm>
+            <a:off x="8627767" y="6356350"/>
+            <a:ext cx="2743200" cy="365125"/>
+          </a:xfrm>
+        </p:spPr>
+        <p:txBody>
+          <a:bodyPr/>
+          <a:lstStyle/>
+          <a:p>
+            <a:r>
+              <a:rPr lang="en-US" sz="2400" dirty="0" smtClean="0">
+                <a:solidFill>
+                  <a:schemeClr val="bg1"/>
+                </a:solidFill>
+              </a:rPr>
+              <a:t>6</a:t>
             </a:r>
             <a:endParaRPr lang="en-US" sz="2400" dirty="0">
               <a:solidFill>
@@ -7261,7 +9658,7 @@
 </p:sld>
 </file>
 
-<file path=ppt/slides/slide5.xml><?xml version="1.0" encoding="utf-8"?>
+<file path=ppt/slides/slide7.xml><?xml version="1.0" encoding="utf-8"?>
 <p:sld xmlns:a="http://schemas.openxmlformats.org/drawingml/2006/main" xmlns:r="http://schemas.openxmlformats.org/officeDocument/2006/relationships" xmlns:p="http://schemas.openxmlformats.org/presentationml/2006/main">
   <p:cSld>
     <p:spTree>
@@ -7300,20 +9697,16 @@
           </a:bodyPr>
           <a:lstStyle/>
           <a:p>
-            <a:r>
-              <a:rPr lang="en-US" sz="4400" dirty="0">
+            <a:pPr lvl="0"/>
+            <a:r>
+              <a:rPr lang="en-US" sz="4400" b="1" dirty="0">
                 <a:solidFill>
                   <a:srgbClr val="004868"/>
                 </a:solidFill>
                 <a:cs typeface="(A) Arslan Wessam A" panose="03020402040406030203" pitchFamily="66" charset="-78"/>
               </a:rPr>
-              <a:t>What does Digital forensics analyst Do? Demo</a:t>
-            </a:r>
-            <a:endParaRPr lang="en-US" sz="4400" b="1" dirty="0">
-              <a:solidFill>
-                <a:srgbClr val="00567E"/>
-              </a:solidFill>
-            </a:endParaRPr>
+              <a:t>Where DFIR analysts work?</a:t>
+            </a:r>
           </a:p>
         </p:txBody>
       </p:sp>
@@ -7352,7 +9745,7 @@
           <p:cNvPr id="7" name="Footer Placeholder 4">
             <a:extLst>
               <a:ext uri="{FF2B5EF4-FFF2-40B4-BE49-F238E27FC236}">
-                <a16:creationId xmlns="" xmlns:a16="http://schemas.microsoft.com/office/drawing/2014/main" xmlns:lc="http://schemas.openxmlformats.org/drawingml/2006/lockedCanvas" id="{59271489-1EC6-0D4E-BF28-047FF1DDB132}"/>
+                <a16:creationId xmlns:lc="http://schemas.openxmlformats.org/drawingml/2006/lockedCanvas" xmlns:a16="http://schemas.microsoft.com/office/drawing/2014/main" xmlns="" id="{59271489-1EC6-0D4E-BF28-047FF1DDB132}"/>
               </a:ext>
             </a:extLst>
           </p:cNvPr>
@@ -7503,6 +9896,1093 @@
         <p:spPr>
           <a:xfrm>
             <a:off x="463638" y="1204645"/>
+            <a:ext cx="11281893" cy="3881705"/>
+          </a:xfrm>
+          <a:prstGeom prst="rect">
+            <a:avLst/>
+          </a:prstGeom>
+        </p:spPr>
+        <p:txBody>
+          <a:bodyPr/>
+          <a:lstStyle/>
+          <a:p>
+            <a:pPr lvl="0">
+              <a:buChar char="•"/>
+            </a:pPr>
+            <a:r>
+              <a:rPr lang="en-US" sz="2800" dirty="0" smtClean="0">
+                <a:solidFill>
+                  <a:srgbClr val="004868"/>
+                </a:solidFill>
+                <a:cs typeface="(A) Arslan Wessam A" panose="03020402040406030203" pitchFamily="66" charset="-78"/>
+              </a:rPr>
+              <a:t> Financial </a:t>
+            </a:r>
+            <a:r>
+              <a:rPr lang="en-US" sz="2800" dirty="0">
+                <a:solidFill>
+                  <a:srgbClr val="004868"/>
+                </a:solidFill>
+                <a:cs typeface="(A) Arslan Wessam A" panose="03020402040406030203" pitchFamily="66" charset="-78"/>
+              </a:rPr>
+              <a:t>service organizations – such as banks and accountancy firms.</a:t>
+            </a:r>
+          </a:p>
+          <a:p>
+            <a:pPr lvl="0">
+              <a:buChar char="•"/>
+            </a:pPr>
+            <a:r>
+              <a:rPr lang="en-US" sz="2800" dirty="0" smtClean="0">
+                <a:solidFill>
+                  <a:srgbClr val="004868"/>
+                </a:solidFill>
+                <a:cs typeface="(A) Arslan Wessam A" panose="03020402040406030203" pitchFamily="66" charset="-78"/>
+              </a:rPr>
+              <a:t> Forensic </a:t>
+            </a:r>
+            <a:r>
+              <a:rPr lang="en-US" sz="2800" dirty="0">
+                <a:solidFill>
+                  <a:srgbClr val="004868"/>
+                </a:solidFill>
+                <a:cs typeface="(A) Arslan Wessam A" panose="03020402040406030203" pitchFamily="66" charset="-78"/>
+              </a:rPr>
+              <a:t>computing companies and consultancies.</a:t>
+            </a:r>
+          </a:p>
+          <a:p>
+            <a:pPr lvl="0">
+              <a:buChar char="•"/>
+            </a:pPr>
+            <a:r>
+              <a:rPr lang="en-US" sz="2800" dirty="0">
+                <a:solidFill>
+                  <a:srgbClr val="004868"/>
+                </a:solidFill>
+                <a:cs typeface="(A) Arslan Wessam A" panose="03020402040406030203" pitchFamily="66" charset="-78"/>
+              </a:rPr>
+              <a:t> </a:t>
+            </a:r>
+            <a:r>
+              <a:rPr lang="en-US" sz="2800" dirty="0" smtClean="0">
+                <a:solidFill>
+                  <a:srgbClr val="004868"/>
+                </a:solidFill>
+                <a:cs typeface="(A) Arslan Wessam A" panose="03020402040406030203" pitchFamily="66" charset="-78"/>
+              </a:rPr>
+              <a:t>Government </a:t>
+            </a:r>
+            <a:r>
+              <a:rPr lang="en-US" sz="2800" dirty="0">
+                <a:solidFill>
+                  <a:srgbClr val="004868"/>
+                </a:solidFill>
+                <a:cs typeface="(A) Arslan Wessam A" panose="03020402040406030203" pitchFamily="66" charset="-78"/>
+              </a:rPr>
+              <a:t>agencies and departments – both national and regional.</a:t>
+            </a:r>
+          </a:p>
+          <a:p>
+            <a:pPr lvl="0">
+              <a:buChar char="•"/>
+            </a:pPr>
+            <a:r>
+              <a:rPr lang="en-US" sz="2800" dirty="0">
+                <a:solidFill>
+                  <a:srgbClr val="004868"/>
+                </a:solidFill>
+                <a:cs typeface="(A) Arslan Wessam A" panose="03020402040406030203" pitchFamily="66" charset="-78"/>
+              </a:rPr>
+              <a:t> </a:t>
+            </a:r>
+            <a:r>
+              <a:rPr lang="en-US" sz="2800" dirty="0" smtClean="0">
+                <a:solidFill>
+                  <a:srgbClr val="004868"/>
+                </a:solidFill>
+                <a:cs typeface="(A) Arslan Wessam A" panose="03020402040406030203" pitchFamily="66" charset="-78"/>
+              </a:rPr>
+              <a:t>Government </a:t>
+            </a:r>
+            <a:r>
+              <a:rPr lang="en-US" sz="2800" dirty="0">
+                <a:solidFill>
+                  <a:srgbClr val="004868"/>
+                </a:solidFill>
+                <a:cs typeface="(A) Arslan Wessam A" panose="03020402040406030203" pitchFamily="66" charset="-78"/>
+              </a:rPr>
+              <a:t>intelligence services – for instance, Government Communications Headquarters (GCHQ) in the </a:t>
+            </a:r>
+            <a:r>
+              <a:rPr lang="en-US" sz="2800" dirty="0" err="1">
+                <a:solidFill>
+                  <a:srgbClr val="004868"/>
+                </a:solidFill>
+                <a:cs typeface="(A) Arslan Wessam A" panose="03020402040406030203" pitchFamily="66" charset="-78"/>
+              </a:rPr>
+              <a:t>Uk</a:t>
+            </a:r>
+            <a:r>
+              <a:rPr lang="en-US" sz="2800" dirty="0">
+                <a:solidFill>
+                  <a:srgbClr val="004868"/>
+                </a:solidFill>
+                <a:cs typeface="(A) Arslan Wessam A" panose="03020402040406030203" pitchFamily="66" charset="-78"/>
+              </a:rPr>
+              <a:t>.</a:t>
+            </a:r>
+          </a:p>
+          <a:p>
+            <a:pPr lvl="0">
+              <a:buChar char="•"/>
+            </a:pPr>
+            <a:r>
+              <a:rPr lang="en-US" sz="2800" dirty="0">
+                <a:solidFill>
+                  <a:srgbClr val="004868"/>
+                </a:solidFill>
+                <a:cs typeface="(A) Arslan Wessam A" panose="03020402040406030203" pitchFamily="66" charset="-78"/>
+              </a:rPr>
+              <a:t> </a:t>
+            </a:r>
+            <a:r>
+              <a:rPr lang="en-US" sz="2800" dirty="0" smtClean="0">
+                <a:solidFill>
+                  <a:srgbClr val="004868"/>
+                </a:solidFill>
+                <a:cs typeface="(A) Arslan Wessam A" panose="03020402040406030203" pitchFamily="66" charset="-78"/>
+              </a:rPr>
+              <a:t>IT </a:t>
+            </a:r>
+            <a:r>
+              <a:rPr lang="en-US" sz="2800" dirty="0">
+                <a:solidFill>
+                  <a:srgbClr val="004868"/>
+                </a:solidFill>
+                <a:cs typeface="(A) Arslan Wessam A" panose="03020402040406030203" pitchFamily="66" charset="-78"/>
+              </a:rPr>
+              <a:t>and telecommunications companies.</a:t>
+            </a:r>
+          </a:p>
+          <a:p>
+            <a:pPr lvl="0">
+              <a:buChar char="•"/>
+            </a:pPr>
+            <a:r>
+              <a:rPr lang="en-US" sz="2800" dirty="0">
+                <a:solidFill>
+                  <a:srgbClr val="004868"/>
+                </a:solidFill>
+                <a:cs typeface="(A) Arslan Wessam A" panose="03020402040406030203" pitchFamily="66" charset="-78"/>
+              </a:rPr>
+              <a:t> </a:t>
+            </a:r>
+            <a:r>
+              <a:rPr lang="en-US" sz="2800" dirty="0" smtClean="0">
+                <a:solidFill>
+                  <a:srgbClr val="004868"/>
+                </a:solidFill>
+                <a:cs typeface="(A) Arslan Wessam A" panose="03020402040406030203" pitchFamily="66" charset="-78"/>
+              </a:rPr>
+              <a:t>Police </a:t>
+            </a:r>
+            <a:r>
+              <a:rPr lang="en-US" sz="2800" dirty="0">
+                <a:solidFill>
+                  <a:srgbClr val="004868"/>
+                </a:solidFill>
+                <a:cs typeface="(A) Arslan Wessam A" panose="03020402040406030203" pitchFamily="66" charset="-78"/>
+              </a:rPr>
+              <a:t>forces and law enforcement agencies – such as the National Crime Agency (NCA).</a:t>
+            </a:r>
+          </a:p>
+          <a:p>
+            <a:pPr lvl="0">
+              <a:buChar char="•"/>
+            </a:pPr>
+            <a:r>
+              <a:rPr lang="en-US" sz="2800" dirty="0">
+                <a:solidFill>
+                  <a:srgbClr val="004868"/>
+                </a:solidFill>
+                <a:cs typeface="(A) Arslan Wessam A" panose="03020402040406030203" pitchFamily="66" charset="-78"/>
+              </a:rPr>
+              <a:t> </a:t>
+            </a:r>
+            <a:r>
+              <a:rPr lang="en-US" sz="2800" dirty="0" smtClean="0">
+                <a:solidFill>
+                  <a:srgbClr val="004868"/>
+                </a:solidFill>
+                <a:cs typeface="(A) Arslan Wessam A" panose="03020402040406030203" pitchFamily="66" charset="-78"/>
+              </a:rPr>
+              <a:t>The </a:t>
+            </a:r>
+            <a:r>
+              <a:rPr lang="en-US" sz="2800" dirty="0">
+                <a:solidFill>
+                  <a:srgbClr val="004868"/>
+                </a:solidFill>
+                <a:cs typeface="(A) Arslan Wessam A" panose="03020402040406030203" pitchFamily="66" charset="-78"/>
+              </a:rPr>
+              <a:t>public sector – including the health sector. </a:t>
+            </a:r>
+            <a:endParaRPr lang="en-US" sz="2800" dirty="0">
+              <a:solidFill>
+                <a:srgbClr val="004868"/>
+              </a:solidFill>
+              <a:cs typeface="(A) Arslan Wessam A" panose="03020402040406030203" pitchFamily="66" charset="-78"/>
+            </a:endParaRPr>
+          </a:p>
+        </p:txBody>
+      </p:sp>
+      <p:sp>
+        <p:nvSpPr>
+          <p:cNvPr id="10" name="Date Placeholder 10"/>
+          <p:cNvSpPr>
+            <a:spLocks noGrp="1"/>
+          </p:cNvSpPr>
+          <p:nvPr>
+            <p:ph type="dt" sz="half" idx="10"/>
+          </p:nvPr>
+        </p:nvSpPr>
+        <p:spPr>
+          <a:xfrm>
+            <a:off x="838200" y="6356350"/>
+            <a:ext cx="2743200" cy="365125"/>
+          </a:xfrm>
+        </p:spPr>
+        <p:txBody>
+          <a:bodyPr/>
+          <a:lstStyle/>
+          <a:p>
+            <a:fld id="{937D9445-FE1F-4C31-8DAB-30713F6C4372}" type="datetime1">
+              <a:rPr lang="en-US" sz="2400" smtClean="0">
+                <a:solidFill>
+                  <a:schemeClr val="bg1"/>
+                </a:solidFill>
+              </a:rPr>
+              <a:t>12/13/2021</a:t>
+            </a:fld>
+            <a:endParaRPr lang="en-US" sz="2400" dirty="0">
+              <a:solidFill>
+                <a:schemeClr val="bg1"/>
+              </a:solidFill>
+            </a:endParaRPr>
+          </a:p>
+        </p:txBody>
+      </p:sp>
+      <p:sp>
+        <p:nvSpPr>
+          <p:cNvPr id="12" name="Slide Number Placeholder 7"/>
+          <p:cNvSpPr>
+            <a:spLocks noGrp="1"/>
+          </p:cNvSpPr>
+          <p:nvPr>
+            <p:ph type="sldNum" sz="quarter" idx="12"/>
+          </p:nvPr>
+        </p:nvSpPr>
+        <p:spPr>
+          <a:xfrm>
+            <a:off x="8627767" y="6356350"/>
+            <a:ext cx="2743200" cy="365125"/>
+          </a:xfrm>
+        </p:spPr>
+        <p:txBody>
+          <a:bodyPr/>
+          <a:lstStyle/>
+          <a:p>
+            <a:r>
+              <a:rPr lang="en-US" sz="2400" dirty="0" smtClean="0">
+                <a:solidFill>
+                  <a:schemeClr val="bg1"/>
+                </a:solidFill>
+              </a:rPr>
+              <a:t>7</a:t>
+            </a:r>
+            <a:endParaRPr lang="en-US" sz="2400" dirty="0">
+              <a:solidFill>
+                <a:schemeClr val="bg1"/>
+              </a:solidFill>
+            </a:endParaRPr>
+          </a:p>
+        </p:txBody>
+      </p:sp>
+    </p:spTree>
+    <p:extLst>
+      <p:ext uri="{BB962C8B-B14F-4D97-AF65-F5344CB8AC3E}">
+        <p14:creationId xmlns:p14="http://schemas.microsoft.com/office/powerpoint/2010/main" val="156768794"/>
+      </p:ext>
+    </p:extLst>
+  </p:cSld>
+  <p:clrMapOvr>
+    <a:masterClrMapping/>
+  </p:clrMapOvr>
+  <p:transition spd="slow">
+    <p:cover/>
+  </p:transition>
+  <p:timing>
+    <p:tnLst>
+      <p:par>
+        <p:cTn id="1" dur="indefinite" restart="never" nodeType="tmRoot">
+          <p:childTnLst>
+            <p:seq concurrent="1" nextAc="seek">
+              <p:cTn id="2" dur="indefinite" nodeType="mainSeq">
+                <p:childTnLst>
+                  <p:par>
+                    <p:cTn id="3" fill="hold">
+                      <p:stCondLst>
+                        <p:cond delay="indefinite"/>
+                      </p:stCondLst>
+                      <p:childTnLst>
+                        <p:par>
+                          <p:cTn id="4" fill="hold">
+                            <p:stCondLst>
+                              <p:cond delay="0"/>
+                            </p:stCondLst>
+                            <p:childTnLst>
+                              <p:par>
+                                <p:cTn id="5" presetID="1" presetClass="entr" presetSubtype="0" fill="hold" grpId="0" nodeType="clickEffect">
+                                  <p:stCondLst>
+                                    <p:cond delay="0"/>
+                                  </p:stCondLst>
+                                  <p:childTnLst>
+                                    <p:set>
+                                      <p:cBhvr>
+                                        <p:cTn id="6" dur="1" fill="hold">
+                                          <p:stCondLst>
+                                            <p:cond delay="0"/>
+                                          </p:stCondLst>
+                                        </p:cTn>
+                                        <p:tgtEl>
+                                          <p:spTgt spid="6">
+                                            <p:txEl>
+                                              <p:pRg st="0" end="0"/>
+                                            </p:txEl>
+                                          </p:spTgt>
+                                        </p:tgtEl>
+                                        <p:attrNameLst>
+                                          <p:attrName>style.visibility</p:attrName>
+                                        </p:attrNameLst>
+                                      </p:cBhvr>
+                                      <p:to>
+                                        <p:strVal val="visible"/>
+                                      </p:to>
+                                    </p:set>
+                                  </p:childTnLst>
+                                  <p:subTnLst>
+                                    <p:animClr clrSpc="rgb" dir="cw">
+                                      <p:cBhvr override="childStyle">
+                                        <p:cTn dur="1" fill="hold" display="0" masterRel="nextClick" afterEffect="1"/>
+                                        <p:tgtEl>
+                                          <p:spTgt spid="6">
+                                            <p:txEl>
+                                              <p:pRg st="0" end="0"/>
+                                            </p:txEl>
+                                          </p:spTgt>
+                                        </p:tgtEl>
+                                        <p:attrNameLst>
+                                          <p:attrName>ppt_c</p:attrName>
+                                        </p:attrNameLst>
+                                      </p:cBhvr>
+                                      <p:to>
+                                        <a:srgbClr val="828282"/>
+                                      </p:to>
+                                    </p:animClr>
+                                  </p:subTnLst>
+                                </p:cTn>
+                              </p:par>
+                            </p:childTnLst>
+                          </p:cTn>
+                        </p:par>
+                      </p:childTnLst>
+                    </p:cTn>
+                  </p:par>
+                  <p:par>
+                    <p:cTn id="7" fill="hold">
+                      <p:stCondLst>
+                        <p:cond delay="indefinite"/>
+                      </p:stCondLst>
+                      <p:childTnLst>
+                        <p:par>
+                          <p:cTn id="8" fill="hold">
+                            <p:stCondLst>
+                              <p:cond delay="0"/>
+                            </p:stCondLst>
+                            <p:childTnLst>
+                              <p:par>
+                                <p:cTn id="9" presetID="1" presetClass="entr" presetSubtype="0" fill="hold" grpId="0" nodeType="clickEffect">
+                                  <p:stCondLst>
+                                    <p:cond delay="0"/>
+                                  </p:stCondLst>
+                                  <p:childTnLst>
+                                    <p:set>
+                                      <p:cBhvr>
+                                        <p:cTn id="10" dur="1" fill="hold">
+                                          <p:stCondLst>
+                                            <p:cond delay="0"/>
+                                          </p:stCondLst>
+                                        </p:cTn>
+                                        <p:tgtEl>
+                                          <p:spTgt spid="6">
+                                            <p:txEl>
+                                              <p:pRg st="1" end="1"/>
+                                            </p:txEl>
+                                          </p:spTgt>
+                                        </p:tgtEl>
+                                        <p:attrNameLst>
+                                          <p:attrName>style.visibility</p:attrName>
+                                        </p:attrNameLst>
+                                      </p:cBhvr>
+                                      <p:to>
+                                        <p:strVal val="visible"/>
+                                      </p:to>
+                                    </p:set>
+                                  </p:childTnLst>
+                                  <p:subTnLst>
+                                    <p:animClr clrSpc="rgb" dir="cw">
+                                      <p:cBhvr override="childStyle">
+                                        <p:cTn dur="1" fill="hold" display="0" masterRel="nextClick" afterEffect="1"/>
+                                        <p:tgtEl>
+                                          <p:spTgt spid="6">
+                                            <p:txEl>
+                                              <p:pRg st="1" end="1"/>
+                                            </p:txEl>
+                                          </p:spTgt>
+                                        </p:tgtEl>
+                                        <p:attrNameLst>
+                                          <p:attrName>ppt_c</p:attrName>
+                                        </p:attrNameLst>
+                                      </p:cBhvr>
+                                      <p:to>
+                                        <a:srgbClr val="828282"/>
+                                      </p:to>
+                                    </p:animClr>
+                                  </p:subTnLst>
+                                </p:cTn>
+                              </p:par>
+                            </p:childTnLst>
+                          </p:cTn>
+                        </p:par>
+                      </p:childTnLst>
+                    </p:cTn>
+                  </p:par>
+                  <p:par>
+                    <p:cTn id="11" fill="hold">
+                      <p:stCondLst>
+                        <p:cond delay="indefinite"/>
+                      </p:stCondLst>
+                      <p:childTnLst>
+                        <p:par>
+                          <p:cTn id="12" fill="hold">
+                            <p:stCondLst>
+                              <p:cond delay="0"/>
+                            </p:stCondLst>
+                            <p:childTnLst>
+                              <p:par>
+                                <p:cTn id="13" presetID="1" presetClass="entr" presetSubtype="0" fill="hold" grpId="0" nodeType="clickEffect">
+                                  <p:stCondLst>
+                                    <p:cond delay="0"/>
+                                  </p:stCondLst>
+                                  <p:childTnLst>
+                                    <p:set>
+                                      <p:cBhvr>
+                                        <p:cTn id="14" dur="1" fill="hold">
+                                          <p:stCondLst>
+                                            <p:cond delay="0"/>
+                                          </p:stCondLst>
+                                        </p:cTn>
+                                        <p:tgtEl>
+                                          <p:spTgt spid="6">
+                                            <p:txEl>
+                                              <p:pRg st="2" end="2"/>
+                                            </p:txEl>
+                                          </p:spTgt>
+                                        </p:tgtEl>
+                                        <p:attrNameLst>
+                                          <p:attrName>style.visibility</p:attrName>
+                                        </p:attrNameLst>
+                                      </p:cBhvr>
+                                      <p:to>
+                                        <p:strVal val="visible"/>
+                                      </p:to>
+                                    </p:set>
+                                  </p:childTnLst>
+                                  <p:subTnLst>
+                                    <p:animClr clrSpc="rgb" dir="cw">
+                                      <p:cBhvr override="childStyle">
+                                        <p:cTn dur="1" fill="hold" display="0" masterRel="nextClick" afterEffect="1"/>
+                                        <p:tgtEl>
+                                          <p:spTgt spid="6">
+                                            <p:txEl>
+                                              <p:pRg st="2" end="2"/>
+                                            </p:txEl>
+                                          </p:spTgt>
+                                        </p:tgtEl>
+                                        <p:attrNameLst>
+                                          <p:attrName>ppt_c</p:attrName>
+                                        </p:attrNameLst>
+                                      </p:cBhvr>
+                                      <p:to>
+                                        <a:srgbClr val="828282"/>
+                                      </p:to>
+                                    </p:animClr>
+                                  </p:subTnLst>
+                                </p:cTn>
+                              </p:par>
+                            </p:childTnLst>
+                          </p:cTn>
+                        </p:par>
+                      </p:childTnLst>
+                    </p:cTn>
+                  </p:par>
+                  <p:par>
+                    <p:cTn id="15" fill="hold">
+                      <p:stCondLst>
+                        <p:cond delay="indefinite"/>
+                      </p:stCondLst>
+                      <p:childTnLst>
+                        <p:par>
+                          <p:cTn id="16" fill="hold">
+                            <p:stCondLst>
+                              <p:cond delay="0"/>
+                            </p:stCondLst>
+                            <p:childTnLst>
+                              <p:par>
+                                <p:cTn id="17" presetID="1" presetClass="entr" presetSubtype="0" fill="hold" grpId="0" nodeType="clickEffect">
+                                  <p:stCondLst>
+                                    <p:cond delay="0"/>
+                                  </p:stCondLst>
+                                  <p:childTnLst>
+                                    <p:set>
+                                      <p:cBhvr>
+                                        <p:cTn id="18" dur="1" fill="hold">
+                                          <p:stCondLst>
+                                            <p:cond delay="0"/>
+                                          </p:stCondLst>
+                                        </p:cTn>
+                                        <p:tgtEl>
+                                          <p:spTgt spid="6">
+                                            <p:txEl>
+                                              <p:pRg st="3" end="3"/>
+                                            </p:txEl>
+                                          </p:spTgt>
+                                        </p:tgtEl>
+                                        <p:attrNameLst>
+                                          <p:attrName>style.visibility</p:attrName>
+                                        </p:attrNameLst>
+                                      </p:cBhvr>
+                                      <p:to>
+                                        <p:strVal val="visible"/>
+                                      </p:to>
+                                    </p:set>
+                                  </p:childTnLst>
+                                  <p:subTnLst>
+                                    <p:animClr clrSpc="rgb" dir="cw">
+                                      <p:cBhvr override="childStyle">
+                                        <p:cTn dur="1" fill="hold" display="0" masterRel="nextClick" afterEffect="1"/>
+                                        <p:tgtEl>
+                                          <p:spTgt spid="6">
+                                            <p:txEl>
+                                              <p:pRg st="3" end="3"/>
+                                            </p:txEl>
+                                          </p:spTgt>
+                                        </p:tgtEl>
+                                        <p:attrNameLst>
+                                          <p:attrName>ppt_c</p:attrName>
+                                        </p:attrNameLst>
+                                      </p:cBhvr>
+                                      <p:to>
+                                        <a:srgbClr val="828282"/>
+                                      </p:to>
+                                    </p:animClr>
+                                  </p:subTnLst>
+                                </p:cTn>
+                              </p:par>
+                            </p:childTnLst>
+                          </p:cTn>
+                        </p:par>
+                      </p:childTnLst>
+                    </p:cTn>
+                  </p:par>
+                  <p:par>
+                    <p:cTn id="19" fill="hold">
+                      <p:stCondLst>
+                        <p:cond delay="indefinite"/>
+                      </p:stCondLst>
+                      <p:childTnLst>
+                        <p:par>
+                          <p:cTn id="20" fill="hold">
+                            <p:stCondLst>
+                              <p:cond delay="0"/>
+                            </p:stCondLst>
+                            <p:childTnLst>
+                              <p:par>
+                                <p:cTn id="21" presetID="1" presetClass="entr" presetSubtype="0" fill="hold" grpId="0" nodeType="clickEffect">
+                                  <p:stCondLst>
+                                    <p:cond delay="0"/>
+                                  </p:stCondLst>
+                                  <p:childTnLst>
+                                    <p:set>
+                                      <p:cBhvr>
+                                        <p:cTn id="22" dur="1" fill="hold">
+                                          <p:stCondLst>
+                                            <p:cond delay="0"/>
+                                          </p:stCondLst>
+                                        </p:cTn>
+                                        <p:tgtEl>
+                                          <p:spTgt spid="6">
+                                            <p:txEl>
+                                              <p:pRg st="4" end="4"/>
+                                            </p:txEl>
+                                          </p:spTgt>
+                                        </p:tgtEl>
+                                        <p:attrNameLst>
+                                          <p:attrName>style.visibility</p:attrName>
+                                        </p:attrNameLst>
+                                      </p:cBhvr>
+                                      <p:to>
+                                        <p:strVal val="visible"/>
+                                      </p:to>
+                                    </p:set>
+                                  </p:childTnLst>
+                                  <p:subTnLst>
+                                    <p:animClr clrSpc="rgb" dir="cw">
+                                      <p:cBhvr override="childStyle">
+                                        <p:cTn dur="1" fill="hold" display="0" masterRel="nextClick" afterEffect="1"/>
+                                        <p:tgtEl>
+                                          <p:spTgt spid="6">
+                                            <p:txEl>
+                                              <p:pRg st="4" end="4"/>
+                                            </p:txEl>
+                                          </p:spTgt>
+                                        </p:tgtEl>
+                                        <p:attrNameLst>
+                                          <p:attrName>ppt_c</p:attrName>
+                                        </p:attrNameLst>
+                                      </p:cBhvr>
+                                      <p:to>
+                                        <a:srgbClr val="828282"/>
+                                      </p:to>
+                                    </p:animClr>
+                                  </p:subTnLst>
+                                </p:cTn>
+                              </p:par>
+                            </p:childTnLst>
+                          </p:cTn>
+                        </p:par>
+                      </p:childTnLst>
+                    </p:cTn>
+                  </p:par>
+                  <p:par>
+                    <p:cTn id="23" fill="hold">
+                      <p:stCondLst>
+                        <p:cond delay="indefinite"/>
+                      </p:stCondLst>
+                      <p:childTnLst>
+                        <p:par>
+                          <p:cTn id="24" fill="hold">
+                            <p:stCondLst>
+                              <p:cond delay="0"/>
+                            </p:stCondLst>
+                            <p:childTnLst>
+                              <p:par>
+                                <p:cTn id="25" presetID="1" presetClass="entr" presetSubtype="0" fill="hold" grpId="0" nodeType="clickEffect">
+                                  <p:stCondLst>
+                                    <p:cond delay="0"/>
+                                  </p:stCondLst>
+                                  <p:childTnLst>
+                                    <p:set>
+                                      <p:cBhvr>
+                                        <p:cTn id="26" dur="1" fill="hold">
+                                          <p:stCondLst>
+                                            <p:cond delay="0"/>
+                                          </p:stCondLst>
+                                        </p:cTn>
+                                        <p:tgtEl>
+                                          <p:spTgt spid="6">
+                                            <p:txEl>
+                                              <p:pRg st="5" end="5"/>
+                                            </p:txEl>
+                                          </p:spTgt>
+                                        </p:tgtEl>
+                                        <p:attrNameLst>
+                                          <p:attrName>style.visibility</p:attrName>
+                                        </p:attrNameLst>
+                                      </p:cBhvr>
+                                      <p:to>
+                                        <p:strVal val="visible"/>
+                                      </p:to>
+                                    </p:set>
+                                  </p:childTnLst>
+                                  <p:subTnLst>
+                                    <p:animClr clrSpc="rgb" dir="cw">
+                                      <p:cBhvr override="childStyle">
+                                        <p:cTn dur="1" fill="hold" display="0" masterRel="nextClick" afterEffect="1"/>
+                                        <p:tgtEl>
+                                          <p:spTgt spid="6">
+                                            <p:txEl>
+                                              <p:pRg st="5" end="5"/>
+                                            </p:txEl>
+                                          </p:spTgt>
+                                        </p:tgtEl>
+                                        <p:attrNameLst>
+                                          <p:attrName>ppt_c</p:attrName>
+                                        </p:attrNameLst>
+                                      </p:cBhvr>
+                                      <p:to>
+                                        <a:srgbClr val="828282"/>
+                                      </p:to>
+                                    </p:animClr>
+                                  </p:subTnLst>
+                                </p:cTn>
+                              </p:par>
+                            </p:childTnLst>
+                          </p:cTn>
+                        </p:par>
+                      </p:childTnLst>
+                    </p:cTn>
+                  </p:par>
+                  <p:par>
+                    <p:cTn id="27" fill="hold">
+                      <p:stCondLst>
+                        <p:cond delay="indefinite"/>
+                      </p:stCondLst>
+                      <p:childTnLst>
+                        <p:par>
+                          <p:cTn id="28" fill="hold">
+                            <p:stCondLst>
+                              <p:cond delay="0"/>
+                            </p:stCondLst>
+                            <p:childTnLst>
+                              <p:par>
+                                <p:cTn id="29" presetID="1" presetClass="entr" presetSubtype="0" fill="hold" grpId="0" nodeType="clickEffect">
+                                  <p:stCondLst>
+                                    <p:cond delay="0"/>
+                                  </p:stCondLst>
+                                  <p:childTnLst>
+                                    <p:set>
+                                      <p:cBhvr>
+                                        <p:cTn id="30" dur="1" fill="hold">
+                                          <p:stCondLst>
+                                            <p:cond delay="0"/>
+                                          </p:stCondLst>
+                                        </p:cTn>
+                                        <p:tgtEl>
+                                          <p:spTgt spid="6">
+                                            <p:txEl>
+                                              <p:pRg st="6" end="6"/>
+                                            </p:txEl>
+                                          </p:spTgt>
+                                        </p:tgtEl>
+                                        <p:attrNameLst>
+                                          <p:attrName>style.visibility</p:attrName>
+                                        </p:attrNameLst>
+                                      </p:cBhvr>
+                                      <p:to>
+                                        <p:strVal val="visible"/>
+                                      </p:to>
+                                    </p:set>
+                                  </p:childTnLst>
+                                  <p:subTnLst>
+                                    <p:animClr clrSpc="rgb" dir="cw">
+                                      <p:cBhvr override="childStyle">
+                                        <p:cTn dur="1" fill="hold" display="0" masterRel="nextClick" afterEffect="1"/>
+                                        <p:tgtEl>
+                                          <p:spTgt spid="6">
+                                            <p:txEl>
+                                              <p:pRg st="6" end="6"/>
+                                            </p:txEl>
+                                          </p:spTgt>
+                                        </p:tgtEl>
+                                        <p:attrNameLst>
+                                          <p:attrName>ppt_c</p:attrName>
+                                        </p:attrNameLst>
+                                      </p:cBhvr>
+                                      <p:to>
+                                        <a:srgbClr val="828282"/>
+                                      </p:to>
+                                    </p:animClr>
+                                  </p:subTnLst>
+                                </p:cTn>
+                              </p:par>
+                            </p:childTnLst>
+                          </p:cTn>
+                        </p:par>
+                      </p:childTnLst>
+                    </p:cTn>
+                  </p:par>
+                </p:childTnLst>
+              </p:cTn>
+              <p:prevCondLst>
+                <p:cond evt="onPrev" delay="0">
+                  <p:tgtEl>
+                    <p:sldTgt/>
+                  </p:tgtEl>
+                </p:cond>
+              </p:prevCondLst>
+              <p:nextCondLst>
+                <p:cond evt="onNext" delay="0">
+                  <p:tgtEl>
+                    <p:sldTgt/>
+                  </p:tgtEl>
+                </p:cond>
+              </p:nextCondLst>
+            </p:seq>
+          </p:childTnLst>
+        </p:cTn>
+      </p:par>
+    </p:tnLst>
+    <p:bldLst>
+      <p:bldP spid="6" grpId="0" build="p"/>
+    </p:bldLst>
+  </p:timing>
+</p:sld>
+</file>
+
+<file path=ppt/slides/slide8.xml><?xml version="1.0" encoding="utf-8"?>
+<p:sld xmlns:a="http://schemas.openxmlformats.org/drawingml/2006/main" xmlns:r="http://schemas.openxmlformats.org/officeDocument/2006/relationships" xmlns:p="http://schemas.openxmlformats.org/presentationml/2006/main">
+  <p:cSld>
+    <p:spTree>
+      <p:nvGrpSpPr>
+        <p:cNvPr id="1" name=""/>
+        <p:cNvGrpSpPr/>
+        <p:nvPr/>
+      </p:nvGrpSpPr>
+      <p:grpSpPr>
+        <a:xfrm>
+          <a:off x="0" y="0"/>
+          <a:ext cx="0" cy="0"/>
+          <a:chOff x="0" y="0"/>
+          <a:chExt cx="0" cy="0"/>
+        </a:xfrm>
+      </p:grpSpPr>
+      <p:sp>
+        <p:nvSpPr>
+          <p:cNvPr id="2" name="Title 1"/>
+          <p:cNvSpPr>
+            <a:spLocks noGrp="1"/>
+          </p:cNvSpPr>
+          <p:nvPr>
+            <p:ph type="ctrTitle"/>
+          </p:nvPr>
+        </p:nvSpPr>
+        <p:spPr>
+          <a:xfrm>
+            <a:off x="463638" y="193183"/>
+            <a:ext cx="11281893" cy="686927"/>
+          </a:xfrm>
+        </p:spPr>
+        <p:txBody>
+          <a:bodyPr>
+            <a:normAutofit fontScale="90000"/>
+          </a:bodyPr>
+          <a:lstStyle/>
+          <a:p>
+            <a:r>
+              <a:rPr lang="en-US" sz="4400" b="1" dirty="0" smtClean="0">
+                <a:solidFill>
+                  <a:srgbClr val="004868"/>
+                </a:solidFill>
+                <a:cs typeface="(A) Arslan Wessam A" panose="03020402040406030203" pitchFamily="66" charset="-78"/>
+              </a:rPr>
+              <a:t>Demo</a:t>
+            </a:r>
+            <a:endParaRPr lang="en-US" sz="4400" b="1" dirty="0">
+              <a:solidFill>
+                <a:srgbClr val="00567E"/>
+              </a:solidFill>
+            </a:endParaRPr>
+          </a:p>
+        </p:txBody>
+      </p:sp>
+      <p:pic>
+        <p:nvPicPr>
+          <p:cNvPr id="5" name="Picture 4"/>
+          <p:cNvPicPr>
+            <a:picLocks noChangeAspect="1"/>
+          </p:cNvPicPr>
+          <p:nvPr/>
+        </p:nvPicPr>
+        <p:blipFill>
+          <a:blip r:embed="rId3">
+            <a:extLst>
+              <a:ext uri="{28A0092B-C50C-407E-A947-70E740481C1C}">
+                <a14:useLocalDpi xmlns:a14="http://schemas.microsoft.com/office/drawing/2010/main" val="0"/>
+              </a:ext>
+            </a:extLst>
+          </a:blip>
+          <a:stretch>
+            <a:fillRect/>
+          </a:stretch>
+        </p:blipFill>
+        <p:spPr>
+          <a:xfrm>
+            <a:off x="0" y="6228460"/>
+            <a:ext cx="12192000" cy="671785"/>
+          </a:xfrm>
+          <a:prstGeom prst="rect">
+            <a:avLst/>
+          </a:prstGeom>
+        </p:spPr>
+      </p:pic>
+      <p:sp>
+        <p:nvSpPr>
+          <p:cNvPr id="7" name="Footer Placeholder 4">
+            <a:extLst>
+              <a:ext uri="{FF2B5EF4-FFF2-40B4-BE49-F238E27FC236}">
+                <a16:creationId xmlns:lc="http://schemas.openxmlformats.org/drawingml/2006/lockedCanvas" xmlns:a16="http://schemas.microsoft.com/office/drawing/2014/main" xmlns="" id="{59271489-1EC6-0D4E-BF28-047FF1DDB132}"/>
+              </a:ext>
+            </a:extLst>
+          </p:cNvPr>
+          <p:cNvSpPr>
+            <a:spLocks noGrp="1"/>
+          </p:cNvSpPr>
+          <p:nvPr/>
+        </p:nvSpPr>
+        <p:spPr>
+          <a:xfrm>
+            <a:off x="4507604" y="6381789"/>
+            <a:ext cx="3193961" cy="365125"/>
+          </a:xfrm>
+          <a:prstGeom prst="rect">
+            <a:avLst/>
+          </a:prstGeom>
+        </p:spPr>
+        <p:txBody>
+          <a:bodyPr vert="horz" lIns="91440" tIns="45720" rIns="91440" bIns="45720" rtlCol="0" anchor="ctr"/>
+          <a:lstStyle>
+            <a:defPPr>
+              <a:defRPr lang="en-US"/>
+            </a:defPPr>
+            <a:lvl1pPr marL="0" algn="ctr" defTabSz="914400" rtl="0" eaLnBrk="1" latinLnBrk="0" hangingPunct="1">
+              <a:defRPr sz="1200" kern="1200">
+                <a:solidFill>
+                  <a:schemeClr val="tx1">
+                    <a:tint val="75000"/>
+                  </a:schemeClr>
+                </a:solidFill>
+                <a:latin typeface="+mn-lt"/>
+                <a:ea typeface="+mn-ea"/>
+                <a:cs typeface="+mn-cs"/>
+              </a:defRPr>
+            </a:lvl1pPr>
+            <a:lvl2pPr marL="457200" algn="l" defTabSz="914400" rtl="0" eaLnBrk="1" latinLnBrk="0" hangingPunct="1">
+              <a:defRPr sz="1800" kern="1200">
+                <a:solidFill>
+                  <a:schemeClr val="tx1"/>
+                </a:solidFill>
+                <a:latin typeface="+mn-lt"/>
+                <a:ea typeface="+mn-ea"/>
+                <a:cs typeface="+mn-cs"/>
+              </a:defRPr>
+            </a:lvl2pPr>
+            <a:lvl3pPr marL="914400" algn="l" defTabSz="914400" rtl="0" eaLnBrk="1" latinLnBrk="0" hangingPunct="1">
+              <a:defRPr sz="1800" kern="1200">
+                <a:solidFill>
+                  <a:schemeClr val="tx1"/>
+                </a:solidFill>
+                <a:latin typeface="+mn-lt"/>
+                <a:ea typeface="+mn-ea"/>
+                <a:cs typeface="+mn-cs"/>
+              </a:defRPr>
+            </a:lvl3pPr>
+            <a:lvl4pPr marL="1371600" algn="l" defTabSz="914400" rtl="0" eaLnBrk="1" latinLnBrk="0" hangingPunct="1">
+              <a:defRPr sz="1800" kern="1200">
+                <a:solidFill>
+                  <a:schemeClr val="tx1"/>
+                </a:solidFill>
+                <a:latin typeface="+mn-lt"/>
+                <a:ea typeface="+mn-ea"/>
+                <a:cs typeface="+mn-cs"/>
+              </a:defRPr>
+            </a:lvl4pPr>
+            <a:lvl5pPr marL="1828800" algn="l" defTabSz="914400" rtl="0" eaLnBrk="1" latinLnBrk="0" hangingPunct="1">
+              <a:defRPr sz="1800" kern="1200">
+                <a:solidFill>
+                  <a:schemeClr val="tx1"/>
+                </a:solidFill>
+                <a:latin typeface="+mn-lt"/>
+                <a:ea typeface="+mn-ea"/>
+                <a:cs typeface="+mn-cs"/>
+              </a:defRPr>
+            </a:lvl5pPr>
+            <a:lvl6pPr marL="2286000" algn="l" defTabSz="914400" rtl="0" eaLnBrk="1" latinLnBrk="0" hangingPunct="1">
+              <a:defRPr sz="1800" kern="1200">
+                <a:solidFill>
+                  <a:schemeClr val="tx1"/>
+                </a:solidFill>
+                <a:latin typeface="+mn-lt"/>
+                <a:ea typeface="+mn-ea"/>
+                <a:cs typeface="+mn-cs"/>
+              </a:defRPr>
+            </a:lvl6pPr>
+            <a:lvl7pPr marL="2743200" algn="l" defTabSz="914400" rtl="0" eaLnBrk="1" latinLnBrk="0" hangingPunct="1">
+              <a:defRPr sz="1800" kern="1200">
+                <a:solidFill>
+                  <a:schemeClr val="tx1"/>
+                </a:solidFill>
+                <a:latin typeface="+mn-lt"/>
+                <a:ea typeface="+mn-ea"/>
+                <a:cs typeface="+mn-cs"/>
+              </a:defRPr>
+            </a:lvl7pPr>
+            <a:lvl8pPr marL="3200400" algn="l" defTabSz="914400" rtl="0" eaLnBrk="1" latinLnBrk="0" hangingPunct="1">
+              <a:defRPr sz="1800" kern="1200">
+                <a:solidFill>
+                  <a:schemeClr val="tx1"/>
+                </a:solidFill>
+                <a:latin typeface="+mn-lt"/>
+                <a:ea typeface="+mn-ea"/>
+                <a:cs typeface="+mn-cs"/>
+              </a:defRPr>
+            </a:lvl8pPr>
+            <a:lvl9pPr marL="3657600" algn="l" defTabSz="914400" rtl="0" eaLnBrk="1" latinLnBrk="0" hangingPunct="1">
+              <a:defRPr sz="1800" kern="1200">
+                <a:solidFill>
+                  <a:schemeClr val="tx1"/>
+                </a:solidFill>
+                <a:latin typeface="+mn-lt"/>
+                <a:ea typeface="+mn-ea"/>
+                <a:cs typeface="+mn-cs"/>
+              </a:defRPr>
+            </a:lvl9pPr>
+          </a:lstStyle>
+          <a:p>
+            <a:r>
+              <a:rPr lang="en-US" sz="2400" dirty="0" smtClean="0">
+                <a:solidFill>
+                  <a:schemeClr val="bg1"/>
+                </a:solidFill>
+              </a:rPr>
+              <a:t>Mohammed </a:t>
+            </a:r>
+            <a:r>
+              <a:rPr lang="en-US" sz="2400" dirty="0" err="1" smtClean="0">
+                <a:solidFill>
+                  <a:schemeClr val="bg1"/>
+                </a:solidFill>
+              </a:rPr>
+              <a:t>Hasan</a:t>
+            </a:r>
+            <a:endParaRPr lang="en-US" sz="2400" dirty="0">
+              <a:solidFill>
+                <a:schemeClr val="bg1"/>
+              </a:solidFill>
+            </a:endParaRPr>
+          </a:p>
+        </p:txBody>
+      </p:sp>
+      <p:sp>
+        <p:nvSpPr>
+          <p:cNvPr id="6" name="Rectangle 5"/>
+          <p:cNvSpPr/>
+          <p:nvPr/>
+        </p:nvSpPr>
+        <p:spPr>
+          <a:xfrm>
+            <a:off x="463638" y="1204645"/>
             <a:ext cx="11281893" cy="4998374"/>
           </a:xfrm>
           <a:prstGeom prst="rect">
@@ -7695,7 +11175,7 @@
                   <a:schemeClr val="bg1"/>
                 </a:solidFill>
               </a:rPr>
-              <a:t>12/11/2021</a:t>
+              <a:t>12/13/2021</a:t>
             </a:fld>
             <a:endParaRPr lang="en-US" sz="2400" dirty="0">
               <a:solidFill>
@@ -7731,7 +11211,7 @@
                   <a:schemeClr val="bg1"/>
                 </a:solidFill>
               </a:rPr>
-              <a:t>5</a:t>
+              <a:t>8</a:t>
             </a:r>
             <a:endParaRPr lang="en-US" sz="2400" dirty="0">
               <a:solidFill>
@@ -7744,7 +11224,7 @@
     </p:spTree>
     <p:extLst>
       <p:ext uri="{BB962C8B-B14F-4D97-AF65-F5344CB8AC3E}">
-        <p14:creationId xmlns:p14="http://schemas.microsoft.com/office/powerpoint/2010/main" val="156768794"/>
+        <p14:creationId xmlns:p14="http://schemas.microsoft.com/office/powerpoint/2010/main" val="3482995316"/>
       </p:ext>
     </p:extLst>
   </p:cSld>
@@ -8066,7 +11546,7 @@
 </p:sld>
 </file>
 
-<file path=ppt/slides/slide6.xml><?xml version="1.0" encoding="utf-8"?>
+<file path=ppt/slides/slide9.xml><?xml version="1.0" encoding="utf-8"?>
 <p:sld xmlns:a="http://schemas.openxmlformats.org/drawingml/2006/main" xmlns:r="http://schemas.openxmlformats.org/officeDocument/2006/relationships" xmlns:p="http://schemas.openxmlformats.org/presentationml/2006/main">
   <p:cSld>
     <p:spTree>
@@ -8105,20 +11585,16 @@
           </a:bodyPr>
           <a:lstStyle/>
           <a:p>
-            <a:r>
-              <a:rPr lang="en-US" sz="4400" dirty="0" smtClean="0">
+            <a:pPr lvl="0"/>
+            <a:r>
+              <a:rPr lang="en-US" sz="4400" b="1" dirty="0">
                 <a:solidFill>
                   <a:srgbClr val="004868"/>
                 </a:solidFill>
                 <a:cs typeface="(A) Arslan Wessam A" panose="03020402040406030203" pitchFamily="66" charset="-78"/>
               </a:rPr>
-              <a:t>Roadmap</a:t>
-            </a:r>
-            <a:endParaRPr lang="en-US" sz="4400" b="1" dirty="0">
-              <a:solidFill>
-                <a:srgbClr val="00567E"/>
-              </a:solidFill>
-            </a:endParaRPr>
+              <a:t>How to learn it (resources)?</a:t>
+            </a:r>
           </a:p>
         </p:txBody>
       </p:sp>
@@ -8157,7 +11633,7 @@
           <p:cNvPr id="7" name="Footer Placeholder 4">
             <a:extLst>
               <a:ext uri="{FF2B5EF4-FFF2-40B4-BE49-F238E27FC236}">
-                <a16:creationId xmlns="" xmlns:a16="http://schemas.microsoft.com/office/drawing/2014/main" xmlns:lc="http://schemas.openxmlformats.org/drawingml/2006/lockedCanvas" id="{59271489-1EC6-0D4E-BF28-047FF1DDB132}"/>
+                <a16:creationId xmlns:lc="http://schemas.openxmlformats.org/drawingml/2006/lockedCanvas" xmlns:a16="http://schemas.microsoft.com/office/drawing/2014/main" xmlns="" id="{59271489-1EC6-0D4E-BF28-047FF1DDB132}"/>
               </a:ext>
             </a:extLst>
           </p:cNvPr>
@@ -8488,17 +11964,7 @@
                 <a:latin typeface="(A) Arslan Wessam A" panose="03020402040406030203" pitchFamily="66" charset="-78"/>
                 <a:cs typeface="(A) Arslan Wessam A" panose="03020402040406030203" pitchFamily="66" charset="-78"/>
               </a:rPr>
-              <a:t> Introductory </a:t>
-            </a:r>
-            <a:r>
-              <a:rPr lang="en-US" sz="3600" dirty="0" smtClean="0">
-                <a:solidFill>
-                  <a:srgbClr val="004868"/>
-                </a:solidFill>
-                <a:latin typeface="(A) Arslan Wessam A" panose="03020402040406030203" pitchFamily="66" charset="-78"/>
-                <a:cs typeface="(A) Arslan Wessam A" panose="03020402040406030203" pitchFamily="66" charset="-78"/>
-              </a:rPr>
-              <a:t>computer forensics: a hands on practical approach book</a:t>
+              <a:t> Introductory computer forensics: a hands on practical approach book</a:t>
             </a:r>
             <a:endParaRPr lang="en-US" sz="4400" dirty="0" smtClean="0">
               <a:solidFill>
@@ -8717,7 +12183,7 @@
                   <a:schemeClr val="bg1"/>
                 </a:solidFill>
               </a:rPr>
-              <a:t>12/11/2021</a:t>
+              <a:t>12/13/2021</a:t>
             </a:fld>
             <a:endParaRPr lang="en-US" sz="2400" dirty="0">
               <a:solidFill>
@@ -8753,7 +12219,7 @@
                   <a:schemeClr val="bg1"/>
                 </a:solidFill>
               </a:rPr>
-              <a:t>6</a:t>
+              <a:t>9</a:t>
             </a:r>
             <a:endParaRPr lang="en-US" sz="2400" dirty="0">
               <a:solidFill>
@@ -9270,860 +12736,6 @@
     <p:bldLst>
       <p:bldP spid="6" grpId="0" build="p"/>
     </p:bldLst>
-  </p:timing>
-</p:sld>
-</file>
-
-<file path=ppt/slides/slide7.xml><?xml version="1.0" encoding="utf-8"?>
-<p:sld xmlns:a="http://schemas.openxmlformats.org/drawingml/2006/main" xmlns:r="http://schemas.openxmlformats.org/officeDocument/2006/relationships" xmlns:p="http://schemas.openxmlformats.org/presentationml/2006/main">
-  <p:cSld>
-    <p:spTree>
-      <p:nvGrpSpPr>
-        <p:cNvPr id="1" name=""/>
-        <p:cNvGrpSpPr/>
-        <p:nvPr/>
-      </p:nvGrpSpPr>
-      <p:grpSpPr>
-        <a:xfrm>
-          <a:off x="0" y="0"/>
-          <a:ext cx="0" cy="0"/>
-          <a:chOff x="0" y="0"/>
-          <a:chExt cx="0" cy="0"/>
-        </a:xfrm>
-      </p:grpSpPr>
-      <p:pic>
-        <p:nvPicPr>
-          <p:cNvPr id="5" name="Picture 4"/>
-          <p:cNvPicPr>
-            <a:picLocks noChangeAspect="1"/>
-          </p:cNvPicPr>
-          <p:nvPr/>
-        </p:nvPicPr>
-        <p:blipFill>
-          <a:blip r:embed="rId3">
-            <a:extLst>
-              <a:ext uri="{28A0092B-C50C-407E-A947-70E740481C1C}">
-                <a14:useLocalDpi xmlns:a14="http://schemas.microsoft.com/office/drawing/2010/main" val="0"/>
-              </a:ext>
-            </a:extLst>
-          </a:blip>
-          <a:stretch>
-            <a:fillRect/>
-          </a:stretch>
-        </p:blipFill>
-        <p:spPr>
-          <a:xfrm>
-            <a:off x="0" y="6228460"/>
-            <a:ext cx="12192000" cy="671785"/>
-          </a:xfrm>
-          <a:prstGeom prst="rect">
-            <a:avLst/>
-          </a:prstGeom>
-        </p:spPr>
-      </p:pic>
-      <p:sp>
-        <p:nvSpPr>
-          <p:cNvPr id="7" name="Footer Placeholder 4">
-            <a:extLst>
-              <a:ext uri="{FF2B5EF4-FFF2-40B4-BE49-F238E27FC236}">
-                <a16:creationId xmlns="" xmlns:a16="http://schemas.microsoft.com/office/drawing/2014/main" xmlns:lc="http://schemas.openxmlformats.org/drawingml/2006/lockedCanvas" id="{59271489-1EC6-0D4E-BF28-047FF1DDB132}"/>
-              </a:ext>
-            </a:extLst>
-          </p:cNvPr>
-          <p:cNvSpPr>
-            <a:spLocks noGrp="1"/>
-          </p:cNvSpPr>
-          <p:nvPr/>
-        </p:nvSpPr>
-        <p:spPr>
-          <a:xfrm>
-            <a:off x="4507604" y="6381789"/>
-            <a:ext cx="3193961" cy="365125"/>
-          </a:xfrm>
-          <a:prstGeom prst="rect">
-            <a:avLst/>
-          </a:prstGeom>
-        </p:spPr>
-        <p:txBody>
-          <a:bodyPr vert="horz" lIns="91440" tIns="45720" rIns="91440" bIns="45720" rtlCol="0" anchor="ctr"/>
-          <a:lstStyle>
-            <a:defPPr>
-              <a:defRPr lang="en-US"/>
-            </a:defPPr>
-            <a:lvl1pPr marL="0" algn="ctr" defTabSz="914400" rtl="0" eaLnBrk="1" latinLnBrk="0" hangingPunct="1">
-              <a:defRPr sz="1200" kern="1200">
-                <a:solidFill>
-                  <a:schemeClr val="tx1">
-                    <a:tint val="75000"/>
-                  </a:schemeClr>
-                </a:solidFill>
-                <a:latin typeface="+mn-lt"/>
-                <a:ea typeface="+mn-ea"/>
-                <a:cs typeface="+mn-cs"/>
-              </a:defRPr>
-            </a:lvl1pPr>
-            <a:lvl2pPr marL="457200" algn="l" defTabSz="914400" rtl="0" eaLnBrk="1" latinLnBrk="0" hangingPunct="1">
-              <a:defRPr sz="1800" kern="1200">
-                <a:solidFill>
-                  <a:schemeClr val="tx1"/>
-                </a:solidFill>
-                <a:latin typeface="+mn-lt"/>
-                <a:ea typeface="+mn-ea"/>
-                <a:cs typeface="+mn-cs"/>
-              </a:defRPr>
-            </a:lvl2pPr>
-            <a:lvl3pPr marL="914400" algn="l" defTabSz="914400" rtl="0" eaLnBrk="1" latinLnBrk="0" hangingPunct="1">
-              <a:defRPr sz="1800" kern="1200">
-                <a:solidFill>
-                  <a:schemeClr val="tx1"/>
-                </a:solidFill>
-                <a:latin typeface="+mn-lt"/>
-                <a:ea typeface="+mn-ea"/>
-                <a:cs typeface="+mn-cs"/>
-              </a:defRPr>
-            </a:lvl3pPr>
-            <a:lvl4pPr marL="1371600" algn="l" defTabSz="914400" rtl="0" eaLnBrk="1" latinLnBrk="0" hangingPunct="1">
-              <a:defRPr sz="1800" kern="1200">
-                <a:solidFill>
-                  <a:schemeClr val="tx1"/>
-                </a:solidFill>
-                <a:latin typeface="+mn-lt"/>
-                <a:ea typeface="+mn-ea"/>
-                <a:cs typeface="+mn-cs"/>
-              </a:defRPr>
-            </a:lvl4pPr>
-            <a:lvl5pPr marL="1828800" algn="l" defTabSz="914400" rtl="0" eaLnBrk="1" latinLnBrk="0" hangingPunct="1">
-              <a:defRPr sz="1800" kern="1200">
-                <a:solidFill>
-                  <a:schemeClr val="tx1"/>
-                </a:solidFill>
-                <a:latin typeface="+mn-lt"/>
-                <a:ea typeface="+mn-ea"/>
-                <a:cs typeface="+mn-cs"/>
-              </a:defRPr>
-            </a:lvl5pPr>
-            <a:lvl6pPr marL="2286000" algn="l" defTabSz="914400" rtl="0" eaLnBrk="1" latinLnBrk="0" hangingPunct="1">
-              <a:defRPr sz="1800" kern="1200">
-                <a:solidFill>
-                  <a:schemeClr val="tx1"/>
-                </a:solidFill>
-                <a:latin typeface="+mn-lt"/>
-                <a:ea typeface="+mn-ea"/>
-                <a:cs typeface="+mn-cs"/>
-              </a:defRPr>
-            </a:lvl6pPr>
-            <a:lvl7pPr marL="2743200" algn="l" defTabSz="914400" rtl="0" eaLnBrk="1" latinLnBrk="0" hangingPunct="1">
-              <a:defRPr sz="1800" kern="1200">
-                <a:solidFill>
-                  <a:schemeClr val="tx1"/>
-                </a:solidFill>
-                <a:latin typeface="+mn-lt"/>
-                <a:ea typeface="+mn-ea"/>
-                <a:cs typeface="+mn-cs"/>
-              </a:defRPr>
-            </a:lvl7pPr>
-            <a:lvl8pPr marL="3200400" algn="l" defTabSz="914400" rtl="0" eaLnBrk="1" latinLnBrk="0" hangingPunct="1">
-              <a:defRPr sz="1800" kern="1200">
-                <a:solidFill>
-                  <a:schemeClr val="tx1"/>
-                </a:solidFill>
-                <a:latin typeface="+mn-lt"/>
-                <a:ea typeface="+mn-ea"/>
-                <a:cs typeface="+mn-cs"/>
-              </a:defRPr>
-            </a:lvl8pPr>
-            <a:lvl9pPr marL="3657600" algn="l" defTabSz="914400" rtl="0" eaLnBrk="1" latinLnBrk="0" hangingPunct="1">
-              <a:defRPr sz="1800" kern="1200">
-                <a:solidFill>
-                  <a:schemeClr val="tx1"/>
-                </a:solidFill>
-                <a:latin typeface="+mn-lt"/>
-                <a:ea typeface="+mn-ea"/>
-                <a:cs typeface="+mn-cs"/>
-              </a:defRPr>
-            </a:lvl9pPr>
-          </a:lstStyle>
-          <a:p>
-            <a:r>
-              <a:rPr lang="en-US" sz="2400" dirty="0" smtClean="0">
-                <a:solidFill>
-                  <a:schemeClr val="bg1"/>
-                </a:solidFill>
-              </a:rPr>
-              <a:t>Mohammed </a:t>
-            </a:r>
-            <a:r>
-              <a:rPr lang="en-US" sz="2400" dirty="0" err="1" smtClean="0">
-                <a:solidFill>
-                  <a:schemeClr val="bg1"/>
-                </a:solidFill>
-              </a:rPr>
-              <a:t>Hasan</a:t>
-            </a:r>
-            <a:endParaRPr lang="en-US" sz="2400" dirty="0">
-              <a:solidFill>
-                <a:schemeClr val="bg1"/>
-              </a:solidFill>
-            </a:endParaRPr>
-          </a:p>
-        </p:txBody>
-      </p:sp>
-      <p:sp>
-        <p:nvSpPr>
-          <p:cNvPr id="6" name="Rectangle 5"/>
-          <p:cNvSpPr/>
-          <p:nvPr/>
-        </p:nvSpPr>
-        <p:spPr>
-          <a:xfrm>
-            <a:off x="4210399" y="2274570"/>
-            <a:ext cx="3771201" cy="1548531"/>
-          </a:xfrm>
-          <a:prstGeom prst="rect">
-            <a:avLst/>
-          </a:prstGeom>
-        </p:spPr>
-        <p:txBody>
-          <a:bodyPr/>
-          <a:lstStyle/>
-          <a:p>
-            <a:pPr lvl="0"/>
-            <a:r>
-              <a:rPr lang="en-US" sz="9600" dirty="0">
-                <a:solidFill>
-                  <a:srgbClr val="004868"/>
-                </a:solidFill>
-                <a:cs typeface="(A) Arslan Wessam A" panose="03020402040406030203" pitchFamily="66" charset="-78"/>
-              </a:rPr>
-              <a:t> </a:t>
-            </a:r>
-            <a:r>
-              <a:rPr lang="en-US" sz="9600" dirty="0" smtClean="0">
-                <a:solidFill>
-                  <a:srgbClr val="004868"/>
-                </a:solidFill>
-                <a:cs typeface="(A) Arslan Wessam A" panose="03020402040406030203" pitchFamily="66" charset="-78"/>
-              </a:rPr>
-              <a:t>Q &amp; A</a:t>
-            </a:r>
-            <a:endParaRPr lang="en-US" sz="9600" dirty="0">
-              <a:solidFill>
-                <a:srgbClr val="004868"/>
-              </a:solidFill>
-              <a:cs typeface="(A) Arslan Wessam A" panose="03020402040406030203" pitchFamily="66" charset="-78"/>
-            </a:endParaRPr>
-          </a:p>
-        </p:txBody>
-      </p:sp>
-      <p:sp>
-        <p:nvSpPr>
-          <p:cNvPr id="10" name="Date Placeholder 10"/>
-          <p:cNvSpPr>
-            <a:spLocks noGrp="1"/>
-          </p:cNvSpPr>
-          <p:nvPr>
-            <p:ph type="dt" sz="half" idx="10"/>
-          </p:nvPr>
-        </p:nvSpPr>
-        <p:spPr>
-          <a:xfrm>
-            <a:off x="838200" y="6356350"/>
-            <a:ext cx="2743200" cy="365125"/>
-          </a:xfrm>
-        </p:spPr>
-        <p:txBody>
-          <a:bodyPr/>
-          <a:lstStyle/>
-          <a:p>
-            <a:fld id="{937D9445-FE1F-4C31-8DAB-30713F6C4372}" type="datetime1">
-              <a:rPr lang="en-US" sz="2400" smtClean="0">
-                <a:solidFill>
-                  <a:schemeClr val="bg1"/>
-                </a:solidFill>
-              </a:rPr>
-              <a:t>12/11/2021</a:t>
-            </a:fld>
-            <a:endParaRPr lang="en-US" sz="2400" dirty="0">
-              <a:solidFill>
-                <a:schemeClr val="bg1"/>
-              </a:solidFill>
-            </a:endParaRPr>
-          </a:p>
-        </p:txBody>
-      </p:sp>
-      <p:sp>
-        <p:nvSpPr>
-          <p:cNvPr id="12" name="Slide Number Placeholder 7"/>
-          <p:cNvSpPr>
-            <a:spLocks noGrp="1"/>
-          </p:cNvSpPr>
-          <p:nvPr>
-            <p:ph type="sldNum" sz="quarter" idx="12"/>
-          </p:nvPr>
-        </p:nvSpPr>
-        <p:spPr>
-          <a:xfrm>
-            <a:off x="8627767" y="6356350"/>
-            <a:ext cx="2743200" cy="365125"/>
-          </a:xfrm>
-        </p:spPr>
-        <p:txBody>
-          <a:bodyPr/>
-          <a:lstStyle/>
-          <a:p>
-            <a:r>
-              <a:rPr lang="en-US" sz="2400" dirty="0" smtClean="0">
-                <a:solidFill>
-                  <a:schemeClr val="bg1"/>
-                </a:solidFill>
-              </a:rPr>
-              <a:t>7</a:t>
-            </a:r>
-            <a:endParaRPr lang="en-US" sz="2400" dirty="0">
-              <a:solidFill>
-                <a:schemeClr val="bg1"/>
-              </a:solidFill>
-            </a:endParaRPr>
-          </a:p>
-        </p:txBody>
-      </p:sp>
-    </p:spTree>
-    <p:extLst>
-      <p:ext uri="{BB962C8B-B14F-4D97-AF65-F5344CB8AC3E}">
-        <p14:creationId xmlns:p14="http://schemas.microsoft.com/office/powerpoint/2010/main" val="2798838356"/>
-      </p:ext>
-    </p:extLst>
-  </p:cSld>
-  <p:clrMapOvr>
-    <a:masterClrMapping/>
-  </p:clrMapOvr>
-  <p:transition spd="slow">
-    <p:cover/>
-  </p:transition>
-  <p:timing>
-    <p:tnLst>
-      <p:par>
-        <p:cTn id="1" dur="indefinite" restart="never" nodeType="tmRoot">
-          <p:childTnLst>
-            <p:seq concurrent="1" nextAc="seek">
-              <p:cTn id="2" dur="indefinite" nodeType="mainSeq">
-                <p:childTnLst>
-                  <p:par>
-                    <p:cTn id="3" fill="hold">
-                      <p:stCondLst>
-                        <p:cond delay="indefinite"/>
-                      </p:stCondLst>
-                      <p:childTnLst>
-                        <p:par>
-                          <p:cTn id="4" fill="hold">
-                            <p:stCondLst>
-                              <p:cond delay="0"/>
-                            </p:stCondLst>
-                            <p:childTnLst>
-                              <p:par>
-                                <p:cTn id="5" presetID="1" presetClass="entr" presetSubtype="0" fill="hold" grpId="0" nodeType="clickEffect">
-                                  <p:stCondLst>
-                                    <p:cond delay="0"/>
-                                  </p:stCondLst>
-                                  <p:childTnLst>
-                                    <p:set>
-                                      <p:cBhvr>
-                                        <p:cTn id="6" dur="1" fill="hold">
-                                          <p:stCondLst>
-                                            <p:cond delay="0"/>
-                                          </p:stCondLst>
-                                        </p:cTn>
-                                        <p:tgtEl>
-                                          <p:spTgt spid="6">
-                                            <p:txEl>
-                                              <p:pRg st="0" end="0"/>
-                                            </p:txEl>
-                                          </p:spTgt>
-                                        </p:tgtEl>
-                                        <p:attrNameLst>
-                                          <p:attrName>style.visibility</p:attrName>
-                                        </p:attrNameLst>
-                                      </p:cBhvr>
-                                      <p:to>
-                                        <p:strVal val="visible"/>
-                                      </p:to>
-                                    </p:set>
-                                  </p:childTnLst>
-                                  <p:subTnLst>
-                                    <p:animClr clrSpc="rgb" dir="cw">
-                                      <p:cBhvr override="childStyle">
-                                        <p:cTn dur="1" fill="hold" display="0" masterRel="nextClick" afterEffect="1"/>
-                                        <p:tgtEl>
-                                          <p:spTgt spid="6">
-                                            <p:txEl>
-                                              <p:pRg st="0" end="0"/>
-                                            </p:txEl>
-                                          </p:spTgt>
-                                        </p:tgtEl>
-                                        <p:attrNameLst>
-                                          <p:attrName>ppt_c</p:attrName>
-                                        </p:attrNameLst>
-                                      </p:cBhvr>
-                                      <p:to>
-                                        <a:srgbClr val="828282"/>
-                                      </p:to>
-                                    </p:animClr>
-                                  </p:subTnLst>
-                                </p:cTn>
-                              </p:par>
-                            </p:childTnLst>
-                          </p:cTn>
-                        </p:par>
-                      </p:childTnLst>
-                    </p:cTn>
-                  </p:par>
-                </p:childTnLst>
-              </p:cTn>
-              <p:prevCondLst>
-                <p:cond evt="onPrev" delay="0">
-                  <p:tgtEl>
-                    <p:sldTgt/>
-                  </p:tgtEl>
-                </p:cond>
-              </p:prevCondLst>
-              <p:nextCondLst>
-                <p:cond evt="onNext" delay="0">
-                  <p:tgtEl>
-                    <p:sldTgt/>
-                  </p:tgtEl>
-                </p:cond>
-              </p:nextCondLst>
-            </p:seq>
-          </p:childTnLst>
-        </p:cTn>
-      </p:par>
-    </p:tnLst>
-    <p:bldLst>
-      <p:bldP spid="6" grpId="0" build="p"/>
-    </p:bldLst>
-  </p:timing>
-</p:sld>
-</file>
-
-<file path=ppt/slides/slide8.xml><?xml version="1.0" encoding="utf-8"?>
-<p:sld xmlns:a="http://schemas.openxmlformats.org/drawingml/2006/main" xmlns:r="http://schemas.openxmlformats.org/officeDocument/2006/relationships" xmlns:p="http://schemas.openxmlformats.org/presentationml/2006/main">
-  <p:cSld>
-    <p:spTree>
-      <p:nvGrpSpPr>
-        <p:cNvPr id="1" name=""/>
-        <p:cNvGrpSpPr/>
-        <p:nvPr/>
-      </p:nvGrpSpPr>
-      <p:grpSpPr>
-        <a:xfrm>
-          <a:off x="0" y="0"/>
-          <a:ext cx="0" cy="0"/>
-          <a:chOff x="0" y="0"/>
-          <a:chExt cx="0" cy="0"/>
-        </a:xfrm>
-      </p:grpSpPr>
-      <p:sp>
-        <p:nvSpPr>
-          <p:cNvPr id="4" name="Title 3"/>
-          <p:cNvSpPr>
-            <a:spLocks noGrp="1"/>
-          </p:cNvSpPr>
-          <p:nvPr>
-            <p:ph type="ctrTitle"/>
-          </p:nvPr>
-        </p:nvSpPr>
-        <p:spPr>
-          <a:xfrm>
-            <a:off x="1532583" y="2325532"/>
-            <a:ext cx="9144000" cy="676147"/>
-          </a:xfrm>
-        </p:spPr>
-        <p:txBody>
-          <a:bodyPr>
-            <a:normAutofit fontScale="90000"/>
-          </a:bodyPr>
-          <a:lstStyle/>
-          <a:p>
-            <a:r>
-              <a:rPr lang="en-US" sz="4400" b="1" dirty="0" smtClean="0">
-                <a:solidFill>
-                  <a:srgbClr val="00567E"/>
-                </a:solidFill>
-              </a:rPr>
-              <a:t>Thanks for Watching</a:t>
-            </a:r>
-            <a:endParaRPr lang="en-US" sz="4400" b="1" dirty="0">
-              <a:solidFill>
-                <a:srgbClr val="00567E"/>
-              </a:solidFill>
-            </a:endParaRPr>
-          </a:p>
-        </p:txBody>
-      </p:sp>
-      <p:sp>
-        <p:nvSpPr>
-          <p:cNvPr id="6" name="Subtitle 5"/>
-          <p:cNvSpPr>
-            <a:spLocks noGrp="1"/>
-          </p:cNvSpPr>
-          <p:nvPr>
-            <p:ph type="subTitle" idx="1"/>
-          </p:nvPr>
-        </p:nvSpPr>
-        <p:spPr>
-          <a:xfrm>
-            <a:off x="1252152" y="3001679"/>
-            <a:ext cx="9144000" cy="1655762"/>
-          </a:xfrm>
-        </p:spPr>
-        <p:txBody>
-          <a:bodyPr/>
-          <a:lstStyle/>
-          <a:p>
-            <a:r>
-              <a:rPr lang="en-US" dirty="0" smtClean="0">
-                <a:solidFill>
-                  <a:srgbClr val="00567E"/>
-                </a:solidFill>
-              </a:rPr>
-              <a:t>Contact: 0xMohamedHasan </a:t>
-            </a:r>
-            <a:endParaRPr lang="en-US" dirty="0">
-              <a:solidFill>
-                <a:srgbClr val="00567E"/>
-              </a:solidFill>
-            </a:endParaRPr>
-          </a:p>
-        </p:txBody>
-      </p:sp>
-      <p:pic>
-        <p:nvPicPr>
-          <p:cNvPr id="9" name="Picture 8"/>
-          <p:cNvPicPr>
-            <a:picLocks noChangeAspect="1"/>
-          </p:cNvPicPr>
-          <p:nvPr/>
-        </p:nvPicPr>
-        <p:blipFill>
-          <a:blip r:embed="rId3">
-            <a:extLst>
-              <a:ext uri="{28A0092B-C50C-407E-A947-70E740481C1C}">
-                <a14:useLocalDpi xmlns:a14="http://schemas.microsoft.com/office/drawing/2010/main" val="0"/>
-              </a:ext>
-            </a:extLst>
-          </a:blip>
-          <a:stretch>
-            <a:fillRect/>
-          </a:stretch>
-        </p:blipFill>
-        <p:spPr>
-          <a:xfrm>
-            <a:off x="0" y="6228460"/>
-            <a:ext cx="12192000" cy="671785"/>
-          </a:xfrm>
-          <a:prstGeom prst="rect">
-            <a:avLst/>
-          </a:prstGeom>
-        </p:spPr>
-      </p:pic>
-      <p:sp>
-        <p:nvSpPr>
-          <p:cNvPr id="10" name="Footer Placeholder 4">
-            <a:extLst>
-              <a:ext uri="{FF2B5EF4-FFF2-40B4-BE49-F238E27FC236}">
-                <a16:creationId xmlns="" xmlns:a16="http://schemas.microsoft.com/office/drawing/2014/main" xmlns:lc="http://schemas.openxmlformats.org/drawingml/2006/lockedCanvas" id="{59271489-1EC6-0D4E-BF28-047FF1DDB132}"/>
-              </a:ext>
-            </a:extLst>
-          </p:cNvPr>
-          <p:cNvSpPr>
-            <a:spLocks noGrp="1"/>
-          </p:cNvSpPr>
-          <p:nvPr/>
-        </p:nvSpPr>
-        <p:spPr>
-          <a:xfrm>
-            <a:off x="4507604" y="6381789"/>
-            <a:ext cx="3193961" cy="365125"/>
-          </a:xfrm>
-          <a:prstGeom prst="rect">
-            <a:avLst/>
-          </a:prstGeom>
-        </p:spPr>
-        <p:txBody>
-          <a:bodyPr vert="horz" lIns="91440" tIns="45720" rIns="91440" bIns="45720" rtlCol="0" anchor="ctr"/>
-          <a:lstStyle>
-            <a:defPPr>
-              <a:defRPr lang="en-US"/>
-            </a:defPPr>
-            <a:lvl1pPr marL="0" algn="ctr" defTabSz="914400" rtl="0" eaLnBrk="1" latinLnBrk="0" hangingPunct="1">
-              <a:defRPr sz="1200" kern="1200">
-                <a:solidFill>
-                  <a:schemeClr val="tx1">
-                    <a:tint val="75000"/>
-                  </a:schemeClr>
-                </a:solidFill>
-                <a:latin typeface="+mn-lt"/>
-                <a:ea typeface="+mn-ea"/>
-                <a:cs typeface="+mn-cs"/>
-              </a:defRPr>
-            </a:lvl1pPr>
-            <a:lvl2pPr marL="457200" algn="l" defTabSz="914400" rtl="0" eaLnBrk="1" latinLnBrk="0" hangingPunct="1">
-              <a:defRPr sz="1800" kern="1200">
-                <a:solidFill>
-                  <a:schemeClr val="tx1"/>
-                </a:solidFill>
-                <a:latin typeface="+mn-lt"/>
-                <a:ea typeface="+mn-ea"/>
-                <a:cs typeface="+mn-cs"/>
-              </a:defRPr>
-            </a:lvl2pPr>
-            <a:lvl3pPr marL="914400" algn="l" defTabSz="914400" rtl="0" eaLnBrk="1" latinLnBrk="0" hangingPunct="1">
-              <a:defRPr sz="1800" kern="1200">
-                <a:solidFill>
-                  <a:schemeClr val="tx1"/>
-                </a:solidFill>
-                <a:latin typeface="+mn-lt"/>
-                <a:ea typeface="+mn-ea"/>
-                <a:cs typeface="+mn-cs"/>
-              </a:defRPr>
-            </a:lvl3pPr>
-            <a:lvl4pPr marL="1371600" algn="l" defTabSz="914400" rtl="0" eaLnBrk="1" latinLnBrk="0" hangingPunct="1">
-              <a:defRPr sz="1800" kern="1200">
-                <a:solidFill>
-                  <a:schemeClr val="tx1"/>
-                </a:solidFill>
-                <a:latin typeface="+mn-lt"/>
-                <a:ea typeface="+mn-ea"/>
-                <a:cs typeface="+mn-cs"/>
-              </a:defRPr>
-            </a:lvl4pPr>
-            <a:lvl5pPr marL="1828800" algn="l" defTabSz="914400" rtl="0" eaLnBrk="1" latinLnBrk="0" hangingPunct="1">
-              <a:defRPr sz="1800" kern="1200">
-                <a:solidFill>
-                  <a:schemeClr val="tx1"/>
-                </a:solidFill>
-                <a:latin typeface="+mn-lt"/>
-                <a:ea typeface="+mn-ea"/>
-                <a:cs typeface="+mn-cs"/>
-              </a:defRPr>
-            </a:lvl5pPr>
-            <a:lvl6pPr marL="2286000" algn="l" defTabSz="914400" rtl="0" eaLnBrk="1" latinLnBrk="0" hangingPunct="1">
-              <a:defRPr sz="1800" kern="1200">
-                <a:solidFill>
-                  <a:schemeClr val="tx1"/>
-                </a:solidFill>
-                <a:latin typeface="+mn-lt"/>
-                <a:ea typeface="+mn-ea"/>
-                <a:cs typeface="+mn-cs"/>
-              </a:defRPr>
-            </a:lvl6pPr>
-            <a:lvl7pPr marL="2743200" algn="l" defTabSz="914400" rtl="0" eaLnBrk="1" latinLnBrk="0" hangingPunct="1">
-              <a:defRPr sz="1800" kern="1200">
-                <a:solidFill>
-                  <a:schemeClr val="tx1"/>
-                </a:solidFill>
-                <a:latin typeface="+mn-lt"/>
-                <a:ea typeface="+mn-ea"/>
-                <a:cs typeface="+mn-cs"/>
-              </a:defRPr>
-            </a:lvl7pPr>
-            <a:lvl8pPr marL="3200400" algn="l" defTabSz="914400" rtl="0" eaLnBrk="1" latinLnBrk="0" hangingPunct="1">
-              <a:defRPr sz="1800" kern="1200">
-                <a:solidFill>
-                  <a:schemeClr val="tx1"/>
-                </a:solidFill>
-                <a:latin typeface="+mn-lt"/>
-                <a:ea typeface="+mn-ea"/>
-                <a:cs typeface="+mn-cs"/>
-              </a:defRPr>
-            </a:lvl8pPr>
-            <a:lvl9pPr marL="3657600" algn="l" defTabSz="914400" rtl="0" eaLnBrk="1" latinLnBrk="0" hangingPunct="1">
-              <a:defRPr sz="1800" kern="1200">
-                <a:solidFill>
-                  <a:schemeClr val="tx1"/>
-                </a:solidFill>
-                <a:latin typeface="+mn-lt"/>
-                <a:ea typeface="+mn-ea"/>
-                <a:cs typeface="+mn-cs"/>
-              </a:defRPr>
-            </a:lvl9pPr>
-          </a:lstStyle>
-          <a:p>
-            <a:r>
-              <a:rPr lang="en-US" sz="2400" dirty="0" smtClean="0">
-                <a:solidFill>
-                  <a:schemeClr val="bg1"/>
-                </a:solidFill>
-              </a:rPr>
-              <a:t>Mohammed </a:t>
-            </a:r>
-            <a:r>
-              <a:rPr lang="en-US" sz="2400" dirty="0" err="1" smtClean="0">
-                <a:solidFill>
-                  <a:schemeClr val="bg1"/>
-                </a:solidFill>
-              </a:rPr>
-              <a:t>Hasan</a:t>
-            </a:r>
-            <a:endParaRPr lang="en-US" sz="2400" dirty="0">
-              <a:solidFill>
-                <a:schemeClr val="bg1"/>
-              </a:solidFill>
-            </a:endParaRPr>
-          </a:p>
-        </p:txBody>
-      </p:sp>
-      <p:sp>
-        <p:nvSpPr>
-          <p:cNvPr id="12" name="Date Placeholder 10"/>
-          <p:cNvSpPr>
-            <a:spLocks noGrp="1"/>
-          </p:cNvSpPr>
-          <p:nvPr>
-            <p:ph type="dt" sz="half" idx="10"/>
-          </p:nvPr>
-        </p:nvSpPr>
-        <p:spPr>
-          <a:xfrm>
-            <a:off x="838200" y="6356350"/>
-            <a:ext cx="2743200" cy="365125"/>
-          </a:xfrm>
-        </p:spPr>
-        <p:txBody>
-          <a:bodyPr/>
-          <a:lstStyle/>
-          <a:p>
-            <a:fld id="{67470675-7A47-4B71-8483-630FB94916F1}" type="datetime1">
-              <a:rPr lang="en-US" sz="2400" smtClean="0">
-                <a:solidFill>
-                  <a:schemeClr val="bg1"/>
-                </a:solidFill>
-              </a:rPr>
-              <a:t>12/11/2021</a:t>
-            </a:fld>
-            <a:endParaRPr lang="en-US" sz="2400" dirty="0">
-              <a:solidFill>
-                <a:schemeClr val="bg1"/>
-              </a:solidFill>
-            </a:endParaRPr>
-          </a:p>
-        </p:txBody>
-      </p:sp>
-      <p:sp>
-        <p:nvSpPr>
-          <p:cNvPr id="13" name="Slide Number Placeholder 7"/>
-          <p:cNvSpPr>
-            <a:spLocks noGrp="1"/>
-          </p:cNvSpPr>
-          <p:nvPr>
-            <p:ph type="sldNum" sz="quarter" idx="12"/>
-          </p:nvPr>
-        </p:nvSpPr>
-        <p:spPr>
-          <a:xfrm>
-            <a:off x="8627767" y="6356350"/>
-            <a:ext cx="2743200" cy="365125"/>
-          </a:xfrm>
-        </p:spPr>
-        <p:txBody>
-          <a:bodyPr/>
-          <a:lstStyle/>
-          <a:p>
-            <a:r>
-              <a:rPr lang="en-US" sz="2400" dirty="0" smtClean="0">
-                <a:solidFill>
-                  <a:schemeClr val="bg1"/>
-                </a:solidFill>
-              </a:rPr>
-              <a:t>5</a:t>
-            </a:r>
-            <a:endParaRPr lang="en-US" sz="2400" dirty="0">
-              <a:solidFill>
-                <a:schemeClr val="bg1"/>
-              </a:solidFill>
-            </a:endParaRPr>
-          </a:p>
-        </p:txBody>
-      </p:sp>
-      <p:pic>
-        <p:nvPicPr>
-          <p:cNvPr id="3" name="Picture 2"/>
-          <p:cNvPicPr>
-            <a:picLocks noChangeAspect="1"/>
-          </p:cNvPicPr>
-          <p:nvPr/>
-        </p:nvPicPr>
-        <p:blipFill>
-          <a:blip r:embed="rId4">
-            <a:extLst>
-              <a:ext uri="{28A0092B-C50C-407E-A947-70E740481C1C}">
-                <a14:useLocalDpi xmlns:a14="http://schemas.microsoft.com/office/drawing/2010/main" val="0"/>
-              </a:ext>
-            </a:extLst>
-          </a:blip>
-          <a:stretch>
-            <a:fillRect/>
-          </a:stretch>
-        </p:blipFill>
-        <p:spPr>
-          <a:xfrm>
-            <a:off x="7707883" y="3113227"/>
-            <a:ext cx="203175" cy="203175"/>
-          </a:xfrm>
-          <a:prstGeom prst="rect">
-            <a:avLst/>
-          </a:prstGeom>
-        </p:spPr>
-      </p:pic>
-      <p:pic>
-        <p:nvPicPr>
-          <p:cNvPr id="14" name="Picture 13"/>
-          <p:cNvPicPr>
-            <a:picLocks noChangeAspect="1"/>
-          </p:cNvPicPr>
-          <p:nvPr/>
-        </p:nvPicPr>
-        <p:blipFill>
-          <a:blip r:embed="rId5" cstate="print">
-            <a:extLst>
-              <a:ext uri="{28A0092B-C50C-407E-A947-70E740481C1C}">
-                <a14:useLocalDpi xmlns:a14="http://schemas.microsoft.com/office/drawing/2010/main" val="0"/>
-              </a:ext>
-            </a:extLst>
-          </a:blip>
-          <a:stretch>
-            <a:fillRect/>
-          </a:stretch>
-        </p:blipFill>
-        <p:spPr>
-          <a:xfrm>
-            <a:off x="8004443" y="3113227"/>
-            <a:ext cx="203175" cy="203175"/>
-          </a:xfrm>
-          <a:prstGeom prst="rect">
-            <a:avLst/>
-          </a:prstGeom>
-        </p:spPr>
-      </p:pic>
-    </p:spTree>
-    <p:extLst>
-      <p:ext uri="{BB962C8B-B14F-4D97-AF65-F5344CB8AC3E}">
-        <p14:creationId xmlns:p14="http://schemas.microsoft.com/office/powerpoint/2010/main" val="866324715"/>
-      </p:ext>
-    </p:extLst>
-  </p:cSld>
-  <p:clrMapOvr>
-    <a:masterClrMapping/>
-  </p:clrMapOvr>
-  <p:transition spd="slow">
-    <p:cover/>
-  </p:transition>
-  <p:timing>
-    <p:tnLst>
-      <p:par>
-        <p:cTn id="1" dur="indefinite" restart="never" nodeType="tmRoot"/>
-      </p:par>
-    </p:tnLst>
   </p:timing>
 </p:sld>
 </file>
@@ -10909,4 +13521,47 @@
     </a:ext>
   </a:extLst>
 </a:theme>
+</file>
+
+<file path=ppt/theme/themeOverride1.xml><?xml version="1.0" encoding="utf-8"?>
+<a:themeOverride xmlns:a="http://schemas.openxmlformats.org/drawingml/2006/main">
+  <a:clrScheme name="Office">
+    <a:dk1>
+      <a:sysClr val="windowText" lastClr="000000"/>
+    </a:dk1>
+    <a:lt1>
+      <a:sysClr val="window" lastClr="FFFFFF"/>
+    </a:lt1>
+    <a:dk2>
+      <a:srgbClr val="44546A"/>
+    </a:dk2>
+    <a:lt2>
+      <a:srgbClr val="E7E6E6"/>
+    </a:lt2>
+    <a:accent1>
+      <a:srgbClr val="5B9BD5"/>
+    </a:accent1>
+    <a:accent2>
+      <a:srgbClr val="ED7D31"/>
+    </a:accent2>
+    <a:accent3>
+      <a:srgbClr val="A5A5A5"/>
+    </a:accent3>
+    <a:accent4>
+      <a:srgbClr val="FFC000"/>
+    </a:accent4>
+    <a:accent5>
+      <a:srgbClr val="4472C4"/>
+    </a:accent5>
+    <a:accent6>
+      <a:srgbClr val="70AD47"/>
+    </a:accent6>
+    <a:hlink>
+      <a:srgbClr val="0563C1"/>
+    </a:hlink>
+    <a:folHlink>
+      <a:srgbClr val="954F72"/>
+    </a:folHlink>
+  </a:clrScheme>
+</a:themeOverride>
 </file>
--- a/Talks/INSEC/INSEC.pptx
+++ b/Talks/INSEC/INSEC.pptx
@@ -5,23 +5,22 @@
     <p:sldMasterId id="2147483648" r:id="rId1"/>
   </p:sldMasterIdLst>
   <p:notesMasterIdLst>
-    <p:notesMasterId r:id="rId13"/>
+    <p:notesMasterId r:id="rId12"/>
   </p:notesMasterIdLst>
   <p:handoutMasterIdLst>
-    <p:handoutMasterId r:id="rId14"/>
+    <p:handoutMasterId r:id="rId13"/>
   </p:handoutMasterIdLst>
   <p:sldIdLst>
     <p:sldId id="256" r:id="rId2"/>
     <p:sldId id="257" r:id="rId3"/>
-    <p:sldId id="262" r:id="rId4"/>
+    <p:sldId id="270" r:id="rId4"/>
     <p:sldId id="269" r:id="rId5"/>
     <p:sldId id="267" r:id="rId6"/>
     <p:sldId id="263" r:id="rId7"/>
-    <p:sldId id="264" r:id="rId8"/>
-    <p:sldId id="268" r:id="rId9"/>
+    <p:sldId id="268" r:id="rId8"/>
+    <p:sldId id="264" r:id="rId9"/>
     <p:sldId id="265" r:id="rId10"/>
-    <p:sldId id="266" r:id="rId11"/>
-    <p:sldId id="261" r:id="rId12"/>
+    <p:sldId id="261" r:id="rId11"/>
   </p:sldIdLst>
   <p:sldSz cx="12192000" cy="6858000"/>
   <p:notesSz cx="6858000" cy="9144000"/>
@@ -210,7 +209,7 @@
           <a:p>
             <a:fld id="{E2550AA1-0A13-494E-BD57-EF27E9A45890}" type="datetimeFigureOut">
               <a:rPr lang="en-US" smtClean="0"/>
-              <a:t>12/13/2021</a:t>
+              <a:t>12/16/2021</a:t>
             </a:fld>
             <a:endParaRPr lang="en-US"/>
           </a:p>
@@ -375,7 +374,7 @@
           <a:p>
             <a:fld id="{09221A00-58B4-4D77-9CE7-FBE288287E2D}" type="datetimeFigureOut">
               <a:rPr lang="en-US" smtClean="0"/>
-              <a:t>12/13/2021</a:t>
+              <a:t>12/16/2021</a:t>
             </a:fld>
             <a:endParaRPr lang="en-US"/>
           </a:p>
@@ -801,90 +800,6 @@
     </p:spTree>
     <p:extLst>
       <p:ext uri="{BB962C8B-B14F-4D97-AF65-F5344CB8AC3E}">
-        <p14:creationId xmlns:p14="http://schemas.microsoft.com/office/powerpoint/2010/main" val="733501479"/>
-      </p:ext>
-    </p:extLst>
-  </p:cSld>
-  <p:clrMapOvr>
-    <a:masterClrMapping/>
-  </p:clrMapOvr>
-</p:notes>
-</file>
-
-<file path=ppt/notesSlides/notesSlide11.xml><?xml version="1.0" encoding="utf-8"?>
-<p:notes xmlns:a="http://schemas.openxmlformats.org/drawingml/2006/main" xmlns:r="http://schemas.openxmlformats.org/officeDocument/2006/relationships" xmlns:p="http://schemas.openxmlformats.org/presentationml/2006/main">
-  <p:cSld>
-    <p:spTree>
-      <p:nvGrpSpPr>
-        <p:cNvPr id="1" name=""/>
-        <p:cNvGrpSpPr/>
-        <p:nvPr/>
-      </p:nvGrpSpPr>
-      <p:grpSpPr>
-        <a:xfrm>
-          <a:off x="0" y="0"/>
-          <a:ext cx="0" cy="0"/>
-          <a:chOff x="0" y="0"/>
-          <a:chExt cx="0" cy="0"/>
-        </a:xfrm>
-      </p:grpSpPr>
-      <p:sp>
-        <p:nvSpPr>
-          <p:cNvPr id="2" name="Slide Image Placeholder 1"/>
-          <p:cNvSpPr>
-            <a:spLocks noGrp="1" noRot="1" noChangeAspect="1"/>
-          </p:cNvSpPr>
-          <p:nvPr>
-            <p:ph type="sldImg"/>
-          </p:nvPr>
-        </p:nvSpPr>
-        <p:spPr/>
-      </p:sp>
-      <p:sp>
-        <p:nvSpPr>
-          <p:cNvPr id="3" name="Notes Placeholder 2"/>
-          <p:cNvSpPr>
-            <a:spLocks noGrp="1"/>
-          </p:cNvSpPr>
-          <p:nvPr>
-            <p:ph type="body" idx="1"/>
-          </p:nvPr>
-        </p:nvSpPr>
-        <p:spPr/>
-        <p:txBody>
-          <a:bodyPr/>
-          <a:lstStyle/>
-          <a:p>
-            <a:endParaRPr lang="en-US"/>
-          </a:p>
-        </p:txBody>
-      </p:sp>
-      <p:sp>
-        <p:nvSpPr>
-          <p:cNvPr id="4" name="Slide Number Placeholder 3"/>
-          <p:cNvSpPr>
-            <a:spLocks noGrp="1"/>
-          </p:cNvSpPr>
-          <p:nvPr>
-            <p:ph type="sldNum" sz="quarter" idx="10"/>
-          </p:nvPr>
-        </p:nvSpPr>
-        <p:spPr/>
-        <p:txBody>
-          <a:bodyPr/>
-          <a:lstStyle/>
-          <a:p>
-            <a:fld id="{3F493868-2E1D-468C-B1A9-AF89E5C129FE}" type="slidenum">
-              <a:rPr lang="en-US" smtClean="0"/>
-              <a:t>11</a:t>
-            </a:fld>
-            <a:endParaRPr lang="en-US"/>
-          </a:p>
-        </p:txBody>
-      </p:sp>
-    </p:spTree>
-    <p:extLst>
-      <p:ext uri="{BB962C8B-B14F-4D97-AF65-F5344CB8AC3E}">
         <p14:creationId xmlns:p14="http://schemas.microsoft.com/office/powerpoint/2010/main" val="3691647033"/>
       </p:ext>
     </p:extLst>
@@ -1053,7 +968,7 @@
     </p:spTree>
     <p:extLst>
       <p:ext uri="{BB962C8B-B14F-4D97-AF65-F5344CB8AC3E}">
-        <p14:creationId xmlns:p14="http://schemas.microsoft.com/office/powerpoint/2010/main" val="2435752384"/>
+        <p14:creationId xmlns:p14="http://schemas.microsoft.com/office/powerpoint/2010/main" val="2079978624"/>
       </p:ext>
     </p:extLst>
   </p:cSld>
@@ -1389,7 +1304,7 @@
     </p:spTree>
     <p:extLst>
       <p:ext uri="{BB962C8B-B14F-4D97-AF65-F5344CB8AC3E}">
-        <p14:creationId xmlns:p14="http://schemas.microsoft.com/office/powerpoint/2010/main" val="1536967903"/>
+        <p14:creationId xmlns:p14="http://schemas.microsoft.com/office/powerpoint/2010/main" val="1027840677"/>
       </p:ext>
     </p:extLst>
   </p:cSld>
@@ -1473,7 +1388,7 @@
     </p:spTree>
     <p:extLst>
       <p:ext uri="{BB962C8B-B14F-4D97-AF65-F5344CB8AC3E}">
-        <p14:creationId xmlns:p14="http://schemas.microsoft.com/office/powerpoint/2010/main" val="1027840677"/>
+        <p14:creationId xmlns:p14="http://schemas.microsoft.com/office/powerpoint/2010/main" val="1536967903"/>
       </p:ext>
     </p:extLst>
   </p:cSld>
@@ -1698,7 +1613,7 @@
           <a:p>
             <a:fld id="{961BB56B-31A6-4DFF-B40F-0B094C4A4983}" type="datetime1">
               <a:rPr lang="en-US" smtClean="0"/>
-              <a:t>12/13/2021</a:t>
+              <a:t>12/16/2021</a:t>
             </a:fld>
             <a:endParaRPr lang="en-US"/>
           </a:p>
@@ -1875,7 +1790,7 @@
           <a:p>
             <a:fld id="{57C9D9D2-BE1D-45AE-830E-B45658CFEF1D}" type="datetime1">
               <a:rPr lang="en-US" smtClean="0"/>
-              <a:t>12/13/2021</a:t>
+              <a:t>12/16/2021</a:t>
             </a:fld>
             <a:endParaRPr lang="en-US"/>
           </a:p>
@@ -2062,7 +1977,7 @@
           <a:p>
             <a:fld id="{E6342C1A-AE6D-4794-82DD-82DD22A68FB5}" type="datetime1">
               <a:rPr lang="en-US" smtClean="0"/>
-              <a:t>12/13/2021</a:t>
+              <a:t>12/16/2021</a:t>
             </a:fld>
             <a:endParaRPr lang="en-US"/>
           </a:p>
@@ -2239,7 +2154,7 @@
           <a:p>
             <a:fld id="{49FE7BDC-25A4-4F79-AC93-5BA763C6F6FA}" type="datetime1">
               <a:rPr lang="en-US" smtClean="0"/>
-              <a:t>12/13/2021</a:t>
+              <a:t>12/16/2021</a:t>
             </a:fld>
             <a:endParaRPr lang="en-US"/>
           </a:p>
@@ -2492,7 +2407,7 @@
           <a:p>
             <a:fld id="{0F9E253E-4B06-42F3-AF62-81984EE0FDC5}" type="datetime1">
               <a:rPr lang="en-US" smtClean="0"/>
-              <a:t>12/13/2021</a:t>
+              <a:t>12/16/2021</a:t>
             </a:fld>
             <a:endParaRPr lang="en-US"/>
           </a:p>
@@ -2731,7 +2646,7 @@
           <a:p>
             <a:fld id="{B7062DC4-8C2E-40A5-9A5C-58188655EBB5}" type="datetime1">
               <a:rPr lang="en-US" smtClean="0"/>
-              <a:t>12/13/2021</a:t>
+              <a:t>12/16/2021</a:t>
             </a:fld>
             <a:endParaRPr lang="en-US"/>
           </a:p>
@@ -3105,7 +3020,7 @@
           <a:p>
             <a:fld id="{FFF2E6B8-8FD0-4565-923E-EFF2AE4E6BD5}" type="datetime1">
               <a:rPr lang="en-US" smtClean="0"/>
-              <a:t>12/13/2021</a:t>
+              <a:t>12/16/2021</a:t>
             </a:fld>
             <a:endParaRPr lang="en-US"/>
           </a:p>
@@ -3230,7 +3145,7 @@
           <a:p>
             <a:fld id="{8D16FC96-B582-437B-B398-24084CF34CDD}" type="datetime1">
               <a:rPr lang="en-US" smtClean="0"/>
-              <a:t>12/13/2021</a:t>
+              <a:t>12/16/2021</a:t>
             </a:fld>
             <a:endParaRPr lang="en-US"/>
           </a:p>
@@ -3332,7 +3247,7 @@
           <a:p>
             <a:fld id="{95EB9673-CC01-4A93-ACFD-0E28265BE9BA}" type="datetime1">
               <a:rPr lang="en-US" smtClean="0"/>
-              <a:t>12/13/2021</a:t>
+              <a:t>12/16/2021</a:t>
             </a:fld>
             <a:endParaRPr lang="en-US"/>
           </a:p>
@@ -3616,7 +3531,7 @@
           <a:p>
             <a:fld id="{D0D777A3-6219-4C0B-8783-7C7ACD51E2D4}" type="datetime1">
               <a:rPr lang="en-US" smtClean="0"/>
-              <a:t>12/13/2021</a:t>
+              <a:t>12/16/2021</a:t>
             </a:fld>
             <a:endParaRPr lang="en-US"/>
           </a:p>
@@ -3876,7 +3791,7 @@
           <a:p>
             <a:fld id="{27E75847-0761-468E-910C-ACA93E4783D2}" type="datetime1">
               <a:rPr lang="en-US" smtClean="0"/>
-              <a:t>12/13/2021</a:t>
+              <a:t>12/16/2021</a:t>
             </a:fld>
             <a:endParaRPr lang="en-US"/>
           </a:p>
@@ -4096,7 +4011,7 @@
           <a:p>
             <a:fld id="{B7ACB0B2-EB66-4350-827A-37AB2734360B}" type="datetime1">
               <a:rPr lang="en-US" smtClean="0"/>
-              <a:t>12/13/2021</a:t>
+              <a:t>12/16/2021</a:t>
             </a:fld>
             <a:endParaRPr lang="en-US"/>
           </a:p>
@@ -4544,7 +4459,7 @@
           <p:cNvPr id="7" name="Footer Placeholder 4">
             <a:extLst>
               <a:ext uri="{FF2B5EF4-FFF2-40B4-BE49-F238E27FC236}">
-                <a16:creationId xmlns:lc="http://schemas.openxmlformats.org/drawingml/2006/lockedCanvas" xmlns:a16="http://schemas.microsoft.com/office/drawing/2014/main" xmlns="" id="{59271489-1EC6-0D4E-BF28-047FF1DDB132}"/>
+                <a16:creationId xmlns="" xmlns:a16="http://schemas.microsoft.com/office/drawing/2014/main" xmlns:lc="http://schemas.openxmlformats.org/drawingml/2006/lockedCanvas" id="{59271489-1EC6-0D4E-BF28-047FF1DDB132}"/>
               </a:ext>
             </a:extLst>
           </p:cNvPr>
@@ -4768,7 +4683,7 @@
                   <a:schemeClr val="bg1"/>
                 </a:solidFill>
               </a:rPr>
-              <a:t>12/13/2021</a:t>
+              <a:t>12/16/2021</a:t>
             </a:fld>
             <a:endParaRPr lang="en-US" sz="2400" dirty="0">
               <a:solidFill>
@@ -4854,437 +4769,6 @@
           <a:chExt cx="0" cy="0"/>
         </a:xfrm>
       </p:grpSpPr>
-      <p:pic>
-        <p:nvPicPr>
-          <p:cNvPr id="5" name="Picture 4"/>
-          <p:cNvPicPr>
-            <a:picLocks noChangeAspect="1"/>
-          </p:cNvPicPr>
-          <p:nvPr/>
-        </p:nvPicPr>
-        <p:blipFill>
-          <a:blip r:embed="rId3">
-            <a:extLst>
-              <a:ext uri="{28A0092B-C50C-407E-A947-70E740481C1C}">
-                <a14:useLocalDpi xmlns:a14="http://schemas.microsoft.com/office/drawing/2010/main" val="0"/>
-              </a:ext>
-            </a:extLst>
-          </a:blip>
-          <a:stretch>
-            <a:fillRect/>
-          </a:stretch>
-        </p:blipFill>
-        <p:spPr>
-          <a:xfrm>
-            <a:off x="0" y="6228460"/>
-            <a:ext cx="12192000" cy="671785"/>
-          </a:xfrm>
-          <a:prstGeom prst="rect">
-            <a:avLst/>
-          </a:prstGeom>
-        </p:spPr>
-      </p:pic>
-      <p:sp>
-        <p:nvSpPr>
-          <p:cNvPr id="7" name="Footer Placeholder 4">
-            <a:extLst>
-              <a:ext uri="{FF2B5EF4-FFF2-40B4-BE49-F238E27FC236}">
-                <a16:creationId xmlns:lc="http://schemas.openxmlformats.org/drawingml/2006/lockedCanvas" xmlns:a16="http://schemas.microsoft.com/office/drawing/2014/main" xmlns="" id="{59271489-1EC6-0D4E-BF28-047FF1DDB132}"/>
-              </a:ext>
-            </a:extLst>
-          </p:cNvPr>
-          <p:cNvSpPr>
-            <a:spLocks noGrp="1"/>
-          </p:cNvSpPr>
-          <p:nvPr/>
-        </p:nvSpPr>
-        <p:spPr>
-          <a:xfrm>
-            <a:off x="4507604" y="6381789"/>
-            <a:ext cx="3193961" cy="365125"/>
-          </a:xfrm>
-          <a:prstGeom prst="rect">
-            <a:avLst/>
-          </a:prstGeom>
-        </p:spPr>
-        <p:txBody>
-          <a:bodyPr vert="horz" lIns="91440" tIns="45720" rIns="91440" bIns="45720" rtlCol="0" anchor="ctr"/>
-          <a:lstStyle>
-            <a:defPPr>
-              <a:defRPr lang="en-US"/>
-            </a:defPPr>
-            <a:lvl1pPr marL="0" algn="ctr" defTabSz="914400" rtl="0" eaLnBrk="1" latinLnBrk="0" hangingPunct="1">
-              <a:defRPr sz="1200" kern="1200">
-                <a:solidFill>
-                  <a:schemeClr val="tx1">
-                    <a:tint val="75000"/>
-                  </a:schemeClr>
-                </a:solidFill>
-                <a:latin typeface="+mn-lt"/>
-                <a:ea typeface="+mn-ea"/>
-                <a:cs typeface="+mn-cs"/>
-              </a:defRPr>
-            </a:lvl1pPr>
-            <a:lvl2pPr marL="457200" algn="l" defTabSz="914400" rtl="0" eaLnBrk="1" latinLnBrk="0" hangingPunct="1">
-              <a:defRPr sz="1800" kern="1200">
-                <a:solidFill>
-                  <a:schemeClr val="tx1"/>
-                </a:solidFill>
-                <a:latin typeface="+mn-lt"/>
-                <a:ea typeface="+mn-ea"/>
-                <a:cs typeface="+mn-cs"/>
-              </a:defRPr>
-            </a:lvl2pPr>
-            <a:lvl3pPr marL="914400" algn="l" defTabSz="914400" rtl="0" eaLnBrk="1" latinLnBrk="0" hangingPunct="1">
-              <a:defRPr sz="1800" kern="1200">
-                <a:solidFill>
-                  <a:schemeClr val="tx1"/>
-                </a:solidFill>
-                <a:latin typeface="+mn-lt"/>
-                <a:ea typeface="+mn-ea"/>
-                <a:cs typeface="+mn-cs"/>
-              </a:defRPr>
-            </a:lvl3pPr>
-            <a:lvl4pPr marL="1371600" algn="l" defTabSz="914400" rtl="0" eaLnBrk="1" latinLnBrk="0" hangingPunct="1">
-              <a:defRPr sz="1800" kern="1200">
-                <a:solidFill>
-                  <a:schemeClr val="tx1"/>
-                </a:solidFill>
-                <a:latin typeface="+mn-lt"/>
-                <a:ea typeface="+mn-ea"/>
-                <a:cs typeface="+mn-cs"/>
-              </a:defRPr>
-            </a:lvl4pPr>
-            <a:lvl5pPr marL="1828800" algn="l" defTabSz="914400" rtl="0" eaLnBrk="1" latinLnBrk="0" hangingPunct="1">
-              <a:defRPr sz="1800" kern="1200">
-                <a:solidFill>
-                  <a:schemeClr val="tx1"/>
-                </a:solidFill>
-                <a:latin typeface="+mn-lt"/>
-                <a:ea typeface="+mn-ea"/>
-                <a:cs typeface="+mn-cs"/>
-              </a:defRPr>
-            </a:lvl5pPr>
-            <a:lvl6pPr marL="2286000" algn="l" defTabSz="914400" rtl="0" eaLnBrk="1" latinLnBrk="0" hangingPunct="1">
-              <a:defRPr sz="1800" kern="1200">
-                <a:solidFill>
-                  <a:schemeClr val="tx1"/>
-                </a:solidFill>
-                <a:latin typeface="+mn-lt"/>
-                <a:ea typeface="+mn-ea"/>
-                <a:cs typeface="+mn-cs"/>
-              </a:defRPr>
-            </a:lvl6pPr>
-            <a:lvl7pPr marL="2743200" algn="l" defTabSz="914400" rtl="0" eaLnBrk="1" latinLnBrk="0" hangingPunct="1">
-              <a:defRPr sz="1800" kern="1200">
-                <a:solidFill>
-                  <a:schemeClr val="tx1"/>
-                </a:solidFill>
-                <a:latin typeface="+mn-lt"/>
-                <a:ea typeface="+mn-ea"/>
-                <a:cs typeface="+mn-cs"/>
-              </a:defRPr>
-            </a:lvl7pPr>
-            <a:lvl8pPr marL="3200400" algn="l" defTabSz="914400" rtl="0" eaLnBrk="1" latinLnBrk="0" hangingPunct="1">
-              <a:defRPr sz="1800" kern="1200">
-                <a:solidFill>
-                  <a:schemeClr val="tx1"/>
-                </a:solidFill>
-                <a:latin typeface="+mn-lt"/>
-                <a:ea typeface="+mn-ea"/>
-                <a:cs typeface="+mn-cs"/>
-              </a:defRPr>
-            </a:lvl8pPr>
-            <a:lvl9pPr marL="3657600" algn="l" defTabSz="914400" rtl="0" eaLnBrk="1" latinLnBrk="0" hangingPunct="1">
-              <a:defRPr sz="1800" kern="1200">
-                <a:solidFill>
-                  <a:schemeClr val="tx1"/>
-                </a:solidFill>
-                <a:latin typeface="+mn-lt"/>
-                <a:ea typeface="+mn-ea"/>
-                <a:cs typeface="+mn-cs"/>
-              </a:defRPr>
-            </a:lvl9pPr>
-          </a:lstStyle>
-          <a:p>
-            <a:r>
-              <a:rPr lang="en-US" sz="2400" dirty="0" smtClean="0">
-                <a:solidFill>
-                  <a:schemeClr val="bg1"/>
-                </a:solidFill>
-              </a:rPr>
-              <a:t>Mohammed </a:t>
-            </a:r>
-            <a:r>
-              <a:rPr lang="en-US" sz="2400" dirty="0" err="1" smtClean="0">
-                <a:solidFill>
-                  <a:schemeClr val="bg1"/>
-                </a:solidFill>
-              </a:rPr>
-              <a:t>Hasan</a:t>
-            </a:r>
-            <a:endParaRPr lang="en-US" sz="2400" dirty="0">
-              <a:solidFill>
-                <a:schemeClr val="bg1"/>
-              </a:solidFill>
-            </a:endParaRPr>
-          </a:p>
-        </p:txBody>
-      </p:sp>
-      <p:sp>
-        <p:nvSpPr>
-          <p:cNvPr id="6" name="Rectangle 5"/>
-          <p:cNvSpPr/>
-          <p:nvPr/>
-        </p:nvSpPr>
-        <p:spPr>
-          <a:xfrm>
-            <a:off x="4427569" y="2160271"/>
-            <a:ext cx="3771201" cy="1234440"/>
-          </a:xfrm>
-          <a:prstGeom prst="rect">
-            <a:avLst/>
-          </a:prstGeom>
-        </p:spPr>
-        <p:txBody>
-          <a:bodyPr/>
-          <a:lstStyle/>
-          <a:p>
-            <a:pPr lvl="0"/>
-            <a:r>
-              <a:rPr lang="en-US" sz="9600" dirty="0">
-                <a:solidFill>
-                  <a:srgbClr val="004868"/>
-                </a:solidFill>
-                <a:cs typeface="(A) Arslan Wessam A" panose="03020402040406030203" pitchFamily="66" charset="-78"/>
-              </a:rPr>
-              <a:t> </a:t>
-            </a:r>
-            <a:r>
-              <a:rPr lang="en-US" sz="9600" dirty="0" smtClean="0">
-                <a:solidFill>
-                  <a:srgbClr val="004868"/>
-                </a:solidFill>
-                <a:cs typeface="(A) Arslan Wessam A" panose="03020402040406030203" pitchFamily="66" charset="-78"/>
-              </a:rPr>
-              <a:t>Q &amp; A</a:t>
-            </a:r>
-            <a:endParaRPr lang="en-US" sz="9600" dirty="0">
-              <a:solidFill>
-                <a:srgbClr val="004868"/>
-              </a:solidFill>
-              <a:cs typeface="(A) Arslan Wessam A" panose="03020402040406030203" pitchFamily="66" charset="-78"/>
-            </a:endParaRPr>
-          </a:p>
-        </p:txBody>
-      </p:sp>
-      <p:sp>
-        <p:nvSpPr>
-          <p:cNvPr id="10" name="Date Placeholder 10"/>
-          <p:cNvSpPr>
-            <a:spLocks noGrp="1"/>
-          </p:cNvSpPr>
-          <p:nvPr>
-            <p:ph type="dt" sz="half" idx="10"/>
-          </p:nvPr>
-        </p:nvSpPr>
-        <p:spPr>
-          <a:xfrm>
-            <a:off x="838200" y="6356350"/>
-            <a:ext cx="2743200" cy="365125"/>
-          </a:xfrm>
-        </p:spPr>
-        <p:txBody>
-          <a:bodyPr/>
-          <a:lstStyle/>
-          <a:p>
-            <a:fld id="{937D9445-FE1F-4C31-8DAB-30713F6C4372}" type="datetime1">
-              <a:rPr lang="en-US" sz="2400" smtClean="0">
-                <a:solidFill>
-                  <a:schemeClr val="bg1"/>
-                </a:solidFill>
-              </a:rPr>
-              <a:t>12/13/2021</a:t>
-            </a:fld>
-            <a:endParaRPr lang="en-US" sz="2400" dirty="0">
-              <a:solidFill>
-                <a:schemeClr val="bg1"/>
-              </a:solidFill>
-            </a:endParaRPr>
-          </a:p>
-        </p:txBody>
-      </p:sp>
-      <p:sp>
-        <p:nvSpPr>
-          <p:cNvPr id="12" name="Slide Number Placeholder 7"/>
-          <p:cNvSpPr>
-            <a:spLocks noGrp="1"/>
-          </p:cNvSpPr>
-          <p:nvPr>
-            <p:ph type="sldNum" sz="quarter" idx="12"/>
-          </p:nvPr>
-        </p:nvSpPr>
-        <p:spPr>
-          <a:xfrm>
-            <a:off x="8627767" y="6356350"/>
-            <a:ext cx="2743200" cy="365125"/>
-          </a:xfrm>
-        </p:spPr>
-        <p:txBody>
-          <a:bodyPr/>
-          <a:lstStyle/>
-          <a:p>
-            <a:r>
-              <a:rPr lang="en-US" sz="2400" dirty="0" smtClean="0">
-                <a:solidFill>
-                  <a:schemeClr val="bg1"/>
-                </a:solidFill>
-              </a:rPr>
-              <a:t>10</a:t>
-            </a:r>
-            <a:endParaRPr lang="en-US" sz="2400" dirty="0">
-              <a:solidFill>
-                <a:schemeClr val="bg1"/>
-              </a:solidFill>
-            </a:endParaRPr>
-          </a:p>
-        </p:txBody>
-      </p:sp>
-    </p:spTree>
-    <p:extLst>
-      <p:ext uri="{BB962C8B-B14F-4D97-AF65-F5344CB8AC3E}">
-        <p14:creationId xmlns:p14="http://schemas.microsoft.com/office/powerpoint/2010/main" val="2798838356"/>
-      </p:ext>
-    </p:extLst>
-  </p:cSld>
-  <p:clrMapOvr>
-    <a:masterClrMapping/>
-  </p:clrMapOvr>
-  <p:transition spd="slow">
-    <p:cover/>
-  </p:transition>
-  <p:timing>
-    <p:tnLst>
-      <p:par>
-        <p:cTn id="1" dur="indefinite" restart="never" nodeType="tmRoot">
-          <p:childTnLst>
-            <p:seq concurrent="1" nextAc="seek">
-              <p:cTn id="2" dur="indefinite" nodeType="mainSeq">
-                <p:childTnLst>
-                  <p:par>
-                    <p:cTn id="3" fill="hold">
-                      <p:stCondLst>
-                        <p:cond delay="indefinite"/>
-                      </p:stCondLst>
-                      <p:childTnLst>
-                        <p:par>
-                          <p:cTn id="4" fill="hold">
-                            <p:stCondLst>
-                              <p:cond delay="0"/>
-                            </p:stCondLst>
-                            <p:childTnLst>
-                              <p:par>
-                                <p:cTn id="5" presetID="1" presetClass="entr" presetSubtype="0" fill="hold" grpId="0" nodeType="clickEffect">
-                                  <p:stCondLst>
-                                    <p:cond delay="0"/>
-                                  </p:stCondLst>
-                                  <p:childTnLst>
-                                    <p:set>
-                                      <p:cBhvr>
-                                        <p:cTn id="6" dur="1" fill="hold">
-                                          <p:stCondLst>
-                                            <p:cond delay="0"/>
-                                          </p:stCondLst>
-                                        </p:cTn>
-                                        <p:tgtEl>
-                                          <p:spTgt spid="6">
-                                            <p:txEl>
-                                              <p:pRg st="0" end="0"/>
-                                            </p:txEl>
-                                          </p:spTgt>
-                                        </p:tgtEl>
-                                        <p:attrNameLst>
-                                          <p:attrName>style.visibility</p:attrName>
-                                        </p:attrNameLst>
-                                      </p:cBhvr>
-                                      <p:to>
-                                        <p:strVal val="visible"/>
-                                      </p:to>
-                                    </p:set>
-                                  </p:childTnLst>
-                                  <p:subTnLst>
-                                    <p:animClr clrSpc="rgb" dir="cw">
-                                      <p:cBhvr override="childStyle">
-                                        <p:cTn dur="1" fill="hold" display="0" masterRel="nextClick" afterEffect="1"/>
-                                        <p:tgtEl>
-                                          <p:spTgt spid="6">
-                                            <p:txEl>
-                                              <p:pRg st="0" end="0"/>
-                                            </p:txEl>
-                                          </p:spTgt>
-                                        </p:tgtEl>
-                                        <p:attrNameLst>
-                                          <p:attrName>ppt_c</p:attrName>
-                                        </p:attrNameLst>
-                                      </p:cBhvr>
-                                      <p:to>
-                                        <a:srgbClr val="828282"/>
-                                      </p:to>
-                                    </p:animClr>
-                                  </p:subTnLst>
-                                </p:cTn>
-                              </p:par>
-                            </p:childTnLst>
-                          </p:cTn>
-                        </p:par>
-                      </p:childTnLst>
-                    </p:cTn>
-                  </p:par>
-                </p:childTnLst>
-              </p:cTn>
-              <p:prevCondLst>
-                <p:cond evt="onPrev" delay="0">
-                  <p:tgtEl>
-                    <p:sldTgt/>
-                  </p:tgtEl>
-                </p:cond>
-              </p:prevCondLst>
-              <p:nextCondLst>
-                <p:cond evt="onNext" delay="0">
-                  <p:tgtEl>
-                    <p:sldTgt/>
-                  </p:tgtEl>
-                </p:cond>
-              </p:nextCondLst>
-            </p:seq>
-          </p:childTnLst>
-        </p:cTn>
-      </p:par>
-    </p:tnLst>
-    <p:bldLst>
-      <p:bldP spid="6" grpId="0" build="p"/>
-    </p:bldLst>
-  </p:timing>
-</p:sld>
-</file>
-
-<file path=ppt/slides/slide11.xml><?xml version="1.0" encoding="utf-8"?>
-<p:sld xmlns:a="http://schemas.openxmlformats.org/drawingml/2006/main" xmlns:r="http://schemas.openxmlformats.org/officeDocument/2006/relationships" xmlns:p="http://schemas.openxmlformats.org/presentationml/2006/main">
-  <p:cSld>
-    <p:spTree>
-      <p:nvGrpSpPr>
-        <p:cNvPr id="1" name=""/>
-        <p:cNvGrpSpPr/>
-        <p:nvPr/>
-      </p:nvGrpSpPr>
-      <p:grpSpPr>
-        <a:xfrm>
-          <a:off x="0" y="0"/>
-          <a:ext cx="0" cy="0"/>
-          <a:chOff x="0" y="0"/>
-          <a:chExt cx="0" cy="0"/>
-        </a:xfrm>
-      </p:grpSpPr>
       <p:sp>
         <p:nvSpPr>
           <p:cNvPr id="4" name="Title 3"/>
@@ -5394,7 +4878,7 @@
           <p:cNvPr id="10" name="Footer Placeholder 4">
             <a:extLst>
               <a:ext uri="{FF2B5EF4-FFF2-40B4-BE49-F238E27FC236}">
-                <a16:creationId xmlns:lc="http://schemas.openxmlformats.org/drawingml/2006/lockedCanvas" xmlns:a16="http://schemas.microsoft.com/office/drawing/2014/main" xmlns="" id="{59271489-1EC6-0D4E-BF28-047FF1DDB132}"/>
+                <a16:creationId xmlns="" xmlns:a16="http://schemas.microsoft.com/office/drawing/2014/main" xmlns:lc="http://schemas.openxmlformats.org/drawingml/2006/lockedCanvas" id="{59271489-1EC6-0D4E-BF28-047FF1DDB132}"/>
               </a:ext>
             </a:extLst>
           </p:cNvPr>
@@ -5562,7 +5046,7 @@
                   <a:schemeClr val="bg1"/>
                 </a:solidFill>
               </a:rPr>
-              <a:t>12/13/2021</a:t>
+              <a:t>12/16/2021</a:t>
             </a:fld>
             <a:endParaRPr lang="en-US" sz="2400" dirty="0">
               <a:solidFill>
@@ -5598,7 +5082,7 @@
                   <a:schemeClr val="bg1"/>
                 </a:solidFill>
               </a:rPr>
-              <a:t>11</a:t>
+              <a:t>10</a:t>
             </a:r>
             <a:endParaRPr lang="en-US" sz="2400" dirty="0">
               <a:solidFill>
@@ -5739,12 +5223,6 @@
               </a:rPr>
               <a:t>Table of Content</a:t>
             </a:r>
-            <a:endParaRPr lang="en-US" sz="4300" b="1" dirty="0">
-              <a:solidFill>
-                <a:srgbClr val="004868"/>
-              </a:solidFill>
-              <a:cs typeface="(A) Arslan Wessam A" panose="03020402040406030203" pitchFamily="66" charset="-78"/>
-            </a:endParaRPr>
           </a:p>
         </p:txBody>
       </p:sp>
@@ -5783,7 +5261,7 @@
           <p:cNvPr id="7" name="Footer Placeholder 4">
             <a:extLst>
               <a:ext uri="{FF2B5EF4-FFF2-40B4-BE49-F238E27FC236}">
-                <a16:creationId xmlns:lc="http://schemas.openxmlformats.org/drawingml/2006/lockedCanvas" xmlns:a16="http://schemas.microsoft.com/office/drawing/2014/main" xmlns="" id="{59271489-1EC6-0D4E-BF28-047FF1DDB132}"/>
+                <a16:creationId xmlns="" xmlns:a16="http://schemas.microsoft.com/office/drawing/2014/main" xmlns:lc="http://schemas.openxmlformats.org/drawingml/2006/lockedCanvas" id="{59271489-1EC6-0D4E-BF28-047FF1DDB132}"/>
               </a:ext>
             </a:extLst>
           </p:cNvPr>
@@ -5972,16 +5450,7 @@
                 </a:solidFill>
                 <a:cs typeface="(A) Arslan Wessam A" panose="03020402040406030203" pitchFamily="66" charset="-78"/>
               </a:rPr>
-              <a:t>forensics</a:t>
-            </a:r>
-            <a:r>
-              <a:rPr lang="en-US" sz="3600" dirty="0" smtClean="0">
-                <a:solidFill>
-                  <a:srgbClr val="004868"/>
-                </a:solidFill>
-                <a:cs typeface="(A) Arslan Wessam A" panose="03020402040406030203" pitchFamily="66" charset="-78"/>
-              </a:rPr>
-              <a:t>?</a:t>
+              <a:t>forensics?</a:t>
             </a:r>
           </a:p>
           <a:p>
@@ -6050,32 +5519,44 @@
               <a:buChar char="•"/>
             </a:pPr>
             <a:r>
+              <a:rPr lang="en-US" sz="3600" dirty="0" smtClean="0">
+                <a:solidFill>
+                  <a:srgbClr val="004868"/>
+                </a:solidFill>
+                <a:cs typeface="(A) Arslan Wessam A" panose="03020402040406030203" pitchFamily="66" charset="-78"/>
+              </a:rPr>
+              <a:t> Demo</a:t>
+            </a:r>
+          </a:p>
+          <a:p>
+            <a:pPr>
+              <a:buFontTx/>
+              <a:buChar char="•"/>
+            </a:pPr>
+            <a:r>
               <a:rPr lang="en-US" sz="3600" dirty="0">
                 <a:solidFill>
                   <a:srgbClr val="004868"/>
                 </a:solidFill>
                 <a:cs typeface="(A) Arslan Wessam A" panose="03020402040406030203" pitchFamily="66" charset="-78"/>
               </a:rPr>
-              <a:t> </a:t>
-            </a:r>
-            <a:r>
-              <a:rPr lang="en-US" sz="3600" dirty="0">
+              <a:t> Where DFIR analysts work</a:t>
+            </a:r>
+            <a:r>
+              <a:rPr lang="en-US" sz="3600" dirty="0" smtClean="0">
                 <a:solidFill>
                   <a:srgbClr val="004868"/>
                 </a:solidFill>
                 <a:cs typeface="(A) Arslan Wessam A" panose="03020402040406030203" pitchFamily="66" charset="-78"/>
               </a:rPr>
-              <a:t>Where DFIR analysts </a:t>
-            </a:r>
-            <a:r>
-              <a:rPr lang="en-US" sz="3600" dirty="0" smtClean="0">
-                <a:solidFill>
-                  <a:srgbClr val="004868"/>
-                </a:solidFill>
-                <a:cs typeface="(A) Arslan Wessam A" panose="03020402040406030203" pitchFamily="66" charset="-78"/>
-              </a:rPr>
-              <a:t>work?</a:t>
-            </a:r>
+              <a:t>?</a:t>
+            </a:r>
+            <a:endParaRPr lang="en-US" sz="3600" dirty="0" smtClean="0">
+              <a:solidFill>
+                <a:srgbClr val="004868"/>
+              </a:solidFill>
+              <a:cs typeface="(A) Arslan Wessam A" panose="03020402040406030203" pitchFamily="66" charset="-78"/>
+            </a:endParaRPr>
           </a:p>
           <a:p>
             <a:pPr lvl="0">
@@ -6097,7 +5578,25 @@
                 </a:solidFill>
                 <a:cs typeface="(A) Arslan Wessam A" panose="03020402040406030203" pitchFamily="66" charset="-78"/>
               </a:rPr>
-              <a:t>Demo</a:t>
+              <a:t>How </a:t>
+            </a:r>
+            <a:r>
+              <a:rPr lang="en-US" sz="3600" dirty="0">
+                <a:solidFill>
+                  <a:srgbClr val="004868"/>
+                </a:solidFill>
+                <a:cs typeface="(A) Arslan Wessam A" panose="03020402040406030203" pitchFamily="66" charset="-78"/>
+              </a:rPr>
+              <a:t>to learn it (resources</a:t>
+            </a:r>
+            <a:r>
+              <a:rPr lang="en-US" sz="3600" dirty="0" smtClean="0">
+                <a:solidFill>
+                  <a:srgbClr val="004868"/>
+                </a:solidFill>
+                <a:cs typeface="(A) Arslan Wessam A" panose="03020402040406030203" pitchFamily="66" charset="-78"/>
+              </a:rPr>
+              <a:t>)?</a:t>
             </a:r>
           </a:p>
           <a:p>
@@ -6105,63 +5604,13 @@
               <a:buChar char="•"/>
             </a:pPr>
             <a:r>
-              <a:rPr lang="en-US" sz="3600" dirty="0">
+              <a:rPr lang="en-US" sz="3600" dirty="0" smtClean="0">
                 <a:solidFill>
                   <a:srgbClr val="004868"/>
                 </a:solidFill>
                 <a:cs typeface="(A) Arslan Wessam A" panose="03020402040406030203" pitchFamily="66" charset="-78"/>
               </a:rPr>
-              <a:t> </a:t>
-            </a:r>
-            <a:r>
-              <a:rPr lang="en-US" sz="3600" dirty="0" smtClean="0">
-                <a:solidFill>
-                  <a:srgbClr val="004868"/>
-                </a:solidFill>
-                <a:cs typeface="(A) Arslan Wessam A" panose="03020402040406030203" pitchFamily="66" charset="-78"/>
-              </a:rPr>
-              <a:t>How </a:t>
-            </a:r>
-            <a:r>
-              <a:rPr lang="en-US" sz="3600" dirty="0">
-                <a:solidFill>
-                  <a:srgbClr val="004868"/>
-                </a:solidFill>
-                <a:cs typeface="(A) Arslan Wessam A" panose="03020402040406030203" pitchFamily="66" charset="-78"/>
-              </a:rPr>
-              <a:t>to learn it (resources</a:t>
-            </a:r>
-            <a:r>
-              <a:rPr lang="en-US" sz="3600" dirty="0" smtClean="0">
-                <a:solidFill>
-                  <a:srgbClr val="004868"/>
-                </a:solidFill>
-                <a:cs typeface="(A) Arslan Wessam A" panose="03020402040406030203" pitchFamily="66" charset="-78"/>
-              </a:rPr>
-              <a:t>)?</a:t>
-            </a:r>
-          </a:p>
-          <a:p>
-            <a:pPr lvl="0">
-              <a:buChar char="•"/>
-            </a:pPr>
-            <a:r>
-              <a:rPr lang="en-US" sz="3600" dirty="0" smtClean="0">
-                <a:solidFill>
-                  <a:srgbClr val="004868"/>
-                </a:solidFill>
-                <a:cs typeface="(A) Arslan Wessam A" panose="03020402040406030203" pitchFamily="66" charset="-78"/>
-              </a:rPr>
-              <a:t> </a:t>
-            </a:r>
-            <a:r>
-              <a:rPr lang="en-US" sz="3600" dirty="0" smtClean="0">
-                <a:solidFill>
-                  <a:srgbClr val="004868"/>
-                </a:solidFill>
-                <a:cs typeface="(A) Arslan Wessam A" panose="03020402040406030203" pitchFamily="66" charset="-78"/>
-              </a:rPr>
-              <a:t>Q </a:t>
+              <a:t> Q </a:t>
             </a:r>
             <a:r>
               <a:rPr lang="en-US" sz="3600" dirty="0">
@@ -6201,7 +5650,7 @@
                   <a:schemeClr val="bg1"/>
                 </a:solidFill>
               </a:rPr>
-              <a:t>12/13/2021</a:t>
+              <a:t>12/16/2021</a:t>
             </a:fld>
             <a:endParaRPr lang="en-US" sz="2400" dirty="0">
               <a:solidFill>
@@ -6830,173 +6279,8 @@
                 </a:solidFill>
                 <a:cs typeface="(A) Arslan Wessam A" panose="03020402040406030203" pitchFamily="66" charset="-78"/>
               </a:rPr>
-              <a:t>What </a:t>
-            </a:r>
-            <a:r>
-              <a:rPr lang="en-US" sz="4300" b="1" dirty="0">
-                <a:solidFill>
-                  <a:srgbClr val="004868"/>
-                </a:solidFill>
-                <a:cs typeface="(A) Arslan Wessam A" panose="03020402040406030203" pitchFamily="66" charset="-78"/>
-              </a:rPr>
-              <a:t>is Digital </a:t>
-            </a:r>
-            <a:r>
-              <a:rPr lang="en-US" sz="4300" b="1" dirty="0">
-                <a:solidFill>
-                  <a:srgbClr val="004868"/>
-                </a:solidFill>
-                <a:cs typeface="(A) Arslan Wessam A" panose="03020402040406030203" pitchFamily="66" charset="-78"/>
-              </a:rPr>
-              <a:t>forensics</a:t>
-            </a:r>
-            <a:r>
-              <a:rPr lang="en-US" sz="4300" b="1" dirty="0">
-                <a:solidFill>
-                  <a:srgbClr val="004868"/>
-                </a:solidFill>
-                <a:cs typeface="(A) Arslan Wessam A" panose="03020402040406030203" pitchFamily="66" charset="-78"/>
-              </a:rPr>
-              <a:t>?</a:t>
-            </a:r>
-          </a:p>
-        </p:txBody>
-      </p:sp>
-      <p:sp>
-        <p:nvSpPr>
-          <p:cNvPr id="6" name="Rectangle 5"/>
-          <p:cNvSpPr/>
-          <p:nvPr/>
-        </p:nvSpPr>
-        <p:spPr>
-          <a:xfrm>
-            <a:off x="463638" y="1204645"/>
-            <a:ext cx="11281893" cy="4998374"/>
-          </a:xfrm>
-          <a:prstGeom prst="rect">
-            <a:avLst/>
-          </a:prstGeom>
-        </p:spPr>
-        <p:txBody>
-          <a:bodyPr/>
-          <a:lstStyle/>
-          <a:p>
-            <a:pPr lvl="0">
-              <a:buChar char="•"/>
-            </a:pPr>
-            <a:r>
-              <a:rPr lang="en-US" sz="3600" dirty="0" smtClean="0">
-                <a:solidFill>
-                  <a:srgbClr val="004868"/>
-                </a:solidFill>
-                <a:cs typeface="(A) Arslan Wessam A" panose="03020402040406030203" pitchFamily="66" charset="-78"/>
-              </a:rPr>
-              <a:t> Phases</a:t>
-            </a:r>
-          </a:p>
-        </p:txBody>
-      </p:sp>
-      <p:sp>
-        <p:nvSpPr>
-          <p:cNvPr id="9" name="Rectangle 8"/>
-          <p:cNvSpPr/>
-          <p:nvPr/>
-        </p:nvSpPr>
-        <p:spPr>
-          <a:xfrm>
-            <a:off x="910107" y="1281311"/>
-            <a:ext cx="11281893" cy="4998374"/>
-          </a:xfrm>
-          <a:prstGeom prst="rect">
-            <a:avLst/>
-          </a:prstGeom>
-        </p:spPr>
-        <p:txBody>
-          <a:bodyPr/>
-          <a:lstStyle/>
-          <a:p>
-            <a:pPr lvl="0">
-              <a:buChar char="•"/>
-            </a:pPr>
-            <a:endParaRPr lang="en-US" sz="3600" dirty="0">
-              <a:solidFill>
-                <a:srgbClr val="004868"/>
-              </a:solidFill>
-              <a:latin typeface="(A) Arslan Wessam A" panose="03020402040406030203" pitchFamily="66" charset="-78"/>
-              <a:cs typeface="(A) Arslan Wessam A" panose="03020402040406030203" pitchFamily="66" charset="-78"/>
-            </a:endParaRPr>
-          </a:p>
-          <a:p>
-            <a:pPr lvl="0">
-              <a:buChar char="•"/>
-            </a:pPr>
-            <a:r>
-              <a:rPr lang="en-US" sz="3600" dirty="0">
-                <a:solidFill>
-                  <a:srgbClr val="004868"/>
-                </a:solidFill>
-                <a:latin typeface="(A) Arslan Wessam A" panose="03020402040406030203" pitchFamily="66" charset="-78"/>
-                <a:cs typeface="(A) Arslan Wessam A" panose="03020402040406030203" pitchFamily="66" charset="-78"/>
-              </a:rPr>
-              <a:t> Identifying: finding and collecting suspected sources or assets believed to contain evidence</a:t>
-            </a:r>
-          </a:p>
-          <a:p>
-            <a:pPr lvl="0">
-              <a:buChar char="•"/>
-            </a:pPr>
-            <a:r>
-              <a:rPr lang="en-US" sz="3600" dirty="0">
-                <a:solidFill>
-                  <a:srgbClr val="004868"/>
-                </a:solidFill>
-                <a:latin typeface="(A) Arslan Wessam A" panose="03020402040406030203" pitchFamily="66" charset="-78"/>
-                <a:cs typeface="(A) Arslan Wessam A" panose="03020402040406030203" pitchFamily="66" charset="-78"/>
-              </a:rPr>
-              <a:t> Preserving: Ensuring the integrity of the collected evidence</a:t>
-            </a:r>
-          </a:p>
-          <a:p>
-            <a:pPr lvl="0">
-              <a:buChar char="•"/>
-            </a:pPr>
-            <a:r>
-              <a:rPr lang="en-US" sz="3600" dirty="0">
-                <a:solidFill>
-                  <a:srgbClr val="004868"/>
-                </a:solidFill>
-                <a:latin typeface="(A) Arslan Wessam A" panose="03020402040406030203" pitchFamily="66" charset="-78"/>
-                <a:cs typeface="(A) Arslan Wessam A" panose="03020402040406030203" pitchFamily="66" charset="-78"/>
-              </a:rPr>
-              <a:t> Analyzing: The process where a Digital forensics analyst begins looking into the Identified asset to find a piece of evidence connected to the Incident</a:t>
-            </a:r>
-          </a:p>
-          <a:p>
-            <a:pPr lvl="0">
-              <a:buChar char="•"/>
-            </a:pPr>
-            <a:r>
-              <a:rPr lang="en-US" sz="3600" dirty="0">
-                <a:solidFill>
-                  <a:srgbClr val="004868"/>
-                </a:solidFill>
-                <a:latin typeface="(A) Arslan Wessam A" panose="03020402040406030203" pitchFamily="66" charset="-78"/>
-                <a:cs typeface="(A) Arslan Wessam A" panose="03020402040406030203" pitchFamily="66" charset="-78"/>
-              </a:rPr>
-              <a:t> Reporting: Process of documenting the findings from the investigation to present it to the stakeholders or to a court</a:t>
-            </a:r>
-          </a:p>
-          <a:p>
-            <a:pPr lvl="0">
-              <a:buChar char="•"/>
-            </a:pPr>
-            <a:endParaRPr lang="en-US" sz="3600" dirty="0">
-              <a:solidFill>
-                <a:srgbClr val="004868"/>
-              </a:solidFill>
-              <a:latin typeface="(A) Arslan Wessam A" panose="03020402040406030203" pitchFamily="66" charset="-78"/>
-              <a:cs typeface="(A) Arslan Wessam A" panose="03020402040406030203" pitchFamily="66" charset="-78"/>
-            </a:endParaRPr>
+              <a:t>What is Digital forensics?</a:t>
+            </a:r>
           </a:p>
         </p:txBody>
       </p:sp>
@@ -7035,7 +6319,7 @@
           <p:cNvPr id="13" name="Footer Placeholder 4">
             <a:extLst>
               <a:ext uri="{FF2B5EF4-FFF2-40B4-BE49-F238E27FC236}">
-                <a16:creationId xmlns:lc="http://schemas.openxmlformats.org/drawingml/2006/lockedCanvas" xmlns:a16="http://schemas.microsoft.com/office/drawing/2014/main" xmlns="" id="{59271489-1EC6-0D4E-BF28-047FF1DDB132}"/>
+                <a16:creationId xmlns="" xmlns:a16="http://schemas.microsoft.com/office/drawing/2014/main" xmlns:lc="http://schemas.openxmlformats.org/drawingml/2006/lockedCanvas" id="{59271489-1EC6-0D4E-BF28-047FF1DDB132}"/>
               </a:ext>
             </a:extLst>
           </p:cNvPr>
@@ -7203,7 +6487,7 @@
                   <a:schemeClr val="bg1"/>
                 </a:solidFill>
               </a:rPr>
-              <a:t>12/13/2021</a:t>
+              <a:t>12/16/2021</a:t>
             </a:fld>
             <a:endParaRPr lang="en-US" sz="2400" dirty="0">
               <a:solidFill>
@@ -7249,10 +6533,33 @@
           </a:p>
         </p:txBody>
       </p:sp>
+      <p:pic>
+        <p:nvPicPr>
+          <p:cNvPr id="3" name="Picture 2"/>
+          <p:cNvPicPr>
+            <a:picLocks noChangeAspect="1"/>
+          </p:cNvPicPr>
+          <p:nvPr/>
+        </p:nvPicPr>
+        <p:blipFill rotWithShape="1">
+          <a:blip r:embed="rId5"/>
+          <a:srcRect l="15265" t="8441" r="9640" b="24211"/>
+          <a:stretch/>
+        </p:blipFill>
+        <p:spPr>
+          <a:xfrm>
+            <a:off x="1306239" y="1030860"/>
+            <a:ext cx="9596690" cy="4839949"/>
+          </a:xfrm>
+          <a:prstGeom prst="rect">
+            <a:avLst/>
+          </a:prstGeom>
+        </p:spPr>
+      </p:pic>
     </p:spTree>
     <p:extLst>
       <p:ext uri="{BB962C8B-B14F-4D97-AF65-F5344CB8AC3E}">
-        <p14:creationId xmlns:p14="http://schemas.microsoft.com/office/powerpoint/2010/main" val="305135370"/>
+        <p14:creationId xmlns:p14="http://schemas.microsoft.com/office/powerpoint/2010/main" val="687359832"/>
       </p:ext>
     </p:extLst>
   </p:cSld>
@@ -7265,373 +6572,9 @@
   <p:timing>
     <p:tnLst>
       <p:par>
-        <p:cTn id="1" dur="indefinite" restart="never" nodeType="tmRoot">
-          <p:childTnLst>
-            <p:seq concurrent="1" nextAc="seek">
-              <p:cTn id="2" dur="indefinite" nodeType="mainSeq">
-                <p:childTnLst>
-                  <p:par>
-                    <p:cTn id="3" fill="hold">
-                      <p:stCondLst>
-                        <p:cond delay="indefinite"/>
-                      </p:stCondLst>
-                      <p:childTnLst>
-                        <p:par>
-                          <p:cTn id="4" fill="hold">
-                            <p:stCondLst>
-                              <p:cond delay="0"/>
-                            </p:stCondLst>
-                            <p:childTnLst>
-                              <p:par>
-                                <p:cTn id="5" presetID="1" presetClass="entr" presetSubtype="0" fill="hold" grpId="0" nodeType="clickEffect">
-                                  <p:stCondLst>
-                                    <p:cond delay="0"/>
-                                  </p:stCondLst>
-                                  <p:childTnLst>
-                                    <p:set>
-                                      <p:cBhvr>
-                                        <p:cTn id="6" dur="1" fill="hold">
-                                          <p:stCondLst>
-                                            <p:cond delay="0"/>
-                                          </p:stCondLst>
-                                        </p:cTn>
-                                        <p:tgtEl>
-                                          <p:spTgt spid="6"/>
-                                        </p:tgtEl>
-                                        <p:attrNameLst>
-                                          <p:attrName>style.visibility</p:attrName>
-                                        </p:attrNameLst>
-                                      </p:cBhvr>
-                                      <p:to>
-                                        <p:strVal val="visible"/>
-                                      </p:to>
-                                    </p:set>
-                                  </p:childTnLst>
-                                  <p:subTnLst>
-                                    <p:animClr clrSpc="rgb" dir="cw">
-                                      <p:cBhvr override="childStyle">
-                                        <p:cTn dur="1" fill="hold" display="0" masterRel="nextClick" afterEffect="1"/>
-                                        <p:tgtEl>
-                                          <p:spTgt spid="6"/>
-                                        </p:tgtEl>
-                                        <p:attrNameLst>
-                                          <p:attrName>ppt_c</p:attrName>
-                                        </p:attrNameLst>
-                                      </p:cBhvr>
-                                      <p:to>
-                                        <a:srgbClr val="828282"/>
-                                      </p:to>
-                                    </p:animClr>
-                                  </p:subTnLst>
-                                </p:cTn>
-                              </p:par>
-                            </p:childTnLst>
-                          </p:cTn>
-                        </p:par>
-                      </p:childTnLst>
-                    </p:cTn>
-                  </p:par>
-                  <p:par>
-                    <p:cTn id="7" fill="hold">
-                      <p:stCondLst>
-                        <p:cond delay="indefinite"/>
-                      </p:stCondLst>
-                      <p:childTnLst>
-                        <p:par>
-                          <p:cTn id="8" fill="hold">
-                            <p:stCondLst>
-                              <p:cond delay="0"/>
-                            </p:stCondLst>
-                            <p:childTnLst>
-                              <p:par>
-                                <p:cTn id="9" presetID="1" presetClass="entr" presetSubtype="0" fill="hold" grpId="0" nodeType="clickEffect">
-                                  <p:stCondLst>
-                                    <p:cond delay="0"/>
-                                  </p:stCondLst>
-                                  <p:childTnLst>
-                                    <p:set>
-                                      <p:cBhvr>
-                                        <p:cTn id="10" dur="1" fill="hold">
-                                          <p:stCondLst>
-                                            <p:cond delay="0"/>
-                                          </p:stCondLst>
-                                        </p:cTn>
-                                        <p:tgtEl>
-                                          <p:spTgt spid="9">
-                                            <p:txEl>
-                                              <p:pRg st="1" end="1"/>
-                                            </p:txEl>
-                                          </p:spTgt>
-                                        </p:tgtEl>
-                                        <p:attrNameLst>
-                                          <p:attrName>style.visibility</p:attrName>
-                                        </p:attrNameLst>
-                                      </p:cBhvr>
-                                      <p:to>
-                                        <p:strVal val="visible"/>
-                                      </p:to>
-                                    </p:set>
-                                  </p:childTnLst>
-                                  <p:subTnLst>
-                                    <p:animClr clrSpc="rgb" dir="cw">
-                                      <p:cBhvr override="childStyle">
-                                        <p:cTn dur="1" fill="hold" display="0" masterRel="nextClick" afterEffect="1"/>
-                                        <p:tgtEl>
-                                          <p:spTgt spid="9">
-                                            <p:txEl>
-                                              <p:pRg st="1" end="1"/>
-                                            </p:txEl>
-                                          </p:spTgt>
-                                        </p:tgtEl>
-                                        <p:attrNameLst>
-                                          <p:attrName>ppt_c</p:attrName>
-                                        </p:attrNameLst>
-                                      </p:cBhvr>
-                                      <p:to>
-                                        <a:srgbClr val="828282"/>
-                                      </p:to>
-                                    </p:animClr>
-                                  </p:subTnLst>
-                                </p:cTn>
-                              </p:par>
-                            </p:childTnLst>
-                          </p:cTn>
-                        </p:par>
-                      </p:childTnLst>
-                    </p:cTn>
-                  </p:par>
-                  <p:par>
-                    <p:cTn id="11" fill="hold">
-                      <p:stCondLst>
-                        <p:cond delay="indefinite"/>
-                      </p:stCondLst>
-                      <p:childTnLst>
-                        <p:par>
-                          <p:cTn id="12" fill="hold">
-                            <p:stCondLst>
-                              <p:cond delay="0"/>
-                            </p:stCondLst>
-                            <p:childTnLst>
-                              <p:par>
-                                <p:cTn id="13" presetID="1" presetClass="entr" presetSubtype="0" fill="hold" grpId="0" nodeType="clickEffect">
-                                  <p:stCondLst>
-                                    <p:cond delay="0"/>
-                                  </p:stCondLst>
-                                  <p:childTnLst>
-                                    <p:set>
-                                      <p:cBhvr>
-                                        <p:cTn id="14" dur="1" fill="hold">
-                                          <p:stCondLst>
-                                            <p:cond delay="0"/>
-                                          </p:stCondLst>
-                                        </p:cTn>
-                                        <p:tgtEl>
-                                          <p:spTgt spid="9">
-                                            <p:txEl>
-                                              <p:pRg st="2" end="2"/>
-                                            </p:txEl>
-                                          </p:spTgt>
-                                        </p:tgtEl>
-                                        <p:attrNameLst>
-                                          <p:attrName>style.visibility</p:attrName>
-                                        </p:attrNameLst>
-                                      </p:cBhvr>
-                                      <p:to>
-                                        <p:strVal val="visible"/>
-                                      </p:to>
-                                    </p:set>
-                                  </p:childTnLst>
-                                  <p:subTnLst>
-                                    <p:animClr clrSpc="rgb" dir="cw">
-                                      <p:cBhvr override="childStyle">
-                                        <p:cTn dur="1" fill="hold" display="0" masterRel="nextClick" afterEffect="1"/>
-                                        <p:tgtEl>
-                                          <p:spTgt spid="9">
-                                            <p:txEl>
-                                              <p:pRg st="2" end="2"/>
-                                            </p:txEl>
-                                          </p:spTgt>
-                                        </p:tgtEl>
-                                        <p:attrNameLst>
-                                          <p:attrName>ppt_c</p:attrName>
-                                        </p:attrNameLst>
-                                      </p:cBhvr>
-                                      <p:to>
-                                        <a:srgbClr val="828282"/>
-                                      </p:to>
-                                    </p:animClr>
-                                  </p:subTnLst>
-                                </p:cTn>
-                              </p:par>
-                            </p:childTnLst>
-                          </p:cTn>
-                        </p:par>
-                      </p:childTnLst>
-                    </p:cTn>
-                  </p:par>
-                  <p:par>
-                    <p:cTn id="15" fill="hold">
-                      <p:stCondLst>
-                        <p:cond delay="indefinite"/>
-                      </p:stCondLst>
-                      <p:childTnLst>
-                        <p:par>
-                          <p:cTn id="16" fill="hold">
-                            <p:stCondLst>
-                              <p:cond delay="0"/>
-                            </p:stCondLst>
-                            <p:childTnLst>
-                              <p:par>
-                                <p:cTn id="17" presetID="1" presetClass="entr" presetSubtype="0" fill="hold" grpId="0" nodeType="clickEffect">
-                                  <p:stCondLst>
-                                    <p:cond delay="0"/>
-                                  </p:stCondLst>
-                                  <p:childTnLst>
-                                    <p:set>
-                                      <p:cBhvr>
-                                        <p:cTn id="18" dur="1" fill="hold">
-                                          <p:stCondLst>
-                                            <p:cond delay="0"/>
-                                          </p:stCondLst>
-                                        </p:cTn>
-                                        <p:tgtEl>
-                                          <p:spTgt spid="9">
-                                            <p:txEl>
-                                              <p:pRg st="3" end="3"/>
-                                            </p:txEl>
-                                          </p:spTgt>
-                                        </p:tgtEl>
-                                        <p:attrNameLst>
-                                          <p:attrName>style.visibility</p:attrName>
-                                        </p:attrNameLst>
-                                      </p:cBhvr>
-                                      <p:to>
-                                        <p:strVal val="visible"/>
-                                      </p:to>
-                                    </p:set>
-                                  </p:childTnLst>
-                                  <p:subTnLst>
-                                    <p:animClr clrSpc="rgb" dir="cw">
-                                      <p:cBhvr override="childStyle">
-                                        <p:cTn dur="1" fill="hold" display="0" masterRel="nextClick" afterEffect="1"/>
-                                        <p:tgtEl>
-                                          <p:spTgt spid="9">
-                                            <p:txEl>
-                                              <p:pRg st="3" end="3"/>
-                                            </p:txEl>
-                                          </p:spTgt>
-                                        </p:tgtEl>
-                                        <p:attrNameLst>
-                                          <p:attrName>ppt_c</p:attrName>
-                                        </p:attrNameLst>
-                                      </p:cBhvr>
-                                      <p:to>
-                                        <a:srgbClr val="828282"/>
-                                      </p:to>
-                                    </p:animClr>
-                                  </p:subTnLst>
-                                </p:cTn>
-                              </p:par>
-                            </p:childTnLst>
-                          </p:cTn>
-                        </p:par>
-                      </p:childTnLst>
-                    </p:cTn>
-                  </p:par>
-                  <p:par>
-                    <p:cTn id="19" fill="hold">
-                      <p:stCondLst>
-                        <p:cond delay="indefinite"/>
-                      </p:stCondLst>
-                      <p:childTnLst>
-                        <p:par>
-                          <p:cTn id="20" fill="hold">
-                            <p:stCondLst>
-                              <p:cond delay="0"/>
-                            </p:stCondLst>
-                            <p:childTnLst>
-                              <p:par>
-                                <p:cTn id="21" presetID="1" presetClass="entr" presetSubtype="0" fill="hold" grpId="0" nodeType="clickEffect">
-                                  <p:stCondLst>
-                                    <p:cond delay="0"/>
-                                  </p:stCondLst>
-                                  <p:childTnLst>
-                                    <p:set>
-                                      <p:cBhvr>
-                                        <p:cTn id="22" dur="1" fill="hold">
-                                          <p:stCondLst>
-                                            <p:cond delay="0"/>
-                                          </p:stCondLst>
-                                        </p:cTn>
-                                        <p:tgtEl>
-                                          <p:spTgt spid="9">
-                                            <p:txEl>
-                                              <p:pRg st="4" end="4"/>
-                                            </p:txEl>
-                                          </p:spTgt>
-                                        </p:tgtEl>
-                                        <p:attrNameLst>
-                                          <p:attrName>style.visibility</p:attrName>
-                                        </p:attrNameLst>
-                                      </p:cBhvr>
-                                      <p:to>
-                                        <p:strVal val="visible"/>
-                                      </p:to>
-                                    </p:set>
-                                  </p:childTnLst>
-                                  <p:subTnLst>
-                                    <p:animClr clrSpc="rgb" dir="cw">
-                                      <p:cBhvr override="childStyle">
-                                        <p:cTn dur="1" fill="hold" display="0" masterRel="nextClick" afterEffect="1"/>
-                                        <p:tgtEl>
-                                          <p:spTgt spid="9">
-                                            <p:txEl>
-                                              <p:pRg st="4" end="4"/>
-                                            </p:txEl>
-                                          </p:spTgt>
-                                        </p:tgtEl>
-                                        <p:attrNameLst>
-                                          <p:attrName>ppt_c</p:attrName>
-                                        </p:attrNameLst>
-                                      </p:cBhvr>
-                                      <p:to>
-                                        <a:srgbClr val="828282"/>
-                                      </p:to>
-                                    </p:animClr>
-                                  </p:subTnLst>
-                                </p:cTn>
-                              </p:par>
-                            </p:childTnLst>
-                          </p:cTn>
-                        </p:par>
-                      </p:childTnLst>
-                    </p:cTn>
-                  </p:par>
-                </p:childTnLst>
-              </p:cTn>
-              <p:prevCondLst>
-                <p:cond evt="onPrev" delay="0">
-                  <p:tgtEl>
-                    <p:sldTgt/>
-                  </p:tgtEl>
-                </p:cond>
-              </p:prevCondLst>
-              <p:nextCondLst>
-                <p:cond evt="onNext" delay="0">
-                  <p:tgtEl>
-                    <p:sldTgt/>
-                  </p:tgtEl>
-                </p:cond>
-              </p:nextCondLst>
-            </p:seq>
-          </p:childTnLst>
-        </p:cTn>
+        <p:cTn id="1" dur="indefinite" restart="never" nodeType="tmRoot"/>
       </p:par>
     </p:tnLst>
-    <p:bldLst>
-      <p:bldP spid="6" grpId="0" uiExpand="1"/>
-      <p:bldP spid="9" grpId="0" build="p"/>
-    </p:bldLst>
   </p:timing>
 </p:sld>
 </file>
@@ -7685,12 +6628,6 @@
               </a:rPr>
               <a:t>Why do we need it?</a:t>
             </a:r>
-            <a:endParaRPr lang="en-US" sz="4800" b="1" dirty="0">
-              <a:solidFill>
-                <a:srgbClr val="004868"/>
-              </a:solidFill>
-              <a:cs typeface="(A) Arslan Wessam A" panose="03020402040406030203" pitchFamily="66" charset="-78"/>
-            </a:endParaRPr>
           </a:p>
         </p:txBody>
       </p:sp>
@@ -7729,7 +6666,7 @@
           <p:cNvPr id="7" name="Footer Placeholder 4">
             <a:extLst>
               <a:ext uri="{FF2B5EF4-FFF2-40B4-BE49-F238E27FC236}">
-                <a16:creationId xmlns:lc="http://schemas.openxmlformats.org/drawingml/2006/lockedCanvas" xmlns:a16="http://schemas.microsoft.com/office/drawing/2014/main" xmlns="" id="{59271489-1EC6-0D4E-BF28-047FF1DDB132}"/>
+                <a16:creationId xmlns="" xmlns:a16="http://schemas.microsoft.com/office/drawing/2014/main" xmlns:lc="http://schemas.openxmlformats.org/drawingml/2006/lockedCanvas" id="{59271489-1EC6-0D4E-BF28-047FF1DDB132}"/>
               </a:ext>
             </a:extLst>
           </p:cNvPr>
@@ -7981,7 +6918,7 @@
                   <a:schemeClr val="bg1"/>
                 </a:solidFill>
               </a:rPr>
-              <a:t>12/13/2021</a:t>
+              <a:t>12/16/2021</a:t>
             </a:fld>
             <a:endParaRPr lang="en-US" sz="2400" dirty="0">
               <a:solidFill>
@@ -8248,7 +7185,7 @@
           <p:cNvPr id="7" name="Footer Placeholder 4">
             <a:extLst>
               <a:ext uri="{FF2B5EF4-FFF2-40B4-BE49-F238E27FC236}">
-                <a16:creationId xmlns:lc="http://schemas.openxmlformats.org/drawingml/2006/lockedCanvas" xmlns:a16="http://schemas.microsoft.com/office/drawing/2014/main" xmlns="" id="{59271489-1EC6-0D4E-BF28-047FF1DDB132}"/>
+                <a16:creationId xmlns="" xmlns:a16="http://schemas.microsoft.com/office/drawing/2014/main" xmlns:lc="http://schemas.openxmlformats.org/drawingml/2006/lockedCanvas" id="{59271489-1EC6-0D4E-BF28-047FF1DDB132}"/>
               </a:ext>
             </a:extLst>
           </p:cNvPr>
@@ -8511,7 +7448,7 @@
                   <a:schemeClr val="bg1"/>
                 </a:solidFill>
               </a:rPr>
-              <a:t>12/13/2021</a:t>
+              <a:t>12/16/2021</a:t>
             </a:fld>
             <a:endParaRPr lang="en-US" sz="2400" dirty="0">
               <a:solidFill>
@@ -8619,12 +7556,6 @@
               </a:rPr>
               <a:t>Why do we need it?</a:t>
             </a:r>
-            <a:endParaRPr lang="en-US" sz="4800" b="1" dirty="0">
-              <a:solidFill>
-                <a:srgbClr val="004868"/>
-              </a:solidFill>
-              <a:cs typeface="(A) Arslan Wessam A" panose="03020402040406030203" pitchFamily="66" charset="-78"/>
-            </a:endParaRPr>
           </a:p>
         </p:txBody>
       </p:sp>
@@ -8824,7 +7755,7 @@
           <p:cNvPr id="7" name="Footer Placeholder 4">
             <a:extLst>
               <a:ext uri="{FF2B5EF4-FFF2-40B4-BE49-F238E27FC236}">
-                <a16:creationId xmlns:lc="http://schemas.openxmlformats.org/drawingml/2006/lockedCanvas" xmlns:a16="http://schemas.microsoft.com/office/drawing/2014/main" xmlns="" id="{59271489-1EC6-0D4E-BF28-047FF1DDB132}"/>
+                <a16:creationId xmlns="" xmlns:a16="http://schemas.microsoft.com/office/drawing/2014/main" xmlns:lc="http://schemas.openxmlformats.org/drawingml/2006/lockedCanvas" id="{59271489-1EC6-0D4E-BF28-047FF1DDB132}"/>
               </a:ext>
             </a:extLst>
           </p:cNvPr>
@@ -9018,8 +7949,23 @@
                 </a:solidFill>
                 <a:cs typeface="(A) Arslan Wessam A" panose="03020402040406030203" pitchFamily="66" charset="-78"/>
               </a:rPr>
-              <a:t>Cognitive mindset</a:t>
-            </a:r>
+              <a:t>Cognitive </a:t>
+            </a:r>
+            <a:r>
+              <a:rPr lang="en-US" sz="3600" dirty="0" smtClean="0">
+                <a:solidFill>
+                  <a:srgbClr val="004868"/>
+                </a:solidFill>
+                <a:cs typeface="(A) Arslan Wessam A" panose="03020402040406030203" pitchFamily="66" charset="-78"/>
+              </a:rPr>
+              <a:t>mindset</a:t>
+            </a:r>
+            <a:endParaRPr lang="en-US" sz="3600" dirty="0" smtClean="0">
+              <a:solidFill>
+                <a:srgbClr val="004868"/>
+              </a:solidFill>
+              <a:cs typeface="(A) Arslan Wessam A" panose="03020402040406030203" pitchFamily="66" charset="-78"/>
+            </a:endParaRPr>
           </a:p>
           <a:p>
             <a:pPr>
@@ -9170,7 +8116,7 @@
                   <a:schemeClr val="bg1"/>
                 </a:solidFill>
               </a:rPr>
-              <a:t>12/13/2021</a:t>
+              <a:t>12/16/2021</a:t>
             </a:fld>
             <a:endParaRPr lang="en-US" sz="2400" dirty="0">
               <a:solidFill>
@@ -9697,16 +8643,20 @@
           </a:bodyPr>
           <a:lstStyle/>
           <a:p>
-            <a:pPr lvl="0"/>
-            <a:r>
-              <a:rPr lang="en-US" sz="4400" b="1" dirty="0">
+            <a:r>
+              <a:rPr lang="en-US" sz="4400" b="1" dirty="0" smtClean="0">
                 <a:solidFill>
                   <a:srgbClr val="004868"/>
                 </a:solidFill>
                 <a:cs typeface="(A) Arslan Wessam A" panose="03020402040406030203" pitchFamily="66" charset="-78"/>
               </a:rPr>
-              <a:t>Where DFIR analysts work?</a:t>
-            </a:r>
+              <a:t>Demo</a:t>
+            </a:r>
+            <a:endParaRPr lang="en-US" sz="4400" b="1" dirty="0">
+              <a:solidFill>
+                <a:srgbClr val="00567E"/>
+              </a:solidFill>
+            </a:endParaRPr>
           </a:p>
         </p:txBody>
       </p:sp>
@@ -9745,7 +8695,7 @@
           <p:cNvPr id="7" name="Footer Placeholder 4">
             <a:extLst>
               <a:ext uri="{FF2B5EF4-FFF2-40B4-BE49-F238E27FC236}">
-                <a16:creationId xmlns:lc="http://schemas.openxmlformats.org/drawingml/2006/lockedCanvas" xmlns:a16="http://schemas.microsoft.com/office/drawing/2014/main" xmlns="" id="{59271489-1EC6-0D4E-BF28-047FF1DDB132}"/>
+                <a16:creationId xmlns="" xmlns:a16="http://schemas.microsoft.com/office/drawing/2014/main" xmlns:lc="http://schemas.openxmlformats.org/drawingml/2006/lockedCanvas" id="{59271489-1EC6-0D4E-BF28-047FF1DDB132}"/>
               </a:ext>
             </a:extLst>
           </p:cNvPr>
@@ -9896,6 +8846,858 @@
         <p:spPr>
           <a:xfrm>
             <a:off x="463638" y="1204645"/>
+            <a:ext cx="11281893" cy="4998374"/>
+          </a:xfrm>
+          <a:prstGeom prst="rect">
+            <a:avLst/>
+          </a:prstGeom>
+        </p:spPr>
+        <p:txBody>
+          <a:bodyPr/>
+          <a:lstStyle/>
+          <a:p>
+            <a:pPr lvl="0">
+              <a:buChar char="•"/>
+            </a:pPr>
+            <a:r>
+              <a:rPr lang="en-US" sz="3600" dirty="0" smtClean="0">
+                <a:solidFill>
+                  <a:srgbClr val="004868"/>
+                </a:solidFill>
+                <a:cs typeface="(A) Arslan Wessam A" panose="03020402040406030203" pitchFamily="66" charset="-78"/>
+              </a:rPr>
+              <a:t> Network -&gt; </a:t>
+            </a:r>
+            <a:r>
+              <a:rPr lang="en-US" sz="3600" dirty="0" err="1" smtClean="0">
+                <a:solidFill>
+                  <a:srgbClr val="004868"/>
+                </a:solidFill>
+                <a:cs typeface="(A) Arslan Wessam A" panose="03020402040406030203" pitchFamily="66" charset="-78"/>
+              </a:rPr>
+              <a:t>Wireshark</a:t>
+            </a:r>
+            <a:endParaRPr lang="en-US" sz="3600" dirty="0" smtClean="0">
+              <a:solidFill>
+                <a:srgbClr val="004868"/>
+              </a:solidFill>
+              <a:cs typeface="(A) Arslan Wessam A" panose="03020402040406030203" pitchFamily="66" charset="-78"/>
+            </a:endParaRPr>
+          </a:p>
+          <a:p>
+            <a:pPr lvl="0"/>
+            <a:endParaRPr lang="en-US" sz="3600" dirty="0" smtClean="0">
+              <a:solidFill>
+                <a:srgbClr val="004868"/>
+              </a:solidFill>
+              <a:cs typeface="(A) Arslan Wessam A" panose="03020402040406030203" pitchFamily="66" charset="-78"/>
+            </a:endParaRPr>
+          </a:p>
+          <a:p>
+            <a:pPr lvl="0">
+              <a:buChar char="•"/>
+            </a:pPr>
+            <a:r>
+              <a:rPr lang="en-US" sz="3600" dirty="0">
+                <a:solidFill>
+                  <a:srgbClr val="004868"/>
+                </a:solidFill>
+                <a:cs typeface="(A) Arslan Wessam A" panose="03020402040406030203" pitchFamily="66" charset="-78"/>
+              </a:rPr>
+              <a:t> </a:t>
+            </a:r>
+            <a:r>
+              <a:rPr lang="en-US" sz="3600" dirty="0" smtClean="0">
+                <a:solidFill>
+                  <a:srgbClr val="004868"/>
+                </a:solidFill>
+                <a:cs typeface="(A) Arslan Wessam A" panose="03020402040406030203" pitchFamily="66" charset="-78"/>
+              </a:rPr>
+              <a:t>Disk image -&gt; </a:t>
+            </a:r>
+            <a:r>
+              <a:rPr lang="en-US" sz="3600" dirty="0" err="1" smtClean="0">
+                <a:solidFill>
+                  <a:srgbClr val="004868"/>
+                </a:solidFill>
+                <a:cs typeface="(A) Arslan Wessam A" panose="03020402040406030203" pitchFamily="66" charset="-78"/>
+              </a:rPr>
+              <a:t>arsenalimagemounter</a:t>
+            </a:r>
+            <a:r>
+              <a:rPr lang="en-US" sz="3600" dirty="0" smtClean="0">
+                <a:solidFill>
+                  <a:srgbClr val="004868"/>
+                </a:solidFill>
+                <a:cs typeface="(A) Arslan Wessam A" panose="03020402040406030203" pitchFamily="66" charset="-78"/>
+              </a:rPr>
+              <a:t> &amp; FTK</a:t>
+            </a:r>
+            <a:endParaRPr lang="en-US" sz="3600" dirty="0" smtClean="0">
+              <a:solidFill>
+                <a:srgbClr val="004868"/>
+              </a:solidFill>
+              <a:cs typeface="(A) Arslan Wessam A" panose="03020402040406030203" pitchFamily="66" charset="-78"/>
+            </a:endParaRPr>
+          </a:p>
+          <a:p>
+            <a:pPr lvl="0"/>
+            <a:endParaRPr lang="en-US" sz="3600" dirty="0" smtClean="0">
+              <a:solidFill>
+                <a:srgbClr val="004868"/>
+              </a:solidFill>
+              <a:cs typeface="(A) Arslan Wessam A" panose="03020402040406030203" pitchFamily="66" charset="-78"/>
+            </a:endParaRPr>
+          </a:p>
+          <a:p>
+            <a:pPr lvl="0">
+              <a:buChar char="•"/>
+            </a:pPr>
+            <a:r>
+              <a:rPr lang="en-US" sz="3600" dirty="0">
+                <a:solidFill>
+                  <a:srgbClr val="004868"/>
+                </a:solidFill>
+                <a:cs typeface="(A) Arslan Wessam A" panose="03020402040406030203" pitchFamily="66" charset="-78"/>
+              </a:rPr>
+              <a:t> </a:t>
+            </a:r>
+            <a:r>
+              <a:rPr lang="en-US" sz="3600" dirty="0" smtClean="0">
+                <a:solidFill>
+                  <a:srgbClr val="004868"/>
+                </a:solidFill>
+                <a:cs typeface="(A) Arslan Wessam A" panose="03020402040406030203" pitchFamily="66" charset="-78"/>
+              </a:rPr>
+              <a:t>Memory -&gt; </a:t>
+            </a:r>
+            <a:r>
+              <a:rPr lang="en-US" sz="3600" dirty="0" smtClean="0">
+                <a:solidFill>
+                  <a:srgbClr val="004868"/>
+                </a:solidFill>
+                <a:cs typeface="(A) Arslan Wessam A" panose="03020402040406030203" pitchFamily="66" charset="-78"/>
+              </a:rPr>
+              <a:t>volatility &amp; </a:t>
+            </a:r>
+            <a:r>
+              <a:rPr lang="en-US" sz="3600" dirty="0" err="1" smtClean="0">
+                <a:solidFill>
+                  <a:srgbClr val="004868"/>
+                </a:solidFill>
+                <a:cs typeface="(A) Arslan Wessam A" panose="03020402040406030203" pitchFamily="66" charset="-78"/>
+              </a:rPr>
+              <a:t>BelkaSoft</a:t>
+            </a:r>
+            <a:endParaRPr lang="en-US" sz="3600" dirty="0" smtClean="0">
+              <a:solidFill>
+                <a:srgbClr val="004868"/>
+              </a:solidFill>
+              <a:cs typeface="(A) Arslan Wessam A" panose="03020402040406030203" pitchFamily="66" charset="-78"/>
+            </a:endParaRPr>
+          </a:p>
+          <a:p>
+            <a:pPr lvl="0"/>
+            <a:endParaRPr lang="en-US" sz="3600" dirty="0" smtClean="0">
+              <a:solidFill>
+                <a:srgbClr val="004868"/>
+              </a:solidFill>
+              <a:cs typeface="(A) Arslan Wessam A" panose="03020402040406030203" pitchFamily="66" charset="-78"/>
+            </a:endParaRPr>
+          </a:p>
+          <a:p>
+            <a:pPr lvl="0">
+              <a:buChar char="•"/>
+            </a:pPr>
+            <a:r>
+              <a:rPr lang="en-US" sz="3600" dirty="0">
+                <a:solidFill>
+                  <a:srgbClr val="004868"/>
+                </a:solidFill>
+                <a:cs typeface="(A) Arslan Wessam A" panose="03020402040406030203" pitchFamily="66" charset="-78"/>
+              </a:rPr>
+              <a:t> </a:t>
+            </a:r>
+            <a:r>
+              <a:rPr lang="en-US" sz="3600" dirty="0" smtClean="0">
+                <a:solidFill>
+                  <a:srgbClr val="004868"/>
+                </a:solidFill>
+                <a:cs typeface="(A) Arslan Wessam A" panose="03020402040406030203" pitchFamily="66" charset="-78"/>
+              </a:rPr>
+              <a:t>Malicious document -&gt; </a:t>
+            </a:r>
+            <a:r>
+              <a:rPr lang="en-US" sz="3600" dirty="0" err="1" smtClean="0">
+                <a:solidFill>
+                  <a:srgbClr val="004868"/>
+                </a:solidFill>
+                <a:cs typeface="(A) Arslan Wessam A" panose="03020402040406030203" pitchFamily="66" charset="-78"/>
+              </a:rPr>
+              <a:t>PDFStreamDumper</a:t>
+            </a:r>
+            <a:r>
+              <a:rPr lang="en-US" sz="3600" dirty="0" smtClean="0">
+                <a:solidFill>
+                  <a:srgbClr val="004868"/>
+                </a:solidFill>
+                <a:cs typeface="(A) Arslan Wessam A" panose="03020402040406030203" pitchFamily="66" charset="-78"/>
+              </a:rPr>
+              <a:t> &amp; </a:t>
+            </a:r>
+            <a:r>
+              <a:rPr lang="en-US" sz="3600" dirty="0" err="1" smtClean="0">
+                <a:solidFill>
+                  <a:srgbClr val="004868"/>
+                </a:solidFill>
+                <a:cs typeface="(A) Arslan Wessam A" panose="03020402040406030203" pitchFamily="66" charset="-78"/>
+              </a:rPr>
+              <a:t>OLEtools</a:t>
+            </a:r>
+            <a:endParaRPr lang="en-US" sz="3600" dirty="0">
+              <a:solidFill>
+                <a:srgbClr val="004868"/>
+              </a:solidFill>
+              <a:cs typeface="(A) Arslan Wessam A" panose="03020402040406030203" pitchFamily="66" charset="-78"/>
+            </a:endParaRPr>
+          </a:p>
+        </p:txBody>
+      </p:sp>
+      <p:sp>
+        <p:nvSpPr>
+          <p:cNvPr id="10" name="Date Placeholder 10"/>
+          <p:cNvSpPr>
+            <a:spLocks noGrp="1"/>
+          </p:cNvSpPr>
+          <p:nvPr>
+            <p:ph type="dt" sz="half" idx="10"/>
+          </p:nvPr>
+        </p:nvSpPr>
+        <p:spPr>
+          <a:xfrm>
+            <a:off x="838200" y="6356350"/>
+            <a:ext cx="2743200" cy="365125"/>
+          </a:xfrm>
+        </p:spPr>
+        <p:txBody>
+          <a:bodyPr/>
+          <a:lstStyle/>
+          <a:p>
+            <a:fld id="{937D9445-FE1F-4C31-8DAB-30713F6C4372}" type="datetime1">
+              <a:rPr lang="en-US" sz="2400" smtClean="0">
+                <a:solidFill>
+                  <a:schemeClr val="bg1"/>
+                </a:solidFill>
+              </a:rPr>
+              <a:t>12/16/2021</a:t>
+            </a:fld>
+            <a:endParaRPr lang="en-US" sz="2400" dirty="0">
+              <a:solidFill>
+                <a:schemeClr val="bg1"/>
+              </a:solidFill>
+            </a:endParaRPr>
+          </a:p>
+        </p:txBody>
+      </p:sp>
+      <p:sp>
+        <p:nvSpPr>
+          <p:cNvPr id="12" name="Slide Number Placeholder 7"/>
+          <p:cNvSpPr>
+            <a:spLocks noGrp="1"/>
+          </p:cNvSpPr>
+          <p:nvPr>
+            <p:ph type="sldNum" sz="quarter" idx="12"/>
+          </p:nvPr>
+        </p:nvSpPr>
+        <p:spPr>
+          <a:xfrm>
+            <a:off x="8627767" y="6356350"/>
+            <a:ext cx="2743200" cy="365125"/>
+          </a:xfrm>
+        </p:spPr>
+        <p:txBody>
+          <a:bodyPr/>
+          <a:lstStyle/>
+          <a:p>
+            <a:r>
+              <a:rPr lang="en-US" sz="2400" dirty="0" smtClean="0">
+                <a:solidFill>
+                  <a:schemeClr val="bg1"/>
+                </a:solidFill>
+              </a:rPr>
+              <a:t>7</a:t>
+            </a:r>
+            <a:endParaRPr lang="en-US" sz="2400" dirty="0">
+              <a:solidFill>
+                <a:schemeClr val="bg1"/>
+              </a:solidFill>
+            </a:endParaRPr>
+          </a:p>
+        </p:txBody>
+      </p:sp>
+    </p:spTree>
+    <p:extLst>
+      <p:ext uri="{BB962C8B-B14F-4D97-AF65-F5344CB8AC3E}">
+        <p14:creationId xmlns:p14="http://schemas.microsoft.com/office/powerpoint/2010/main" val="3482995316"/>
+      </p:ext>
+    </p:extLst>
+  </p:cSld>
+  <p:clrMapOvr>
+    <a:masterClrMapping/>
+  </p:clrMapOvr>
+  <p:transition spd="slow">
+    <p:cover/>
+  </p:transition>
+  <p:timing>
+    <p:tnLst>
+      <p:par>
+        <p:cTn id="1" dur="indefinite" restart="never" nodeType="tmRoot">
+          <p:childTnLst>
+            <p:seq concurrent="1" nextAc="seek">
+              <p:cTn id="2" dur="indefinite" nodeType="mainSeq">
+                <p:childTnLst>
+                  <p:par>
+                    <p:cTn id="3" fill="hold">
+                      <p:stCondLst>
+                        <p:cond delay="indefinite"/>
+                      </p:stCondLst>
+                      <p:childTnLst>
+                        <p:par>
+                          <p:cTn id="4" fill="hold">
+                            <p:stCondLst>
+                              <p:cond delay="0"/>
+                            </p:stCondLst>
+                            <p:childTnLst>
+                              <p:par>
+                                <p:cTn id="5" presetID="1" presetClass="entr" presetSubtype="0" fill="hold" grpId="0" nodeType="clickEffect">
+                                  <p:stCondLst>
+                                    <p:cond delay="0"/>
+                                  </p:stCondLst>
+                                  <p:childTnLst>
+                                    <p:set>
+                                      <p:cBhvr>
+                                        <p:cTn id="6" dur="1" fill="hold">
+                                          <p:stCondLst>
+                                            <p:cond delay="0"/>
+                                          </p:stCondLst>
+                                        </p:cTn>
+                                        <p:tgtEl>
+                                          <p:spTgt spid="6">
+                                            <p:txEl>
+                                              <p:pRg st="0" end="0"/>
+                                            </p:txEl>
+                                          </p:spTgt>
+                                        </p:tgtEl>
+                                        <p:attrNameLst>
+                                          <p:attrName>style.visibility</p:attrName>
+                                        </p:attrNameLst>
+                                      </p:cBhvr>
+                                      <p:to>
+                                        <p:strVal val="visible"/>
+                                      </p:to>
+                                    </p:set>
+                                  </p:childTnLst>
+                                  <p:subTnLst>
+                                    <p:animClr clrSpc="rgb" dir="cw">
+                                      <p:cBhvr override="childStyle">
+                                        <p:cTn dur="1" fill="hold" display="0" masterRel="nextClick" afterEffect="1"/>
+                                        <p:tgtEl>
+                                          <p:spTgt spid="6">
+                                            <p:txEl>
+                                              <p:pRg st="0" end="0"/>
+                                            </p:txEl>
+                                          </p:spTgt>
+                                        </p:tgtEl>
+                                        <p:attrNameLst>
+                                          <p:attrName>ppt_c</p:attrName>
+                                        </p:attrNameLst>
+                                      </p:cBhvr>
+                                      <p:to>
+                                        <a:srgbClr val="828282"/>
+                                      </p:to>
+                                    </p:animClr>
+                                  </p:subTnLst>
+                                </p:cTn>
+                              </p:par>
+                            </p:childTnLst>
+                          </p:cTn>
+                        </p:par>
+                      </p:childTnLst>
+                    </p:cTn>
+                  </p:par>
+                  <p:par>
+                    <p:cTn id="7" fill="hold">
+                      <p:stCondLst>
+                        <p:cond delay="indefinite"/>
+                      </p:stCondLst>
+                      <p:childTnLst>
+                        <p:par>
+                          <p:cTn id="8" fill="hold">
+                            <p:stCondLst>
+                              <p:cond delay="0"/>
+                            </p:stCondLst>
+                            <p:childTnLst>
+                              <p:par>
+                                <p:cTn id="9" presetID="1" presetClass="entr" presetSubtype="0" fill="hold" grpId="0" nodeType="clickEffect">
+                                  <p:stCondLst>
+                                    <p:cond delay="0"/>
+                                  </p:stCondLst>
+                                  <p:childTnLst>
+                                    <p:set>
+                                      <p:cBhvr>
+                                        <p:cTn id="10" dur="1" fill="hold">
+                                          <p:stCondLst>
+                                            <p:cond delay="0"/>
+                                          </p:stCondLst>
+                                        </p:cTn>
+                                        <p:tgtEl>
+                                          <p:spTgt spid="6">
+                                            <p:txEl>
+                                              <p:pRg st="2" end="2"/>
+                                            </p:txEl>
+                                          </p:spTgt>
+                                        </p:tgtEl>
+                                        <p:attrNameLst>
+                                          <p:attrName>style.visibility</p:attrName>
+                                        </p:attrNameLst>
+                                      </p:cBhvr>
+                                      <p:to>
+                                        <p:strVal val="visible"/>
+                                      </p:to>
+                                    </p:set>
+                                  </p:childTnLst>
+                                  <p:subTnLst>
+                                    <p:animClr clrSpc="rgb" dir="cw">
+                                      <p:cBhvr override="childStyle">
+                                        <p:cTn dur="1" fill="hold" display="0" masterRel="nextClick" afterEffect="1"/>
+                                        <p:tgtEl>
+                                          <p:spTgt spid="6">
+                                            <p:txEl>
+                                              <p:pRg st="2" end="2"/>
+                                            </p:txEl>
+                                          </p:spTgt>
+                                        </p:tgtEl>
+                                        <p:attrNameLst>
+                                          <p:attrName>ppt_c</p:attrName>
+                                        </p:attrNameLst>
+                                      </p:cBhvr>
+                                      <p:to>
+                                        <a:srgbClr val="828282"/>
+                                      </p:to>
+                                    </p:animClr>
+                                  </p:subTnLst>
+                                </p:cTn>
+                              </p:par>
+                            </p:childTnLst>
+                          </p:cTn>
+                        </p:par>
+                      </p:childTnLst>
+                    </p:cTn>
+                  </p:par>
+                  <p:par>
+                    <p:cTn id="11" fill="hold">
+                      <p:stCondLst>
+                        <p:cond delay="indefinite"/>
+                      </p:stCondLst>
+                      <p:childTnLst>
+                        <p:par>
+                          <p:cTn id="12" fill="hold">
+                            <p:stCondLst>
+                              <p:cond delay="0"/>
+                            </p:stCondLst>
+                            <p:childTnLst>
+                              <p:par>
+                                <p:cTn id="13" presetID="1" presetClass="entr" presetSubtype="0" fill="hold" grpId="0" nodeType="clickEffect">
+                                  <p:stCondLst>
+                                    <p:cond delay="0"/>
+                                  </p:stCondLst>
+                                  <p:childTnLst>
+                                    <p:set>
+                                      <p:cBhvr>
+                                        <p:cTn id="14" dur="1" fill="hold">
+                                          <p:stCondLst>
+                                            <p:cond delay="0"/>
+                                          </p:stCondLst>
+                                        </p:cTn>
+                                        <p:tgtEl>
+                                          <p:spTgt spid="6">
+                                            <p:txEl>
+                                              <p:pRg st="4" end="4"/>
+                                            </p:txEl>
+                                          </p:spTgt>
+                                        </p:tgtEl>
+                                        <p:attrNameLst>
+                                          <p:attrName>style.visibility</p:attrName>
+                                        </p:attrNameLst>
+                                      </p:cBhvr>
+                                      <p:to>
+                                        <p:strVal val="visible"/>
+                                      </p:to>
+                                    </p:set>
+                                  </p:childTnLst>
+                                  <p:subTnLst>
+                                    <p:animClr clrSpc="rgb" dir="cw">
+                                      <p:cBhvr override="childStyle">
+                                        <p:cTn dur="1" fill="hold" display="0" masterRel="nextClick" afterEffect="1"/>
+                                        <p:tgtEl>
+                                          <p:spTgt spid="6">
+                                            <p:txEl>
+                                              <p:pRg st="4" end="4"/>
+                                            </p:txEl>
+                                          </p:spTgt>
+                                        </p:tgtEl>
+                                        <p:attrNameLst>
+                                          <p:attrName>ppt_c</p:attrName>
+                                        </p:attrNameLst>
+                                      </p:cBhvr>
+                                      <p:to>
+                                        <a:srgbClr val="828282"/>
+                                      </p:to>
+                                    </p:animClr>
+                                  </p:subTnLst>
+                                </p:cTn>
+                              </p:par>
+                            </p:childTnLst>
+                          </p:cTn>
+                        </p:par>
+                      </p:childTnLst>
+                    </p:cTn>
+                  </p:par>
+                  <p:par>
+                    <p:cTn id="15" fill="hold">
+                      <p:stCondLst>
+                        <p:cond delay="indefinite"/>
+                      </p:stCondLst>
+                      <p:childTnLst>
+                        <p:par>
+                          <p:cTn id="16" fill="hold">
+                            <p:stCondLst>
+                              <p:cond delay="0"/>
+                            </p:stCondLst>
+                            <p:childTnLst>
+                              <p:par>
+                                <p:cTn id="17" presetID="1" presetClass="entr" presetSubtype="0" fill="hold" grpId="0" nodeType="clickEffect">
+                                  <p:stCondLst>
+                                    <p:cond delay="0"/>
+                                  </p:stCondLst>
+                                  <p:childTnLst>
+                                    <p:set>
+                                      <p:cBhvr>
+                                        <p:cTn id="18" dur="1" fill="hold">
+                                          <p:stCondLst>
+                                            <p:cond delay="0"/>
+                                          </p:stCondLst>
+                                        </p:cTn>
+                                        <p:tgtEl>
+                                          <p:spTgt spid="6">
+                                            <p:txEl>
+                                              <p:pRg st="6" end="6"/>
+                                            </p:txEl>
+                                          </p:spTgt>
+                                        </p:tgtEl>
+                                        <p:attrNameLst>
+                                          <p:attrName>style.visibility</p:attrName>
+                                        </p:attrNameLst>
+                                      </p:cBhvr>
+                                      <p:to>
+                                        <p:strVal val="visible"/>
+                                      </p:to>
+                                    </p:set>
+                                  </p:childTnLst>
+                                  <p:subTnLst>
+                                    <p:animClr clrSpc="rgb" dir="cw">
+                                      <p:cBhvr override="childStyle">
+                                        <p:cTn dur="1" fill="hold" display="0" masterRel="nextClick" afterEffect="1"/>
+                                        <p:tgtEl>
+                                          <p:spTgt spid="6">
+                                            <p:txEl>
+                                              <p:pRg st="6" end="6"/>
+                                            </p:txEl>
+                                          </p:spTgt>
+                                        </p:tgtEl>
+                                        <p:attrNameLst>
+                                          <p:attrName>ppt_c</p:attrName>
+                                        </p:attrNameLst>
+                                      </p:cBhvr>
+                                      <p:to>
+                                        <a:srgbClr val="828282"/>
+                                      </p:to>
+                                    </p:animClr>
+                                  </p:subTnLst>
+                                </p:cTn>
+                              </p:par>
+                            </p:childTnLst>
+                          </p:cTn>
+                        </p:par>
+                      </p:childTnLst>
+                    </p:cTn>
+                  </p:par>
+                </p:childTnLst>
+              </p:cTn>
+              <p:prevCondLst>
+                <p:cond evt="onPrev" delay="0">
+                  <p:tgtEl>
+                    <p:sldTgt/>
+                  </p:tgtEl>
+                </p:cond>
+              </p:prevCondLst>
+              <p:nextCondLst>
+                <p:cond evt="onNext" delay="0">
+                  <p:tgtEl>
+                    <p:sldTgt/>
+                  </p:tgtEl>
+                </p:cond>
+              </p:nextCondLst>
+            </p:seq>
+          </p:childTnLst>
+        </p:cTn>
+      </p:par>
+    </p:tnLst>
+    <p:bldLst>
+      <p:bldP spid="6" grpId="0" build="p"/>
+    </p:bldLst>
+  </p:timing>
+</p:sld>
+</file>
+
+<file path=ppt/slides/slide8.xml><?xml version="1.0" encoding="utf-8"?>
+<p:sld xmlns:a="http://schemas.openxmlformats.org/drawingml/2006/main" xmlns:r="http://schemas.openxmlformats.org/officeDocument/2006/relationships" xmlns:p="http://schemas.openxmlformats.org/presentationml/2006/main">
+  <p:cSld>
+    <p:spTree>
+      <p:nvGrpSpPr>
+        <p:cNvPr id="1" name=""/>
+        <p:cNvGrpSpPr/>
+        <p:nvPr/>
+      </p:nvGrpSpPr>
+      <p:grpSpPr>
+        <a:xfrm>
+          <a:off x="0" y="0"/>
+          <a:ext cx="0" cy="0"/>
+          <a:chOff x="0" y="0"/>
+          <a:chExt cx="0" cy="0"/>
+        </a:xfrm>
+      </p:grpSpPr>
+      <p:sp>
+        <p:nvSpPr>
+          <p:cNvPr id="2" name="Title 1"/>
+          <p:cNvSpPr>
+            <a:spLocks noGrp="1"/>
+          </p:cNvSpPr>
+          <p:nvPr>
+            <p:ph type="ctrTitle"/>
+          </p:nvPr>
+        </p:nvSpPr>
+        <p:spPr>
+          <a:xfrm>
+            <a:off x="463638" y="193183"/>
+            <a:ext cx="11281893" cy="686927"/>
+          </a:xfrm>
+        </p:spPr>
+        <p:txBody>
+          <a:bodyPr>
+            <a:normAutofit fontScale="90000"/>
+          </a:bodyPr>
+          <a:lstStyle/>
+          <a:p>
+            <a:pPr lvl="0"/>
+            <a:r>
+              <a:rPr lang="en-US" sz="4400" b="1" dirty="0">
+                <a:solidFill>
+                  <a:srgbClr val="004868"/>
+                </a:solidFill>
+                <a:cs typeface="(A) Arslan Wessam A" panose="03020402040406030203" pitchFamily="66" charset="-78"/>
+              </a:rPr>
+              <a:t>Where DFIR analysts work?</a:t>
+            </a:r>
+          </a:p>
+        </p:txBody>
+      </p:sp>
+      <p:pic>
+        <p:nvPicPr>
+          <p:cNvPr id="5" name="Picture 4"/>
+          <p:cNvPicPr>
+            <a:picLocks noChangeAspect="1"/>
+          </p:cNvPicPr>
+          <p:nvPr/>
+        </p:nvPicPr>
+        <p:blipFill>
+          <a:blip r:embed="rId3">
+            <a:extLst>
+              <a:ext uri="{28A0092B-C50C-407E-A947-70E740481C1C}">
+                <a14:useLocalDpi xmlns:a14="http://schemas.microsoft.com/office/drawing/2010/main" val="0"/>
+              </a:ext>
+            </a:extLst>
+          </a:blip>
+          <a:stretch>
+            <a:fillRect/>
+          </a:stretch>
+        </p:blipFill>
+        <p:spPr>
+          <a:xfrm>
+            <a:off x="0" y="6228460"/>
+            <a:ext cx="12192000" cy="671785"/>
+          </a:xfrm>
+          <a:prstGeom prst="rect">
+            <a:avLst/>
+          </a:prstGeom>
+        </p:spPr>
+      </p:pic>
+      <p:sp>
+        <p:nvSpPr>
+          <p:cNvPr id="7" name="Footer Placeholder 4">
+            <a:extLst>
+              <a:ext uri="{FF2B5EF4-FFF2-40B4-BE49-F238E27FC236}">
+                <a16:creationId xmlns="" xmlns:a16="http://schemas.microsoft.com/office/drawing/2014/main" xmlns:lc="http://schemas.openxmlformats.org/drawingml/2006/lockedCanvas" id="{59271489-1EC6-0D4E-BF28-047FF1DDB132}"/>
+              </a:ext>
+            </a:extLst>
+          </p:cNvPr>
+          <p:cNvSpPr>
+            <a:spLocks noGrp="1"/>
+          </p:cNvSpPr>
+          <p:nvPr/>
+        </p:nvSpPr>
+        <p:spPr>
+          <a:xfrm>
+            <a:off x="4507604" y="6381789"/>
+            <a:ext cx="3193961" cy="365125"/>
+          </a:xfrm>
+          <a:prstGeom prst="rect">
+            <a:avLst/>
+          </a:prstGeom>
+        </p:spPr>
+        <p:txBody>
+          <a:bodyPr vert="horz" lIns="91440" tIns="45720" rIns="91440" bIns="45720" rtlCol="0" anchor="ctr"/>
+          <a:lstStyle>
+            <a:defPPr>
+              <a:defRPr lang="en-US"/>
+            </a:defPPr>
+            <a:lvl1pPr marL="0" algn="ctr" defTabSz="914400" rtl="0" eaLnBrk="1" latinLnBrk="0" hangingPunct="1">
+              <a:defRPr sz="1200" kern="1200">
+                <a:solidFill>
+                  <a:schemeClr val="tx1">
+                    <a:tint val="75000"/>
+                  </a:schemeClr>
+                </a:solidFill>
+                <a:latin typeface="+mn-lt"/>
+                <a:ea typeface="+mn-ea"/>
+                <a:cs typeface="+mn-cs"/>
+              </a:defRPr>
+            </a:lvl1pPr>
+            <a:lvl2pPr marL="457200" algn="l" defTabSz="914400" rtl="0" eaLnBrk="1" latinLnBrk="0" hangingPunct="1">
+              <a:defRPr sz="1800" kern="1200">
+                <a:solidFill>
+                  <a:schemeClr val="tx1"/>
+                </a:solidFill>
+                <a:latin typeface="+mn-lt"/>
+                <a:ea typeface="+mn-ea"/>
+                <a:cs typeface="+mn-cs"/>
+              </a:defRPr>
+            </a:lvl2pPr>
+            <a:lvl3pPr marL="914400" algn="l" defTabSz="914400" rtl="0" eaLnBrk="1" latinLnBrk="0" hangingPunct="1">
+              <a:defRPr sz="1800" kern="1200">
+                <a:solidFill>
+                  <a:schemeClr val="tx1"/>
+                </a:solidFill>
+                <a:latin typeface="+mn-lt"/>
+                <a:ea typeface="+mn-ea"/>
+                <a:cs typeface="+mn-cs"/>
+              </a:defRPr>
+            </a:lvl3pPr>
+            <a:lvl4pPr marL="1371600" algn="l" defTabSz="914400" rtl="0" eaLnBrk="1" latinLnBrk="0" hangingPunct="1">
+              <a:defRPr sz="1800" kern="1200">
+                <a:solidFill>
+                  <a:schemeClr val="tx1"/>
+                </a:solidFill>
+                <a:latin typeface="+mn-lt"/>
+                <a:ea typeface="+mn-ea"/>
+                <a:cs typeface="+mn-cs"/>
+              </a:defRPr>
+            </a:lvl4pPr>
+            <a:lvl5pPr marL="1828800" algn="l" defTabSz="914400" rtl="0" eaLnBrk="1" latinLnBrk="0" hangingPunct="1">
+              <a:defRPr sz="1800" kern="1200">
+                <a:solidFill>
+                  <a:schemeClr val="tx1"/>
+                </a:solidFill>
+                <a:latin typeface="+mn-lt"/>
+                <a:ea typeface="+mn-ea"/>
+                <a:cs typeface="+mn-cs"/>
+              </a:defRPr>
+            </a:lvl5pPr>
+            <a:lvl6pPr marL="2286000" algn="l" defTabSz="914400" rtl="0" eaLnBrk="1" latinLnBrk="0" hangingPunct="1">
+              <a:defRPr sz="1800" kern="1200">
+                <a:solidFill>
+                  <a:schemeClr val="tx1"/>
+                </a:solidFill>
+                <a:latin typeface="+mn-lt"/>
+                <a:ea typeface="+mn-ea"/>
+                <a:cs typeface="+mn-cs"/>
+              </a:defRPr>
+            </a:lvl6pPr>
+            <a:lvl7pPr marL="2743200" algn="l" defTabSz="914400" rtl="0" eaLnBrk="1" latinLnBrk="0" hangingPunct="1">
+              <a:defRPr sz="1800" kern="1200">
+                <a:solidFill>
+                  <a:schemeClr val="tx1"/>
+                </a:solidFill>
+                <a:latin typeface="+mn-lt"/>
+                <a:ea typeface="+mn-ea"/>
+                <a:cs typeface="+mn-cs"/>
+              </a:defRPr>
+            </a:lvl7pPr>
+            <a:lvl8pPr marL="3200400" algn="l" defTabSz="914400" rtl="0" eaLnBrk="1" latinLnBrk="0" hangingPunct="1">
+              <a:defRPr sz="1800" kern="1200">
+                <a:solidFill>
+                  <a:schemeClr val="tx1"/>
+                </a:solidFill>
+                <a:latin typeface="+mn-lt"/>
+                <a:ea typeface="+mn-ea"/>
+                <a:cs typeface="+mn-cs"/>
+              </a:defRPr>
+            </a:lvl8pPr>
+            <a:lvl9pPr marL="3657600" algn="l" defTabSz="914400" rtl="0" eaLnBrk="1" latinLnBrk="0" hangingPunct="1">
+              <a:defRPr sz="1800" kern="1200">
+                <a:solidFill>
+                  <a:schemeClr val="tx1"/>
+                </a:solidFill>
+                <a:latin typeface="+mn-lt"/>
+                <a:ea typeface="+mn-ea"/>
+                <a:cs typeface="+mn-cs"/>
+              </a:defRPr>
+            </a:lvl9pPr>
+          </a:lstStyle>
+          <a:p>
+            <a:r>
+              <a:rPr lang="en-US" sz="2400" dirty="0" smtClean="0">
+                <a:solidFill>
+                  <a:schemeClr val="bg1"/>
+                </a:solidFill>
+              </a:rPr>
+              <a:t>Mohammed </a:t>
+            </a:r>
+            <a:r>
+              <a:rPr lang="en-US" sz="2400" dirty="0" err="1" smtClean="0">
+                <a:solidFill>
+                  <a:schemeClr val="bg1"/>
+                </a:solidFill>
+              </a:rPr>
+              <a:t>Hasan</a:t>
+            </a:r>
+            <a:endParaRPr lang="en-US" sz="2400" dirty="0">
+              <a:solidFill>
+                <a:schemeClr val="bg1"/>
+              </a:solidFill>
+            </a:endParaRPr>
+          </a:p>
+        </p:txBody>
+      </p:sp>
+      <p:sp>
+        <p:nvSpPr>
+          <p:cNvPr id="6" name="Rectangle 5"/>
+          <p:cNvSpPr/>
+          <p:nvPr/>
+        </p:nvSpPr>
+        <p:spPr>
+          <a:xfrm>
+            <a:off x="463638" y="1204645"/>
             <a:ext cx="11281893" cy="3881705"/>
           </a:xfrm>
           <a:prstGeom prst="rect">
@@ -10128,12 +9930,6 @@
               </a:rPr>
               <a:t>public sector – including the health sector. </a:t>
             </a:r>
-            <a:endParaRPr lang="en-US" sz="2800" dirty="0">
-              <a:solidFill>
-                <a:srgbClr val="004868"/>
-              </a:solidFill>
-              <a:cs typeface="(A) Arslan Wessam A" panose="03020402040406030203" pitchFamily="66" charset="-78"/>
-            </a:endParaRPr>
           </a:p>
         </p:txBody>
       </p:sp>
@@ -10163,7 +9959,7 @@
                   <a:schemeClr val="bg1"/>
                 </a:solidFill>
               </a:rPr>
-              <a:t>12/13/2021</a:t>
+              <a:t>12/16/2021</a:t>
             </a:fld>
             <a:endParaRPr lang="en-US" sz="2400" dirty="0">
               <a:solidFill>
@@ -10199,7 +9995,7 @@
                   <a:schemeClr val="bg1"/>
                 </a:solidFill>
               </a:rPr>
-              <a:t>7</a:t>
+              <a:t>8</a:t>
             </a:r>
             <a:endParaRPr lang="en-US" sz="2400" dirty="0">
               <a:solidFill>
@@ -10741,7 +10537,7 @@
 </p:sld>
 </file>
 
-<file path=ppt/slides/slide8.xml><?xml version="1.0" encoding="utf-8"?>
+<file path=ppt/slides/slide9.xml><?xml version="1.0" encoding="utf-8"?>
 <p:sld xmlns:a="http://schemas.openxmlformats.org/drawingml/2006/main" xmlns:r="http://schemas.openxmlformats.org/officeDocument/2006/relationships" xmlns:p="http://schemas.openxmlformats.org/presentationml/2006/main">
   <p:cSld>
     <p:spTree>
@@ -10780,20 +10576,16 @@
           </a:bodyPr>
           <a:lstStyle/>
           <a:p>
-            <a:r>
-              <a:rPr lang="en-US" sz="4400" b="1" dirty="0" smtClean="0">
+            <a:pPr lvl="0"/>
+            <a:r>
+              <a:rPr lang="en-US" sz="4400" b="1" dirty="0">
                 <a:solidFill>
                   <a:srgbClr val="004868"/>
                 </a:solidFill>
                 <a:cs typeface="(A) Arslan Wessam A" panose="03020402040406030203" pitchFamily="66" charset="-78"/>
               </a:rPr>
-              <a:t>Demo</a:t>
-            </a:r>
-            <a:endParaRPr lang="en-US" sz="4400" b="1" dirty="0">
-              <a:solidFill>
-                <a:srgbClr val="00567E"/>
-              </a:solidFill>
-            </a:endParaRPr>
+              <a:t>How to learn it (resources)?</a:t>
+            </a:r>
           </a:p>
         </p:txBody>
       </p:sp>
@@ -10832,7 +10624,7 @@
           <p:cNvPr id="7" name="Footer Placeholder 4">
             <a:extLst>
               <a:ext uri="{FF2B5EF4-FFF2-40B4-BE49-F238E27FC236}">
-                <a16:creationId xmlns:lc="http://schemas.openxmlformats.org/drawingml/2006/lockedCanvas" xmlns:a16="http://schemas.microsoft.com/office/drawing/2014/main" xmlns="" id="{59271489-1EC6-0D4E-BF28-047FF1DDB132}"/>
+                <a16:creationId xmlns="" xmlns:a16="http://schemas.microsoft.com/office/drawing/2014/main" xmlns:lc="http://schemas.openxmlformats.org/drawingml/2006/lockedCanvas" id="{59271489-1EC6-0D4E-BF28-047FF1DDB132}"/>
               </a:ext>
             </a:extLst>
           </p:cNvPr>
@@ -10982,807 +10774,6 @@
         </p:nvSpPr>
         <p:spPr>
           <a:xfrm>
-            <a:off x="463638" y="1204645"/>
-            <a:ext cx="11281893" cy="4998374"/>
-          </a:xfrm>
-          <a:prstGeom prst="rect">
-            <a:avLst/>
-          </a:prstGeom>
-        </p:spPr>
-        <p:txBody>
-          <a:bodyPr/>
-          <a:lstStyle/>
-          <a:p>
-            <a:pPr lvl="0">
-              <a:buChar char="•"/>
-            </a:pPr>
-            <a:r>
-              <a:rPr lang="en-US" sz="3600" dirty="0" smtClean="0">
-                <a:solidFill>
-                  <a:srgbClr val="004868"/>
-                </a:solidFill>
-                <a:cs typeface="(A) Arslan Wessam A" panose="03020402040406030203" pitchFamily="66" charset="-78"/>
-              </a:rPr>
-              <a:t> Network -&gt; </a:t>
-            </a:r>
-            <a:r>
-              <a:rPr lang="en-US" sz="3600" dirty="0" err="1" smtClean="0">
-                <a:solidFill>
-                  <a:srgbClr val="004868"/>
-                </a:solidFill>
-                <a:cs typeface="(A) Arslan Wessam A" panose="03020402040406030203" pitchFamily="66" charset="-78"/>
-              </a:rPr>
-              <a:t>Wireshark</a:t>
-            </a:r>
-            <a:endParaRPr lang="en-US" sz="3600" dirty="0" smtClean="0">
-              <a:solidFill>
-                <a:srgbClr val="004868"/>
-              </a:solidFill>
-              <a:cs typeface="(A) Arslan Wessam A" panose="03020402040406030203" pitchFamily="66" charset="-78"/>
-            </a:endParaRPr>
-          </a:p>
-          <a:p>
-            <a:pPr lvl="0"/>
-            <a:endParaRPr lang="en-US" sz="3600" dirty="0" smtClean="0">
-              <a:solidFill>
-                <a:srgbClr val="004868"/>
-              </a:solidFill>
-              <a:cs typeface="(A) Arslan Wessam A" panose="03020402040406030203" pitchFamily="66" charset="-78"/>
-            </a:endParaRPr>
-          </a:p>
-          <a:p>
-            <a:pPr lvl="0">
-              <a:buChar char="•"/>
-            </a:pPr>
-            <a:r>
-              <a:rPr lang="en-US" sz="3600" dirty="0">
-                <a:solidFill>
-                  <a:srgbClr val="004868"/>
-                </a:solidFill>
-                <a:cs typeface="(A) Arslan Wessam A" panose="03020402040406030203" pitchFamily="66" charset="-78"/>
-              </a:rPr>
-              <a:t> </a:t>
-            </a:r>
-            <a:r>
-              <a:rPr lang="en-US" sz="3600" dirty="0" smtClean="0">
-                <a:solidFill>
-                  <a:srgbClr val="004868"/>
-                </a:solidFill>
-                <a:cs typeface="(A) Arslan Wessam A" panose="03020402040406030203" pitchFamily="66" charset="-78"/>
-              </a:rPr>
-              <a:t>Disk image -&gt; </a:t>
-            </a:r>
-            <a:r>
-              <a:rPr lang="en-US" sz="3600" dirty="0" err="1" smtClean="0">
-                <a:solidFill>
-                  <a:srgbClr val="004868"/>
-                </a:solidFill>
-                <a:cs typeface="(A) Arslan Wessam A" panose="03020402040406030203" pitchFamily="66" charset="-78"/>
-              </a:rPr>
-              <a:t>arsenalimagemounter</a:t>
-            </a:r>
-            <a:endParaRPr lang="en-US" sz="3600" dirty="0" smtClean="0">
-              <a:solidFill>
-                <a:srgbClr val="004868"/>
-              </a:solidFill>
-              <a:cs typeface="(A) Arslan Wessam A" panose="03020402040406030203" pitchFamily="66" charset="-78"/>
-            </a:endParaRPr>
-          </a:p>
-          <a:p>
-            <a:pPr lvl="0"/>
-            <a:endParaRPr lang="en-US" sz="3600" dirty="0" smtClean="0">
-              <a:solidFill>
-                <a:srgbClr val="004868"/>
-              </a:solidFill>
-              <a:cs typeface="(A) Arslan Wessam A" panose="03020402040406030203" pitchFamily="66" charset="-78"/>
-            </a:endParaRPr>
-          </a:p>
-          <a:p>
-            <a:pPr lvl="0">
-              <a:buChar char="•"/>
-            </a:pPr>
-            <a:r>
-              <a:rPr lang="en-US" sz="3600" dirty="0">
-                <a:solidFill>
-                  <a:srgbClr val="004868"/>
-                </a:solidFill>
-                <a:cs typeface="(A) Arslan Wessam A" panose="03020402040406030203" pitchFamily="66" charset="-78"/>
-              </a:rPr>
-              <a:t> </a:t>
-            </a:r>
-            <a:r>
-              <a:rPr lang="en-US" sz="3600" dirty="0" smtClean="0">
-                <a:solidFill>
-                  <a:srgbClr val="004868"/>
-                </a:solidFill>
-                <a:cs typeface="(A) Arslan Wessam A" panose="03020402040406030203" pitchFamily="66" charset="-78"/>
-              </a:rPr>
-              <a:t>Memory -&gt; volatility</a:t>
-            </a:r>
-          </a:p>
-          <a:p>
-            <a:pPr lvl="0"/>
-            <a:endParaRPr lang="en-US" sz="3600" dirty="0" smtClean="0">
-              <a:solidFill>
-                <a:srgbClr val="004868"/>
-              </a:solidFill>
-              <a:cs typeface="(A) Arslan Wessam A" panose="03020402040406030203" pitchFamily="66" charset="-78"/>
-            </a:endParaRPr>
-          </a:p>
-          <a:p>
-            <a:pPr lvl="0">
-              <a:buChar char="•"/>
-            </a:pPr>
-            <a:r>
-              <a:rPr lang="en-US" sz="3600" dirty="0">
-                <a:solidFill>
-                  <a:srgbClr val="004868"/>
-                </a:solidFill>
-                <a:cs typeface="(A) Arslan Wessam A" panose="03020402040406030203" pitchFamily="66" charset="-78"/>
-              </a:rPr>
-              <a:t> </a:t>
-            </a:r>
-            <a:r>
-              <a:rPr lang="en-US" sz="3600" dirty="0" smtClean="0">
-                <a:solidFill>
-                  <a:srgbClr val="004868"/>
-                </a:solidFill>
-                <a:cs typeface="(A) Arslan Wessam A" panose="03020402040406030203" pitchFamily="66" charset="-78"/>
-              </a:rPr>
-              <a:t>Malicious document -&gt; </a:t>
-            </a:r>
-            <a:r>
-              <a:rPr lang="en-US" sz="3600" dirty="0" err="1" smtClean="0">
-                <a:solidFill>
-                  <a:srgbClr val="004868"/>
-                </a:solidFill>
-                <a:cs typeface="(A) Arslan Wessam A" panose="03020402040406030203" pitchFamily="66" charset="-78"/>
-              </a:rPr>
-              <a:t>PDFStreamDumper</a:t>
-            </a:r>
-            <a:endParaRPr lang="en-US" sz="3600" dirty="0">
-              <a:solidFill>
-                <a:srgbClr val="004868"/>
-              </a:solidFill>
-              <a:cs typeface="(A) Arslan Wessam A" panose="03020402040406030203" pitchFamily="66" charset="-78"/>
-            </a:endParaRPr>
-          </a:p>
-        </p:txBody>
-      </p:sp>
-      <p:sp>
-        <p:nvSpPr>
-          <p:cNvPr id="10" name="Date Placeholder 10"/>
-          <p:cNvSpPr>
-            <a:spLocks noGrp="1"/>
-          </p:cNvSpPr>
-          <p:nvPr>
-            <p:ph type="dt" sz="half" idx="10"/>
-          </p:nvPr>
-        </p:nvSpPr>
-        <p:spPr>
-          <a:xfrm>
-            <a:off x="838200" y="6356350"/>
-            <a:ext cx="2743200" cy="365125"/>
-          </a:xfrm>
-        </p:spPr>
-        <p:txBody>
-          <a:bodyPr/>
-          <a:lstStyle/>
-          <a:p>
-            <a:fld id="{937D9445-FE1F-4C31-8DAB-30713F6C4372}" type="datetime1">
-              <a:rPr lang="en-US" sz="2400" smtClean="0">
-                <a:solidFill>
-                  <a:schemeClr val="bg1"/>
-                </a:solidFill>
-              </a:rPr>
-              <a:t>12/13/2021</a:t>
-            </a:fld>
-            <a:endParaRPr lang="en-US" sz="2400" dirty="0">
-              <a:solidFill>
-                <a:schemeClr val="bg1"/>
-              </a:solidFill>
-            </a:endParaRPr>
-          </a:p>
-        </p:txBody>
-      </p:sp>
-      <p:sp>
-        <p:nvSpPr>
-          <p:cNvPr id="12" name="Slide Number Placeholder 7"/>
-          <p:cNvSpPr>
-            <a:spLocks noGrp="1"/>
-          </p:cNvSpPr>
-          <p:nvPr>
-            <p:ph type="sldNum" sz="quarter" idx="12"/>
-          </p:nvPr>
-        </p:nvSpPr>
-        <p:spPr>
-          <a:xfrm>
-            <a:off x="8627767" y="6356350"/>
-            <a:ext cx="2743200" cy="365125"/>
-          </a:xfrm>
-        </p:spPr>
-        <p:txBody>
-          <a:bodyPr/>
-          <a:lstStyle/>
-          <a:p>
-            <a:r>
-              <a:rPr lang="en-US" sz="2400" dirty="0" smtClean="0">
-                <a:solidFill>
-                  <a:schemeClr val="bg1"/>
-                </a:solidFill>
-              </a:rPr>
-              <a:t>8</a:t>
-            </a:r>
-            <a:endParaRPr lang="en-US" sz="2400" dirty="0">
-              <a:solidFill>
-                <a:schemeClr val="bg1"/>
-              </a:solidFill>
-            </a:endParaRPr>
-          </a:p>
-        </p:txBody>
-      </p:sp>
-    </p:spTree>
-    <p:extLst>
-      <p:ext uri="{BB962C8B-B14F-4D97-AF65-F5344CB8AC3E}">
-        <p14:creationId xmlns:p14="http://schemas.microsoft.com/office/powerpoint/2010/main" val="3482995316"/>
-      </p:ext>
-    </p:extLst>
-  </p:cSld>
-  <p:clrMapOvr>
-    <a:masterClrMapping/>
-  </p:clrMapOvr>
-  <p:transition spd="slow">
-    <p:cover/>
-  </p:transition>
-  <p:timing>
-    <p:tnLst>
-      <p:par>
-        <p:cTn id="1" dur="indefinite" restart="never" nodeType="tmRoot">
-          <p:childTnLst>
-            <p:seq concurrent="1" nextAc="seek">
-              <p:cTn id="2" dur="indefinite" nodeType="mainSeq">
-                <p:childTnLst>
-                  <p:par>
-                    <p:cTn id="3" fill="hold">
-                      <p:stCondLst>
-                        <p:cond delay="indefinite"/>
-                      </p:stCondLst>
-                      <p:childTnLst>
-                        <p:par>
-                          <p:cTn id="4" fill="hold">
-                            <p:stCondLst>
-                              <p:cond delay="0"/>
-                            </p:stCondLst>
-                            <p:childTnLst>
-                              <p:par>
-                                <p:cTn id="5" presetID="1" presetClass="entr" presetSubtype="0" fill="hold" grpId="0" nodeType="clickEffect">
-                                  <p:stCondLst>
-                                    <p:cond delay="0"/>
-                                  </p:stCondLst>
-                                  <p:childTnLst>
-                                    <p:set>
-                                      <p:cBhvr>
-                                        <p:cTn id="6" dur="1" fill="hold">
-                                          <p:stCondLst>
-                                            <p:cond delay="0"/>
-                                          </p:stCondLst>
-                                        </p:cTn>
-                                        <p:tgtEl>
-                                          <p:spTgt spid="6">
-                                            <p:txEl>
-                                              <p:pRg st="0" end="0"/>
-                                            </p:txEl>
-                                          </p:spTgt>
-                                        </p:tgtEl>
-                                        <p:attrNameLst>
-                                          <p:attrName>style.visibility</p:attrName>
-                                        </p:attrNameLst>
-                                      </p:cBhvr>
-                                      <p:to>
-                                        <p:strVal val="visible"/>
-                                      </p:to>
-                                    </p:set>
-                                  </p:childTnLst>
-                                  <p:subTnLst>
-                                    <p:animClr clrSpc="rgb" dir="cw">
-                                      <p:cBhvr override="childStyle">
-                                        <p:cTn dur="1" fill="hold" display="0" masterRel="nextClick" afterEffect="1"/>
-                                        <p:tgtEl>
-                                          <p:spTgt spid="6">
-                                            <p:txEl>
-                                              <p:pRg st="0" end="0"/>
-                                            </p:txEl>
-                                          </p:spTgt>
-                                        </p:tgtEl>
-                                        <p:attrNameLst>
-                                          <p:attrName>ppt_c</p:attrName>
-                                        </p:attrNameLst>
-                                      </p:cBhvr>
-                                      <p:to>
-                                        <a:srgbClr val="828282"/>
-                                      </p:to>
-                                    </p:animClr>
-                                  </p:subTnLst>
-                                </p:cTn>
-                              </p:par>
-                            </p:childTnLst>
-                          </p:cTn>
-                        </p:par>
-                      </p:childTnLst>
-                    </p:cTn>
-                  </p:par>
-                  <p:par>
-                    <p:cTn id="7" fill="hold">
-                      <p:stCondLst>
-                        <p:cond delay="indefinite"/>
-                      </p:stCondLst>
-                      <p:childTnLst>
-                        <p:par>
-                          <p:cTn id="8" fill="hold">
-                            <p:stCondLst>
-                              <p:cond delay="0"/>
-                            </p:stCondLst>
-                            <p:childTnLst>
-                              <p:par>
-                                <p:cTn id="9" presetID="1" presetClass="entr" presetSubtype="0" fill="hold" grpId="0" nodeType="clickEffect">
-                                  <p:stCondLst>
-                                    <p:cond delay="0"/>
-                                  </p:stCondLst>
-                                  <p:childTnLst>
-                                    <p:set>
-                                      <p:cBhvr>
-                                        <p:cTn id="10" dur="1" fill="hold">
-                                          <p:stCondLst>
-                                            <p:cond delay="0"/>
-                                          </p:stCondLst>
-                                        </p:cTn>
-                                        <p:tgtEl>
-                                          <p:spTgt spid="6">
-                                            <p:txEl>
-                                              <p:pRg st="2" end="2"/>
-                                            </p:txEl>
-                                          </p:spTgt>
-                                        </p:tgtEl>
-                                        <p:attrNameLst>
-                                          <p:attrName>style.visibility</p:attrName>
-                                        </p:attrNameLst>
-                                      </p:cBhvr>
-                                      <p:to>
-                                        <p:strVal val="visible"/>
-                                      </p:to>
-                                    </p:set>
-                                  </p:childTnLst>
-                                  <p:subTnLst>
-                                    <p:animClr clrSpc="rgb" dir="cw">
-                                      <p:cBhvr override="childStyle">
-                                        <p:cTn dur="1" fill="hold" display="0" masterRel="nextClick" afterEffect="1"/>
-                                        <p:tgtEl>
-                                          <p:spTgt spid="6">
-                                            <p:txEl>
-                                              <p:pRg st="2" end="2"/>
-                                            </p:txEl>
-                                          </p:spTgt>
-                                        </p:tgtEl>
-                                        <p:attrNameLst>
-                                          <p:attrName>ppt_c</p:attrName>
-                                        </p:attrNameLst>
-                                      </p:cBhvr>
-                                      <p:to>
-                                        <a:srgbClr val="828282"/>
-                                      </p:to>
-                                    </p:animClr>
-                                  </p:subTnLst>
-                                </p:cTn>
-                              </p:par>
-                            </p:childTnLst>
-                          </p:cTn>
-                        </p:par>
-                      </p:childTnLst>
-                    </p:cTn>
-                  </p:par>
-                  <p:par>
-                    <p:cTn id="11" fill="hold">
-                      <p:stCondLst>
-                        <p:cond delay="indefinite"/>
-                      </p:stCondLst>
-                      <p:childTnLst>
-                        <p:par>
-                          <p:cTn id="12" fill="hold">
-                            <p:stCondLst>
-                              <p:cond delay="0"/>
-                            </p:stCondLst>
-                            <p:childTnLst>
-                              <p:par>
-                                <p:cTn id="13" presetID="1" presetClass="entr" presetSubtype="0" fill="hold" grpId="0" nodeType="clickEffect">
-                                  <p:stCondLst>
-                                    <p:cond delay="0"/>
-                                  </p:stCondLst>
-                                  <p:childTnLst>
-                                    <p:set>
-                                      <p:cBhvr>
-                                        <p:cTn id="14" dur="1" fill="hold">
-                                          <p:stCondLst>
-                                            <p:cond delay="0"/>
-                                          </p:stCondLst>
-                                        </p:cTn>
-                                        <p:tgtEl>
-                                          <p:spTgt spid="6">
-                                            <p:txEl>
-                                              <p:pRg st="4" end="4"/>
-                                            </p:txEl>
-                                          </p:spTgt>
-                                        </p:tgtEl>
-                                        <p:attrNameLst>
-                                          <p:attrName>style.visibility</p:attrName>
-                                        </p:attrNameLst>
-                                      </p:cBhvr>
-                                      <p:to>
-                                        <p:strVal val="visible"/>
-                                      </p:to>
-                                    </p:set>
-                                  </p:childTnLst>
-                                  <p:subTnLst>
-                                    <p:animClr clrSpc="rgb" dir="cw">
-                                      <p:cBhvr override="childStyle">
-                                        <p:cTn dur="1" fill="hold" display="0" masterRel="nextClick" afterEffect="1"/>
-                                        <p:tgtEl>
-                                          <p:spTgt spid="6">
-                                            <p:txEl>
-                                              <p:pRg st="4" end="4"/>
-                                            </p:txEl>
-                                          </p:spTgt>
-                                        </p:tgtEl>
-                                        <p:attrNameLst>
-                                          <p:attrName>ppt_c</p:attrName>
-                                        </p:attrNameLst>
-                                      </p:cBhvr>
-                                      <p:to>
-                                        <a:srgbClr val="828282"/>
-                                      </p:to>
-                                    </p:animClr>
-                                  </p:subTnLst>
-                                </p:cTn>
-                              </p:par>
-                            </p:childTnLst>
-                          </p:cTn>
-                        </p:par>
-                      </p:childTnLst>
-                    </p:cTn>
-                  </p:par>
-                  <p:par>
-                    <p:cTn id="15" fill="hold">
-                      <p:stCondLst>
-                        <p:cond delay="indefinite"/>
-                      </p:stCondLst>
-                      <p:childTnLst>
-                        <p:par>
-                          <p:cTn id="16" fill="hold">
-                            <p:stCondLst>
-                              <p:cond delay="0"/>
-                            </p:stCondLst>
-                            <p:childTnLst>
-                              <p:par>
-                                <p:cTn id="17" presetID="1" presetClass="entr" presetSubtype="0" fill="hold" grpId="0" nodeType="clickEffect">
-                                  <p:stCondLst>
-                                    <p:cond delay="0"/>
-                                  </p:stCondLst>
-                                  <p:childTnLst>
-                                    <p:set>
-                                      <p:cBhvr>
-                                        <p:cTn id="18" dur="1" fill="hold">
-                                          <p:stCondLst>
-                                            <p:cond delay="0"/>
-                                          </p:stCondLst>
-                                        </p:cTn>
-                                        <p:tgtEl>
-                                          <p:spTgt spid="6">
-                                            <p:txEl>
-                                              <p:pRg st="6" end="6"/>
-                                            </p:txEl>
-                                          </p:spTgt>
-                                        </p:tgtEl>
-                                        <p:attrNameLst>
-                                          <p:attrName>style.visibility</p:attrName>
-                                        </p:attrNameLst>
-                                      </p:cBhvr>
-                                      <p:to>
-                                        <p:strVal val="visible"/>
-                                      </p:to>
-                                    </p:set>
-                                  </p:childTnLst>
-                                  <p:subTnLst>
-                                    <p:animClr clrSpc="rgb" dir="cw">
-                                      <p:cBhvr override="childStyle">
-                                        <p:cTn dur="1" fill="hold" display="0" masterRel="nextClick" afterEffect="1"/>
-                                        <p:tgtEl>
-                                          <p:spTgt spid="6">
-                                            <p:txEl>
-                                              <p:pRg st="6" end="6"/>
-                                            </p:txEl>
-                                          </p:spTgt>
-                                        </p:tgtEl>
-                                        <p:attrNameLst>
-                                          <p:attrName>ppt_c</p:attrName>
-                                        </p:attrNameLst>
-                                      </p:cBhvr>
-                                      <p:to>
-                                        <a:srgbClr val="828282"/>
-                                      </p:to>
-                                    </p:animClr>
-                                  </p:subTnLst>
-                                </p:cTn>
-                              </p:par>
-                            </p:childTnLst>
-                          </p:cTn>
-                        </p:par>
-                      </p:childTnLst>
-                    </p:cTn>
-                  </p:par>
-                </p:childTnLst>
-              </p:cTn>
-              <p:prevCondLst>
-                <p:cond evt="onPrev" delay="0">
-                  <p:tgtEl>
-                    <p:sldTgt/>
-                  </p:tgtEl>
-                </p:cond>
-              </p:prevCondLst>
-              <p:nextCondLst>
-                <p:cond evt="onNext" delay="0">
-                  <p:tgtEl>
-                    <p:sldTgt/>
-                  </p:tgtEl>
-                </p:cond>
-              </p:nextCondLst>
-            </p:seq>
-          </p:childTnLst>
-        </p:cTn>
-      </p:par>
-    </p:tnLst>
-    <p:bldLst>
-      <p:bldP spid="6" grpId="0" build="p"/>
-    </p:bldLst>
-  </p:timing>
-</p:sld>
-</file>
-
-<file path=ppt/slides/slide9.xml><?xml version="1.0" encoding="utf-8"?>
-<p:sld xmlns:a="http://schemas.openxmlformats.org/drawingml/2006/main" xmlns:r="http://schemas.openxmlformats.org/officeDocument/2006/relationships" xmlns:p="http://schemas.openxmlformats.org/presentationml/2006/main">
-  <p:cSld>
-    <p:spTree>
-      <p:nvGrpSpPr>
-        <p:cNvPr id="1" name=""/>
-        <p:cNvGrpSpPr/>
-        <p:nvPr/>
-      </p:nvGrpSpPr>
-      <p:grpSpPr>
-        <a:xfrm>
-          <a:off x="0" y="0"/>
-          <a:ext cx="0" cy="0"/>
-          <a:chOff x="0" y="0"/>
-          <a:chExt cx="0" cy="0"/>
-        </a:xfrm>
-      </p:grpSpPr>
-      <p:sp>
-        <p:nvSpPr>
-          <p:cNvPr id="2" name="Title 1"/>
-          <p:cNvSpPr>
-            <a:spLocks noGrp="1"/>
-          </p:cNvSpPr>
-          <p:nvPr>
-            <p:ph type="ctrTitle"/>
-          </p:nvPr>
-        </p:nvSpPr>
-        <p:spPr>
-          <a:xfrm>
-            <a:off x="463638" y="193183"/>
-            <a:ext cx="11281893" cy="686927"/>
-          </a:xfrm>
-        </p:spPr>
-        <p:txBody>
-          <a:bodyPr>
-            <a:normAutofit fontScale="90000"/>
-          </a:bodyPr>
-          <a:lstStyle/>
-          <a:p>
-            <a:pPr lvl="0"/>
-            <a:r>
-              <a:rPr lang="en-US" sz="4400" b="1" dirty="0">
-                <a:solidFill>
-                  <a:srgbClr val="004868"/>
-                </a:solidFill>
-                <a:cs typeface="(A) Arslan Wessam A" panose="03020402040406030203" pitchFamily="66" charset="-78"/>
-              </a:rPr>
-              <a:t>How to learn it (resources)?</a:t>
-            </a:r>
-          </a:p>
-        </p:txBody>
-      </p:sp>
-      <p:pic>
-        <p:nvPicPr>
-          <p:cNvPr id="5" name="Picture 4"/>
-          <p:cNvPicPr>
-            <a:picLocks noChangeAspect="1"/>
-          </p:cNvPicPr>
-          <p:nvPr/>
-        </p:nvPicPr>
-        <p:blipFill>
-          <a:blip r:embed="rId3">
-            <a:extLst>
-              <a:ext uri="{28A0092B-C50C-407E-A947-70E740481C1C}">
-                <a14:useLocalDpi xmlns:a14="http://schemas.microsoft.com/office/drawing/2010/main" val="0"/>
-              </a:ext>
-            </a:extLst>
-          </a:blip>
-          <a:stretch>
-            <a:fillRect/>
-          </a:stretch>
-        </p:blipFill>
-        <p:spPr>
-          <a:xfrm>
-            <a:off x="0" y="6228460"/>
-            <a:ext cx="12192000" cy="671785"/>
-          </a:xfrm>
-          <a:prstGeom prst="rect">
-            <a:avLst/>
-          </a:prstGeom>
-        </p:spPr>
-      </p:pic>
-      <p:sp>
-        <p:nvSpPr>
-          <p:cNvPr id="7" name="Footer Placeholder 4">
-            <a:extLst>
-              <a:ext uri="{FF2B5EF4-FFF2-40B4-BE49-F238E27FC236}">
-                <a16:creationId xmlns:lc="http://schemas.openxmlformats.org/drawingml/2006/lockedCanvas" xmlns:a16="http://schemas.microsoft.com/office/drawing/2014/main" xmlns="" id="{59271489-1EC6-0D4E-BF28-047FF1DDB132}"/>
-              </a:ext>
-            </a:extLst>
-          </p:cNvPr>
-          <p:cNvSpPr>
-            <a:spLocks noGrp="1"/>
-          </p:cNvSpPr>
-          <p:nvPr/>
-        </p:nvSpPr>
-        <p:spPr>
-          <a:xfrm>
-            <a:off x="4507604" y="6381789"/>
-            <a:ext cx="3193961" cy="365125"/>
-          </a:xfrm>
-          <a:prstGeom prst="rect">
-            <a:avLst/>
-          </a:prstGeom>
-        </p:spPr>
-        <p:txBody>
-          <a:bodyPr vert="horz" lIns="91440" tIns="45720" rIns="91440" bIns="45720" rtlCol="0" anchor="ctr"/>
-          <a:lstStyle>
-            <a:defPPr>
-              <a:defRPr lang="en-US"/>
-            </a:defPPr>
-            <a:lvl1pPr marL="0" algn="ctr" defTabSz="914400" rtl="0" eaLnBrk="1" latinLnBrk="0" hangingPunct="1">
-              <a:defRPr sz="1200" kern="1200">
-                <a:solidFill>
-                  <a:schemeClr val="tx1">
-                    <a:tint val="75000"/>
-                  </a:schemeClr>
-                </a:solidFill>
-                <a:latin typeface="+mn-lt"/>
-                <a:ea typeface="+mn-ea"/>
-                <a:cs typeface="+mn-cs"/>
-              </a:defRPr>
-            </a:lvl1pPr>
-            <a:lvl2pPr marL="457200" algn="l" defTabSz="914400" rtl="0" eaLnBrk="1" latinLnBrk="0" hangingPunct="1">
-              <a:defRPr sz="1800" kern="1200">
-                <a:solidFill>
-                  <a:schemeClr val="tx1"/>
-                </a:solidFill>
-                <a:latin typeface="+mn-lt"/>
-                <a:ea typeface="+mn-ea"/>
-                <a:cs typeface="+mn-cs"/>
-              </a:defRPr>
-            </a:lvl2pPr>
-            <a:lvl3pPr marL="914400" algn="l" defTabSz="914400" rtl="0" eaLnBrk="1" latinLnBrk="0" hangingPunct="1">
-              <a:defRPr sz="1800" kern="1200">
-                <a:solidFill>
-                  <a:schemeClr val="tx1"/>
-                </a:solidFill>
-                <a:latin typeface="+mn-lt"/>
-                <a:ea typeface="+mn-ea"/>
-                <a:cs typeface="+mn-cs"/>
-              </a:defRPr>
-            </a:lvl3pPr>
-            <a:lvl4pPr marL="1371600" algn="l" defTabSz="914400" rtl="0" eaLnBrk="1" latinLnBrk="0" hangingPunct="1">
-              <a:defRPr sz="1800" kern="1200">
-                <a:solidFill>
-                  <a:schemeClr val="tx1"/>
-                </a:solidFill>
-                <a:latin typeface="+mn-lt"/>
-                <a:ea typeface="+mn-ea"/>
-                <a:cs typeface="+mn-cs"/>
-              </a:defRPr>
-            </a:lvl4pPr>
-            <a:lvl5pPr marL="1828800" algn="l" defTabSz="914400" rtl="0" eaLnBrk="1" latinLnBrk="0" hangingPunct="1">
-              <a:defRPr sz="1800" kern="1200">
-                <a:solidFill>
-                  <a:schemeClr val="tx1"/>
-                </a:solidFill>
-                <a:latin typeface="+mn-lt"/>
-                <a:ea typeface="+mn-ea"/>
-                <a:cs typeface="+mn-cs"/>
-              </a:defRPr>
-            </a:lvl5pPr>
-            <a:lvl6pPr marL="2286000" algn="l" defTabSz="914400" rtl="0" eaLnBrk="1" latinLnBrk="0" hangingPunct="1">
-              <a:defRPr sz="1800" kern="1200">
-                <a:solidFill>
-                  <a:schemeClr val="tx1"/>
-                </a:solidFill>
-                <a:latin typeface="+mn-lt"/>
-                <a:ea typeface="+mn-ea"/>
-                <a:cs typeface="+mn-cs"/>
-              </a:defRPr>
-            </a:lvl6pPr>
-            <a:lvl7pPr marL="2743200" algn="l" defTabSz="914400" rtl="0" eaLnBrk="1" latinLnBrk="0" hangingPunct="1">
-              <a:defRPr sz="1800" kern="1200">
-                <a:solidFill>
-                  <a:schemeClr val="tx1"/>
-                </a:solidFill>
-                <a:latin typeface="+mn-lt"/>
-                <a:ea typeface="+mn-ea"/>
-                <a:cs typeface="+mn-cs"/>
-              </a:defRPr>
-            </a:lvl7pPr>
-            <a:lvl8pPr marL="3200400" algn="l" defTabSz="914400" rtl="0" eaLnBrk="1" latinLnBrk="0" hangingPunct="1">
-              <a:defRPr sz="1800" kern="1200">
-                <a:solidFill>
-                  <a:schemeClr val="tx1"/>
-                </a:solidFill>
-                <a:latin typeface="+mn-lt"/>
-                <a:ea typeface="+mn-ea"/>
-                <a:cs typeface="+mn-cs"/>
-              </a:defRPr>
-            </a:lvl8pPr>
-            <a:lvl9pPr marL="3657600" algn="l" defTabSz="914400" rtl="0" eaLnBrk="1" latinLnBrk="0" hangingPunct="1">
-              <a:defRPr sz="1800" kern="1200">
-                <a:solidFill>
-                  <a:schemeClr val="tx1"/>
-                </a:solidFill>
-                <a:latin typeface="+mn-lt"/>
-                <a:ea typeface="+mn-ea"/>
-                <a:cs typeface="+mn-cs"/>
-              </a:defRPr>
-            </a:lvl9pPr>
-          </a:lstStyle>
-          <a:p>
-            <a:r>
-              <a:rPr lang="en-US" sz="2400" dirty="0" smtClean="0">
-                <a:solidFill>
-                  <a:schemeClr val="bg1"/>
-                </a:solidFill>
-              </a:rPr>
-              <a:t>Mohammed </a:t>
-            </a:r>
-            <a:r>
-              <a:rPr lang="en-US" sz="2400" dirty="0" err="1" smtClean="0">
-                <a:solidFill>
-                  <a:schemeClr val="bg1"/>
-                </a:solidFill>
-              </a:rPr>
-              <a:t>Hasan</a:t>
-            </a:r>
-            <a:endParaRPr lang="en-US" sz="2400" dirty="0">
-              <a:solidFill>
-                <a:schemeClr val="bg1"/>
-              </a:solidFill>
-            </a:endParaRPr>
-          </a:p>
-        </p:txBody>
-      </p:sp>
-      <p:sp>
-        <p:nvSpPr>
-          <p:cNvPr id="6" name="Rectangle 5"/>
-          <p:cNvSpPr/>
-          <p:nvPr/>
-        </p:nvSpPr>
-        <p:spPr>
-          <a:xfrm>
             <a:off x="463638" y="880110"/>
             <a:ext cx="11281893" cy="4998374"/>
           </a:xfrm>
@@ -12183,7 +11174,7 @@
                   <a:schemeClr val="bg1"/>
                 </a:solidFill>
               </a:rPr>
-              <a:t>12/13/2021</a:t>
+              <a:t>12/16/2021</a:t>
             </a:fld>
             <a:endParaRPr lang="en-US" sz="2400" dirty="0">
               <a:solidFill>

--- a/Talks/INSEC/INSEC.pptx
+++ b/Talks/INSEC/INSEC.pptx
@@ -209,7 +209,7 @@
           <a:p>
             <a:fld id="{E2550AA1-0A13-494E-BD57-EF27E9A45890}" type="datetimeFigureOut">
               <a:rPr lang="en-US" smtClean="0"/>
-              <a:t>12/16/2021</a:t>
+              <a:t>12/17/2021</a:t>
             </a:fld>
             <a:endParaRPr lang="en-US"/>
           </a:p>
@@ -374,7 +374,7 @@
           <a:p>
             <a:fld id="{09221A00-58B4-4D77-9CE7-FBE288287E2D}" type="datetimeFigureOut">
               <a:rPr lang="en-US" smtClean="0"/>
-              <a:t>12/16/2021</a:t>
+              <a:t>12/17/2021</a:t>
             </a:fld>
             <a:endParaRPr lang="en-US"/>
           </a:p>
@@ -1613,7 +1613,7 @@
           <a:p>
             <a:fld id="{961BB56B-31A6-4DFF-B40F-0B094C4A4983}" type="datetime1">
               <a:rPr lang="en-US" smtClean="0"/>
-              <a:t>12/16/2021</a:t>
+              <a:t>12/17/2021</a:t>
             </a:fld>
             <a:endParaRPr lang="en-US"/>
           </a:p>
@@ -1790,7 +1790,7 @@
           <a:p>
             <a:fld id="{57C9D9D2-BE1D-45AE-830E-B45658CFEF1D}" type="datetime1">
               <a:rPr lang="en-US" smtClean="0"/>
-              <a:t>12/16/2021</a:t>
+              <a:t>12/17/2021</a:t>
             </a:fld>
             <a:endParaRPr lang="en-US"/>
           </a:p>
@@ -1977,7 +1977,7 @@
           <a:p>
             <a:fld id="{E6342C1A-AE6D-4794-82DD-82DD22A68FB5}" type="datetime1">
               <a:rPr lang="en-US" smtClean="0"/>
-              <a:t>12/16/2021</a:t>
+              <a:t>12/17/2021</a:t>
             </a:fld>
             <a:endParaRPr lang="en-US"/>
           </a:p>
@@ -2154,7 +2154,7 @@
           <a:p>
             <a:fld id="{49FE7BDC-25A4-4F79-AC93-5BA763C6F6FA}" type="datetime1">
               <a:rPr lang="en-US" smtClean="0"/>
-              <a:t>12/16/2021</a:t>
+              <a:t>12/17/2021</a:t>
             </a:fld>
             <a:endParaRPr lang="en-US"/>
           </a:p>
@@ -2407,7 +2407,7 @@
           <a:p>
             <a:fld id="{0F9E253E-4B06-42F3-AF62-81984EE0FDC5}" type="datetime1">
               <a:rPr lang="en-US" smtClean="0"/>
-              <a:t>12/16/2021</a:t>
+              <a:t>12/17/2021</a:t>
             </a:fld>
             <a:endParaRPr lang="en-US"/>
           </a:p>
@@ -2646,7 +2646,7 @@
           <a:p>
             <a:fld id="{B7062DC4-8C2E-40A5-9A5C-58188655EBB5}" type="datetime1">
               <a:rPr lang="en-US" smtClean="0"/>
-              <a:t>12/16/2021</a:t>
+              <a:t>12/17/2021</a:t>
             </a:fld>
             <a:endParaRPr lang="en-US"/>
           </a:p>
@@ -3020,7 +3020,7 @@
           <a:p>
             <a:fld id="{FFF2E6B8-8FD0-4565-923E-EFF2AE4E6BD5}" type="datetime1">
               <a:rPr lang="en-US" smtClean="0"/>
-              <a:t>12/16/2021</a:t>
+              <a:t>12/17/2021</a:t>
             </a:fld>
             <a:endParaRPr lang="en-US"/>
           </a:p>
@@ -3145,7 +3145,7 @@
           <a:p>
             <a:fld id="{8D16FC96-B582-437B-B398-24084CF34CDD}" type="datetime1">
               <a:rPr lang="en-US" smtClean="0"/>
-              <a:t>12/16/2021</a:t>
+              <a:t>12/17/2021</a:t>
             </a:fld>
             <a:endParaRPr lang="en-US"/>
           </a:p>
@@ -3247,7 +3247,7 @@
           <a:p>
             <a:fld id="{95EB9673-CC01-4A93-ACFD-0E28265BE9BA}" type="datetime1">
               <a:rPr lang="en-US" smtClean="0"/>
-              <a:t>12/16/2021</a:t>
+              <a:t>12/17/2021</a:t>
             </a:fld>
             <a:endParaRPr lang="en-US"/>
           </a:p>
@@ -3531,7 +3531,7 @@
           <a:p>
             <a:fld id="{D0D777A3-6219-4C0B-8783-7C7ACD51E2D4}" type="datetime1">
               <a:rPr lang="en-US" smtClean="0"/>
-              <a:t>12/16/2021</a:t>
+              <a:t>12/17/2021</a:t>
             </a:fld>
             <a:endParaRPr lang="en-US"/>
           </a:p>
@@ -3791,7 +3791,7 @@
           <a:p>
             <a:fld id="{27E75847-0761-468E-910C-ACA93E4783D2}" type="datetime1">
               <a:rPr lang="en-US" smtClean="0"/>
-              <a:t>12/16/2021</a:t>
+              <a:t>12/17/2021</a:t>
             </a:fld>
             <a:endParaRPr lang="en-US"/>
           </a:p>
@@ -4011,7 +4011,7 @@
           <a:p>
             <a:fld id="{B7ACB0B2-EB66-4350-827A-37AB2734360B}" type="datetime1">
               <a:rPr lang="en-US" smtClean="0"/>
-              <a:t>12/16/2021</a:t>
+              <a:t>12/17/2021</a:t>
             </a:fld>
             <a:endParaRPr lang="en-US"/>
           </a:p>
@@ -4459,7 +4459,7 @@
           <p:cNvPr id="7" name="Footer Placeholder 4">
             <a:extLst>
               <a:ext uri="{FF2B5EF4-FFF2-40B4-BE49-F238E27FC236}">
-                <a16:creationId xmlns="" xmlns:a16="http://schemas.microsoft.com/office/drawing/2014/main" xmlns:lc="http://schemas.openxmlformats.org/drawingml/2006/lockedCanvas" id="{59271489-1EC6-0D4E-BF28-047FF1DDB132}"/>
+                <a16:creationId xmlns:lc="http://schemas.openxmlformats.org/drawingml/2006/lockedCanvas" xmlns:a16="http://schemas.microsoft.com/office/drawing/2014/main" xmlns="" id="{59271489-1EC6-0D4E-BF28-047FF1DDB132}"/>
               </a:ext>
             </a:extLst>
           </p:cNvPr>
@@ -4683,7 +4683,7 @@
                   <a:schemeClr val="bg1"/>
                 </a:solidFill>
               </a:rPr>
-              <a:t>12/16/2021</a:t>
+              <a:t>12/17/2021</a:t>
             </a:fld>
             <a:endParaRPr lang="en-US" sz="2400" dirty="0">
               <a:solidFill>
@@ -4878,7 +4878,7 @@
           <p:cNvPr id="10" name="Footer Placeholder 4">
             <a:extLst>
               <a:ext uri="{FF2B5EF4-FFF2-40B4-BE49-F238E27FC236}">
-                <a16:creationId xmlns="" xmlns:a16="http://schemas.microsoft.com/office/drawing/2014/main" xmlns:lc="http://schemas.openxmlformats.org/drawingml/2006/lockedCanvas" id="{59271489-1EC6-0D4E-BF28-047FF1DDB132}"/>
+                <a16:creationId xmlns:lc="http://schemas.openxmlformats.org/drawingml/2006/lockedCanvas" xmlns:a16="http://schemas.microsoft.com/office/drawing/2014/main" xmlns="" id="{59271489-1EC6-0D4E-BF28-047FF1DDB132}"/>
               </a:ext>
             </a:extLst>
           </p:cNvPr>
@@ -5046,7 +5046,7 @@
                   <a:schemeClr val="bg1"/>
                 </a:solidFill>
               </a:rPr>
-              <a:t>12/16/2021</a:t>
+              <a:t>12/17/2021</a:t>
             </a:fld>
             <a:endParaRPr lang="en-US" sz="2400" dirty="0">
               <a:solidFill>
@@ -5261,7 +5261,7 @@
           <p:cNvPr id="7" name="Footer Placeholder 4">
             <a:extLst>
               <a:ext uri="{FF2B5EF4-FFF2-40B4-BE49-F238E27FC236}">
-                <a16:creationId xmlns="" xmlns:a16="http://schemas.microsoft.com/office/drawing/2014/main" xmlns:lc="http://schemas.openxmlformats.org/drawingml/2006/lockedCanvas" id="{59271489-1EC6-0D4E-BF28-047FF1DDB132}"/>
+                <a16:creationId xmlns:lc="http://schemas.openxmlformats.org/drawingml/2006/lockedCanvas" xmlns:a16="http://schemas.microsoft.com/office/drawing/2014/main" xmlns="" id="{59271489-1EC6-0D4E-BF28-047FF1DDB132}"/>
               </a:ext>
             </a:extLst>
           </p:cNvPr>
@@ -5551,6 +5551,47 @@
               </a:rPr>
               <a:t>?</a:t>
             </a:r>
+          </a:p>
+          <a:p>
+            <a:pPr lvl="0">
+              <a:buChar char="•"/>
+            </a:pPr>
+            <a:r>
+              <a:rPr lang="en-US" sz="3600" dirty="0">
+                <a:solidFill>
+                  <a:srgbClr val="004868"/>
+                </a:solidFill>
+                <a:cs typeface="(A) Arslan Wessam A" panose="03020402040406030203" pitchFamily="66" charset="-78"/>
+              </a:rPr>
+              <a:t> </a:t>
+            </a:r>
+            <a:r>
+              <a:rPr lang="en-US" sz="3600" dirty="0" smtClean="0">
+                <a:solidFill>
+                  <a:srgbClr val="004868"/>
+                </a:solidFill>
+                <a:cs typeface="(A) Arslan Wessam A" panose="03020402040406030203" pitchFamily="66" charset="-78"/>
+              </a:rPr>
+              <a:t>How </a:t>
+            </a:r>
+            <a:r>
+              <a:rPr lang="en-US" sz="3600" dirty="0">
+                <a:solidFill>
+                  <a:srgbClr val="004868"/>
+                </a:solidFill>
+                <a:cs typeface="(A) Arslan Wessam A" panose="03020402040406030203" pitchFamily="66" charset="-78"/>
+              </a:rPr>
+              <a:t>to learn it (resources</a:t>
+            </a:r>
+            <a:r>
+              <a:rPr lang="en-US" sz="3600" dirty="0" smtClean="0">
+                <a:solidFill>
+                  <a:srgbClr val="004868"/>
+                </a:solidFill>
+                <a:cs typeface="(A) Arslan Wessam A" panose="03020402040406030203" pitchFamily="66" charset="-78"/>
+              </a:rPr>
+              <a:t>)?</a:t>
+            </a:r>
             <a:endParaRPr lang="en-US" sz="3600" dirty="0" smtClean="0">
               <a:solidFill>
                 <a:srgbClr val="004868"/>
@@ -5558,70 +5599,6 @@
               <a:cs typeface="(A) Arslan Wessam A" panose="03020402040406030203" pitchFamily="66" charset="-78"/>
             </a:endParaRPr>
           </a:p>
-          <a:p>
-            <a:pPr lvl="0">
-              <a:buChar char="•"/>
-            </a:pPr>
-            <a:r>
-              <a:rPr lang="en-US" sz="3600" dirty="0">
-                <a:solidFill>
-                  <a:srgbClr val="004868"/>
-                </a:solidFill>
-                <a:cs typeface="(A) Arslan Wessam A" panose="03020402040406030203" pitchFamily="66" charset="-78"/>
-              </a:rPr>
-              <a:t> </a:t>
-            </a:r>
-            <a:r>
-              <a:rPr lang="en-US" sz="3600" dirty="0" smtClean="0">
-                <a:solidFill>
-                  <a:srgbClr val="004868"/>
-                </a:solidFill>
-                <a:cs typeface="(A) Arslan Wessam A" panose="03020402040406030203" pitchFamily="66" charset="-78"/>
-              </a:rPr>
-              <a:t>How </a:t>
-            </a:r>
-            <a:r>
-              <a:rPr lang="en-US" sz="3600" dirty="0">
-                <a:solidFill>
-                  <a:srgbClr val="004868"/>
-                </a:solidFill>
-                <a:cs typeface="(A) Arslan Wessam A" panose="03020402040406030203" pitchFamily="66" charset="-78"/>
-              </a:rPr>
-              <a:t>to learn it (resources</a:t>
-            </a:r>
-            <a:r>
-              <a:rPr lang="en-US" sz="3600" dirty="0" smtClean="0">
-                <a:solidFill>
-                  <a:srgbClr val="004868"/>
-                </a:solidFill>
-                <a:cs typeface="(A) Arslan Wessam A" panose="03020402040406030203" pitchFamily="66" charset="-78"/>
-              </a:rPr>
-              <a:t>)?</a:t>
-            </a:r>
-          </a:p>
-          <a:p>
-            <a:pPr lvl="0">
-              <a:buChar char="•"/>
-            </a:pPr>
-            <a:r>
-              <a:rPr lang="en-US" sz="3600" dirty="0" smtClean="0">
-                <a:solidFill>
-                  <a:srgbClr val="004868"/>
-                </a:solidFill>
-                <a:cs typeface="(A) Arslan Wessam A" panose="03020402040406030203" pitchFamily="66" charset="-78"/>
-              </a:rPr>
-              <a:t> Q </a:t>
-            </a:r>
-            <a:r>
-              <a:rPr lang="en-US" sz="3600" dirty="0">
-                <a:solidFill>
-                  <a:srgbClr val="004868"/>
-                </a:solidFill>
-                <a:cs typeface="(A) Arslan Wessam A" panose="03020402040406030203" pitchFamily="66" charset="-78"/>
-              </a:rPr>
-              <a:t>&amp; A</a:t>
-            </a:r>
-          </a:p>
         </p:txBody>
       </p:sp>
       <p:sp>
@@ -5650,7 +5627,7 @@
                   <a:schemeClr val="bg1"/>
                 </a:solidFill>
               </a:rPr>
-              <a:t>12/16/2021</a:t>
+              <a:t>12/17/2021</a:t>
             </a:fld>
             <a:endParaRPr lang="en-US" sz="2400" dirty="0">
               <a:solidFill>
@@ -6131,75 +6108,6 @@
                       </p:childTnLst>
                     </p:cTn>
                   </p:par>
-                  <p:par>
-                    <p:cTn id="27" fill="hold">
-                      <p:stCondLst>
-                        <p:cond delay="indefinite"/>
-                      </p:stCondLst>
-                      <p:childTnLst>
-                        <p:par>
-                          <p:cTn id="28" fill="hold">
-                            <p:stCondLst>
-                              <p:cond delay="0"/>
-                            </p:stCondLst>
-                            <p:childTnLst>
-                              <p:par>
-                                <p:cTn id="29" presetID="1" presetClass="entr" presetSubtype="0" fill="hold" grpId="0" nodeType="clickEffect">
-                                  <p:stCondLst>
-                                    <p:cond delay="0"/>
-                                  </p:stCondLst>
-                                  <p:childTnLst>
-                                    <p:set>
-                                      <p:cBhvr>
-                                        <p:cTn id="30" dur="1" fill="hold">
-                                          <p:stCondLst>
-                                            <p:cond delay="0"/>
-                                          </p:stCondLst>
-                                        </p:cTn>
-                                        <p:tgtEl>
-                                          <p:spTgt spid="6">
-                                            <p:txEl>
-                                              <p:pRg st="6" end="6"/>
-                                            </p:txEl>
-                                          </p:spTgt>
-                                        </p:tgtEl>
-                                        <p:attrNameLst>
-                                          <p:attrName>style.visibility</p:attrName>
-                                        </p:attrNameLst>
-                                      </p:cBhvr>
-                                      <p:to>
-                                        <p:strVal val="visible"/>
-                                      </p:to>
-                                    </p:set>
-                                  </p:childTnLst>
-                                  <p:subTnLst>
-                                    <p:animClr clrSpc="rgb" dir="cw">
-                                      <p:cBhvr override="childStyle">
-                                        <p:cTn dur="1" fill="hold" display="0" masterRel="nextClick" afterEffect="1"/>
-                                        <p:tgtEl>
-                                          <p:spTgt spid="6">
-                                            <p:txEl>
-                                              <p:pRg st="6" end="6"/>
-                                            </p:txEl>
-                                          </p:spTgt>
-                                        </p:tgtEl>
-                                        <p:attrNameLst>
-                                          <p:attrName>ppt_c</p:attrName>
-                                        </p:attrNameLst>
-                                      </p:cBhvr>
-                                      <p:to>
-                                        <a:srgbClr val="828282"/>
-                                      </p:to>
-                                    </p:animClr>
-                                  </p:subTnLst>
-                                </p:cTn>
-                              </p:par>
-                            </p:childTnLst>
-                          </p:cTn>
-                        </p:par>
-                      </p:childTnLst>
-                    </p:cTn>
-                  </p:par>
                 </p:childTnLst>
               </p:cTn>
               <p:prevCondLst>
@@ -6319,7 +6227,7 @@
           <p:cNvPr id="13" name="Footer Placeholder 4">
             <a:extLst>
               <a:ext uri="{FF2B5EF4-FFF2-40B4-BE49-F238E27FC236}">
-                <a16:creationId xmlns="" xmlns:a16="http://schemas.microsoft.com/office/drawing/2014/main" xmlns:lc="http://schemas.openxmlformats.org/drawingml/2006/lockedCanvas" id="{59271489-1EC6-0D4E-BF28-047FF1DDB132}"/>
+                <a16:creationId xmlns:lc="http://schemas.openxmlformats.org/drawingml/2006/lockedCanvas" xmlns:a16="http://schemas.microsoft.com/office/drawing/2014/main" xmlns="" id="{59271489-1EC6-0D4E-BF28-047FF1DDB132}"/>
               </a:ext>
             </a:extLst>
           </p:cNvPr>
@@ -6487,7 +6395,7 @@
                   <a:schemeClr val="bg1"/>
                 </a:solidFill>
               </a:rPr>
-              <a:t>12/16/2021</a:t>
+              <a:t>12/17/2021</a:t>
             </a:fld>
             <a:endParaRPr lang="en-US" sz="2400" dirty="0">
               <a:solidFill>
@@ -6666,7 +6574,7 @@
           <p:cNvPr id="7" name="Footer Placeholder 4">
             <a:extLst>
               <a:ext uri="{FF2B5EF4-FFF2-40B4-BE49-F238E27FC236}">
-                <a16:creationId xmlns="" xmlns:a16="http://schemas.microsoft.com/office/drawing/2014/main" xmlns:lc="http://schemas.openxmlformats.org/drawingml/2006/lockedCanvas" id="{59271489-1EC6-0D4E-BF28-047FF1DDB132}"/>
+                <a16:creationId xmlns:lc="http://schemas.openxmlformats.org/drawingml/2006/lockedCanvas" xmlns:a16="http://schemas.microsoft.com/office/drawing/2014/main" xmlns="" id="{59271489-1EC6-0D4E-BF28-047FF1DDB132}"/>
               </a:ext>
             </a:extLst>
           </p:cNvPr>
@@ -6918,7 +6826,7 @@
                   <a:schemeClr val="bg1"/>
                 </a:solidFill>
               </a:rPr>
-              <a:t>12/16/2021</a:t>
+              <a:t>12/17/2021</a:t>
             </a:fld>
             <a:endParaRPr lang="en-US" sz="2400" dirty="0">
               <a:solidFill>
@@ -7185,7 +7093,7 @@
           <p:cNvPr id="7" name="Footer Placeholder 4">
             <a:extLst>
               <a:ext uri="{FF2B5EF4-FFF2-40B4-BE49-F238E27FC236}">
-                <a16:creationId xmlns="" xmlns:a16="http://schemas.microsoft.com/office/drawing/2014/main" xmlns:lc="http://schemas.openxmlformats.org/drawingml/2006/lockedCanvas" id="{59271489-1EC6-0D4E-BF28-047FF1DDB132}"/>
+                <a16:creationId xmlns:lc="http://schemas.openxmlformats.org/drawingml/2006/lockedCanvas" xmlns:a16="http://schemas.microsoft.com/office/drawing/2014/main" xmlns="" id="{59271489-1EC6-0D4E-BF28-047FF1DDB132}"/>
               </a:ext>
             </a:extLst>
           </p:cNvPr>
@@ -7448,7 +7356,7 @@
                   <a:schemeClr val="bg1"/>
                 </a:solidFill>
               </a:rPr>
-              <a:t>12/16/2021</a:t>
+              <a:t>12/17/2021</a:t>
             </a:fld>
             <a:endParaRPr lang="en-US" sz="2400" dirty="0">
               <a:solidFill>
@@ -7755,7 +7663,7 @@
           <p:cNvPr id="7" name="Footer Placeholder 4">
             <a:extLst>
               <a:ext uri="{FF2B5EF4-FFF2-40B4-BE49-F238E27FC236}">
-                <a16:creationId xmlns="" xmlns:a16="http://schemas.microsoft.com/office/drawing/2014/main" xmlns:lc="http://schemas.openxmlformats.org/drawingml/2006/lockedCanvas" id="{59271489-1EC6-0D4E-BF28-047FF1DDB132}"/>
+                <a16:creationId xmlns:lc="http://schemas.openxmlformats.org/drawingml/2006/lockedCanvas" xmlns:a16="http://schemas.microsoft.com/office/drawing/2014/main" xmlns="" id="{59271489-1EC6-0D4E-BF28-047FF1DDB132}"/>
               </a:ext>
             </a:extLst>
           </p:cNvPr>
@@ -7949,23 +7857,8 @@
                 </a:solidFill>
                 <a:cs typeface="(A) Arslan Wessam A" panose="03020402040406030203" pitchFamily="66" charset="-78"/>
               </a:rPr>
-              <a:t>Cognitive </a:t>
-            </a:r>
-            <a:r>
-              <a:rPr lang="en-US" sz="3600" dirty="0" smtClean="0">
-                <a:solidFill>
-                  <a:srgbClr val="004868"/>
-                </a:solidFill>
-                <a:cs typeface="(A) Arslan Wessam A" panose="03020402040406030203" pitchFamily="66" charset="-78"/>
-              </a:rPr>
-              <a:t>mindset</a:t>
-            </a:r>
-            <a:endParaRPr lang="en-US" sz="3600" dirty="0" smtClean="0">
-              <a:solidFill>
-                <a:srgbClr val="004868"/>
-              </a:solidFill>
-              <a:cs typeface="(A) Arslan Wessam A" panose="03020402040406030203" pitchFamily="66" charset="-78"/>
-            </a:endParaRPr>
+              <a:t>Cognitive mindset</a:t>
+            </a:r>
           </a:p>
           <a:p>
             <a:pPr>
@@ -8116,7 +8009,7 @@
                   <a:schemeClr val="bg1"/>
                 </a:solidFill>
               </a:rPr>
-              <a:t>12/16/2021</a:t>
+              <a:t>12/17/2021</a:t>
             </a:fld>
             <a:endParaRPr lang="en-US" sz="2400" dirty="0">
               <a:solidFill>
@@ -8695,7 +8588,7 @@
           <p:cNvPr id="7" name="Footer Placeholder 4">
             <a:extLst>
               <a:ext uri="{FF2B5EF4-FFF2-40B4-BE49-F238E27FC236}">
-                <a16:creationId xmlns="" xmlns:a16="http://schemas.microsoft.com/office/drawing/2014/main" xmlns:lc="http://schemas.openxmlformats.org/drawingml/2006/lockedCanvas" id="{59271489-1EC6-0D4E-BF28-047FF1DDB132}"/>
+                <a16:creationId xmlns:lc="http://schemas.openxmlformats.org/drawingml/2006/lockedCanvas" xmlns:a16="http://schemas.microsoft.com/office/drawing/2014/main" xmlns="" id="{59271489-1EC6-0D4E-BF28-047FF1DDB132}"/>
               </a:ext>
             </a:extLst>
           </p:cNvPr>
@@ -8933,12 +8826,6 @@
               </a:rPr>
               <a:t> &amp; FTK</a:t>
             </a:r>
-            <a:endParaRPr lang="en-US" sz="3600" dirty="0" smtClean="0">
-              <a:solidFill>
-                <a:srgbClr val="004868"/>
-              </a:solidFill>
-              <a:cs typeface="(A) Arslan Wessam A" panose="03020402040406030203" pitchFamily="66" charset="-78"/>
-            </a:endParaRPr>
           </a:p>
           <a:p>
             <a:pPr lvl="0"/>
@@ -8969,16 +8856,7 @@
                 </a:solidFill>
                 <a:cs typeface="(A) Arslan Wessam A" panose="03020402040406030203" pitchFamily="66" charset="-78"/>
               </a:rPr>
-              <a:t>Memory -&gt; </a:t>
-            </a:r>
-            <a:r>
-              <a:rPr lang="en-US" sz="3600" dirty="0" smtClean="0">
-                <a:solidFill>
-                  <a:srgbClr val="004868"/>
-                </a:solidFill>
-                <a:cs typeface="(A) Arslan Wessam A" panose="03020402040406030203" pitchFamily="66" charset="-78"/>
-              </a:rPr>
-              <a:t>volatility &amp; </a:t>
+              <a:t>Memory -&gt; volatility &amp; </a:t>
             </a:r>
             <a:r>
               <a:rPr lang="en-US" sz="3600" dirty="0" err="1" smtClean="0">
@@ -9089,7 +8967,7 @@
                   <a:schemeClr val="bg1"/>
                 </a:solidFill>
               </a:rPr>
-              <a:t>12/16/2021</a:t>
+              <a:t>12/17/2021</a:t>
             </a:fld>
             <a:endParaRPr lang="en-US" sz="2400" dirty="0">
               <a:solidFill>
@@ -9547,7 +9425,7 @@
           <p:cNvPr id="7" name="Footer Placeholder 4">
             <a:extLst>
               <a:ext uri="{FF2B5EF4-FFF2-40B4-BE49-F238E27FC236}">
-                <a16:creationId xmlns="" xmlns:a16="http://schemas.microsoft.com/office/drawing/2014/main" xmlns:lc="http://schemas.openxmlformats.org/drawingml/2006/lockedCanvas" id="{59271489-1EC6-0D4E-BF28-047FF1DDB132}"/>
+                <a16:creationId xmlns:lc="http://schemas.openxmlformats.org/drawingml/2006/lockedCanvas" xmlns:a16="http://schemas.microsoft.com/office/drawing/2014/main" xmlns="" id="{59271489-1EC6-0D4E-BF28-047FF1DDB132}"/>
               </a:ext>
             </a:extLst>
           </p:cNvPr>
@@ -9959,7 +9837,7 @@
                   <a:schemeClr val="bg1"/>
                 </a:solidFill>
               </a:rPr>
-              <a:t>12/16/2021</a:t>
+              <a:t>12/17/2021</a:t>
             </a:fld>
             <a:endParaRPr lang="en-US" sz="2400" dirty="0">
               <a:solidFill>
@@ -10624,7 +10502,7 @@
           <p:cNvPr id="7" name="Footer Placeholder 4">
             <a:extLst>
               <a:ext uri="{FF2B5EF4-FFF2-40B4-BE49-F238E27FC236}">
-                <a16:creationId xmlns="" xmlns:a16="http://schemas.microsoft.com/office/drawing/2014/main" xmlns:lc="http://schemas.openxmlformats.org/drawingml/2006/lockedCanvas" id="{59271489-1EC6-0D4E-BF28-047FF1DDB132}"/>
+                <a16:creationId xmlns:lc="http://schemas.openxmlformats.org/drawingml/2006/lockedCanvas" xmlns:a16="http://schemas.microsoft.com/office/drawing/2014/main" xmlns="" id="{59271489-1EC6-0D4E-BF28-047FF1DDB132}"/>
               </a:ext>
             </a:extLst>
           </p:cNvPr>
@@ -11174,7 +11052,7 @@
                   <a:schemeClr val="bg1"/>
                 </a:solidFill>
               </a:rPr>
-              <a:t>12/16/2021</a:t>
+              <a:t>12/17/2021</a:t>
             </a:fld>
             <a:endParaRPr lang="en-US" sz="2400" dirty="0">
               <a:solidFill>
